--- a/source/MySEProject/Documentation/Implement_the_KNN__Classifier_KNN_Quest.pptx
+++ b/source/MySEProject/Documentation/Implement_the_KNN__Classifier_KNN_Quest.pptx
@@ -3367,12 +3367,39 @@
         </p:nvSpPr>
         <p:spPr/>
         <p:txBody>
-          <a:bodyPr/>
-          <a:lstStyle/>
-          <a:p>
-            <a:r>
-              <a:rPr lang="en-US"/>
+          <a:bodyPr>
+            <a:normAutofit fontScale="85000" lnSpcReduction="20000"/>
+          </a:bodyPr>
+          <a:lstStyle/>
+          <a:p>
+            <a:r>
+              <a:rPr lang="en-US" dirty="0"/>
               <a:t>Team KNN Quest</a:t>
+            </a:r>
+          </a:p>
+          <a:p>
+            <a:r>
+              <a:rPr lang="en-US" dirty="0"/>
+              <a:t>Team members:</a:t>
+            </a:r>
+            <a:br>
+              <a:rPr lang="en-US" dirty="0"/>
+            </a:br>
+            <a:r>
+              <a:rPr lang="en-US" dirty="0"/>
+              <a:t>Kashif Hussain</a:t>
+            </a:r>
+          </a:p>
+          <a:p>
+            <a:r>
+              <a:rPr lang="en-US" dirty="0"/>
+              <a:t>Fahad Jabbar</a:t>
+            </a:r>
+          </a:p>
+          <a:p>
+            <a:r>
+              <a:rPr lang="en-US"/>
+              <a:t>Naila Shaheen</a:t>
             </a:r>
           </a:p>
         </p:txBody>

--- a/source/MySEProject/Documentation/Implement_the_KNN__Classifier_KNN_Quest.pptx
+++ b/source/MySEProject/Documentation/Implement_the_KNN__Classifier_KNN_Quest.pptx
@@ -3339,13 +3339,20 @@
         </p:nvSpPr>
         <p:spPr/>
         <p:txBody>
-          <a:bodyPr/>
+          <a:bodyPr>
+            <a:normAutofit/>
+          </a:bodyPr>
           <a:lstStyle/>
           <a:p>
             <a:r>
               <a:rPr lang="en-US" dirty="0"/>
-              <a:t>Implement the KNN Classifier</a:t>
-            </a:r>
+              <a:t>Implement the KNN Classifier </a:t>
+            </a:r>
+            <a:r>
+              <a:rPr lang="en-US" sz="1400" dirty="0"/>
+              <a:t>(Team KNN Quest)</a:t>
+            </a:r>
+            <a:endParaRPr lang="en-US" dirty="0"/>
           </a:p>
         </p:txBody>
       </p:sp>
@@ -3365,21 +3372,24 @@
             <p:ph type="subTitle" idx="1"/>
           </p:nvPr>
         </p:nvSpPr>
-        <p:spPr/>
+        <p:spPr>
+          <a:xfrm>
+            <a:off x="1524000" y="4240213"/>
+            <a:ext cx="9144000" cy="1655762"/>
+          </a:xfrm>
+        </p:spPr>
         <p:txBody>
           <a:bodyPr>
-            <a:normAutofit fontScale="85000" lnSpcReduction="20000"/>
+            <a:normAutofit fontScale="92500" lnSpcReduction="10000"/>
           </a:bodyPr>
           <a:lstStyle/>
           <a:p>
             <a:r>
-              <a:rPr lang="en-US" dirty="0"/>
-              <a:t>Team KNN Quest</a:t>
-            </a:r>
-          </a:p>
-          <a:p>
-            <a:r>
-              <a:rPr lang="en-US" dirty="0"/>
+              <a:rPr lang="en-US" sz="3300" dirty="0">
+                <a:solidFill>
+                  <a:srgbClr val="002060"/>
+                </a:solidFill>
+              </a:rPr>
               <a:t>Team members:</a:t>
             </a:r>
             <a:br>
@@ -3398,7 +3408,7 @@
           </a:p>
           <a:p>
             <a:r>
-              <a:rPr lang="en-US"/>
+              <a:rPr lang="en-US" dirty="0"/>
               <a:t>Naila Shaheen</a:t>
             </a:r>
           </a:p>

--- a/source/MySEProject/Documentation/Implement_the_KNN__Classifier_KNN_Quest.pptx
+++ b/source/MySEProject/Documentation/Implement_the_KNN__Classifier_KNN_Quest.pptx
@@ -4,8 +4,13 @@
   <p:sldMasterIdLst>
     <p:sldMasterId id="2147483648" r:id="rId1"/>
   </p:sldMasterIdLst>
+  <p:notesMasterIdLst>
+    <p:notesMasterId r:id="rId5"/>
+  </p:notesMasterIdLst>
   <p:sldIdLst>
     <p:sldId id="256" r:id="rId2"/>
+    <p:sldId id="257" r:id="rId3"/>
+    <p:sldId id="258" r:id="rId4"/>
   </p:sldIdLst>
   <p:sldSz cx="12192000" cy="6858000"/>
   <p:notesSz cx="6858000" cy="9144000"/>
@@ -104,7 +109,361 @@
       </a:defRPr>
     </a:lvl9pPr>
   </p:defaultTextStyle>
+  <p:extLst>
+    <p:ext uri="{EFAFB233-063F-42B5-8137-9DF3F51BA10A}">
+      <p15:sldGuideLst xmlns:p15="http://schemas.microsoft.com/office/powerpoint/2012/main"/>
+    </p:ext>
+  </p:extLst>
 </p:presentation>
+</file>
+
+<file path=ppt/notesMasters/notesMaster1.xml><?xml version="1.0" encoding="utf-8"?>
+<p:notesMaster xmlns:a="http://schemas.openxmlformats.org/drawingml/2006/main" xmlns:r="http://schemas.openxmlformats.org/officeDocument/2006/relationships" xmlns:p="http://schemas.openxmlformats.org/presentationml/2006/main">
+  <p:cSld>
+    <p:bg>
+      <p:bgRef idx="1001">
+        <a:schemeClr val="bg1"/>
+      </p:bgRef>
+    </p:bg>
+    <p:spTree>
+      <p:nvGrpSpPr>
+        <p:cNvPr id="1" name=""/>
+        <p:cNvGrpSpPr/>
+        <p:nvPr/>
+      </p:nvGrpSpPr>
+      <p:grpSpPr>
+        <a:xfrm>
+          <a:off x="0" y="0"/>
+          <a:ext cx="0" cy="0"/>
+          <a:chOff x="0" y="0"/>
+          <a:chExt cx="0" cy="0"/>
+        </a:xfrm>
+      </p:grpSpPr>
+      <p:sp>
+        <p:nvSpPr>
+          <p:cNvPr id="2" name="Header Placeholder 1"/>
+          <p:cNvSpPr>
+            <a:spLocks noGrp="1"/>
+          </p:cNvSpPr>
+          <p:nvPr>
+            <p:ph type="hdr" sz="quarter"/>
+          </p:nvPr>
+        </p:nvSpPr>
+        <p:spPr>
+          <a:xfrm>
+            <a:off x="0" y="0"/>
+            <a:ext cx="2971800" cy="458788"/>
+          </a:xfrm>
+          <a:prstGeom prst="rect">
+            <a:avLst/>
+          </a:prstGeom>
+        </p:spPr>
+        <p:txBody>
+          <a:bodyPr vert="horz" lIns="91440" tIns="45720" rIns="91440" bIns="45720" rtlCol="0"/>
+          <a:lstStyle>
+            <a:lvl1pPr algn="l">
+              <a:defRPr sz="1200"/>
+            </a:lvl1pPr>
+          </a:lstStyle>
+          <a:p>
+            <a:endParaRPr lang="en-US"/>
+          </a:p>
+        </p:txBody>
+      </p:sp>
+      <p:sp>
+        <p:nvSpPr>
+          <p:cNvPr id="3" name="Date Placeholder 2"/>
+          <p:cNvSpPr>
+            <a:spLocks noGrp="1"/>
+          </p:cNvSpPr>
+          <p:nvPr>
+            <p:ph type="dt" idx="1"/>
+          </p:nvPr>
+        </p:nvSpPr>
+        <p:spPr>
+          <a:xfrm>
+            <a:off x="3884613" y="0"/>
+            <a:ext cx="2971800" cy="458788"/>
+          </a:xfrm>
+          <a:prstGeom prst="rect">
+            <a:avLst/>
+          </a:prstGeom>
+        </p:spPr>
+        <p:txBody>
+          <a:bodyPr vert="horz" lIns="91440" tIns="45720" rIns="91440" bIns="45720" rtlCol="0"/>
+          <a:lstStyle>
+            <a:lvl1pPr algn="r">
+              <a:defRPr sz="1200"/>
+            </a:lvl1pPr>
+          </a:lstStyle>
+          <a:p>
+            <a:fld id="{9046BB7E-E3D5-4B6D-BECE-0345D54B8A81}" type="datetimeFigureOut">
+              <a:rPr lang="en-US" smtClean="0"/>
+              <a:t>3/24/2024</a:t>
+            </a:fld>
+            <a:endParaRPr lang="en-US"/>
+          </a:p>
+        </p:txBody>
+      </p:sp>
+      <p:sp>
+        <p:nvSpPr>
+          <p:cNvPr id="4" name="Slide Image Placeholder 3"/>
+          <p:cNvSpPr>
+            <a:spLocks noGrp="1" noRot="1" noChangeAspect="1"/>
+          </p:cNvSpPr>
+          <p:nvPr>
+            <p:ph type="sldImg" idx="2"/>
+          </p:nvPr>
+        </p:nvSpPr>
+        <p:spPr>
+          <a:xfrm>
+            <a:off x="685800" y="1143000"/>
+            <a:ext cx="5486400" cy="3086100"/>
+          </a:xfrm>
+          <a:prstGeom prst="rect">
+            <a:avLst/>
+          </a:prstGeom>
+          <a:noFill/>
+          <a:ln w="12700">
+            <a:solidFill>
+              <a:prstClr val="black"/>
+            </a:solidFill>
+          </a:ln>
+        </p:spPr>
+        <p:txBody>
+          <a:bodyPr vert="horz" lIns="91440" tIns="45720" rIns="91440" bIns="45720" rtlCol="0" anchor="ctr"/>
+          <a:lstStyle/>
+          <a:p>
+            <a:endParaRPr lang="en-US"/>
+          </a:p>
+        </p:txBody>
+      </p:sp>
+      <p:sp>
+        <p:nvSpPr>
+          <p:cNvPr id="5" name="Notes Placeholder 4"/>
+          <p:cNvSpPr>
+            <a:spLocks noGrp="1"/>
+          </p:cNvSpPr>
+          <p:nvPr>
+            <p:ph type="body" sz="quarter" idx="3"/>
+          </p:nvPr>
+        </p:nvSpPr>
+        <p:spPr>
+          <a:xfrm>
+            <a:off x="685800" y="4400550"/>
+            <a:ext cx="5486400" cy="3600450"/>
+          </a:xfrm>
+          <a:prstGeom prst="rect">
+            <a:avLst/>
+          </a:prstGeom>
+        </p:spPr>
+        <p:txBody>
+          <a:bodyPr vert="horz" lIns="91440" tIns="45720" rIns="91440" bIns="45720" rtlCol="0"/>
+          <a:lstStyle/>
+          <a:p>
+            <a:pPr lvl="0"/>
+            <a:r>
+              <a:rPr lang="en-US"/>
+              <a:t>Click to edit Master text styles</a:t>
+            </a:r>
+          </a:p>
+          <a:p>
+            <a:pPr lvl="1"/>
+            <a:r>
+              <a:rPr lang="en-US"/>
+              <a:t>Second level</a:t>
+            </a:r>
+          </a:p>
+          <a:p>
+            <a:pPr lvl="2"/>
+            <a:r>
+              <a:rPr lang="en-US"/>
+              <a:t>Third level</a:t>
+            </a:r>
+          </a:p>
+          <a:p>
+            <a:pPr lvl="3"/>
+            <a:r>
+              <a:rPr lang="en-US"/>
+              <a:t>Fourth level</a:t>
+            </a:r>
+          </a:p>
+          <a:p>
+            <a:pPr lvl="4"/>
+            <a:r>
+              <a:rPr lang="en-US"/>
+              <a:t>Fifth level</a:t>
+            </a:r>
+          </a:p>
+        </p:txBody>
+      </p:sp>
+      <p:sp>
+        <p:nvSpPr>
+          <p:cNvPr id="6" name="Footer Placeholder 5"/>
+          <p:cNvSpPr>
+            <a:spLocks noGrp="1"/>
+          </p:cNvSpPr>
+          <p:nvPr>
+            <p:ph type="ftr" sz="quarter" idx="4"/>
+          </p:nvPr>
+        </p:nvSpPr>
+        <p:spPr>
+          <a:xfrm>
+            <a:off x="0" y="8685213"/>
+            <a:ext cx="2971800" cy="458787"/>
+          </a:xfrm>
+          <a:prstGeom prst="rect">
+            <a:avLst/>
+          </a:prstGeom>
+        </p:spPr>
+        <p:txBody>
+          <a:bodyPr vert="horz" lIns="91440" tIns="45720" rIns="91440" bIns="45720" rtlCol="0" anchor="b"/>
+          <a:lstStyle>
+            <a:lvl1pPr algn="l">
+              <a:defRPr sz="1200"/>
+            </a:lvl1pPr>
+          </a:lstStyle>
+          <a:p>
+            <a:endParaRPr lang="en-US"/>
+          </a:p>
+        </p:txBody>
+      </p:sp>
+      <p:sp>
+        <p:nvSpPr>
+          <p:cNvPr id="7" name="Slide Number Placeholder 6"/>
+          <p:cNvSpPr>
+            <a:spLocks noGrp="1"/>
+          </p:cNvSpPr>
+          <p:nvPr>
+            <p:ph type="sldNum" sz="quarter" idx="5"/>
+          </p:nvPr>
+        </p:nvSpPr>
+        <p:spPr>
+          <a:xfrm>
+            <a:off x="3884613" y="8685213"/>
+            <a:ext cx="2971800" cy="458787"/>
+          </a:xfrm>
+          <a:prstGeom prst="rect">
+            <a:avLst/>
+          </a:prstGeom>
+        </p:spPr>
+        <p:txBody>
+          <a:bodyPr vert="horz" lIns="91440" tIns="45720" rIns="91440" bIns="45720" rtlCol="0" anchor="b"/>
+          <a:lstStyle>
+            <a:lvl1pPr algn="r">
+              <a:defRPr sz="1200"/>
+            </a:lvl1pPr>
+          </a:lstStyle>
+          <a:p>
+            <a:fld id="{422119F3-30C4-435A-845C-2AA91AFE93DE}" type="slidenum">
+              <a:rPr lang="en-US" smtClean="0"/>
+              <a:t>‹#›</a:t>
+            </a:fld>
+            <a:endParaRPr lang="en-US"/>
+          </a:p>
+        </p:txBody>
+      </p:sp>
+    </p:spTree>
+    <p:extLst>
+      <p:ext uri="{BB962C8B-B14F-4D97-AF65-F5344CB8AC3E}">
+        <p14:creationId xmlns:p14="http://schemas.microsoft.com/office/powerpoint/2010/main" val="1986740440"/>
+      </p:ext>
+    </p:extLst>
+  </p:cSld>
+  <p:clrMap bg1="lt1" tx1="dk1" bg2="lt2" tx2="dk2" accent1="accent1" accent2="accent2" accent3="accent3" accent4="accent4" accent5="accent5" accent6="accent6" hlink="hlink" folHlink="folHlink"/>
+  <p:notesStyle>
+    <a:lvl1pPr marL="0" algn="l" defTabSz="914400" rtl="0" eaLnBrk="1" latinLnBrk="0" hangingPunct="1">
+      <a:defRPr sz="1200" kern="1200">
+        <a:solidFill>
+          <a:schemeClr val="tx1"/>
+        </a:solidFill>
+        <a:latin typeface="+mn-lt"/>
+        <a:ea typeface="+mn-ea"/>
+        <a:cs typeface="+mn-cs"/>
+      </a:defRPr>
+    </a:lvl1pPr>
+    <a:lvl2pPr marL="457200" algn="l" defTabSz="914400" rtl="0" eaLnBrk="1" latinLnBrk="0" hangingPunct="1">
+      <a:defRPr sz="1200" kern="1200">
+        <a:solidFill>
+          <a:schemeClr val="tx1"/>
+        </a:solidFill>
+        <a:latin typeface="+mn-lt"/>
+        <a:ea typeface="+mn-ea"/>
+        <a:cs typeface="+mn-cs"/>
+      </a:defRPr>
+    </a:lvl2pPr>
+    <a:lvl3pPr marL="914400" algn="l" defTabSz="914400" rtl="0" eaLnBrk="1" latinLnBrk="0" hangingPunct="1">
+      <a:defRPr sz="1200" kern="1200">
+        <a:solidFill>
+          <a:schemeClr val="tx1"/>
+        </a:solidFill>
+        <a:latin typeface="+mn-lt"/>
+        <a:ea typeface="+mn-ea"/>
+        <a:cs typeface="+mn-cs"/>
+      </a:defRPr>
+    </a:lvl3pPr>
+    <a:lvl4pPr marL="1371600" algn="l" defTabSz="914400" rtl="0" eaLnBrk="1" latinLnBrk="0" hangingPunct="1">
+      <a:defRPr sz="1200" kern="1200">
+        <a:solidFill>
+          <a:schemeClr val="tx1"/>
+        </a:solidFill>
+        <a:latin typeface="+mn-lt"/>
+        <a:ea typeface="+mn-ea"/>
+        <a:cs typeface="+mn-cs"/>
+      </a:defRPr>
+    </a:lvl4pPr>
+    <a:lvl5pPr marL="1828800" algn="l" defTabSz="914400" rtl="0" eaLnBrk="1" latinLnBrk="0" hangingPunct="1">
+      <a:defRPr sz="1200" kern="1200">
+        <a:solidFill>
+          <a:schemeClr val="tx1"/>
+        </a:solidFill>
+        <a:latin typeface="+mn-lt"/>
+        <a:ea typeface="+mn-ea"/>
+        <a:cs typeface="+mn-cs"/>
+      </a:defRPr>
+    </a:lvl5pPr>
+    <a:lvl6pPr marL="2286000" algn="l" defTabSz="914400" rtl="0" eaLnBrk="1" latinLnBrk="0" hangingPunct="1">
+      <a:defRPr sz="1200" kern="1200">
+        <a:solidFill>
+          <a:schemeClr val="tx1"/>
+        </a:solidFill>
+        <a:latin typeface="+mn-lt"/>
+        <a:ea typeface="+mn-ea"/>
+        <a:cs typeface="+mn-cs"/>
+      </a:defRPr>
+    </a:lvl6pPr>
+    <a:lvl7pPr marL="2743200" algn="l" defTabSz="914400" rtl="0" eaLnBrk="1" latinLnBrk="0" hangingPunct="1">
+      <a:defRPr sz="1200" kern="1200">
+        <a:solidFill>
+          <a:schemeClr val="tx1"/>
+        </a:solidFill>
+        <a:latin typeface="+mn-lt"/>
+        <a:ea typeface="+mn-ea"/>
+        <a:cs typeface="+mn-cs"/>
+      </a:defRPr>
+    </a:lvl7pPr>
+    <a:lvl8pPr marL="3200400" algn="l" defTabSz="914400" rtl="0" eaLnBrk="1" latinLnBrk="0" hangingPunct="1">
+      <a:defRPr sz="1200" kern="1200">
+        <a:solidFill>
+          <a:schemeClr val="tx1"/>
+        </a:solidFill>
+        <a:latin typeface="+mn-lt"/>
+        <a:ea typeface="+mn-ea"/>
+        <a:cs typeface="+mn-cs"/>
+      </a:defRPr>
+    </a:lvl8pPr>
+    <a:lvl9pPr marL="3657600" algn="l" defTabSz="914400" rtl="0" eaLnBrk="1" latinLnBrk="0" hangingPunct="1">
+      <a:defRPr sz="1200" kern="1200">
+        <a:solidFill>
+          <a:schemeClr val="tx1"/>
+        </a:solidFill>
+        <a:latin typeface="+mn-lt"/>
+        <a:ea typeface="+mn-ea"/>
+        <a:cs typeface="+mn-cs"/>
+      </a:defRPr>
+    </a:lvl9pPr>
+  </p:notesStyle>
+</p:notesMaster>
 </file>
 
 <file path=ppt/slideLayouts/slideLayout1.xml><?xml version="1.0" encoding="utf-8"?>
@@ -137,7 +496,7 @@
             <a:spLocks noGrp="1"/>
           </p:cNvSpPr>
           <p:nvPr>
-            <p:ph type="ctrTitle"/>
+            <p:ph type="ctrTitle" hasCustomPrompt="1"/>
           </p:nvPr>
         </p:nvSpPr>
         <p:spPr>
@@ -150,13 +509,16 @@
           <a:bodyPr anchor="b"/>
           <a:lstStyle>
             <a:lvl1pPr algn="ctr">
-              <a:defRPr sz="6000"/>
+              <a:defRPr sz="6000">
+                <a:latin typeface="Arial" panose="020B0604020202020204" pitchFamily="34" charset="0"/>
+                <a:cs typeface="Arial" panose="020B0604020202020204" pitchFamily="34" charset="0"/>
+              </a:defRPr>
             </a:lvl1pPr>
           </a:lstStyle>
           <a:p>
             <a:r>
-              <a:rPr lang="en-US"/>
-              <a:t>Click to edit Master title style</a:t>
+              <a:rPr lang="en-US" dirty="0"/>
+              <a:t>Implement the KNN Classifier</a:t>
             </a:r>
           </a:p>
         </p:txBody>
@@ -174,13 +536,13 @@
             <a:spLocks noGrp="1"/>
           </p:cNvSpPr>
           <p:nvPr>
-            <p:ph type="subTitle" idx="1"/>
+            <p:ph type="subTitle" idx="1" hasCustomPrompt="1"/>
           </p:nvPr>
         </p:nvSpPr>
         <p:spPr>
           <a:xfrm>
-            <a:off x="1524000" y="3602038"/>
-            <a:ext cx="9144000" cy="1655762"/>
+            <a:off x="1524000" y="3602037"/>
+            <a:ext cx="9144000" cy="2387599"/>
           </a:xfrm>
         </p:spPr>
         <p:txBody>
@@ -225,9 +587,38 @@
           </a:lstStyle>
           <a:p>
             <a:r>
-              <a:rPr lang="en-US"/>
-              <a:t>Click to edit Master subtitle style</a:t>
-            </a:r>
+              <a:rPr lang="en-US" dirty="0"/>
+              <a:t>Presented by KNN Quest</a:t>
+            </a:r>
+          </a:p>
+          <a:p>
+            <a:r>
+              <a:rPr lang="en-US" dirty="0"/>
+              <a:t>Kashif Hussain  - M#</a:t>
+            </a:r>
+          </a:p>
+          <a:p>
+            <a:r>
+              <a:rPr lang="en-US" dirty="0"/>
+              <a:t>Fahad Jabbar – M#</a:t>
+            </a:r>
+          </a:p>
+          <a:p>
+            <a:r>
+              <a:rPr lang="en-US" dirty="0"/>
+              <a:t>Naila Shaheen – M#</a:t>
+            </a:r>
+          </a:p>
+          <a:p>
+            <a:r>
+              <a:rPr lang="en-US" dirty="0"/>
+              <a:t>                                                                        Guided by Prof. Dr. Damir </a:t>
+            </a:r>
+            <a:r>
+              <a:rPr lang="en-US" dirty="0" err="1"/>
+              <a:t>Dobric</a:t>
+            </a:r>
+            <a:endParaRPr lang="en-US" dirty="0"/>
           </a:p>
         </p:txBody>
       </p:sp>
@@ -250,13 +641,17 @@
         <p:spPr/>
         <p:txBody>
           <a:bodyPr/>
-          <a:lstStyle/>
-          <a:p>
-            <a:fld id="{8B038832-51DE-4940-9CEC-CF717FE6CECB}" type="datetimeFigureOut">
-              <a:rPr lang="en-US" smtClean="0"/>
-              <a:t>3/23/2024</a:t>
+          <a:lstStyle>
+            <a:lvl1pPr>
+              <a:defRPr/>
+            </a:lvl1pPr>
+          </a:lstStyle>
+          <a:p>
+            <a:fld id="{A8EF2C91-D8EB-49E6-A745-680FC1324D43}" type="datetime1">
+              <a:rPr lang="de-DE" smtClean="0"/>
+              <a:t>24.03.2024</a:t>
             </a:fld>
-            <a:endParaRPr lang="en-US"/>
+            <a:endParaRPr lang="en-US" dirty="0"/>
           </a:p>
         </p:txBody>
       </p:sp>
@@ -281,7 +676,7 @@
           <a:bodyPr/>
           <a:lstStyle/>
           <a:p>
-            <a:endParaRPr lang="en-US"/>
+            <a:endParaRPr lang="en-US" dirty="0"/>
           </a:p>
         </p:txBody>
       </p:sp>
@@ -310,10 +705,55 @@
               <a:rPr lang="en-US" smtClean="0"/>
               <a:t>‹#›</a:t>
             </a:fld>
-            <a:endParaRPr lang="en-US"/>
-          </a:p>
-        </p:txBody>
-      </p:sp>
+            <a:endParaRPr lang="en-US" dirty="0"/>
+          </a:p>
+        </p:txBody>
+      </p:sp>
+      <p:pic>
+        <p:nvPicPr>
+          <p:cNvPr id="2050" name="Picture 2" descr="Frankfurt University of Applied Sciences (@FrankfurtUAS) / X">
+            <a:extLst>
+              <a:ext uri="{FF2B5EF4-FFF2-40B4-BE49-F238E27FC236}">
+                <a16:creationId xmlns:a16="http://schemas.microsoft.com/office/drawing/2014/main" id="{A48401DE-69F3-1A47-A90A-55CBBBA72C07}"/>
+              </a:ext>
+            </a:extLst>
+          </p:cNvPr>
+          <p:cNvPicPr>
+            <a:picLocks noChangeAspect="1" noChangeArrowheads="1"/>
+          </p:cNvPicPr>
+          <p:nvPr userDrawn="1"/>
+        </p:nvPicPr>
+        <p:blipFill rotWithShape="1">
+          <a:blip r:embed="rId2">
+            <a:extLst>
+              <a:ext uri="{28A0092B-C50C-407E-A947-70E740481C1C}">
+                <a14:useLocalDpi xmlns:a14="http://schemas.microsoft.com/office/drawing/2010/main" val="0"/>
+              </a:ext>
+            </a:extLst>
+          </a:blip>
+          <a:srcRect l="883" t="28064" r="407" b="25907"/>
+          <a:stretch/>
+        </p:blipFill>
+        <p:spPr bwMode="auto">
+          <a:xfrm>
+            <a:off x="10469654" y="72957"/>
+            <a:ext cx="1663981" cy="775915"/>
+          </a:xfrm>
+          <a:prstGeom prst="rect">
+            <a:avLst/>
+          </a:prstGeom>
+          <a:noFill/>
+          <a:extLst>
+            <a:ext uri="{909E8E84-426E-40DD-AFC4-6F175D3DCCD1}">
+              <a14:hiddenFill xmlns:a14="http://schemas.microsoft.com/office/drawing/2010/main">
+                <a:solidFill>
+                  <a:srgbClr val="FFFFFF"/>
+                </a:solidFill>
+              </a14:hiddenFill>
+            </a:ext>
+          </a:extLst>
+        </p:spPr>
+      </p:pic>
     </p:spTree>
     <p:extLst>
       <p:ext uri="{BB962C8B-B14F-4D97-AF65-F5344CB8AC3E}">
@@ -328,204 +768,6 @@
 </file>
 
 <file path=ppt/slideLayouts/slideLayout10.xml><?xml version="1.0" encoding="utf-8"?>
-<p:sldLayout xmlns:a="http://schemas.openxmlformats.org/drawingml/2006/main" xmlns:r="http://schemas.openxmlformats.org/officeDocument/2006/relationships" xmlns:p="http://schemas.openxmlformats.org/presentationml/2006/main" type="vertTx" preserve="1">
-  <p:cSld name="Title and Vertical Text">
-    <p:spTree>
-      <p:nvGrpSpPr>
-        <p:cNvPr id="1" name=""/>
-        <p:cNvGrpSpPr/>
-        <p:nvPr/>
-      </p:nvGrpSpPr>
-      <p:grpSpPr>
-        <a:xfrm>
-          <a:off x="0" y="0"/>
-          <a:ext cx="0" cy="0"/>
-          <a:chOff x="0" y="0"/>
-          <a:chExt cx="0" cy="0"/>
-        </a:xfrm>
-      </p:grpSpPr>
-      <p:sp>
-        <p:nvSpPr>
-          <p:cNvPr id="2" name="Title 1">
-            <a:extLst>
-              <a:ext uri="{FF2B5EF4-FFF2-40B4-BE49-F238E27FC236}">
-                <a16:creationId xmlns:a16="http://schemas.microsoft.com/office/drawing/2014/main" id="{3DA5E5BC-2058-F485-9D41-ED91BECFA4ED}"/>
-              </a:ext>
-            </a:extLst>
-          </p:cNvPr>
-          <p:cNvSpPr>
-            <a:spLocks noGrp="1"/>
-          </p:cNvSpPr>
-          <p:nvPr>
-            <p:ph type="title"/>
-          </p:nvPr>
-        </p:nvSpPr>
-        <p:spPr/>
-        <p:txBody>
-          <a:bodyPr/>
-          <a:lstStyle/>
-          <a:p>
-            <a:r>
-              <a:rPr lang="en-US"/>
-              <a:t>Click to edit Master title style</a:t>
-            </a:r>
-          </a:p>
-        </p:txBody>
-      </p:sp>
-      <p:sp>
-        <p:nvSpPr>
-          <p:cNvPr id="3" name="Vertical Text Placeholder 2">
-            <a:extLst>
-              <a:ext uri="{FF2B5EF4-FFF2-40B4-BE49-F238E27FC236}">
-                <a16:creationId xmlns:a16="http://schemas.microsoft.com/office/drawing/2014/main" id="{1634B8C4-5FA2-D698-F368-4D8B4ADDFCDE}"/>
-              </a:ext>
-            </a:extLst>
-          </p:cNvPr>
-          <p:cNvSpPr>
-            <a:spLocks noGrp="1"/>
-          </p:cNvSpPr>
-          <p:nvPr>
-            <p:ph type="body" orient="vert" idx="1"/>
-          </p:nvPr>
-        </p:nvSpPr>
-        <p:spPr/>
-        <p:txBody>
-          <a:bodyPr vert="eaVert"/>
-          <a:lstStyle/>
-          <a:p>
-            <a:pPr lvl="0"/>
-            <a:r>
-              <a:rPr lang="en-US"/>
-              <a:t>Click to edit Master text styles</a:t>
-            </a:r>
-          </a:p>
-          <a:p>
-            <a:pPr lvl="1"/>
-            <a:r>
-              <a:rPr lang="en-US"/>
-              <a:t>Second level</a:t>
-            </a:r>
-          </a:p>
-          <a:p>
-            <a:pPr lvl="2"/>
-            <a:r>
-              <a:rPr lang="en-US"/>
-              <a:t>Third level</a:t>
-            </a:r>
-          </a:p>
-          <a:p>
-            <a:pPr lvl="3"/>
-            <a:r>
-              <a:rPr lang="en-US"/>
-              <a:t>Fourth level</a:t>
-            </a:r>
-          </a:p>
-          <a:p>
-            <a:pPr lvl="4"/>
-            <a:r>
-              <a:rPr lang="en-US"/>
-              <a:t>Fifth level</a:t>
-            </a:r>
-          </a:p>
-        </p:txBody>
-      </p:sp>
-      <p:sp>
-        <p:nvSpPr>
-          <p:cNvPr id="4" name="Date Placeholder 3">
-            <a:extLst>
-              <a:ext uri="{FF2B5EF4-FFF2-40B4-BE49-F238E27FC236}">
-                <a16:creationId xmlns:a16="http://schemas.microsoft.com/office/drawing/2014/main" id="{23A2A7CA-3FF6-C57C-976F-9F50E660C17C}"/>
-              </a:ext>
-            </a:extLst>
-          </p:cNvPr>
-          <p:cNvSpPr>
-            <a:spLocks noGrp="1"/>
-          </p:cNvSpPr>
-          <p:nvPr>
-            <p:ph type="dt" sz="half" idx="10"/>
-          </p:nvPr>
-        </p:nvSpPr>
-        <p:spPr/>
-        <p:txBody>
-          <a:bodyPr/>
-          <a:lstStyle/>
-          <a:p>
-            <a:fld id="{8B038832-51DE-4940-9CEC-CF717FE6CECB}" type="datetimeFigureOut">
-              <a:rPr lang="en-US" smtClean="0"/>
-              <a:t>3/23/2024</a:t>
-            </a:fld>
-            <a:endParaRPr lang="en-US"/>
-          </a:p>
-        </p:txBody>
-      </p:sp>
-      <p:sp>
-        <p:nvSpPr>
-          <p:cNvPr id="5" name="Footer Placeholder 4">
-            <a:extLst>
-              <a:ext uri="{FF2B5EF4-FFF2-40B4-BE49-F238E27FC236}">
-                <a16:creationId xmlns:a16="http://schemas.microsoft.com/office/drawing/2014/main" id="{615CDE6D-A9E9-9445-D3D3-5F040A510AB2}"/>
-              </a:ext>
-            </a:extLst>
-          </p:cNvPr>
-          <p:cNvSpPr>
-            <a:spLocks noGrp="1"/>
-          </p:cNvSpPr>
-          <p:nvPr>
-            <p:ph type="ftr" sz="quarter" idx="11"/>
-          </p:nvPr>
-        </p:nvSpPr>
-        <p:spPr/>
-        <p:txBody>
-          <a:bodyPr/>
-          <a:lstStyle/>
-          <a:p>
-            <a:endParaRPr lang="en-US"/>
-          </a:p>
-        </p:txBody>
-      </p:sp>
-      <p:sp>
-        <p:nvSpPr>
-          <p:cNvPr id="6" name="Slide Number Placeholder 5">
-            <a:extLst>
-              <a:ext uri="{FF2B5EF4-FFF2-40B4-BE49-F238E27FC236}">
-                <a16:creationId xmlns:a16="http://schemas.microsoft.com/office/drawing/2014/main" id="{ACE73FED-9719-E623-BA4A-25861D13FED0}"/>
-              </a:ext>
-            </a:extLst>
-          </p:cNvPr>
-          <p:cNvSpPr>
-            <a:spLocks noGrp="1"/>
-          </p:cNvSpPr>
-          <p:nvPr>
-            <p:ph type="sldNum" sz="quarter" idx="12"/>
-          </p:nvPr>
-        </p:nvSpPr>
-        <p:spPr/>
-        <p:txBody>
-          <a:bodyPr/>
-          <a:lstStyle/>
-          <a:p>
-            <a:fld id="{DDE4B26F-E58A-4C83-9619-68F81596DFD8}" type="slidenum">
-              <a:rPr lang="en-US" smtClean="0"/>
-              <a:t>‹#›</a:t>
-            </a:fld>
-            <a:endParaRPr lang="en-US"/>
-          </a:p>
-        </p:txBody>
-      </p:sp>
-    </p:spTree>
-    <p:extLst>
-      <p:ext uri="{BB962C8B-B14F-4D97-AF65-F5344CB8AC3E}">
-        <p14:creationId xmlns:p14="http://schemas.microsoft.com/office/powerpoint/2010/main" val="1866038492"/>
-      </p:ext>
-    </p:extLst>
-  </p:cSld>
-  <p:clrMapOvr>
-    <a:masterClrMapping/>
-  </p:clrMapOvr>
-</p:sldLayout>
-</file>
-
-<file path=ppt/slideLayouts/slideLayout11.xml><?xml version="1.0" encoding="utf-8"?>
 <p:sldLayout xmlns:a="http://schemas.openxmlformats.org/drawingml/2006/main" xmlns:r="http://schemas.openxmlformats.org/officeDocument/2006/relationships" xmlns:p="http://schemas.openxmlformats.org/presentationml/2006/main" type="vertTitleAndTx" preserve="1">
   <p:cSld name="Vertical Title and Text">
     <p:spTree>
@@ -658,9 +900,9 @@
           <a:bodyPr/>
           <a:lstStyle/>
           <a:p>
-            <a:fld id="{8B038832-51DE-4940-9CEC-CF717FE6CECB}" type="datetimeFigureOut">
-              <a:rPr lang="en-US" smtClean="0"/>
-              <a:t>3/23/2024</a:t>
+            <a:fld id="{E8776AC1-21BA-4742-907D-CF3A5A7F771C}" type="datetime1">
+              <a:rPr lang="de-DE" smtClean="0"/>
+              <a:t>24.03.2024</a:t>
             </a:fld>
             <a:endParaRPr lang="en-US"/>
           </a:p>
@@ -856,9 +1098,9 @@
           <a:bodyPr/>
           <a:lstStyle/>
           <a:p>
-            <a:fld id="{8B038832-51DE-4940-9CEC-CF717FE6CECB}" type="datetimeFigureOut">
-              <a:rPr lang="en-US" smtClean="0"/>
-              <a:t>3/23/2024</a:t>
+            <a:fld id="{89E62C9B-B452-4322-936F-91A12848BB5E}" type="datetime1">
+              <a:rPr lang="de-DE" smtClean="0"/>
+              <a:t>24.03.2024</a:t>
             </a:fld>
             <a:endParaRPr lang="en-US"/>
           </a:p>
@@ -1131,9 +1373,9 @@
           <a:bodyPr/>
           <a:lstStyle/>
           <a:p>
-            <a:fld id="{8B038832-51DE-4940-9CEC-CF717FE6CECB}" type="datetimeFigureOut">
-              <a:rPr lang="en-US" smtClean="0"/>
-              <a:t>3/23/2024</a:t>
+            <a:fld id="{5961E691-AD5D-46F6-9361-588612D53B7A}" type="datetime1">
+              <a:rPr lang="de-DE" smtClean="0"/>
+              <a:t>24.03.2024</a:t>
             </a:fld>
             <a:endParaRPr lang="en-US"/>
           </a:p>
@@ -1396,9 +1638,9 @@
           <a:bodyPr/>
           <a:lstStyle/>
           <a:p>
-            <a:fld id="{8B038832-51DE-4940-9CEC-CF717FE6CECB}" type="datetimeFigureOut">
-              <a:rPr lang="en-US" smtClean="0"/>
-              <a:t>3/23/2024</a:t>
+            <a:fld id="{315BCC09-E684-4A9A-B87A-22B1BBC9075B}" type="datetime1">
+              <a:rPr lang="de-DE" smtClean="0"/>
+              <a:t>24.03.2024</a:t>
             </a:fld>
             <a:endParaRPr lang="en-US"/>
           </a:p>
@@ -1472,418 +1714,6 @@
 </file>
 
 <file path=ppt/slideLayouts/slideLayout5.xml><?xml version="1.0" encoding="utf-8"?>
-<p:sldLayout xmlns:a="http://schemas.openxmlformats.org/drawingml/2006/main" xmlns:r="http://schemas.openxmlformats.org/officeDocument/2006/relationships" xmlns:p="http://schemas.openxmlformats.org/presentationml/2006/main" type="twoTxTwoObj" preserve="1">
-  <p:cSld name="Comparison">
-    <p:spTree>
-      <p:nvGrpSpPr>
-        <p:cNvPr id="1" name=""/>
-        <p:cNvGrpSpPr/>
-        <p:nvPr/>
-      </p:nvGrpSpPr>
-      <p:grpSpPr>
-        <a:xfrm>
-          <a:off x="0" y="0"/>
-          <a:ext cx="0" cy="0"/>
-          <a:chOff x="0" y="0"/>
-          <a:chExt cx="0" cy="0"/>
-        </a:xfrm>
-      </p:grpSpPr>
-      <p:sp>
-        <p:nvSpPr>
-          <p:cNvPr id="2" name="Title 1">
-            <a:extLst>
-              <a:ext uri="{FF2B5EF4-FFF2-40B4-BE49-F238E27FC236}">
-                <a16:creationId xmlns:a16="http://schemas.microsoft.com/office/drawing/2014/main" id="{FD58DE68-CE05-7F7D-8E46-F20913A2AB17}"/>
-              </a:ext>
-            </a:extLst>
-          </p:cNvPr>
-          <p:cNvSpPr>
-            <a:spLocks noGrp="1"/>
-          </p:cNvSpPr>
-          <p:nvPr>
-            <p:ph type="title"/>
-          </p:nvPr>
-        </p:nvSpPr>
-        <p:spPr>
-          <a:xfrm>
-            <a:off x="839788" y="365125"/>
-            <a:ext cx="10515600" cy="1325563"/>
-          </a:xfrm>
-        </p:spPr>
-        <p:txBody>
-          <a:bodyPr/>
-          <a:lstStyle/>
-          <a:p>
-            <a:r>
-              <a:rPr lang="en-US"/>
-              <a:t>Click to edit Master title style</a:t>
-            </a:r>
-          </a:p>
-        </p:txBody>
-      </p:sp>
-      <p:sp>
-        <p:nvSpPr>
-          <p:cNvPr id="3" name="Text Placeholder 2">
-            <a:extLst>
-              <a:ext uri="{FF2B5EF4-FFF2-40B4-BE49-F238E27FC236}">
-                <a16:creationId xmlns:a16="http://schemas.microsoft.com/office/drawing/2014/main" id="{34AF168E-C960-BCB3-74C8-1398ED9D4256}"/>
-              </a:ext>
-            </a:extLst>
-          </p:cNvPr>
-          <p:cNvSpPr>
-            <a:spLocks noGrp="1"/>
-          </p:cNvSpPr>
-          <p:nvPr>
-            <p:ph type="body" idx="1"/>
-          </p:nvPr>
-        </p:nvSpPr>
-        <p:spPr>
-          <a:xfrm>
-            <a:off x="839788" y="1681163"/>
-            <a:ext cx="5157787" cy="823912"/>
-          </a:xfrm>
-        </p:spPr>
-        <p:txBody>
-          <a:bodyPr anchor="b"/>
-          <a:lstStyle>
-            <a:lvl1pPr marL="0" indent="0">
-              <a:buNone/>
-              <a:defRPr sz="2400" b="1"/>
-            </a:lvl1pPr>
-            <a:lvl2pPr marL="457200" indent="0">
-              <a:buNone/>
-              <a:defRPr sz="2000" b="1"/>
-            </a:lvl2pPr>
-            <a:lvl3pPr marL="914400" indent="0">
-              <a:buNone/>
-              <a:defRPr sz="1800" b="1"/>
-            </a:lvl3pPr>
-            <a:lvl4pPr marL="1371600" indent="0">
-              <a:buNone/>
-              <a:defRPr sz="1600" b="1"/>
-            </a:lvl4pPr>
-            <a:lvl5pPr marL="1828800" indent="0">
-              <a:buNone/>
-              <a:defRPr sz="1600" b="1"/>
-            </a:lvl5pPr>
-            <a:lvl6pPr marL="2286000" indent="0">
-              <a:buNone/>
-              <a:defRPr sz="1600" b="1"/>
-            </a:lvl6pPr>
-            <a:lvl7pPr marL="2743200" indent="0">
-              <a:buNone/>
-              <a:defRPr sz="1600" b="1"/>
-            </a:lvl7pPr>
-            <a:lvl8pPr marL="3200400" indent="0">
-              <a:buNone/>
-              <a:defRPr sz="1600" b="1"/>
-            </a:lvl8pPr>
-            <a:lvl9pPr marL="3657600" indent="0">
-              <a:buNone/>
-              <a:defRPr sz="1600" b="1"/>
-            </a:lvl9pPr>
-          </a:lstStyle>
-          <a:p>
-            <a:pPr lvl="0"/>
-            <a:r>
-              <a:rPr lang="en-US"/>
-              <a:t>Click to edit Master text styles</a:t>
-            </a:r>
-          </a:p>
-        </p:txBody>
-      </p:sp>
-      <p:sp>
-        <p:nvSpPr>
-          <p:cNvPr id="4" name="Content Placeholder 3">
-            <a:extLst>
-              <a:ext uri="{FF2B5EF4-FFF2-40B4-BE49-F238E27FC236}">
-                <a16:creationId xmlns:a16="http://schemas.microsoft.com/office/drawing/2014/main" id="{10743C30-6C1A-EDAD-6D37-5852C550BB18}"/>
-              </a:ext>
-            </a:extLst>
-          </p:cNvPr>
-          <p:cNvSpPr>
-            <a:spLocks noGrp="1"/>
-          </p:cNvSpPr>
-          <p:nvPr>
-            <p:ph sz="half" idx="2"/>
-          </p:nvPr>
-        </p:nvSpPr>
-        <p:spPr>
-          <a:xfrm>
-            <a:off x="839788" y="2505075"/>
-            <a:ext cx="5157787" cy="3684588"/>
-          </a:xfrm>
-        </p:spPr>
-        <p:txBody>
-          <a:bodyPr/>
-          <a:lstStyle/>
-          <a:p>
-            <a:pPr lvl="0"/>
-            <a:r>
-              <a:rPr lang="en-US"/>
-              <a:t>Click to edit Master text styles</a:t>
-            </a:r>
-          </a:p>
-          <a:p>
-            <a:pPr lvl="1"/>
-            <a:r>
-              <a:rPr lang="en-US"/>
-              <a:t>Second level</a:t>
-            </a:r>
-          </a:p>
-          <a:p>
-            <a:pPr lvl="2"/>
-            <a:r>
-              <a:rPr lang="en-US"/>
-              <a:t>Third level</a:t>
-            </a:r>
-          </a:p>
-          <a:p>
-            <a:pPr lvl="3"/>
-            <a:r>
-              <a:rPr lang="en-US"/>
-              <a:t>Fourth level</a:t>
-            </a:r>
-          </a:p>
-          <a:p>
-            <a:pPr lvl="4"/>
-            <a:r>
-              <a:rPr lang="en-US"/>
-              <a:t>Fifth level</a:t>
-            </a:r>
-          </a:p>
-        </p:txBody>
-      </p:sp>
-      <p:sp>
-        <p:nvSpPr>
-          <p:cNvPr id="5" name="Text Placeholder 4">
-            <a:extLst>
-              <a:ext uri="{FF2B5EF4-FFF2-40B4-BE49-F238E27FC236}">
-                <a16:creationId xmlns:a16="http://schemas.microsoft.com/office/drawing/2014/main" id="{A3BEC889-0E09-8748-8452-C25E145A88EB}"/>
-              </a:ext>
-            </a:extLst>
-          </p:cNvPr>
-          <p:cNvSpPr>
-            <a:spLocks noGrp="1"/>
-          </p:cNvSpPr>
-          <p:nvPr>
-            <p:ph type="body" sz="quarter" idx="3"/>
-          </p:nvPr>
-        </p:nvSpPr>
-        <p:spPr>
-          <a:xfrm>
-            <a:off x="6172200" y="1681163"/>
-            <a:ext cx="5183188" cy="823912"/>
-          </a:xfrm>
-        </p:spPr>
-        <p:txBody>
-          <a:bodyPr anchor="b"/>
-          <a:lstStyle>
-            <a:lvl1pPr marL="0" indent="0">
-              <a:buNone/>
-              <a:defRPr sz="2400" b="1"/>
-            </a:lvl1pPr>
-            <a:lvl2pPr marL="457200" indent="0">
-              <a:buNone/>
-              <a:defRPr sz="2000" b="1"/>
-            </a:lvl2pPr>
-            <a:lvl3pPr marL="914400" indent="0">
-              <a:buNone/>
-              <a:defRPr sz="1800" b="1"/>
-            </a:lvl3pPr>
-            <a:lvl4pPr marL="1371600" indent="0">
-              <a:buNone/>
-              <a:defRPr sz="1600" b="1"/>
-            </a:lvl4pPr>
-            <a:lvl5pPr marL="1828800" indent="0">
-              <a:buNone/>
-              <a:defRPr sz="1600" b="1"/>
-            </a:lvl5pPr>
-            <a:lvl6pPr marL="2286000" indent="0">
-              <a:buNone/>
-              <a:defRPr sz="1600" b="1"/>
-            </a:lvl6pPr>
-            <a:lvl7pPr marL="2743200" indent="0">
-              <a:buNone/>
-              <a:defRPr sz="1600" b="1"/>
-            </a:lvl7pPr>
-            <a:lvl8pPr marL="3200400" indent="0">
-              <a:buNone/>
-              <a:defRPr sz="1600" b="1"/>
-            </a:lvl8pPr>
-            <a:lvl9pPr marL="3657600" indent="0">
-              <a:buNone/>
-              <a:defRPr sz="1600" b="1"/>
-            </a:lvl9pPr>
-          </a:lstStyle>
-          <a:p>
-            <a:pPr lvl="0"/>
-            <a:r>
-              <a:rPr lang="en-US"/>
-              <a:t>Click to edit Master text styles</a:t>
-            </a:r>
-          </a:p>
-        </p:txBody>
-      </p:sp>
-      <p:sp>
-        <p:nvSpPr>
-          <p:cNvPr id="6" name="Content Placeholder 5">
-            <a:extLst>
-              <a:ext uri="{FF2B5EF4-FFF2-40B4-BE49-F238E27FC236}">
-                <a16:creationId xmlns:a16="http://schemas.microsoft.com/office/drawing/2014/main" id="{A9FD3A66-09FF-FBC0-423A-20AC3262919D}"/>
-              </a:ext>
-            </a:extLst>
-          </p:cNvPr>
-          <p:cNvSpPr>
-            <a:spLocks noGrp="1"/>
-          </p:cNvSpPr>
-          <p:nvPr>
-            <p:ph sz="quarter" idx="4"/>
-          </p:nvPr>
-        </p:nvSpPr>
-        <p:spPr>
-          <a:xfrm>
-            <a:off x="6172200" y="2505075"/>
-            <a:ext cx="5183188" cy="3684588"/>
-          </a:xfrm>
-        </p:spPr>
-        <p:txBody>
-          <a:bodyPr/>
-          <a:lstStyle/>
-          <a:p>
-            <a:pPr lvl="0"/>
-            <a:r>
-              <a:rPr lang="en-US"/>
-              <a:t>Click to edit Master text styles</a:t>
-            </a:r>
-          </a:p>
-          <a:p>
-            <a:pPr lvl="1"/>
-            <a:r>
-              <a:rPr lang="en-US"/>
-              <a:t>Second level</a:t>
-            </a:r>
-          </a:p>
-          <a:p>
-            <a:pPr lvl="2"/>
-            <a:r>
-              <a:rPr lang="en-US"/>
-              <a:t>Third level</a:t>
-            </a:r>
-          </a:p>
-          <a:p>
-            <a:pPr lvl="3"/>
-            <a:r>
-              <a:rPr lang="en-US"/>
-              <a:t>Fourth level</a:t>
-            </a:r>
-          </a:p>
-          <a:p>
-            <a:pPr lvl="4"/>
-            <a:r>
-              <a:rPr lang="en-US"/>
-              <a:t>Fifth level</a:t>
-            </a:r>
-          </a:p>
-        </p:txBody>
-      </p:sp>
-      <p:sp>
-        <p:nvSpPr>
-          <p:cNvPr id="7" name="Date Placeholder 6">
-            <a:extLst>
-              <a:ext uri="{FF2B5EF4-FFF2-40B4-BE49-F238E27FC236}">
-                <a16:creationId xmlns:a16="http://schemas.microsoft.com/office/drawing/2014/main" id="{9AAEEA9F-0438-0F22-C912-45AB9D9B10F3}"/>
-              </a:ext>
-            </a:extLst>
-          </p:cNvPr>
-          <p:cNvSpPr>
-            <a:spLocks noGrp="1"/>
-          </p:cNvSpPr>
-          <p:nvPr>
-            <p:ph type="dt" sz="half" idx="10"/>
-          </p:nvPr>
-        </p:nvSpPr>
-        <p:spPr/>
-        <p:txBody>
-          <a:bodyPr/>
-          <a:lstStyle/>
-          <a:p>
-            <a:fld id="{8B038832-51DE-4940-9CEC-CF717FE6CECB}" type="datetimeFigureOut">
-              <a:rPr lang="en-US" smtClean="0"/>
-              <a:t>3/23/2024</a:t>
-            </a:fld>
-            <a:endParaRPr lang="en-US"/>
-          </a:p>
-        </p:txBody>
-      </p:sp>
-      <p:sp>
-        <p:nvSpPr>
-          <p:cNvPr id="8" name="Footer Placeholder 7">
-            <a:extLst>
-              <a:ext uri="{FF2B5EF4-FFF2-40B4-BE49-F238E27FC236}">
-                <a16:creationId xmlns:a16="http://schemas.microsoft.com/office/drawing/2014/main" id="{8C83BD61-BCBF-BA99-9BAD-5081DB55F9C6}"/>
-              </a:ext>
-            </a:extLst>
-          </p:cNvPr>
-          <p:cNvSpPr>
-            <a:spLocks noGrp="1"/>
-          </p:cNvSpPr>
-          <p:nvPr>
-            <p:ph type="ftr" sz="quarter" idx="11"/>
-          </p:nvPr>
-        </p:nvSpPr>
-        <p:spPr/>
-        <p:txBody>
-          <a:bodyPr/>
-          <a:lstStyle/>
-          <a:p>
-            <a:endParaRPr lang="en-US"/>
-          </a:p>
-        </p:txBody>
-      </p:sp>
-      <p:sp>
-        <p:nvSpPr>
-          <p:cNvPr id="9" name="Slide Number Placeholder 8">
-            <a:extLst>
-              <a:ext uri="{FF2B5EF4-FFF2-40B4-BE49-F238E27FC236}">
-                <a16:creationId xmlns:a16="http://schemas.microsoft.com/office/drawing/2014/main" id="{1755F939-507A-1A96-C5DE-59B0BF29F6D6}"/>
-              </a:ext>
-            </a:extLst>
-          </p:cNvPr>
-          <p:cNvSpPr>
-            <a:spLocks noGrp="1"/>
-          </p:cNvSpPr>
-          <p:nvPr>
-            <p:ph type="sldNum" sz="quarter" idx="12"/>
-          </p:nvPr>
-        </p:nvSpPr>
-        <p:spPr/>
-        <p:txBody>
-          <a:bodyPr/>
-          <a:lstStyle/>
-          <a:p>
-            <a:fld id="{DDE4B26F-E58A-4C83-9619-68F81596DFD8}" type="slidenum">
-              <a:rPr lang="en-US" smtClean="0"/>
-              <a:t>‹#›</a:t>
-            </a:fld>
-            <a:endParaRPr lang="en-US"/>
-          </a:p>
-        </p:txBody>
-      </p:sp>
-    </p:spTree>
-    <p:extLst>
-      <p:ext uri="{BB962C8B-B14F-4D97-AF65-F5344CB8AC3E}">
-        <p14:creationId xmlns:p14="http://schemas.microsoft.com/office/powerpoint/2010/main" val="2112660588"/>
-      </p:ext>
-    </p:extLst>
-  </p:cSld>
-  <p:clrMapOvr>
-    <a:masterClrMapping/>
-  </p:clrMapOvr>
-</p:sldLayout>
-</file>
-
-<file path=ppt/slideLayouts/slideLayout6.xml><?xml version="1.0" encoding="utf-8"?>
 <p:sldLayout xmlns:a="http://schemas.openxmlformats.org/drawingml/2006/main" xmlns:r="http://schemas.openxmlformats.org/officeDocument/2006/relationships" xmlns:p="http://schemas.openxmlformats.org/presentationml/2006/main" type="titleOnly" preserve="1">
   <p:cSld name="Title Only">
     <p:spTree>
@@ -1949,9 +1779,9 @@
           <a:bodyPr/>
           <a:lstStyle/>
           <a:p>
-            <a:fld id="{8B038832-51DE-4940-9CEC-CF717FE6CECB}" type="datetimeFigureOut">
-              <a:rPr lang="en-US" smtClean="0"/>
-              <a:t>3/23/2024</a:t>
+            <a:fld id="{275A2FA2-BCD0-4233-AECD-5E2831B6880F}" type="datetime1">
+              <a:rPr lang="de-DE" smtClean="0"/>
+              <a:t>24.03.2024</a:t>
             </a:fld>
             <a:endParaRPr lang="en-US"/>
           </a:p>
@@ -2024,7 +1854,7 @@
 </p:sldLayout>
 </file>
 
-<file path=ppt/slideLayouts/slideLayout7.xml><?xml version="1.0" encoding="utf-8"?>
+<file path=ppt/slideLayouts/slideLayout6.xml><?xml version="1.0" encoding="utf-8"?>
 <p:sldLayout xmlns:a="http://schemas.openxmlformats.org/drawingml/2006/main" xmlns:r="http://schemas.openxmlformats.org/officeDocument/2006/relationships" xmlns:p="http://schemas.openxmlformats.org/presentationml/2006/main" type="blank" preserve="1">
   <p:cSld name="Blank">
     <p:spTree>
@@ -2062,9 +1892,9 @@
           <a:bodyPr/>
           <a:lstStyle/>
           <a:p>
-            <a:fld id="{8B038832-51DE-4940-9CEC-CF717FE6CECB}" type="datetimeFigureOut">
-              <a:rPr lang="en-US" smtClean="0"/>
-              <a:t>3/23/2024</a:t>
+            <a:fld id="{F8293967-2CBE-4645-A866-132B7771F90B}" type="datetime1">
+              <a:rPr lang="de-DE" smtClean="0"/>
+              <a:t>24.03.2024</a:t>
             </a:fld>
             <a:endParaRPr lang="en-US"/>
           </a:p>
@@ -2137,7 +1967,7 @@
 </p:sldLayout>
 </file>
 
-<file path=ppt/slideLayouts/slideLayout8.xml><?xml version="1.0" encoding="utf-8"?>
+<file path=ppt/slideLayouts/slideLayout7.xml><?xml version="1.0" encoding="utf-8"?>
 <p:sldLayout xmlns:a="http://schemas.openxmlformats.org/drawingml/2006/main" xmlns:r="http://schemas.openxmlformats.org/officeDocument/2006/relationships" xmlns:p="http://schemas.openxmlformats.org/presentationml/2006/main" type="objTx" preserve="1">
   <p:cSld name="Content with Caption">
     <p:spTree>
@@ -2373,9 +2203,9 @@
           <a:bodyPr/>
           <a:lstStyle/>
           <a:p>
-            <a:fld id="{8B038832-51DE-4940-9CEC-CF717FE6CECB}" type="datetimeFigureOut">
-              <a:rPr lang="en-US" smtClean="0"/>
-              <a:t>3/23/2024</a:t>
+            <a:fld id="{77B23578-1DEB-473B-B0A3-161EEE3BB63C}" type="datetime1">
+              <a:rPr lang="de-DE" smtClean="0"/>
+              <a:t>24.03.2024</a:t>
             </a:fld>
             <a:endParaRPr lang="en-US"/>
           </a:p>
@@ -2448,7 +2278,7 @@
 </p:sldLayout>
 </file>
 
-<file path=ppt/slideLayouts/slideLayout9.xml><?xml version="1.0" encoding="utf-8"?>
+<file path=ppt/slideLayouts/slideLayout8.xml><?xml version="1.0" encoding="utf-8"?>
 <p:sldLayout xmlns:a="http://schemas.openxmlformats.org/drawingml/2006/main" xmlns:r="http://schemas.openxmlformats.org/officeDocument/2006/relationships" xmlns:p="http://schemas.openxmlformats.org/presentationml/2006/main" type="picTx" preserve="1">
   <p:cSld name="Picture with Caption">
     <p:spTree>
@@ -2661,9 +2491,9 @@
           <a:bodyPr/>
           <a:lstStyle/>
           <a:p>
-            <a:fld id="{8B038832-51DE-4940-9CEC-CF717FE6CECB}" type="datetimeFigureOut">
-              <a:rPr lang="en-US" smtClean="0"/>
-              <a:t>3/23/2024</a:t>
+            <a:fld id="{89B1BDEE-E523-43B3-B9C9-FEB1E809D42E}" type="datetime1">
+              <a:rPr lang="de-DE" smtClean="0"/>
+              <a:t>24.03.2024</a:t>
             </a:fld>
             <a:endParaRPr lang="en-US"/>
           </a:p>
@@ -2727,6 +2557,204 @@
     <p:extLst>
       <p:ext uri="{BB962C8B-B14F-4D97-AF65-F5344CB8AC3E}">
         <p14:creationId xmlns:p14="http://schemas.microsoft.com/office/powerpoint/2010/main" val="3121764343"/>
+      </p:ext>
+    </p:extLst>
+  </p:cSld>
+  <p:clrMapOvr>
+    <a:masterClrMapping/>
+  </p:clrMapOvr>
+</p:sldLayout>
+</file>
+
+<file path=ppt/slideLayouts/slideLayout9.xml><?xml version="1.0" encoding="utf-8"?>
+<p:sldLayout xmlns:a="http://schemas.openxmlformats.org/drawingml/2006/main" xmlns:r="http://schemas.openxmlformats.org/officeDocument/2006/relationships" xmlns:p="http://schemas.openxmlformats.org/presentationml/2006/main" type="vertTx" preserve="1">
+  <p:cSld name="Title and Vertical Text">
+    <p:spTree>
+      <p:nvGrpSpPr>
+        <p:cNvPr id="1" name=""/>
+        <p:cNvGrpSpPr/>
+        <p:nvPr/>
+      </p:nvGrpSpPr>
+      <p:grpSpPr>
+        <a:xfrm>
+          <a:off x="0" y="0"/>
+          <a:ext cx="0" cy="0"/>
+          <a:chOff x="0" y="0"/>
+          <a:chExt cx="0" cy="0"/>
+        </a:xfrm>
+      </p:grpSpPr>
+      <p:sp>
+        <p:nvSpPr>
+          <p:cNvPr id="2" name="Title 1">
+            <a:extLst>
+              <a:ext uri="{FF2B5EF4-FFF2-40B4-BE49-F238E27FC236}">
+                <a16:creationId xmlns:a16="http://schemas.microsoft.com/office/drawing/2014/main" id="{3DA5E5BC-2058-F485-9D41-ED91BECFA4ED}"/>
+              </a:ext>
+            </a:extLst>
+          </p:cNvPr>
+          <p:cNvSpPr>
+            <a:spLocks noGrp="1"/>
+          </p:cNvSpPr>
+          <p:nvPr>
+            <p:ph type="title"/>
+          </p:nvPr>
+        </p:nvSpPr>
+        <p:spPr/>
+        <p:txBody>
+          <a:bodyPr/>
+          <a:lstStyle/>
+          <a:p>
+            <a:r>
+              <a:rPr lang="en-US"/>
+              <a:t>Click to edit Master title style</a:t>
+            </a:r>
+          </a:p>
+        </p:txBody>
+      </p:sp>
+      <p:sp>
+        <p:nvSpPr>
+          <p:cNvPr id="3" name="Vertical Text Placeholder 2">
+            <a:extLst>
+              <a:ext uri="{FF2B5EF4-FFF2-40B4-BE49-F238E27FC236}">
+                <a16:creationId xmlns:a16="http://schemas.microsoft.com/office/drawing/2014/main" id="{1634B8C4-5FA2-D698-F368-4D8B4ADDFCDE}"/>
+              </a:ext>
+            </a:extLst>
+          </p:cNvPr>
+          <p:cNvSpPr>
+            <a:spLocks noGrp="1"/>
+          </p:cNvSpPr>
+          <p:nvPr>
+            <p:ph type="body" orient="vert" idx="1"/>
+          </p:nvPr>
+        </p:nvSpPr>
+        <p:spPr/>
+        <p:txBody>
+          <a:bodyPr vert="eaVert"/>
+          <a:lstStyle/>
+          <a:p>
+            <a:pPr lvl="0"/>
+            <a:r>
+              <a:rPr lang="en-US"/>
+              <a:t>Click to edit Master text styles</a:t>
+            </a:r>
+          </a:p>
+          <a:p>
+            <a:pPr lvl="1"/>
+            <a:r>
+              <a:rPr lang="en-US"/>
+              <a:t>Second level</a:t>
+            </a:r>
+          </a:p>
+          <a:p>
+            <a:pPr lvl="2"/>
+            <a:r>
+              <a:rPr lang="en-US"/>
+              <a:t>Third level</a:t>
+            </a:r>
+          </a:p>
+          <a:p>
+            <a:pPr lvl="3"/>
+            <a:r>
+              <a:rPr lang="en-US"/>
+              <a:t>Fourth level</a:t>
+            </a:r>
+          </a:p>
+          <a:p>
+            <a:pPr lvl="4"/>
+            <a:r>
+              <a:rPr lang="en-US"/>
+              <a:t>Fifth level</a:t>
+            </a:r>
+          </a:p>
+        </p:txBody>
+      </p:sp>
+      <p:sp>
+        <p:nvSpPr>
+          <p:cNvPr id="4" name="Date Placeholder 3">
+            <a:extLst>
+              <a:ext uri="{FF2B5EF4-FFF2-40B4-BE49-F238E27FC236}">
+                <a16:creationId xmlns:a16="http://schemas.microsoft.com/office/drawing/2014/main" id="{23A2A7CA-3FF6-C57C-976F-9F50E660C17C}"/>
+              </a:ext>
+            </a:extLst>
+          </p:cNvPr>
+          <p:cNvSpPr>
+            <a:spLocks noGrp="1"/>
+          </p:cNvSpPr>
+          <p:nvPr>
+            <p:ph type="dt" sz="half" idx="10"/>
+          </p:nvPr>
+        </p:nvSpPr>
+        <p:spPr/>
+        <p:txBody>
+          <a:bodyPr/>
+          <a:lstStyle/>
+          <a:p>
+            <a:fld id="{D6F43DCC-D1A6-4C4E-93A6-2648B6E26C6C}" type="datetime1">
+              <a:rPr lang="de-DE" smtClean="0"/>
+              <a:t>24.03.2024</a:t>
+            </a:fld>
+            <a:endParaRPr lang="en-US"/>
+          </a:p>
+        </p:txBody>
+      </p:sp>
+      <p:sp>
+        <p:nvSpPr>
+          <p:cNvPr id="5" name="Footer Placeholder 4">
+            <a:extLst>
+              <a:ext uri="{FF2B5EF4-FFF2-40B4-BE49-F238E27FC236}">
+                <a16:creationId xmlns:a16="http://schemas.microsoft.com/office/drawing/2014/main" id="{615CDE6D-A9E9-9445-D3D3-5F040A510AB2}"/>
+              </a:ext>
+            </a:extLst>
+          </p:cNvPr>
+          <p:cNvSpPr>
+            <a:spLocks noGrp="1"/>
+          </p:cNvSpPr>
+          <p:nvPr>
+            <p:ph type="ftr" sz="quarter" idx="11"/>
+          </p:nvPr>
+        </p:nvSpPr>
+        <p:spPr/>
+        <p:txBody>
+          <a:bodyPr/>
+          <a:lstStyle/>
+          <a:p>
+            <a:endParaRPr lang="en-US"/>
+          </a:p>
+        </p:txBody>
+      </p:sp>
+      <p:sp>
+        <p:nvSpPr>
+          <p:cNvPr id="6" name="Slide Number Placeholder 5">
+            <a:extLst>
+              <a:ext uri="{FF2B5EF4-FFF2-40B4-BE49-F238E27FC236}">
+                <a16:creationId xmlns:a16="http://schemas.microsoft.com/office/drawing/2014/main" id="{ACE73FED-9719-E623-BA4A-25861D13FED0}"/>
+              </a:ext>
+            </a:extLst>
+          </p:cNvPr>
+          <p:cNvSpPr>
+            <a:spLocks noGrp="1"/>
+          </p:cNvSpPr>
+          <p:nvPr>
+            <p:ph type="sldNum" sz="quarter" idx="12"/>
+          </p:nvPr>
+        </p:nvSpPr>
+        <p:spPr/>
+        <p:txBody>
+          <a:bodyPr/>
+          <a:lstStyle/>
+          <a:p>
+            <a:fld id="{DDE4B26F-E58A-4C83-9619-68F81596DFD8}" type="slidenum">
+              <a:rPr lang="en-US" smtClean="0"/>
+              <a:t>‹#›</a:t>
+            </a:fld>
+            <a:endParaRPr lang="en-US"/>
+          </a:p>
+        </p:txBody>
+      </p:sp>
+    </p:spTree>
+    <p:extLst>
+      <p:ext uri="{BB962C8B-B14F-4D97-AF65-F5344CB8AC3E}">
+        <p14:creationId xmlns:p14="http://schemas.microsoft.com/office/powerpoint/2010/main" val="1866038492"/>
       </p:ext>
     </p:extLst>
   </p:cSld>
@@ -2902,9 +2930,9 @@
             </a:lvl1pPr>
           </a:lstStyle>
           <a:p>
-            <a:fld id="{8B038832-51DE-4940-9CEC-CF717FE6CECB}" type="datetimeFigureOut">
-              <a:rPr lang="en-US" smtClean="0"/>
-              <a:t>3/23/2024</a:t>
+            <a:fld id="{17238E1B-53C2-4454-A9E1-2A21AAF129EB}" type="datetime1">
+              <a:rPr lang="de-DE" smtClean="0"/>
+              <a:t>24.03.2024</a:t>
             </a:fld>
             <a:endParaRPr lang="en-US"/>
           </a:p>
@@ -3013,14 +3041,14 @@
     <p:sldLayoutId id="2147483650" r:id="rId2"/>
     <p:sldLayoutId id="2147483651" r:id="rId3"/>
     <p:sldLayoutId id="2147483652" r:id="rId4"/>
-    <p:sldLayoutId id="2147483653" r:id="rId5"/>
-    <p:sldLayoutId id="2147483654" r:id="rId6"/>
-    <p:sldLayoutId id="2147483655" r:id="rId7"/>
-    <p:sldLayoutId id="2147483656" r:id="rId8"/>
-    <p:sldLayoutId id="2147483657" r:id="rId9"/>
-    <p:sldLayoutId id="2147483658" r:id="rId10"/>
-    <p:sldLayoutId id="2147483659" r:id="rId11"/>
+    <p:sldLayoutId id="2147483654" r:id="rId5"/>
+    <p:sldLayoutId id="2147483655" r:id="rId6"/>
+    <p:sldLayoutId id="2147483656" r:id="rId7"/>
+    <p:sldLayoutId id="2147483657" r:id="rId8"/>
+    <p:sldLayoutId id="2147483658" r:id="rId9"/>
+    <p:sldLayoutId id="2147483659" r:id="rId10"/>
   </p:sldLayoutIdLst>
+  <p:hf hdr="0" ftr="0"/>
   <p:txStyles>
     <p:titleStyle>
       <a:lvl1pPr algn="l" defTabSz="914400" rtl="0" eaLnBrk="1" latinLnBrk="0" hangingPunct="1">
@@ -3337,25 +3365,98 @@
             <p:ph type="ctrTitle"/>
           </p:nvPr>
         </p:nvSpPr>
-        <p:spPr/>
+        <p:spPr>
+          <a:xfrm>
+            <a:off x="723899" y="781659"/>
+            <a:ext cx="9705975" cy="2387600"/>
+          </a:xfrm>
+        </p:spPr>
         <p:txBody>
           <a:bodyPr>
             <a:normAutofit/>
           </a:bodyPr>
           <a:lstStyle/>
           <a:p>
-            <a:r>
-              <a:rPr lang="en-US" dirty="0"/>
-              <a:t>Implement the KNN Classifier </a:t>
-            </a:r>
-            <a:r>
-              <a:rPr lang="en-US" sz="1400" dirty="0"/>
-              <a:t>(Team KNN Quest)</a:t>
-            </a:r>
-            <a:endParaRPr lang="en-US" dirty="0"/>
-          </a:p>
-        </p:txBody>
-      </p:sp>
+            <a:pPr algn="l"/>
+            <a:r>
+              <a:rPr lang="en-US" sz="2400" dirty="0">
+                <a:latin typeface="Arial Rounded MT Bold" panose="020F0704030504030204" pitchFamily="34" charset="0"/>
+              </a:rPr>
+              <a:t>Module: Software Engineering </a:t>
+            </a:r>
+            <a:br>
+              <a:rPr lang="en-US" sz="4000" dirty="0">
+                <a:latin typeface="Arial Rounded MT Bold" panose="020F0704030504030204" pitchFamily="34" charset="0"/>
+              </a:rPr>
+            </a:br>
+            <a:br>
+              <a:rPr lang="en-US" sz="4000" dirty="0">
+                <a:latin typeface="Arial Rounded MT Bold" panose="020F0704030504030204" pitchFamily="34" charset="0"/>
+              </a:rPr>
+            </a:br>
+            <a:r>
+              <a:rPr lang="en-US" sz="4000" dirty="0">
+                <a:latin typeface="Arial Rounded MT Bold" panose="020F0704030504030204" pitchFamily="34" charset="0"/>
+              </a:rPr>
+              <a:t>Project: Implement the KNN Classifier</a:t>
+            </a:r>
+          </a:p>
+        </p:txBody>
+      </p:sp>
+      <p:pic>
+        <p:nvPicPr>
+          <p:cNvPr id="1026" name="Picture 2" descr="Frankfurt University of Applied Sciences (@FrankfurtUAS) / X">
+            <a:extLst>
+              <a:ext uri="{FF2B5EF4-FFF2-40B4-BE49-F238E27FC236}">
+                <a16:creationId xmlns:a16="http://schemas.microsoft.com/office/drawing/2014/main" id="{4D614738-9ECD-EF1D-7E8A-80BC3153F342}"/>
+              </a:ext>
+            </a:extLst>
+          </p:cNvPr>
+          <p:cNvPicPr>
+            <a:picLocks noChangeAspect="1" noChangeArrowheads="1"/>
+          </p:cNvPicPr>
+          <p:nvPr/>
+        </p:nvPicPr>
+        <p:blipFill rotWithShape="1">
+          <a:blip r:embed="rId2">
+            <a:extLst>
+              <a:ext uri="{BEBA8EAE-BF5A-486C-A8C5-ECC9F3942E4B}">
+                <a14:imgProps xmlns:a14="http://schemas.microsoft.com/office/drawing/2010/main">
+                  <a14:imgLayer r:embed="rId3">
+                    <a14:imgEffect>
+                      <a14:brightnessContrast contrast="-3000"/>
+                    </a14:imgEffect>
+                  </a14:imgLayer>
+                </a14:imgProps>
+              </a:ext>
+              <a:ext uri="{28A0092B-C50C-407E-A947-70E740481C1C}">
+                <a14:useLocalDpi xmlns:a14="http://schemas.microsoft.com/office/drawing/2010/main" val="0"/>
+              </a:ext>
+            </a:extLst>
+          </a:blip>
+          <a:srcRect t="26761" b="26161"/>
+          <a:stretch/>
+        </p:blipFill>
+        <p:spPr bwMode="auto">
+          <a:xfrm>
+            <a:off x="10209586" y="19458"/>
+            <a:ext cx="1962958" cy="924127"/>
+          </a:xfrm>
+          <a:prstGeom prst="rect">
+            <a:avLst/>
+          </a:prstGeom>
+          <a:noFill/>
+          <a:extLst>
+            <a:ext uri="{909E8E84-426E-40DD-AFC4-6F175D3DCCD1}">
+              <a14:hiddenFill xmlns:a14="http://schemas.microsoft.com/office/drawing/2010/main">
+                <a:solidFill>
+                  <a:srgbClr val="FFFFFF"/>
+                </a:solidFill>
+              </a14:hiddenFill>
+            </a:ext>
+          </a:extLst>
+        </p:spPr>
+      </p:pic>
       <p:sp>
         <p:nvSpPr>
           <p:cNvPr id="3" name="Subtitle 2">
@@ -3374,43 +3475,153 @@
         </p:nvSpPr>
         <p:spPr>
           <a:xfrm>
-            <a:off x="1524000" y="4240213"/>
-            <a:ext cx="9144000" cy="1655762"/>
+            <a:off x="723899" y="3352799"/>
+            <a:ext cx="9424987" cy="2924175"/>
           </a:xfrm>
         </p:spPr>
         <p:txBody>
           <a:bodyPr>
-            <a:normAutofit fontScale="92500" lnSpcReduction="10000"/>
+            <a:noAutofit/>
           </a:bodyPr>
           <a:lstStyle/>
           <a:p>
-            <a:r>
-              <a:rPr lang="en-US" sz="3300" dirty="0">
+            <a:endParaRPr lang="en-US" sz="1600" dirty="0">
+              <a:solidFill>
+                <a:srgbClr val="002060"/>
+              </a:solidFill>
+              <a:latin typeface="Arial Rounded MT Bold" panose="020F0704030504030204" pitchFamily="34" charset="0"/>
+            </a:endParaRPr>
+          </a:p>
+          <a:p>
+            <a:endParaRPr lang="en-US" sz="1600" dirty="0">
+              <a:solidFill>
+                <a:srgbClr val="002060"/>
+              </a:solidFill>
+              <a:latin typeface="Arial Rounded MT Bold" panose="020F0704030504030204" pitchFamily="34" charset="0"/>
+            </a:endParaRPr>
+          </a:p>
+          <a:p>
+            <a:r>
+              <a:rPr lang="en-US" sz="1600" dirty="0">
                 <a:solidFill>
                   <a:srgbClr val="002060"/>
                 </a:solidFill>
+                <a:latin typeface="Arial Rounded MT Bold" panose="020F0704030504030204" pitchFamily="34" charset="0"/>
               </a:rPr>
-              <a:t>Team members:</a:t>
-            </a:r>
+              <a:t>Presented by KNN Quest:</a:t>
+            </a:r>
+          </a:p>
+          <a:p>
             <a:br>
-              <a:rPr lang="en-US" dirty="0"/>
+              <a:rPr lang="en-US" sz="1600" dirty="0">
+                <a:latin typeface="Arial Rounded MT Bold" panose="020F0704030504030204" pitchFamily="34" charset="0"/>
+              </a:rPr>
             </a:br>
             <a:r>
-              <a:rPr lang="en-US" dirty="0"/>
-              <a:t>Kashif Hussain</a:t>
-            </a:r>
-          </a:p>
-          <a:p>
-            <a:r>
-              <a:rPr lang="en-US" dirty="0"/>
-              <a:t>Fahad Jabbar</a:t>
-            </a:r>
-          </a:p>
-          <a:p>
-            <a:r>
-              <a:rPr lang="en-US" dirty="0"/>
-              <a:t>Naila Shaheen</a:t>
-            </a:r>
+              <a:rPr lang="en-US" sz="1600" dirty="0">
+                <a:latin typeface="Arial Rounded MT Bold" panose="020F0704030504030204" pitchFamily="34" charset="0"/>
+              </a:rPr>
+              <a:t>Kashif Hussain – </a:t>
+            </a:r>
+          </a:p>
+          <a:p>
+            <a:r>
+              <a:rPr lang="en-US" sz="1600" dirty="0">
+                <a:latin typeface="Arial Rounded MT Bold" panose="020F0704030504030204" pitchFamily="34" charset="0"/>
+              </a:rPr>
+              <a:t>Fahad Jabbar – </a:t>
+            </a:r>
+          </a:p>
+          <a:p>
+            <a:r>
+              <a:rPr lang="en-US" sz="1600" dirty="0">
+                <a:latin typeface="Arial Rounded MT Bold" panose="020F0704030504030204" pitchFamily="34" charset="0"/>
+              </a:rPr>
+              <a:t>Naila Shaheen –</a:t>
+            </a:r>
+          </a:p>
+          <a:p>
+            <a:r>
+              <a:rPr lang="en-US" sz="1600" dirty="0">
+                <a:latin typeface="Arial Rounded MT Bold" panose="020F0704030504030204" pitchFamily="34" charset="0"/>
+              </a:rPr>
+              <a:t>                                                        </a:t>
+            </a:r>
+          </a:p>
+          <a:p>
+            <a:r>
+              <a:rPr lang="en-US" sz="1600" dirty="0">
+                <a:latin typeface="Arial Rounded MT Bold" panose="020F0704030504030204" pitchFamily="34" charset="0"/>
+              </a:rPr>
+              <a:t>Guided by: Prof. Dr. Damir </a:t>
+            </a:r>
+            <a:r>
+              <a:rPr lang="en-US" sz="1600" dirty="0" err="1">
+                <a:latin typeface="Arial Rounded MT Bold" panose="020F0704030504030204" pitchFamily="34" charset="0"/>
+              </a:rPr>
+              <a:t>Dobric</a:t>
+            </a:r>
+            <a:endParaRPr lang="en-US" sz="1600" dirty="0">
+              <a:latin typeface="Arial Rounded MT Bold" panose="020F0704030504030204" pitchFamily="34" charset="0"/>
+            </a:endParaRPr>
+          </a:p>
+        </p:txBody>
+      </p:sp>
+      <p:sp>
+        <p:nvSpPr>
+          <p:cNvPr id="4" name="Date Placeholder 3">
+            <a:extLst>
+              <a:ext uri="{FF2B5EF4-FFF2-40B4-BE49-F238E27FC236}">
+                <a16:creationId xmlns:a16="http://schemas.microsoft.com/office/drawing/2014/main" id="{B56A32D8-A099-9B57-49B0-1828DBA433D5}"/>
+              </a:ext>
+            </a:extLst>
+          </p:cNvPr>
+          <p:cNvSpPr>
+            <a:spLocks noGrp="1"/>
+          </p:cNvSpPr>
+          <p:nvPr>
+            <p:ph type="dt" sz="half" idx="10"/>
+          </p:nvPr>
+        </p:nvSpPr>
+        <p:spPr/>
+        <p:txBody>
+          <a:bodyPr/>
+          <a:lstStyle/>
+          <a:p>
+            <a:fld id="{417A8112-CFF2-4B2D-A30A-AD3542D64B74}" type="datetime1">
+              <a:rPr lang="de-DE" smtClean="0"/>
+              <a:t>24.03.2024</a:t>
+            </a:fld>
+            <a:endParaRPr lang="en-US" dirty="0"/>
+          </a:p>
+        </p:txBody>
+      </p:sp>
+      <p:sp>
+        <p:nvSpPr>
+          <p:cNvPr id="5" name="Slide Number Placeholder 4">
+            <a:extLst>
+              <a:ext uri="{FF2B5EF4-FFF2-40B4-BE49-F238E27FC236}">
+                <a16:creationId xmlns:a16="http://schemas.microsoft.com/office/drawing/2014/main" id="{638376B8-0865-F5E5-EF37-C7990AEF3DD7}"/>
+              </a:ext>
+            </a:extLst>
+          </p:cNvPr>
+          <p:cNvSpPr>
+            <a:spLocks noGrp="1"/>
+          </p:cNvSpPr>
+          <p:nvPr>
+            <p:ph type="sldNum" sz="quarter" idx="12"/>
+          </p:nvPr>
+        </p:nvSpPr>
+        <p:spPr/>
+        <p:txBody>
+          <a:bodyPr/>
+          <a:lstStyle/>
+          <a:p>
+            <a:fld id="{DDE4B26F-E58A-4C83-9619-68F81596DFD8}" type="slidenum">
+              <a:rPr lang="en-US" smtClean="0"/>
+              <a:t>1</a:t>
+            </a:fld>
+            <a:endParaRPr lang="en-US" dirty="0"/>
           </a:p>
         </p:txBody>
       </p:sp>
@@ -3418,6 +3629,360 @@
     <p:extLst>
       <p:ext uri="{BB962C8B-B14F-4D97-AF65-F5344CB8AC3E}">
         <p14:creationId xmlns:p14="http://schemas.microsoft.com/office/powerpoint/2010/main" val="2024566905"/>
+      </p:ext>
+    </p:extLst>
+  </p:cSld>
+  <p:clrMapOvr>
+    <a:masterClrMapping/>
+  </p:clrMapOvr>
+</p:sld>
+</file>
+
+<file path=ppt/slides/slide2.xml><?xml version="1.0" encoding="utf-8"?>
+<p:sld xmlns:a="http://schemas.openxmlformats.org/drawingml/2006/main" xmlns:r="http://schemas.openxmlformats.org/officeDocument/2006/relationships" xmlns:p="http://schemas.openxmlformats.org/presentationml/2006/main">
+  <p:cSld>
+    <p:spTree>
+      <p:nvGrpSpPr>
+        <p:cNvPr id="1" name=""/>
+        <p:cNvGrpSpPr/>
+        <p:nvPr/>
+      </p:nvGrpSpPr>
+      <p:grpSpPr>
+        <a:xfrm>
+          <a:off x="0" y="0"/>
+          <a:ext cx="0" cy="0"/>
+          <a:chOff x="0" y="0"/>
+          <a:chExt cx="0" cy="0"/>
+        </a:xfrm>
+      </p:grpSpPr>
+      <p:sp>
+        <p:nvSpPr>
+          <p:cNvPr id="2" name="Title 1">
+            <a:extLst>
+              <a:ext uri="{FF2B5EF4-FFF2-40B4-BE49-F238E27FC236}">
+                <a16:creationId xmlns:a16="http://schemas.microsoft.com/office/drawing/2014/main" id="{6EB4F404-45CF-BEAD-72C5-FAAF4D84D09A}"/>
+              </a:ext>
+            </a:extLst>
+          </p:cNvPr>
+          <p:cNvSpPr>
+            <a:spLocks noGrp="1"/>
+          </p:cNvSpPr>
+          <p:nvPr>
+            <p:ph type="title"/>
+          </p:nvPr>
+        </p:nvSpPr>
+        <p:spPr/>
+        <p:txBody>
+          <a:bodyPr/>
+          <a:lstStyle/>
+          <a:p>
+            <a:r>
+              <a:rPr lang="en-US" dirty="0"/>
+              <a:t>Methodology</a:t>
+            </a:r>
+          </a:p>
+        </p:txBody>
+      </p:sp>
+      <p:sp>
+        <p:nvSpPr>
+          <p:cNvPr id="3" name="Content Placeholder 2">
+            <a:extLst>
+              <a:ext uri="{FF2B5EF4-FFF2-40B4-BE49-F238E27FC236}">
+                <a16:creationId xmlns:a16="http://schemas.microsoft.com/office/drawing/2014/main" id="{CF20EB18-1BC5-7F2D-B706-4F98936B38BC}"/>
+              </a:ext>
+            </a:extLst>
+          </p:cNvPr>
+          <p:cNvSpPr>
+            <a:spLocks noGrp="1"/>
+          </p:cNvSpPr>
+          <p:nvPr>
+            <p:ph idx="1"/>
+          </p:nvPr>
+        </p:nvSpPr>
+        <p:spPr/>
+        <p:txBody>
+          <a:bodyPr>
+            <a:normAutofit/>
+          </a:bodyPr>
+          <a:lstStyle/>
+          <a:p>
+            <a:r>
+              <a:rPr lang="en-US" dirty="0">
+                <a:latin typeface="Pristina" panose="03060402040406080204" pitchFamily="66" charset="0"/>
+              </a:rPr>
+              <a:t>Introduction to KNN Classifier</a:t>
+            </a:r>
+          </a:p>
+          <a:p>
+            <a:r>
+              <a:rPr lang="en-US" dirty="0">
+                <a:latin typeface="Pristina" panose="03060402040406080204" pitchFamily="66" charset="0"/>
+              </a:rPr>
+              <a:t>Implementation of Native KNN classifier</a:t>
+            </a:r>
+          </a:p>
+          <a:p>
+            <a:r>
+              <a:rPr lang="en-US" dirty="0">
+                <a:latin typeface="Pristina" panose="03060402040406080204" pitchFamily="66" charset="0"/>
+              </a:rPr>
+              <a:t>Integration of KNN classifier with </a:t>
+            </a:r>
+            <a:r>
+              <a:rPr lang="en-US" dirty="0" err="1">
+                <a:latin typeface="Pristina" panose="03060402040406080204" pitchFamily="66" charset="0"/>
+              </a:rPr>
+              <a:t>NeocortexAPI</a:t>
+            </a:r>
+            <a:endParaRPr lang="en-US" dirty="0">
+              <a:latin typeface="Pristina" panose="03060402040406080204" pitchFamily="66" charset="0"/>
+            </a:endParaRPr>
+          </a:p>
+          <a:p>
+            <a:r>
+              <a:rPr lang="en-US" dirty="0">
+                <a:latin typeface="Pristina" panose="03060402040406080204" pitchFamily="66" charset="0"/>
+              </a:rPr>
+              <a:t>Implementation of KNN Classifier with Spatial Pooler generated SDRs</a:t>
+            </a:r>
+          </a:p>
+          <a:p>
+            <a:r>
+              <a:rPr lang="en-US" dirty="0">
+                <a:latin typeface="Pristina" panose="03060402040406080204" pitchFamily="66" charset="0"/>
+              </a:rPr>
+              <a:t>Unit testing</a:t>
+            </a:r>
+          </a:p>
+          <a:p>
+            <a:r>
+              <a:rPr lang="en-US" dirty="0">
+                <a:latin typeface="Pristina" panose="03060402040406080204" pitchFamily="66" charset="0"/>
+              </a:rPr>
+              <a:t>Results and Discussion </a:t>
+            </a:r>
+          </a:p>
+          <a:p>
+            <a:r>
+              <a:rPr lang="en-US" dirty="0">
+                <a:latin typeface="Pristina" panose="03060402040406080204" pitchFamily="66" charset="0"/>
+              </a:rPr>
+              <a:t>Conclusion</a:t>
+            </a:r>
+          </a:p>
+          <a:p>
+            <a:r>
+              <a:rPr lang="en-US" dirty="0">
+                <a:latin typeface="Pristina" panose="03060402040406080204" pitchFamily="66" charset="0"/>
+              </a:rPr>
+              <a:t>References</a:t>
+            </a:r>
+          </a:p>
+        </p:txBody>
+      </p:sp>
+      <p:sp>
+        <p:nvSpPr>
+          <p:cNvPr id="4" name="Date Placeholder 3">
+            <a:extLst>
+              <a:ext uri="{FF2B5EF4-FFF2-40B4-BE49-F238E27FC236}">
+                <a16:creationId xmlns:a16="http://schemas.microsoft.com/office/drawing/2014/main" id="{B81C5404-7CE2-CDA9-A411-F6449D2D1C1E}"/>
+              </a:ext>
+            </a:extLst>
+          </p:cNvPr>
+          <p:cNvSpPr>
+            <a:spLocks noGrp="1"/>
+          </p:cNvSpPr>
+          <p:nvPr>
+            <p:ph type="dt" sz="half" idx="10"/>
+          </p:nvPr>
+        </p:nvSpPr>
+        <p:spPr/>
+        <p:txBody>
+          <a:bodyPr/>
+          <a:lstStyle/>
+          <a:p>
+            <a:fld id="{9B2A6F4F-9563-451F-A077-87C68364E6DB}" type="datetime1">
+              <a:rPr lang="de-DE" smtClean="0"/>
+              <a:t>24.03.2024</a:t>
+            </a:fld>
+            <a:endParaRPr lang="en-US"/>
+          </a:p>
+        </p:txBody>
+      </p:sp>
+      <p:sp>
+        <p:nvSpPr>
+          <p:cNvPr id="5" name="Slide Number Placeholder 4">
+            <a:extLst>
+              <a:ext uri="{FF2B5EF4-FFF2-40B4-BE49-F238E27FC236}">
+                <a16:creationId xmlns:a16="http://schemas.microsoft.com/office/drawing/2014/main" id="{BC0F7831-1786-0848-3C46-6B989E64E5D8}"/>
+              </a:ext>
+            </a:extLst>
+          </p:cNvPr>
+          <p:cNvSpPr>
+            <a:spLocks noGrp="1"/>
+          </p:cNvSpPr>
+          <p:nvPr>
+            <p:ph type="sldNum" sz="quarter" idx="12"/>
+          </p:nvPr>
+        </p:nvSpPr>
+        <p:spPr/>
+        <p:txBody>
+          <a:bodyPr/>
+          <a:lstStyle/>
+          <a:p>
+            <a:fld id="{DDE4B26F-E58A-4C83-9619-68F81596DFD8}" type="slidenum">
+              <a:rPr lang="en-US" smtClean="0"/>
+              <a:t>2</a:t>
+            </a:fld>
+            <a:endParaRPr lang="en-US"/>
+          </a:p>
+        </p:txBody>
+      </p:sp>
+    </p:spTree>
+    <p:extLst>
+      <p:ext uri="{BB962C8B-B14F-4D97-AF65-F5344CB8AC3E}">
+        <p14:creationId xmlns:p14="http://schemas.microsoft.com/office/powerpoint/2010/main" val="1694113279"/>
+      </p:ext>
+    </p:extLst>
+  </p:cSld>
+  <p:clrMapOvr>
+    <a:masterClrMapping/>
+  </p:clrMapOvr>
+</p:sld>
+</file>
+
+<file path=ppt/slides/slide3.xml><?xml version="1.0" encoding="utf-8"?>
+<p:sld xmlns:a="http://schemas.openxmlformats.org/drawingml/2006/main" xmlns:r="http://schemas.openxmlformats.org/officeDocument/2006/relationships" xmlns:p="http://schemas.openxmlformats.org/presentationml/2006/main">
+  <p:cSld>
+    <p:spTree>
+      <p:nvGrpSpPr>
+        <p:cNvPr id="1" name=""/>
+        <p:cNvGrpSpPr/>
+        <p:nvPr/>
+      </p:nvGrpSpPr>
+      <p:grpSpPr>
+        <a:xfrm>
+          <a:off x="0" y="0"/>
+          <a:ext cx="0" cy="0"/>
+          <a:chOff x="0" y="0"/>
+          <a:chExt cx="0" cy="0"/>
+        </a:xfrm>
+      </p:grpSpPr>
+      <p:sp>
+        <p:nvSpPr>
+          <p:cNvPr id="2" name="Title 1">
+            <a:extLst>
+              <a:ext uri="{FF2B5EF4-FFF2-40B4-BE49-F238E27FC236}">
+                <a16:creationId xmlns:a16="http://schemas.microsoft.com/office/drawing/2014/main" id="{EB694E28-C329-F6CB-BB96-86AFA608F147}"/>
+              </a:ext>
+            </a:extLst>
+          </p:cNvPr>
+          <p:cNvSpPr>
+            <a:spLocks noGrp="1"/>
+          </p:cNvSpPr>
+          <p:nvPr>
+            <p:ph type="title"/>
+          </p:nvPr>
+        </p:nvSpPr>
+        <p:spPr/>
+        <p:txBody>
+          <a:bodyPr/>
+          <a:lstStyle/>
+          <a:p>
+            <a:r>
+              <a:rPr lang="en-US" dirty="0"/>
+              <a:t>Introduction to KNN Classifier</a:t>
+            </a:r>
+          </a:p>
+        </p:txBody>
+      </p:sp>
+      <p:sp>
+        <p:nvSpPr>
+          <p:cNvPr id="3" name="Content Placeholder 2">
+            <a:extLst>
+              <a:ext uri="{FF2B5EF4-FFF2-40B4-BE49-F238E27FC236}">
+                <a16:creationId xmlns:a16="http://schemas.microsoft.com/office/drawing/2014/main" id="{E7F35339-F8DC-5FAD-AA18-0D97C8B06AAD}"/>
+              </a:ext>
+            </a:extLst>
+          </p:cNvPr>
+          <p:cNvSpPr>
+            <a:spLocks noGrp="1"/>
+          </p:cNvSpPr>
+          <p:nvPr>
+            <p:ph idx="1"/>
+          </p:nvPr>
+        </p:nvSpPr>
+        <p:spPr/>
+        <p:txBody>
+          <a:bodyPr/>
+          <a:lstStyle/>
+          <a:p>
+            <a:endParaRPr lang="en-US" dirty="0"/>
+          </a:p>
+        </p:txBody>
+      </p:sp>
+      <p:sp>
+        <p:nvSpPr>
+          <p:cNvPr id="4" name="Date Placeholder 3">
+            <a:extLst>
+              <a:ext uri="{FF2B5EF4-FFF2-40B4-BE49-F238E27FC236}">
+                <a16:creationId xmlns:a16="http://schemas.microsoft.com/office/drawing/2014/main" id="{626597FB-6243-AC61-FD3D-A3473CF69E8D}"/>
+              </a:ext>
+            </a:extLst>
+          </p:cNvPr>
+          <p:cNvSpPr>
+            <a:spLocks noGrp="1"/>
+          </p:cNvSpPr>
+          <p:nvPr>
+            <p:ph type="dt" sz="half" idx="10"/>
+          </p:nvPr>
+        </p:nvSpPr>
+        <p:spPr/>
+        <p:txBody>
+          <a:bodyPr/>
+          <a:lstStyle/>
+          <a:p>
+            <a:fld id="{89E62C9B-B452-4322-936F-91A12848BB5E}" type="datetime1">
+              <a:rPr lang="de-DE" smtClean="0"/>
+              <a:t>24.03.2024</a:t>
+            </a:fld>
+            <a:endParaRPr lang="en-US"/>
+          </a:p>
+        </p:txBody>
+      </p:sp>
+      <p:sp>
+        <p:nvSpPr>
+          <p:cNvPr id="5" name="Slide Number Placeholder 4">
+            <a:extLst>
+              <a:ext uri="{FF2B5EF4-FFF2-40B4-BE49-F238E27FC236}">
+                <a16:creationId xmlns:a16="http://schemas.microsoft.com/office/drawing/2014/main" id="{076CA26A-1FE5-26BA-0292-22EC95F51E47}"/>
+              </a:ext>
+            </a:extLst>
+          </p:cNvPr>
+          <p:cNvSpPr>
+            <a:spLocks noGrp="1"/>
+          </p:cNvSpPr>
+          <p:nvPr>
+            <p:ph type="sldNum" sz="quarter" idx="12"/>
+          </p:nvPr>
+        </p:nvSpPr>
+        <p:spPr/>
+        <p:txBody>
+          <a:bodyPr/>
+          <a:lstStyle/>
+          <a:p>
+            <a:fld id="{DDE4B26F-E58A-4C83-9619-68F81596DFD8}" type="slidenum">
+              <a:rPr lang="en-US" smtClean="0"/>
+              <a:t>3</a:t>
+            </a:fld>
+            <a:endParaRPr lang="en-US"/>
+          </a:p>
+        </p:txBody>
+      </p:sp>
+    </p:spTree>
+    <p:extLst>
+      <p:ext uri="{BB962C8B-B14F-4D97-AF65-F5344CB8AC3E}">
+        <p14:creationId xmlns:p14="http://schemas.microsoft.com/office/powerpoint/2010/main" val="1174794736"/>
       </p:ext>
     </p:extLst>
   </p:cSld>
@@ -3720,4 +4285,299 @@
     </a:ext>
   </a:extLst>
 </a:theme>
+</file>
+
+<file path=ppt/theme/theme2.xml><?xml version="1.0" encoding="utf-8"?>
+<a:theme xmlns:a="http://schemas.openxmlformats.org/drawingml/2006/main" name="Office Theme">
+  <a:themeElements>
+    <a:clrScheme name="Office">
+      <a:dk1>
+        <a:sysClr val="windowText" lastClr="000000"/>
+      </a:dk1>
+      <a:lt1>
+        <a:sysClr val="window" lastClr="FFFFFF"/>
+      </a:lt1>
+      <a:dk2>
+        <a:srgbClr val="44546A"/>
+      </a:dk2>
+      <a:lt2>
+        <a:srgbClr val="E7E6E6"/>
+      </a:lt2>
+      <a:accent1>
+        <a:srgbClr val="4472C4"/>
+      </a:accent1>
+      <a:accent2>
+        <a:srgbClr val="ED7D31"/>
+      </a:accent2>
+      <a:accent3>
+        <a:srgbClr val="A5A5A5"/>
+      </a:accent3>
+      <a:accent4>
+        <a:srgbClr val="FFC000"/>
+      </a:accent4>
+      <a:accent5>
+        <a:srgbClr val="5B9BD5"/>
+      </a:accent5>
+      <a:accent6>
+        <a:srgbClr val="70AD47"/>
+      </a:accent6>
+      <a:hlink>
+        <a:srgbClr val="0563C1"/>
+      </a:hlink>
+      <a:folHlink>
+        <a:srgbClr val="954F72"/>
+      </a:folHlink>
+    </a:clrScheme>
+    <a:fontScheme name="Office">
+      <a:majorFont>
+        <a:latin typeface="Calibri Light" panose="020F0302020204030204"/>
+        <a:ea typeface=""/>
+        <a:cs typeface=""/>
+        <a:font script="Jpan" typeface="游ゴシック Light"/>
+        <a:font script="Hang" typeface="맑은 고딕"/>
+        <a:font script="Hans" typeface="等线 Light"/>
+        <a:font script="Hant" typeface="新細明體"/>
+        <a:font script="Arab" typeface="Times New Roman"/>
+        <a:font script="Hebr" typeface="Times New Roman"/>
+        <a:font script="Thai" typeface="Angsana New"/>
+        <a:font script="Ethi" typeface="Nyala"/>
+        <a:font script="Beng" typeface="Vrinda"/>
+        <a:font script="Gujr" typeface="Shruti"/>
+        <a:font script="Khmr" typeface="MoolBoran"/>
+        <a:font script="Knda" typeface="Tunga"/>
+        <a:font script="Guru" typeface="Raavi"/>
+        <a:font script="Cans" typeface="Euphemia"/>
+        <a:font script="Cher" typeface="Plantagenet Cherokee"/>
+        <a:font script="Yiii" typeface="Microsoft Yi Baiti"/>
+        <a:font script="Tibt" typeface="Microsoft Himalaya"/>
+        <a:font script="Thaa" typeface="MV Boli"/>
+        <a:font script="Deva" typeface="Mangal"/>
+        <a:font script="Telu" typeface="Gautami"/>
+        <a:font script="Taml" typeface="Latha"/>
+        <a:font script="Syrc" typeface="Estrangelo Edessa"/>
+        <a:font script="Orya" typeface="Kalinga"/>
+        <a:font script="Mlym" typeface="Kartika"/>
+        <a:font script="Laoo" typeface="DokChampa"/>
+        <a:font script="Sinh" typeface="Iskoola Pota"/>
+        <a:font script="Mong" typeface="Mongolian Baiti"/>
+        <a:font script="Viet" typeface="Times New Roman"/>
+        <a:font script="Uigh" typeface="Microsoft Uighur"/>
+        <a:font script="Geor" typeface="Sylfaen"/>
+        <a:font script="Armn" typeface="Arial"/>
+        <a:font script="Bugi" typeface="Leelawadee UI"/>
+        <a:font script="Bopo" typeface="Microsoft JhengHei"/>
+        <a:font script="Java" typeface="Javanese Text"/>
+        <a:font script="Lisu" typeface="Segoe UI"/>
+        <a:font script="Mymr" typeface="Myanmar Text"/>
+        <a:font script="Nkoo" typeface="Ebrima"/>
+        <a:font script="Olck" typeface="Nirmala UI"/>
+        <a:font script="Osma" typeface="Ebrima"/>
+        <a:font script="Phag" typeface="Phagspa"/>
+        <a:font script="Syrn" typeface="Estrangelo Edessa"/>
+        <a:font script="Syrj" typeface="Estrangelo Edessa"/>
+        <a:font script="Syre" typeface="Estrangelo Edessa"/>
+        <a:font script="Sora" typeface="Nirmala UI"/>
+        <a:font script="Tale" typeface="Microsoft Tai Le"/>
+        <a:font script="Talu" typeface="Microsoft New Tai Lue"/>
+        <a:font script="Tfng" typeface="Ebrima"/>
+      </a:majorFont>
+      <a:minorFont>
+        <a:latin typeface="Calibri" panose="020F0502020204030204"/>
+        <a:ea typeface=""/>
+        <a:cs typeface=""/>
+        <a:font script="Jpan" typeface="游ゴシック"/>
+        <a:font script="Hang" typeface="맑은 고딕"/>
+        <a:font script="Hans" typeface="等线"/>
+        <a:font script="Hant" typeface="新細明體"/>
+        <a:font script="Arab" typeface="Arial"/>
+        <a:font script="Hebr" typeface="Arial"/>
+        <a:font script="Thai" typeface="Cordia New"/>
+        <a:font script="Ethi" typeface="Nyala"/>
+        <a:font script="Beng" typeface="Vrinda"/>
+        <a:font script="Gujr" typeface="Shruti"/>
+        <a:font script="Khmr" typeface="DaunPenh"/>
+        <a:font script="Knda" typeface="Tunga"/>
+        <a:font script="Guru" typeface="Raavi"/>
+        <a:font script="Cans" typeface="Euphemia"/>
+        <a:font script="Cher" typeface="Plantagenet Cherokee"/>
+        <a:font script="Yiii" typeface="Microsoft Yi Baiti"/>
+        <a:font script="Tibt" typeface="Microsoft Himalaya"/>
+        <a:font script="Thaa" typeface="MV Boli"/>
+        <a:font script="Deva" typeface="Mangal"/>
+        <a:font script="Telu" typeface="Gautami"/>
+        <a:font script="Taml" typeface="Latha"/>
+        <a:font script="Syrc" typeface="Estrangelo Edessa"/>
+        <a:font script="Orya" typeface="Kalinga"/>
+        <a:font script="Mlym" typeface="Kartika"/>
+        <a:font script="Laoo" typeface="DokChampa"/>
+        <a:font script="Sinh" typeface="Iskoola Pota"/>
+        <a:font script="Mong" typeface="Mongolian Baiti"/>
+        <a:font script="Viet" typeface="Arial"/>
+        <a:font script="Uigh" typeface="Microsoft Uighur"/>
+        <a:font script="Geor" typeface="Sylfaen"/>
+        <a:font script="Armn" typeface="Arial"/>
+        <a:font script="Bugi" typeface="Leelawadee UI"/>
+        <a:font script="Bopo" typeface="Microsoft JhengHei"/>
+        <a:font script="Java" typeface="Javanese Text"/>
+        <a:font script="Lisu" typeface="Segoe UI"/>
+        <a:font script="Mymr" typeface="Myanmar Text"/>
+        <a:font script="Nkoo" typeface="Ebrima"/>
+        <a:font script="Olck" typeface="Nirmala UI"/>
+        <a:font script="Osma" typeface="Ebrima"/>
+        <a:font script="Phag" typeface="Phagspa"/>
+        <a:font script="Syrn" typeface="Estrangelo Edessa"/>
+        <a:font script="Syrj" typeface="Estrangelo Edessa"/>
+        <a:font script="Syre" typeface="Estrangelo Edessa"/>
+        <a:font script="Sora" typeface="Nirmala UI"/>
+        <a:font script="Tale" typeface="Microsoft Tai Le"/>
+        <a:font script="Talu" typeface="Microsoft New Tai Lue"/>
+        <a:font script="Tfng" typeface="Ebrima"/>
+      </a:minorFont>
+    </a:fontScheme>
+    <a:fmtScheme name="Office">
+      <a:fillStyleLst>
+        <a:solidFill>
+          <a:schemeClr val="phClr"/>
+        </a:solidFill>
+        <a:gradFill rotWithShape="1">
+          <a:gsLst>
+            <a:gs pos="0">
+              <a:schemeClr val="phClr">
+                <a:lumMod val="110000"/>
+                <a:satMod val="105000"/>
+                <a:tint val="67000"/>
+              </a:schemeClr>
+            </a:gs>
+            <a:gs pos="50000">
+              <a:schemeClr val="phClr">
+                <a:lumMod val="105000"/>
+                <a:satMod val="103000"/>
+                <a:tint val="73000"/>
+              </a:schemeClr>
+            </a:gs>
+            <a:gs pos="100000">
+              <a:schemeClr val="phClr">
+                <a:lumMod val="105000"/>
+                <a:satMod val="109000"/>
+                <a:tint val="81000"/>
+              </a:schemeClr>
+            </a:gs>
+          </a:gsLst>
+          <a:lin ang="5400000" scaled="0"/>
+        </a:gradFill>
+        <a:gradFill rotWithShape="1">
+          <a:gsLst>
+            <a:gs pos="0">
+              <a:schemeClr val="phClr">
+                <a:satMod val="103000"/>
+                <a:lumMod val="102000"/>
+                <a:tint val="94000"/>
+              </a:schemeClr>
+            </a:gs>
+            <a:gs pos="50000">
+              <a:schemeClr val="phClr">
+                <a:satMod val="110000"/>
+                <a:lumMod val="100000"/>
+                <a:shade val="100000"/>
+              </a:schemeClr>
+            </a:gs>
+            <a:gs pos="100000">
+              <a:schemeClr val="phClr">
+                <a:lumMod val="99000"/>
+                <a:satMod val="120000"/>
+                <a:shade val="78000"/>
+              </a:schemeClr>
+            </a:gs>
+          </a:gsLst>
+          <a:lin ang="5400000" scaled="0"/>
+        </a:gradFill>
+      </a:fillStyleLst>
+      <a:lnStyleLst>
+        <a:ln w="6350" cap="flat" cmpd="sng" algn="ctr">
+          <a:solidFill>
+            <a:schemeClr val="phClr"/>
+          </a:solidFill>
+          <a:prstDash val="solid"/>
+          <a:miter lim="800000"/>
+        </a:ln>
+        <a:ln w="12700" cap="flat" cmpd="sng" algn="ctr">
+          <a:solidFill>
+            <a:schemeClr val="phClr"/>
+          </a:solidFill>
+          <a:prstDash val="solid"/>
+          <a:miter lim="800000"/>
+        </a:ln>
+        <a:ln w="19050" cap="flat" cmpd="sng" algn="ctr">
+          <a:solidFill>
+            <a:schemeClr val="phClr"/>
+          </a:solidFill>
+          <a:prstDash val="solid"/>
+          <a:miter lim="800000"/>
+        </a:ln>
+      </a:lnStyleLst>
+      <a:effectStyleLst>
+        <a:effectStyle>
+          <a:effectLst/>
+        </a:effectStyle>
+        <a:effectStyle>
+          <a:effectLst/>
+        </a:effectStyle>
+        <a:effectStyle>
+          <a:effectLst>
+            <a:outerShdw blurRad="57150" dist="19050" dir="5400000" algn="ctr" rotWithShape="0">
+              <a:srgbClr val="000000">
+                <a:alpha val="63000"/>
+              </a:srgbClr>
+            </a:outerShdw>
+          </a:effectLst>
+        </a:effectStyle>
+      </a:effectStyleLst>
+      <a:bgFillStyleLst>
+        <a:solidFill>
+          <a:schemeClr val="phClr"/>
+        </a:solidFill>
+        <a:solidFill>
+          <a:schemeClr val="phClr">
+            <a:tint val="95000"/>
+            <a:satMod val="170000"/>
+          </a:schemeClr>
+        </a:solidFill>
+        <a:gradFill rotWithShape="1">
+          <a:gsLst>
+            <a:gs pos="0">
+              <a:schemeClr val="phClr">
+                <a:tint val="93000"/>
+                <a:satMod val="150000"/>
+                <a:shade val="98000"/>
+                <a:lumMod val="102000"/>
+              </a:schemeClr>
+            </a:gs>
+            <a:gs pos="50000">
+              <a:schemeClr val="phClr">
+                <a:tint val="98000"/>
+                <a:satMod val="130000"/>
+                <a:shade val="90000"/>
+                <a:lumMod val="103000"/>
+              </a:schemeClr>
+            </a:gs>
+            <a:gs pos="100000">
+              <a:schemeClr val="phClr">
+                <a:shade val="63000"/>
+                <a:satMod val="120000"/>
+              </a:schemeClr>
+            </a:gs>
+          </a:gsLst>
+          <a:lin ang="5400000" scaled="0"/>
+        </a:gradFill>
+      </a:bgFillStyleLst>
+    </a:fmtScheme>
+  </a:themeElements>
+  <a:objectDefaults/>
+  <a:extraClrSchemeLst/>
+  <a:extLst>
+    <a:ext uri="{05A4C25C-085E-4340-85A3-A5531E510DB2}">
+      <thm15:themeFamily xmlns:thm15="http://schemas.microsoft.com/office/thememl/2012/main" name="Office Theme" id="{62F939B6-93AF-4DB8-9C6B-D6C7DFDC589F}" vid="{4A3C46E8-61CC-4603-A589-7422A47A8E4A}"/>
+    </a:ext>
+  </a:extLst>
+</a:theme>
 </file>
--- a/source/MySEProject/Documentation/Implement_the_KNN__Classifier_KNN_Quest.pptx
+++ b/source/MySEProject/Documentation/Implement_the_KNN__Classifier_KNN_Quest.pptx
@@ -5,12 +5,13 @@
     <p:sldMasterId id="2147483648" r:id="rId1"/>
   </p:sldMasterIdLst>
   <p:notesMasterIdLst>
-    <p:notesMasterId r:id="rId5"/>
+    <p:notesMasterId r:id="rId6"/>
   </p:notesMasterIdLst>
   <p:sldIdLst>
     <p:sldId id="256" r:id="rId2"/>
     <p:sldId id="257" r:id="rId3"/>
     <p:sldId id="258" r:id="rId4"/>
+    <p:sldId id="259" r:id="rId5"/>
   </p:sldIdLst>
   <p:sldSz cx="12192000" cy="6858000"/>
   <p:notesSz cx="6858000" cy="9144000"/>
@@ -3673,107 +3674,115 @@
         </p:nvSpPr>
         <p:spPr/>
         <p:txBody>
-          <a:bodyPr/>
-          <a:lstStyle/>
-          <a:p>
-            <a:r>
-              <a:rPr lang="en-US" dirty="0"/>
-              <a:t>Methodology</a:t>
-            </a:r>
-          </a:p>
-        </p:txBody>
-      </p:sp>
-      <p:sp>
-        <p:nvSpPr>
-          <p:cNvPr id="3" name="Content Placeholder 2">
-            <a:extLst>
-              <a:ext uri="{FF2B5EF4-FFF2-40B4-BE49-F238E27FC236}">
-                <a16:creationId xmlns:a16="http://schemas.microsoft.com/office/drawing/2014/main" id="{CF20EB18-1BC5-7F2D-B706-4F98936B38BC}"/>
-              </a:ext>
-            </a:extLst>
-          </p:cNvPr>
-          <p:cNvSpPr>
-            <a:spLocks noGrp="1"/>
-          </p:cNvSpPr>
-          <p:nvPr>
-            <p:ph idx="1"/>
-          </p:nvPr>
-        </p:nvSpPr>
-        <p:spPr/>
-        <p:txBody>
           <a:bodyPr>
             <a:normAutofit/>
           </a:bodyPr>
           <a:lstStyle/>
           <a:p>
             <a:r>
-              <a:rPr lang="en-US" dirty="0">
-                <a:latin typeface="Pristina" panose="03060402040406080204" pitchFamily="66" charset="0"/>
+              <a:rPr lang="en-US" sz="4000" dirty="0">
+                <a:latin typeface="Arial Rounded MT Bold" panose="020F0704030504030204" pitchFamily="34" charset="0"/>
               </a:rPr>
-              <a:t>Introduction to KNN Classifier</a:t>
-            </a:r>
-          </a:p>
-          <a:p>
-            <a:r>
-              <a:rPr lang="en-US" dirty="0">
-                <a:latin typeface="Pristina" panose="03060402040406080204" pitchFamily="66" charset="0"/>
+              <a:t>Methodology</a:t>
+            </a:r>
+          </a:p>
+        </p:txBody>
+      </p:sp>
+      <p:sp>
+        <p:nvSpPr>
+          <p:cNvPr id="3" name="Content Placeholder 2">
+            <a:extLst>
+              <a:ext uri="{FF2B5EF4-FFF2-40B4-BE49-F238E27FC236}">
+                <a16:creationId xmlns:a16="http://schemas.microsoft.com/office/drawing/2014/main" id="{CF20EB18-1BC5-7F2D-B706-4F98936B38BC}"/>
+              </a:ext>
+            </a:extLst>
+          </p:cNvPr>
+          <p:cNvSpPr>
+            <a:spLocks noGrp="1"/>
+          </p:cNvSpPr>
+          <p:nvPr>
+            <p:ph idx="1"/>
+          </p:nvPr>
+        </p:nvSpPr>
+        <p:spPr>
+          <a:xfrm>
+            <a:off x="838200" y="1825625"/>
+            <a:ext cx="10515600" cy="4451350"/>
+          </a:xfrm>
+        </p:spPr>
+        <p:txBody>
+          <a:bodyPr>
+            <a:normAutofit/>
+          </a:bodyPr>
+          <a:lstStyle/>
+          <a:p>
+            <a:r>
+              <a:rPr lang="en-US" sz="2000" dirty="0">
+                <a:latin typeface="Arial Rounded MT Bold" panose="020F0704030504030204" pitchFamily="34" charset="0"/>
               </a:rPr>
-              <a:t>Implementation of Native KNN classifier</a:t>
-            </a:r>
-          </a:p>
-          <a:p>
-            <a:r>
-              <a:rPr lang="en-US" dirty="0">
-                <a:latin typeface="Pristina" panose="03060402040406080204" pitchFamily="66" charset="0"/>
+              <a:t>Problem statement</a:t>
+            </a:r>
+          </a:p>
+          <a:p>
+            <a:r>
+              <a:rPr lang="en-US" sz="2000" dirty="0">
+                <a:latin typeface="Arial Rounded MT Bold" panose="020F0704030504030204" pitchFamily="34" charset="0"/>
               </a:rPr>
-              <a:t>Integration of KNN classifier with </a:t>
-            </a:r>
-            <a:r>
-              <a:rPr lang="en-US" dirty="0" err="1">
-                <a:latin typeface="Pristina" panose="03060402040406080204" pitchFamily="66" charset="0"/>
+              <a:t>Introduction to KNN classifier </a:t>
+            </a:r>
+          </a:p>
+          <a:p>
+            <a:r>
+              <a:rPr lang="en-US" sz="2000" dirty="0">
+                <a:latin typeface="Arial Rounded MT Bold" panose="020F0704030504030204" pitchFamily="34" charset="0"/>
               </a:rPr>
-              <a:t>NeocortexAPI</a:t>
-            </a:r>
-            <a:endParaRPr lang="en-US" dirty="0">
-              <a:latin typeface="Pristina" panose="03060402040406080204" pitchFamily="66" charset="0"/>
-            </a:endParaRPr>
-          </a:p>
-          <a:p>
-            <a:r>
-              <a:rPr lang="en-US" dirty="0">
-                <a:latin typeface="Pristina" panose="03060402040406080204" pitchFamily="66" charset="0"/>
+              <a:t>Implementation of Native KNN classifier </a:t>
+            </a:r>
+          </a:p>
+          <a:p>
+            <a:r>
+              <a:rPr lang="en-US" sz="2000" dirty="0">
+                <a:latin typeface="Arial Rounded MT Bold" panose="020F0704030504030204" pitchFamily="34" charset="0"/>
+              </a:rPr>
+              <a:t>Integration of KNN classifier with Neocortex API</a:t>
+            </a:r>
+          </a:p>
+          <a:p>
+            <a:r>
+              <a:rPr lang="en-US" sz="2000" dirty="0">
+                <a:latin typeface="Arial Rounded MT Bold" panose="020F0704030504030204" pitchFamily="34" charset="0"/>
               </a:rPr>
               <a:t>Implementation of KNN Classifier with Spatial Pooler generated SDRs</a:t>
             </a:r>
           </a:p>
           <a:p>
             <a:r>
-              <a:rPr lang="en-US" dirty="0">
-                <a:latin typeface="Pristina" panose="03060402040406080204" pitchFamily="66" charset="0"/>
+              <a:rPr lang="en-US" sz="2000" dirty="0">
+                <a:latin typeface="Arial Rounded MT Bold" panose="020F0704030504030204" pitchFamily="34" charset="0"/>
               </a:rPr>
               <a:t>Unit testing</a:t>
             </a:r>
           </a:p>
           <a:p>
             <a:r>
-              <a:rPr lang="en-US" dirty="0">
-                <a:latin typeface="Pristina" panose="03060402040406080204" pitchFamily="66" charset="0"/>
+              <a:rPr lang="en-US" sz="2000" dirty="0">
+                <a:latin typeface="Arial Rounded MT Bold" panose="020F0704030504030204" pitchFamily="34" charset="0"/>
               </a:rPr>
-              <a:t>Results and Discussion </a:t>
-            </a:r>
-          </a:p>
-          <a:p>
-            <a:r>
-              <a:rPr lang="en-US" dirty="0">
-                <a:latin typeface="Pristina" panose="03060402040406080204" pitchFamily="66" charset="0"/>
+              <a:t>Discussion </a:t>
+            </a:r>
+          </a:p>
+          <a:p>
+            <a:r>
+              <a:rPr lang="en-US" sz="2000" dirty="0">
+                <a:latin typeface="Arial Rounded MT Bold" panose="020F0704030504030204" pitchFamily="34" charset="0"/>
               </a:rPr>
               <a:t>Conclusion</a:t>
             </a:r>
           </a:p>
           <a:p>
             <a:r>
-              <a:rPr lang="en-US" dirty="0">
-                <a:latin typeface="Pristina" panose="03060402040406080204" pitchFamily="66" charset="0"/>
+              <a:rPr lang="en-US" sz="2000" dirty="0">
+                <a:latin typeface="Arial Rounded MT Bold" panose="020F0704030504030204" pitchFamily="34" charset="0"/>
               </a:rPr>
               <a:t>References</a:t>
             </a:r>
@@ -3805,7 +3814,7 @@
               <a:rPr lang="de-DE" smtClean="0"/>
               <a:t>24.03.2024</a:t>
             </a:fld>
-            <a:endParaRPr lang="en-US"/>
+            <a:endParaRPr lang="en-US" dirty="0"/>
           </a:p>
         </p:txBody>
       </p:sp>
@@ -3886,12 +3895,16 @@
         </p:nvSpPr>
         <p:spPr/>
         <p:txBody>
-          <a:bodyPr/>
-          <a:lstStyle/>
-          <a:p>
-            <a:r>
-              <a:rPr lang="en-US" dirty="0"/>
-              <a:t>Introduction to KNN Classifier</a:t>
+          <a:bodyPr>
+            <a:normAutofit/>
+          </a:bodyPr>
+          <a:lstStyle/>
+          <a:p>
+            <a:r>
+              <a:rPr lang="en-US" sz="4000" dirty="0">
+                <a:latin typeface="Arial Rounded MT Bold" panose="020F0704030504030204" pitchFamily="34" charset="0"/>
+              </a:rPr>
+              <a:t>Problem statement</a:t>
             </a:r>
           </a:p>
         </p:txBody>
@@ -3983,6 +3996,148 @@
     <p:extLst>
       <p:ext uri="{BB962C8B-B14F-4D97-AF65-F5344CB8AC3E}">
         <p14:creationId xmlns:p14="http://schemas.microsoft.com/office/powerpoint/2010/main" val="1174794736"/>
+      </p:ext>
+    </p:extLst>
+  </p:cSld>
+  <p:clrMapOvr>
+    <a:masterClrMapping/>
+  </p:clrMapOvr>
+</p:sld>
+</file>
+
+<file path=ppt/slides/slide4.xml><?xml version="1.0" encoding="utf-8"?>
+<p:sld xmlns:a="http://schemas.openxmlformats.org/drawingml/2006/main" xmlns:r="http://schemas.openxmlformats.org/officeDocument/2006/relationships" xmlns:p="http://schemas.openxmlformats.org/presentationml/2006/main">
+  <p:cSld>
+    <p:spTree>
+      <p:nvGrpSpPr>
+        <p:cNvPr id="1" name=""/>
+        <p:cNvGrpSpPr/>
+        <p:nvPr/>
+      </p:nvGrpSpPr>
+      <p:grpSpPr>
+        <a:xfrm>
+          <a:off x="0" y="0"/>
+          <a:ext cx="0" cy="0"/>
+          <a:chOff x="0" y="0"/>
+          <a:chExt cx="0" cy="0"/>
+        </a:xfrm>
+      </p:grpSpPr>
+      <p:sp>
+        <p:nvSpPr>
+          <p:cNvPr id="2" name="Title 1">
+            <a:extLst>
+              <a:ext uri="{FF2B5EF4-FFF2-40B4-BE49-F238E27FC236}">
+                <a16:creationId xmlns:a16="http://schemas.microsoft.com/office/drawing/2014/main" id="{3E02F06B-A1AE-5741-0C5C-5D811A4154F9}"/>
+              </a:ext>
+            </a:extLst>
+          </p:cNvPr>
+          <p:cNvSpPr>
+            <a:spLocks noGrp="1"/>
+          </p:cNvSpPr>
+          <p:nvPr>
+            <p:ph type="title"/>
+          </p:nvPr>
+        </p:nvSpPr>
+        <p:spPr/>
+        <p:txBody>
+          <a:bodyPr/>
+          <a:lstStyle/>
+          <a:p>
+            <a:r>
+              <a:rPr lang="en-US"/>
+              <a:t>Machine</a:t>
+            </a:r>
+            <a:endParaRPr lang="en-US" dirty="0"/>
+          </a:p>
+        </p:txBody>
+      </p:sp>
+      <p:sp>
+        <p:nvSpPr>
+          <p:cNvPr id="3" name="Content Placeholder 2">
+            <a:extLst>
+              <a:ext uri="{FF2B5EF4-FFF2-40B4-BE49-F238E27FC236}">
+                <a16:creationId xmlns:a16="http://schemas.microsoft.com/office/drawing/2014/main" id="{746C3CD2-0151-1F7D-0B83-685A9DA9EF39}"/>
+              </a:ext>
+            </a:extLst>
+          </p:cNvPr>
+          <p:cNvSpPr>
+            <a:spLocks noGrp="1"/>
+          </p:cNvSpPr>
+          <p:nvPr>
+            <p:ph idx="1"/>
+          </p:nvPr>
+        </p:nvSpPr>
+        <p:spPr/>
+        <p:txBody>
+          <a:bodyPr/>
+          <a:lstStyle/>
+          <a:p>
+            <a:endParaRPr lang="en-US" dirty="0"/>
+          </a:p>
+        </p:txBody>
+      </p:sp>
+      <p:sp>
+        <p:nvSpPr>
+          <p:cNvPr id="4" name="Date Placeholder 3">
+            <a:extLst>
+              <a:ext uri="{FF2B5EF4-FFF2-40B4-BE49-F238E27FC236}">
+                <a16:creationId xmlns:a16="http://schemas.microsoft.com/office/drawing/2014/main" id="{F9FA9D6C-5FD9-2F3D-2382-6F790A1D1DCC}"/>
+              </a:ext>
+            </a:extLst>
+          </p:cNvPr>
+          <p:cNvSpPr>
+            <a:spLocks noGrp="1"/>
+          </p:cNvSpPr>
+          <p:nvPr>
+            <p:ph type="dt" sz="half" idx="10"/>
+          </p:nvPr>
+        </p:nvSpPr>
+        <p:spPr/>
+        <p:txBody>
+          <a:bodyPr/>
+          <a:lstStyle/>
+          <a:p>
+            <a:fld id="{89E62C9B-B452-4322-936F-91A12848BB5E}" type="datetime1">
+              <a:rPr lang="de-DE" smtClean="0"/>
+              <a:t>24.03.2024</a:t>
+            </a:fld>
+            <a:endParaRPr lang="en-US"/>
+          </a:p>
+        </p:txBody>
+      </p:sp>
+      <p:sp>
+        <p:nvSpPr>
+          <p:cNvPr id="5" name="Slide Number Placeholder 4">
+            <a:extLst>
+              <a:ext uri="{FF2B5EF4-FFF2-40B4-BE49-F238E27FC236}">
+                <a16:creationId xmlns:a16="http://schemas.microsoft.com/office/drawing/2014/main" id="{E135BA10-9A3F-E33D-B308-D6C50B64EF62}"/>
+              </a:ext>
+            </a:extLst>
+          </p:cNvPr>
+          <p:cNvSpPr>
+            <a:spLocks noGrp="1"/>
+          </p:cNvSpPr>
+          <p:nvPr>
+            <p:ph type="sldNum" sz="quarter" idx="12"/>
+          </p:nvPr>
+        </p:nvSpPr>
+        <p:spPr/>
+        <p:txBody>
+          <a:bodyPr/>
+          <a:lstStyle/>
+          <a:p>
+            <a:fld id="{DDE4B26F-E58A-4C83-9619-68F81596DFD8}" type="slidenum">
+              <a:rPr lang="en-US" smtClean="0"/>
+              <a:t>4</a:t>
+            </a:fld>
+            <a:endParaRPr lang="en-US"/>
+          </a:p>
+        </p:txBody>
+      </p:sp>
+    </p:spTree>
+    <p:extLst>
+      <p:ext uri="{BB962C8B-B14F-4D97-AF65-F5344CB8AC3E}">
+        <p14:creationId xmlns:p14="http://schemas.microsoft.com/office/powerpoint/2010/main" val="2397003531"/>
       </p:ext>
     </p:extLst>
   </p:cSld>

--- a/source/MySEProject/Documentation/Implement_the_KNN__Classifier_KNN_Quest.pptx
+++ b/source/MySEProject/Documentation/Implement_the_KNN__Classifier_KNN_Quest.pptx
@@ -5,13 +5,14 @@
     <p:sldMasterId id="2147483648" r:id="rId1"/>
   </p:sldMasterIdLst>
   <p:notesMasterIdLst>
-    <p:notesMasterId r:id="rId6"/>
+    <p:notesMasterId r:id="rId7"/>
   </p:notesMasterIdLst>
   <p:sldIdLst>
     <p:sldId id="256" r:id="rId2"/>
     <p:sldId id="257" r:id="rId3"/>
     <p:sldId id="258" r:id="rId4"/>
     <p:sldId id="259" r:id="rId5"/>
+    <p:sldId id="260" r:id="rId6"/>
   </p:sldIdLst>
   <p:sldSz cx="12192000" cy="6858000"/>
   <p:notesSz cx="6858000" cy="9144000"/>
@@ -200,7 +201,7 @@
           <a:p>
             <a:fld id="{9046BB7E-E3D5-4B6D-BECE-0345D54B8A81}" type="datetimeFigureOut">
               <a:rPr lang="en-US" smtClean="0"/>
-              <a:t>3/24/2024</a:t>
+              <a:t>3/25/2024</a:t>
             </a:fld>
             <a:endParaRPr lang="en-US"/>
           </a:p>
@@ -650,7 +651,7 @@
           <a:p>
             <a:fld id="{A8EF2C91-D8EB-49E6-A745-680FC1324D43}" type="datetime1">
               <a:rPr lang="de-DE" smtClean="0"/>
-              <a:t>24.03.2024</a:t>
+              <a:t>25.03.2024</a:t>
             </a:fld>
             <a:endParaRPr lang="en-US" dirty="0"/>
           </a:p>
@@ -903,7 +904,7 @@
           <a:p>
             <a:fld id="{E8776AC1-21BA-4742-907D-CF3A5A7F771C}" type="datetime1">
               <a:rPr lang="de-DE" smtClean="0"/>
-              <a:t>24.03.2024</a:t>
+              <a:t>25.03.2024</a:t>
             </a:fld>
             <a:endParaRPr lang="en-US"/>
           </a:p>
@@ -1101,7 +1102,7 @@
           <a:p>
             <a:fld id="{89E62C9B-B452-4322-936F-91A12848BB5E}" type="datetime1">
               <a:rPr lang="de-DE" smtClean="0"/>
-              <a:t>24.03.2024</a:t>
+              <a:t>25.03.2024</a:t>
             </a:fld>
             <a:endParaRPr lang="en-US"/>
           </a:p>
@@ -1376,7 +1377,7 @@
           <a:p>
             <a:fld id="{5961E691-AD5D-46F6-9361-588612D53B7A}" type="datetime1">
               <a:rPr lang="de-DE" smtClean="0"/>
-              <a:t>24.03.2024</a:t>
+              <a:t>25.03.2024</a:t>
             </a:fld>
             <a:endParaRPr lang="en-US"/>
           </a:p>
@@ -1641,7 +1642,7 @@
           <a:p>
             <a:fld id="{315BCC09-E684-4A9A-B87A-22B1BBC9075B}" type="datetime1">
               <a:rPr lang="de-DE" smtClean="0"/>
-              <a:t>24.03.2024</a:t>
+              <a:t>25.03.2024</a:t>
             </a:fld>
             <a:endParaRPr lang="en-US"/>
           </a:p>
@@ -1782,7 +1783,7 @@
           <a:p>
             <a:fld id="{275A2FA2-BCD0-4233-AECD-5E2831B6880F}" type="datetime1">
               <a:rPr lang="de-DE" smtClean="0"/>
-              <a:t>24.03.2024</a:t>
+              <a:t>25.03.2024</a:t>
             </a:fld>
             <a:endParaRPr lang="en-US"/>
           </a:p>
@@ -1895,7 +1896,7 @@
           <a:p>
             <a:fld id="{F8293967-2CBE-4645-A866-132B7771F90B}" type="datetime1">
               <a:rPr lang="de-DE" smtClean="0"/>
-              <a:t>24.03.2024</a:t>
+              <a:t>25.03.2024</a:t>
             </a:fld>
             <a:endParaRPr lang="en-US"/>
           </a:p>
@@ -2206,7 +2207,7 @@
           <a:p>
             <a:fld id="{77B23578-1DEB-473B-B0A3-161EEE3BB63C}" type="datetime1">
               <a:rPr lang="de-DE" smtClean="0"/>
-              <a:t>24.03.2024</a:t>
+              <a:t>25.03.2024</a:t>
             </a:fld>
             <a:endParaRPr lang="en-US"/>
           </a:p>
@@ -2494,7 +2495,7 @@
           <a:p>
             <a:fld id="{89B1BDEE-E523-43B3-B9C9-FEB1E809D42E}" type="datetime1">
               <a:rPr lang="de-DE" smtClean="0"/>
-              <a:t>24.03.2024</a:t>
+              <a:t>25.03.2024</a:t>
             </a:fld>
             <a:endParaRPr lang="en-US"/>
           </a:p>
@@ -2692,7 +2693,7 @@
           <a:p>
             <a:fld id="{D6F43DCC-D1A6-4C4E-93A6-2648B6E26C6C}" type="datetime1">
               <a:rPr lang="de-DE" smtClean="0"/>
-              <a:t>24.03.2024</a:t>
+              <a:t>25.03.2024</a:t>
             </a:fld>
             <a:endParaRPr lang="en-US"/>
           </a:p>
@@ -2933,7 +2934,7 @@
           <a:p>
             <a:fld id="{17238E1B-53C2-4454-A9E1-2A21AAF129EB}" type="datetime1">
               <a:rPr lang="de-DE" smtClean="0"/>
-              <a:t>24.03.2024</a:t>
+              <a:t>25.03.2024</a:t>
             </a:fld>
             <a:endParaRPr lang="en-US"/>
           </a:p>
@@ -3591,7 +3592,7 @@
           <a:p>
             <a:fld id="{417A8112-CFF2-4B2D-A30A-AD3542D64B74}" type="datetime1">
               <a:rPr lang="de-DE" smtClean="0"/>
-              <a:t>24.03.2024</a:t>
+              <a:t>25.03.2024</a:t>
             </a:fld>
             <a:endParaRPr lang="en-US" dirty="0"/>
           </a:p>
@@ -3812,7 +3813,7 @@
           <a:p>
             <a:fld id="{9B2A6F4F-9563-451F-A077-87C68364E6DB}" type="datetime1">
               <a:rPr lang="de-DE" smtClean="0"/>
-              <a:t>24.03.2024</a:t>
+              <a:t>25.03.2024</a:t>
             </a:fld>
             <a:endParaRPr lang="en-US" dirty="0"/>
           </a:p>
@@ -3957,7 +3958,7 @@
           <a:p>
             <a:fld id="{89E62C9B-B452-4322-936F-91A12848BB5E}" type="datetime1">
               <a:rPr lang="de-DE" smtClean="0"/>
-              <a:t>24.03.2024</a:t>
+              <a:t>25.03.2024</a:t>
             </a:fld>
             <a:endParaRPr lang="en-US"/>
           </a:p>
@@ -4040,14 +4041,17 @@
         </p:nvSpPr>
         <p:spPr/>
         <p:txBody>
-          <a:bodyPr/>
-          <a:lstStyle/>
-          <a:p>
-            <a:r>
-              <a:rPr lang="en-US"/>
-              <a:t>Machine</a:t>
-            </a:r>
-            <a:endParaRPr lang="en-US" dirty="0"/>
+          <a:bodyPr>
+            <a:normAutofit/>
+          </a:bodyPr>
+          <a:lstStyle/>
+          <a:p>
+            <a:r>
+              <a:rPr lang="en-US" sz="4000" dirty="0">
+                <a:latin typeface="Arial Rounded MT Bold" panose="020F0704030504030204" pitchFamily="34" charset="0"/>
+              </a:rPr>
+              <a:t>Implementation of Native KNN classifier </a:t>
+            </a:r>
           </a:p>
         </p:txBody>
       </p:sp>
@@ -4071,6 +4075,12 @@
         <p:txBody>
           <a:bodyPr/>
           <a:lstStyle/>
+          <a:p>
+            <a:r>
+              <a:rPr lang="en-US" sz="2000" dirty="0"/>
+              <a:t>A native KNN classifier is designed based on the principle of similarity, where data points with similar characteristics tend to belong to the same class. During training, it stores labeled data points, each representing specific features and corresponding class labels. When predicting, it calculates distances between new and stored points, identifies the k nearest neighbors, and predicts the class label based on a majority vote among them.</a:t>
+            </a:r>
+          </a:p>
           <a:p>
             <a:endParaRPr lang="en-US" dirty="0"/>
           </a:p>
@@ -4099,7 +4109,7 @@
           <a:p>
             <a:fld id="{89E62C9B-B452-4322-936F-91A12848BB5E}" type="datetime1">
               <a:rPr lang="de-DE" smtClean="0"/>
-              <a:t>24.03.2024</a:t>
+              <a:t>25.03.2024</a:t>
             </a:fld>
             <a:endParaRPr lang="en-US"/>
           </a:p>
@@ -4134,10 +4144,283 @@
           </a:p>
         </p:txBody>
       </p:sp>
+      <p:pic>
+        <p:nvPicPr>
+          <p:cNvPr id="6" name="Picture 5">
+            <a:extLst>
+              <a:ext uri="{FF2B5EF4-FFF2-40B4-BE49-F238E27FC236}">
+                <a16:creationId xmlns:a16="http://schemas.microsoft.com/office/drawing/2014/main" id="{C2637A4F-0A20-4291-873A-691BEE740333}"/>
+              </a:ext>
+            </a:extLst>
+          </p:cNvPr>
+          <p:cNvPicPr/>
+          <p:nvPr/>
+        </p:nvPicPr>
+        <p:blipFill rotWithShape="1">
+          <a:blip r:embed="rId2" cstate="print">
+            <a:extLst>
+              <a:ext uri="{28A0092B-C50C-407E-A947-70E740481C1C}">
+                <a14:useLocalDpi xmlns:a14="http://schemas.microsoft.com/office/drawing/2010/main" val="0"/>
+              </a:ext>
+            </a:extLst>
+          </a:blip>
+          <a:srcRect t="19179" b="35358"/>
+          <a:stretch/>
+        </p:blipFill>
+        <p:spPr bwMode="auto">
+          <a:xfrm>
+            <a:off x="4125797" y="3560976"/>
+            <a:ext cx="3940405" cy="2327079"/>
+          </a:xfrm>
+          <a:prstGeom prst="rect">
+            <a:avLst/>
+          </a:prstGeom>
+          <a:ln>
+            <a:noFill/>
+          </a:ln>
+          <a:extLst>
+            <a:ext uri="{53640926-AAD7-44D8-BBD7-CCE9431645EC}">
+              <a14:shadowObscured xmlns:a14="http://schemas.microsoft.com/office/drawing/2010/main"/>
+            </a:ext>
+          </a:extLst>
+        </p:spPr>
+      </p:pic>
     </p:spTree>
     <p:extLst>
       <p:ext uri="{BB962C8B-B14F-4D97-AF65-F5344CB8AC3E}">
         <p14:creationId xmlns:p14="http://schemas.microsoft.com/office/powerpoint/2010/main" val="2397003531"/>
+      </p:ext>
+    </p:extLst>
+  </p:cSld>
+  <p:clrMapOvr>
+    <a:masterClrMapping/>
+  </p:clrMapOvr>
+</p:sld>
+</file>
+
+<file path=ppt/slides/slide5.xml><?xml version="1.0" encoding="utf-8"?>
+<p:sld xmlns:a="http://schemas.openxmlformats.org/drawingml/2006/main" xmlns:r="http://schemas.openxmlformats.org/officeDocument/2006/relationships" xmlns:p="http://schemas.openxmlformats.org/presentationml/2006/main">
+  <p:cSld>
+    <p:spTree>
+      <p:nvGrpSpPr>
+        <p:cNvPr id="1" name=""/>
+        <p:cNvGrpSpPr/>
+        <p:nvPr/>
+      </p:nvGrpSpPr>
+      <p:grpSpPr>
+        <a:xfrm>
+          <a:off x="0" y="0"/>
+          <a:ext cx="0" cy="0"/>
+          <a:chOff x="0" y="0"/>
+          <a:chExt cx="0" cy="0"/>
+        </a:xfrm>
+      </p:grpSpPr>
+      <p:sp>
+        <p:nvSpPr>
+          <p:cNvPr id="2" name="Title 1">
+            <a:extLst>
+              <a:ext uri="{FF2B5EF4-FFF2-40B4-BE49-F238E27FC236}">
+                <a16:creationId xmlns:a16="http://schemas.microsoft.com/office/drawing/2014/main" id="{62655E45-6B0C-488F-B944-B58D8222E1D2}"/>
+              </a:ext>
+            </a:extLst>
+          </p:cNvPr>
+          <p:cNvSpPr>
+            <a:spLocks noGrp="1"/>
+          </p:cNvSpPr>
+          <p:nvPr>
+            <p:ph type="title"/>
+          </p:nvPr>
+        </p:nvSpPr>
+        <p:spPr/>
+        <p:txBody>
+          <a:bodyPr/>
+          <a:lstStyle/>
+          <a:p>
+            <a:r>
+              <a:rPr lang="en-US" sz="4000" dirty="0">
+                <a:latin typeface="Arial Rounded MT Bold" panose="020F0704030504030204" pitchFamily="34" charset="0"/>
+              </a:rPr>
+              <a:t>Working</a:t>
+            </a:r>
+            <a:r>
+              <a:rPr lang="en-US" dirty="0">
+                <a:latin typeface="Arial Rounded MT Bold" panose="020F0704030504030204" pitchFamily="34" charset="0"/>
+              </a:rPr>
+              <a:t> of Native KNN Classifier</a:t>
+            </a:r>
+          </a:p>
+        </p:txBody>
+      </p:sp>
+      <p:sp>
+        <p:nvSpPr>
+          <p:cNvPr id="3" name="Content Placeholder 2">
+            <a:extLst>
+              <a:ext uri="{FF2B5EF4-FFF2-40B4-BE49-F238E27FC236}">
+                <a16:creationId xmlns:a16="http://schemas.microsoft.com/office/drawing/2014/main" id="{70D28CD5-BE0F-4E0A-BE52-DA4DA8A76A05}"/>
+              </a:ext>
+            </a:extLst>
+          </p:cNvPr>
+          <p:cNvSpPr>
+            <a:spLocks noGrp="1"/>
+          </p:cNvSpPr>
+          <p:nvPr>
+            <p:ph idx="1"/>
+          </p:nvPr>
+        </p:nvSpPr>
+        <p:spPr/>
+        <p:txBody>
+          <a:bodyPr/>
+          <a:lstStyle/>
+          <a:p>
+            <a:pPr marL="0" indent="0">
+              <a:buNone/>
+            </a:pPr>
+            <a:r>
+              <a:rPr lang="en-US" dirty="0"/>
+              <a:t>1. Selecting Value of k</a:t>
+            </a:r>
+          </a:p>
+          <a:p>
+            <a:pPr marL="0" indent="0">
+              <a:buNone/>
+            </a:pPr>
+            <a:r>
+              <a:rPr lang="en-US" dirty="0"/>
+              <a:t>2. Calculating Distance</a:t>
+            </a:r>
+          </a:p>
+          <a:p>
+            <a:pPr marL="0" indent="0">
+              <a:buNone/>
+            </a:pPr>
+            <a:r>
+              <a:rPr lang="en-US" dirty="0"/>
+              <a:t>3. Finding Nearest Neighbor</a:t>
+            </a:r>
+          </a:p>
+          <a:p>
+            <a:pPr marL="0" indent="0">
+              <a:buNone/>
+            </a:pPr>
+            <a:r>
+              <a:rPr lang="en-US" dirty="0"/>
+              <a:t>4. Voting and Prediction</a:t>
+            </a:r>
+          </a:p>
+          <a:p>
+            <a:pPr marL="0" indent="0">
+              <a:buNone/>
+            </a:pPr>
+            <a:endParaRPr lang="en-US" dirty="0"/>
+          </a:p>
+          <a:p>
+            <a:endParaRPr lang="en-US" dirty="0"/>
+          </a:p>
+        </p:txBody>
+      </p:sp>
+      <p:sp>
+        <p:nvSpPr>
+          <p:cNvPr id="4" name="Date Placeholder 3">
+            <a:extLst>
+              <a:ext uri="{FF2B5EF4-FFF2-40B4-BE49-F238E27FC236}">
+                <a16:creationId xmlns:a16="http://schemas.microsoft.com/office/drawing/2014/main" id="{B44367FA-A9A0-4438-ADFA-F552DC1F8F01}"/>
+              </a:ext>
+            </a:extLst>
+          </p:cNvPr>
+          <p:cNvSpPr>
+            <a:spLocks noGrp="1"/>
+          </p:cNvSpPr>
+          <p:nvPr>
+            <p:ph type="dt" sz="half" idx="10"/>
+          </p:nvPr>
+        </p:nvSpPr>
+        <p:spPr/>
+        <p:txBody>
+          <a:bodyPr/>
+          <a:lstStyle/>
+          <a:p>
+            <a:fld id="{89E62C9B-B452-4322-936F-91A12848BB5E}" type="datetime1">
+              <a:rPr lang="de-DE" smtClean="0"/>
+              <a:t>25.03.2024</a:t>
+            </a:fld>
+            <a:endParaRPr lang="en-US"/>
+          </a:p>
+        </p:txBody>
+      </p:sp>
+      <p:sp>
+        <p:nvSpPr>
+          <p:cNvPr id="5" name="Slide Number Placeholder 4">
+            <a:extLst>
+              <a:ext uri="{FF2B5EF4-FFF2-40B4-BE49-F238E27FC236}">
+                <a16:creationId xmlns:a16="http://schemas.microsoft.com/office/drawing/2014/main" id="{5C6DFB91-5256-4343-8EFE-42AA3297ECB3}"/>
+              </a:ext>
+            </a:extLst>
+          </p:cNvPr>
+          <p:cNvSpPr>
+            <a:spLocks noGrp="1"/>
+          </p:cNvSpPr>
+          <p:nvPr>
+            <p:ph type="sldNum" sz="quarter" idx="12"/>
+          </p:nvPr>
+        </p:nvSpPr>
+        <p:spPr/>
+        <p:txBody>
+          <a:bodyPr/>
+          <a:lstStyle/>
+          <a:p>
+            <a:fld id="{DDE4B26F-E58A-4C83-9619-68F81596DFD8}" type="slidenum">
+              <a:rPr lang="en-US" smtClean="0"/>
+              <a:t>5</a:t>
+            </a:fld>
+            <a:endParaRPr lang="en-US"/>
+          </a:p>
+        </p:txBody>
+      </p:sp>
+      <p:pic>
+        <p:nvPicPr>
+          <p:cNvPr id="6" name="Picture 5">
+            <a:extLst>
+              <a:ext uri="{FF2B5EF4-FFF2-40B4-BE49-F238E27FC236}">
+                <a16:creationId xmlns:a16="http://schemas.microsoft.com/office/drawing/2014/main" id="{2CB2EF24-FAEC-4403-B5D1-2D310F3165C8}"/>
+              </a:ext>
+            </a:extLst>
+          </p:cNvPr>
+          <p:cNvPicPr/>
+          <p:nvPr/>
+        </p:nvPicPr>
+        <p:blipFill rotWithShape="1">
+          <a:blip r:embed="rId2" cstate="print">
+            <a:extLst>
+              <a:ext uri="{28A0092B-C50C-407E-A947-70E740481C1C}">
+                <a14:useLocalDpi xmlns:a14="http://schemas.microsoft.com/office/drawing/2010/main" val="0"/>
+              </a:ext>
+            </a:extLst>
+          </a:blip>
+          <a:srcRect t="19580" b="35088"/>
+          <a:stretch/>
+        </p:blipFill>
+        <p:spPr bwMode="auto">
+          <a:xfrm>
+            <a:off x="6096000" y="2224872"/>
+            <a:ext cx="3886986" cy="2601652"/>
+          </a:xfrm>
+          <a:prstGeom prst="rect">
+            <a:avLst/>
+          </a:prstGeom>
+          <a:ln>
+            <a:noFill/>
+          </a:ln>
+          <a:extLst>
+            <a:ext uri="{53640926-AAD7-44D8-BBD7-CCE9431645EC}">
+              <a14:shadowObscured xmlns:a14="http://schemas.microsoft.com/office/drawing/2010/main"/>
+            </a:ext>
+          </a:extLst>
+        </p:spPr>
+      </p:pic>
+    </p:spTree>
+    <p:extLst>
+      <p:ext uri="{BB962C8B-B14F-4D97-AF65-F5344CB8AC3E}">
+        <p14:creationId xmlns:p14="http://schemas.microsoft.com/office/powerpoint/2010/main" val="3683541431"/>
       </p:ext>
     </p:extLst>
   </p:cSld>

--- a/source/MySEProject/Documentation/Implement_the_KNN__Classifier_KNN_Quest.pptx
+++ b/source/MySEProject/Documentation/Implement_the_KNN__Classifier_KNN_Quest.pptx
@@ -5,7 +5,7 @@
     <p:sldMasterId id="2147483648" r:id="rId1"/>
   </p:sldMasterIdLst>
   <p:notesMasterIdLst>
-    <p:notesMasterId r:id="rId7"/>
+    <p:notesMasterId r:id="rId9"/>
   </p:notesMasterIdLst>
   <p:sldIdLst>
     <p:sldId id="256" r:id="rId2"/>
@@ -13,6 +13,8 @@
     <p:sldId id="258" r:id="rId4"/>
     <p:sldId id="259" r:id="rId5"/>
     <p:sldId id="260" r:id="rId6"/>
+    <p:sldId id="261" r:id="rId7"/>
+    <p:sldId id="262" r:id="rId8"/>
   </p:sldIdLst>
   <p:sldSz cx="12192000" cy="6858000"/>
   <p:notesSz cx="6858000" cy="9144000"/>
@@ -4421,6 +4423,345 @@
     <p:extLst>
       <p:ext uri="{BB962C8B-B14F-4D97-AF65-F5344CB8AC3E}">
         <p14:creationId xmlns:p14="http://schemas.microsoft.com/office/powerpoint/2010/main" val="3683541431"/>
+      </p:ext>
+    </p:extLst>
+  </p:cSld>
+  <p:clrMapOvr>
+    <a:masterClrMapping/>
+  </p:clrMapOvr>
+</p:sld>
+</file>
+
+<file path=ppt/slides/slide6.xml><?xml version="1.0" encoding="utf-8"?>
+<p:sld xmlns:a="http://schemas.openxmlformats.org/drawingml/2006/main" xmlns:r="http://schemas.openxmlformats.org/officeDocument/2006/relationships" xmlns:p="http://schemas.openxmlformats.org/presentationml/2006/main">
+  <p:cSld>
+    <p:spTree>
+      <p:nvGrpSpPr>
+        <p:cNvPr id="1" name=""/>
+        <p:cNvGrpSpPr/>
+        <p:nvPr/>
+      </p:nvGrpSpPr>
+      <p:grpSpPr>
+        <a:xfrm>
+          <a:off x="0" y="0"/>
+          <a:ext cx="0" cy="0"/>
+          <a:chOff x="0" y="0"/>
+          <a:chExt cx="0" cy="0"/>
+        </a:xfrm>
+      </p:grpSpPr>
+      <p:sp>
+        <p:nvSpPr>
+          <p:cNvPr id="2" name="Title 1">
+            <a:extLst>
+              <a:ext uri="{FF2B5EF4-FFF2-40B4-BE49-F238E27FC236}">
+                <a16:creationId xmlns:a16="http://schemas.microsoft.com/office/drawing/2014/main" id="{4101115D-62C5-4C5D-A25A-989678C557D5}"/>
+              </a:ext>
+            </a:extLst>
+          </p:cNvPr>
+          <p:cNvSpPr>
+            <a:spLocks noGrp="1"/>
+          </p:cNvSpPr>
+          <p:nvPr>
+            <p:ph type="title"/>
+          </p:nvPr>
+        </p:nvSpPr>
+        <p:spPr/>
+        <p:txBody>
+          <a:bodyPr>
+            <a:normAutofit/>
+          </a:bodyPr>
+          <a:lstStyle/>
+          <a:p>
+            <a:r>
+              <a:rPr lang="en-US" sz="4000" dirty="0">
+                <a:latin typeface="Arial Rounded MT Bold" panose="020F0704030504030204" pitchFamily="34" charset="0"/>
+              </a:rPr>
+              <a:t>Integration of KNN with Neocortex API</a:t>
+            </a:r>
+          </a:p>
+        </p:txBody>
+      </p:sp>
+      <p:sp>
+        <p:nvSpPr>
+          <p:cNvPr id="3" name="Content Placeholder 2">
+            <a:extLst>
+              <a:ext uri="{FF2B5EF4-FFF2-40B4-BE49-F238E27FC236}">
+                <a16:creationId xmlns:a16="http://schemas.microsoft.com/office/drawing/2014/main" id="{46AAC9A8-EA94-444A-B73B-B5DDD5E567AC}"/>
+              </a:ext>
+            </a:extLst>
+          </p:cNvPr>
+          <p:cNvSpPr>
+            <a:spLocks noGrp="1"/>
+          </p:cNvSpPr>
+          <p:nvPr>
+            <p:ph idx="1"/>
+          </p:nvPr>
+        </p:nvSpPr>
+        <p:spPr/>
+        <p:txBody>
+          <a:bodyPr>
+            <a:normAutofit/>
+          </a:bodyPr>
+          <a:lstStyle/>
+          <a:p>
+            <a:r>
+              <a:rPr lang="en-US" sz="2400" dirty="0"/>
+              <a:t>A sequence learning and classification framework integrates an encoder, Spatial Pooler, Temporal Memory, and K-nearest neighbor (KNN) classifier. The encoder preprocesses sequential data, while the Spatial Pooler identifies spatial patterns using Hebbian learning principles. These patterns are utilized by the KNN classifier for label prediction, while the Temporal Memory focuses on learning temporal sequences and enriching classification insights.</a:t>
+            </a:r>
+          </a:p>
+        </p:txBody>
+      </p:sp>
+      <p:sp>
+        <p:nvSpPr>
+          <p:cNvPr id="4" name="Date Placeholder 3">
+            <a:extLst>
+              <a:ext uri="{FF2B5EF4-FFF2-40B4-BE49-F238E27FC236}">
+                <a16:creationId xmlns:a16="http://schemas.microsoft.com/office/drawing/2014/main" id="{6E6F74E1-CCCE-410F-9D79-638A9D5D2ED6}"/>
+              </a:ext>
+            </a:extLst>
+          </p:cNvPr>
+          <p:cNvSpPr>
+            <a:spLocks noGrp="1"/>
+          </p:cNvSpPr>
+          <p:nvPr>
+            <p:ph type="dt" sz="half" idx="10"/>
+          </p:nvPr>
+        </p:nvSpPr>
+        <p:spPr/>
+        <p:txBody>
+          <a:bodyPr/>
+          <a:lstStyle/>
+          <a:p>
+            <a:fld id="{89E62C9B-B452-4322-936F-91A12848BB5E}" type="datetime1">
+              <a:rPr lang="de-DE" smtClean="0"/>
+              <a:t>25.03.2024</a:t>
+            </a:fld>
+            <a:endParaRPr lang="en-US"/>
+          </a:p>
+        </p:txBody>
+      </p:sp>
+      <p:sp>
+        <p:nvSpPr>
+          <p:cNvPr id="5" name="Slide Number Placeholder 4">
+            <a:extLst>
+              <a:ext uri="{FF2B5EF4-FFF2-40B4-BE49-F238E27FC236}">
+                <a16:creationId xmlns:a16="http://schemas.microsoft.com/office/drawing/2014/main" id="{64CCC744-204D-4E9D-BC59-F55D14BF8E02}"/>
+              </a:ext>
+            </a:extLst>
+          </p:cNvPr>
+          <p:cNvSpPr>
+            <a:spLocks noGrp="1"/>
+          </p:cNvSpPr>
+          <p:nvPr>
+            <p:ph type="sldNum" sz="quarter" idx="12"/>
+          </p:nvPr>
+        </p:nvSpPr>
+        <p:spPr/>
+        <p:txBody>
+          <a:bodyPr/>
+          <a:lstStyle/>
+          <a:p>
+            <a:fld id="{DDE4B26F-E58A-4C83-9619-68F81596DFD8}" type="slidenum">
+              <a:rPr lang="en-US" smtClean="0"/>
+              <a:t>6</a:t>
+            </a:fld>
+            <a:endParaRPr lang="en-US"/>
+          </a:p>
+        </p:txBody>
+      </p:sp>
+      <p:pic>
+        <p:nvPicPr>
+          <p:cNvPr id="6" name="Picture 5">
+            <a:extLst>
+              <a:ext uri="{FF2B5EF4-FFF2-40B4-BE49-F238E27FC236}">
+                <a16:creationId xmlns:a16="http://schemas.microsoft.com/office/drawing/2014/main" id="{BD8F7621-BFB8-4F74-A11A-3A3F6B666F52}"/>
+              </a:ext>
+            </a:extLst>
+          </p:cNvPr>
+          <p:cNvPicPr/>
+          <p:nvPr/>
+        </p:nvPicPr>
+        <p:blipFill rotWithShape="1">
+          <a:blip r:embed="rId2" cstate="print">
+            <a:extLst>
+              <a:ext uri="{28A0092B-C50C-407E-A947-70E740481C1C}">
+                <a14:useLocalDpi xmlns:a14="http://schemas.microsoft.com/office/drawing/2010/main" val="0"/>
+              </a:ext>
+            </a:extLst>
+          </a:blip>
+          <a:srcRect t="13545" b="53058"/>
+          <a:stretch/>
+        </p:blipFill>
+        <p:spPr bwMode="auto">
+          <a:xfrm>
+            <a:off x="2854538" y="4012118"/>
+            <a:ext cx="5544745" cy="2164845"/>
+          </a:xfrm>
+          <a:prstGeom prst="rect">
+            <a:avLst/>
+          </a:prstGeom>
+          <a:ln>
+            <a:noFill/>
+          </a:ln>
+          <a:extLst>
+            <a:ext uri="{53640926-AAD7-44D8-BBD7-CCE9431645EC}">
+              <a14:shadowObscured xmlns:a14="http://schemas.microsoft.com/office/drawing/2010/main"/>
+            </a:ext>
+          </a:extLst>
+        </p:spPr>
+      </p:pic>
+    </p:spTree>
+    <p:extLst>
+      <p:ext uri="{BB962C8B-B14F-4D97-AF65-F5344CB8AC3E}">
+        <p14:creationId xmlns:p14="http://schemas.microsoft.com/office/powerpoint/2010/main" val="4289433109"/>
+      </p:ext>
+    </p:extLst>
+  </p:cSld>
+  <p:clrMapOvr>
+    <a:masterClrMapping/>
+  </p:clrMapOvr>
+</p:sld>
+</file>
+
+<file path=ppt/slides/slide7.xml><?xml version="1.0" encoding="utf-8"?>
+<p:sld xmlns:a="http://schemas.openxmlformats.org/drawingml/2006/main" xmlns:r="http://schemas.openxmlformats.org/officeDocument/2006/relationships" xmlns:p="http://schemas.openxmlformats.org/presentationml/2006/main">
+  <p:cSld>
+    <p:spTree>
+      <p:nvGrpSpPr>
+        <p:cNvPr id="1" name=""/>
+        <p:cNvGrpSpPr/>
+        <p:nvPr/>
+      </p:nvGrpSpPr>
+      <p:grpSpPr>
+        <a:xfrm>
+          <a:off x="0" y="0"/>
+          <a:ext cx="0" cy="0"/>
+          <a:chOff x="0" y="0"/>
+          <a:chExt cx="0" cy="0"/>
+        </a:xfrm>
+      </p:grpSpPr>
+      <p:sp>
+        <p:nvSpPr>
+          <p:cNvPr id="2" name="Title 1">
+            <a:extLst>
+              <a:ext uri="{FF2B5EF4-FFF2-40B4-BE49-F238E27FC236}">
+                <a16:creationId xmlns:a16="http://schemas.microsoft.com/office/drawing/2014/main" id="{A2E1A05C-DBCD-41B9-968B-0D7265565AB2}"/>
+              </a:ext>
+            </a:extLst>
+          </p:cNvPr>
+          <p:cNvSpPr>
+            <a:spLocks noGrp="1"/>
+          </p:cNvSpPr>
+          <p:nvPr>
+            <p:ph type="title"/>
+          </p:nvPr>
+        </p:nvSpPr>
+        <p:spPr/>
+        <p:txBody>
+          <a:bodyPr>
+            <a:normAutofit/>
+          </a:bodyPr>
+          <a:lstStyle/>
+          <a:p>
+            <a:r>
+              <a:rPr lang="en-US" sz="4000" dirty="0">
+                <a:latin typeface="Arial Rounded MT Bold" panose="020F0704030504030204" pitchFamily="34" charset="0"/>
+              </a:rPr>
+              <a:t>Results</a:t>
+            </a:r>
+          </a:p>
+        </p:txBody>
+      </p:sp>
+      <p:sp>
+        <p:nvSpPr>
+          <p:cNvPr id="3" name="Content Placeholder 2">
+            <a:extLst>
+              <a:ext uri="{FF2B5EF4-FFF2-40B4-BE49-F238E27FC236}">
+                <a16:creationId xmlns:a16="http://schemas.microsoft.com/office/drawing/2014/main" id="{CAE67E3C-AE89-4E6C-A5E4-E09CD37FDBA9}"/>
+              </a:ext>
+            </a:extLst>
+          </p:cNvPr>
+          <p:cNvSpPr>
+            <a:spLocks noGrp="1"/>
+          </p:cNvSpPr>
+          <p:nvPr>
+            <p:ph idx="1"/>
+          </p:nvPr>
+        </p:nvSpPr>
+        <p:spPr/>
+        <p:txBody>
+          <a:bodyPr/>
+          <a:lstStyle/>
+          <a:p>
+            <a:r>
+              <a:rPr lang="en-US" dirty="0"/>
+              <a:t>When presented with a new sequence, the KNN classifier utilizes both spatial patterns from the Spatial Pooler and temporal context from the Temporal Memory. This integrated approach, drawing on spatial and temporal learning mechanisms inspired by HTM principles, boosts classification accuracy and robustness when dealing with sequential data.</a:t>
+            </a:r>
+          </a:p>
+        </p:txBody>
+      </p:sp>
+      <p:sp>
+        <p:nvSpPr>
+          <p:cNvPr id="4" name="Date Placeholder 3">
+            <a:extLst>
+              <a:ext uri="{FF2B5EF4-FFF2-40B4-BE49-F238E27FC236}">
+                <a16:creationId xmlns:a16="http://schemas.microsoft.com/office/drawing/2014/main" id="{A8C81283-5F23-495F-93AC-32F020ED5500}"/>
+              </a:ext>
+            </a:extLst>
+          </p:cNvPr>
+          <p:cNvSpPr>
+            <a:spLocks noGrp="1"/>
+          </p:cNvSpPr>
+          <p:nvPr>
+            <p:ph type="dt" sz="half" idx="10"/>
+          </p:nvPr>
+        </p:nvSpPr>
+        <p:spPr/>
+        <p:txBody>
+          <a:bodyPr/>
+          <a:lstStyle/>
+          <a:p>
+            <a:fld id="{89E62C9B-B452-4322-936F-91A12848BB5E}" type="datetime1">
+              <a:rPr lang="de-DE" smtClean="0"/>
+              <a:t>25.03.2024</a:t>
+            </a:fld>
+            <a:endParaRPr lang="en-US"/>
+          </a:p>
+        </p:txBody>
+      </p:sp>
+      <p:sp>
+        <p:nvSpPr>
+          <p:cNvPr id="5" name="Slide Number Placeholder 4">
+            <a:extLst>
+              <a:ext uri="{FF2B5EF4-FFF2-40B4-BE49-F238E27FC236}">
+                <a16:creationId xmlns:a16="http://schemas.microsoft.com/office/drawing/2014/main" id="{A306DBD6-54AA-4F07-BE1E-56CBD849ED5C}"/>
+              </a:ext>
+            </a:extLst>
+          </p:cNvPr>
+          <p:cNvSpPr>
+            <a:spLocks noGrp="1"/>
+          </p:cNvSpPr>
+          <p:nvPr>
+            <p:ph type="sldNum" sz="quarter" idx="12"/>
+          </p:nvPr>
+        </p:nvSpPr>
+        <p:spPr/>
+        <p:txBody>
+          <a:bodyPr/>
+          <a:lstStyle/>
+          <a:p>
+            <a:fld id="{DDE4B26F-E58A-4C83-9619-68F81596DFD8}" type="slidenum">
+              <a:rPr lang="en-US" smtClean="0"/>
+              <a:t>7</a:t>
+            </a:fld>
+            <a:endParaRPr lang="en-US"/>
+          </a:p>
+        </p:txBody>
+      </p:sp>
+    </p:spTree>
+    <p:extLst>
+      <p:ext uri="{BB962C8B-B14F-4D97-AF65-F5344CB8AC3E}">
+        <p14:creationId xmlns:p14="http://schemas.microsoft.com/office/powerpoint/2010/main" val="2034405484"/>
       </p:ext>
     </p:extLst>
   </p:cSld>

--- a/source/MySEProject/Documentation/Implement_the_KNN__Classifier_KNN_Quest.pptx
+++ b/source/MySEProject/Documentation/Implement_the_KNN__Classifier_KNN_Quest.pptx
@@ -5,7 +5,7 @@
     <p:sldMasterId id="2147483648" r:id="rId1"/>
   </p:sldMasterIdLst>
   <p:notesMasterIdLst>
-    <p:notesMasterId r:id="rId9"/>
+    <p:notesMasterId r:id="rId11"/>
   </p:notesMasterIdLst>
   <p:sldIdLst>
     <p:sldId id="256" r:id="rId2"/>
@@ -15,6 +15,8 @@
     <p:sldId id="260" r:id="rId6"/>
     <p:sldId id="261" r:id="rId7"/>
     <p:sldId id="262" r:id="rId8"/>
+    <p:sldId id="263" r:id="rId9"/>
+    <p:sldId id="264" r:id="rId10"/>
   </p:sldIdLst>
   <p:sldSz cx="12192000" cy="6858000"/>
   <p:notesSz cx="6858000" cy="9144000"/>
@@ -4762,6 +4764,377 @@
     <p:extLst>
       <p:ext uri="{BB962C8B-B14F-4D97-AF65-F5344CB8AC3E}">
         <p14:creationId xmlns:p14="http://schemas.microsoft.com/office/powerpoint/2010/main" val="2034405484"/>
+      </p:ext>
+    </p:extLst>
+  </p:cSld>
+  <p:clrMapOvr>
+    <a:masterClrMapping/>
+  </p:clrMapOvr>
+</p:sld>
+</file>
+
+<file path=ppt/slides/slide8.xml><?xml version="1.0" encoding="utf-8"?>
+<p:sld xmlns:a="http://schemas.openxmlformats.org/drawingml/2006/main" xmlns:r="http://schemas.openxmlformats.org/officeDocument/2006/relationships" xmlns:p="http://schemas.openxmlformats.org/presentationml/2006/main">
+  <p:cSld>
+    <p:spTree>
+      <p:nvGrpSpPr>
+        <p:cNvPr id="1" name=""/>
+        <p:cNvGrpSpPr/>
+        <p:nvPr/>
+      </p:nvGrpSpPr>
+      <p:grpSpPr>
+        <a:xfrm>
+          <a:off x="0" y="0"/>
+          <a:ext cx="0" cy="0"/>
+          <a:chOff x="0" y="0"/>
+          <a:chExt cx="0" cy="0"/>
+        </a:xfrm>
+      </p:grpSpPr>
+      <p:sp>
+        <p:nvSpPr>
+          <p:cNvPr id="2" name="Title 1">
+            <a:extLst>
+              <a:ext uri="{FF2B5EF4-FFF2-40B4-BE49-F238E27FC236}">
+                <a16:creationId xmlns:a16="http://schemas.microsoft.com/office/drawing/2014/main" id="{FBD4E19D-BCA7-4A4B-93AF-CA1770F2B330}"/>
+              </a:ext>
+            </a:extLst>
+          </p:cNvPr>
+          <p:cNvSpPr>
+            <a:spLocks noGrp="1"/>
+          </p:cNvSpPr>
+          <p:nvPr>
+            <p:ph type="title"/>
+          </p:nvPr>
+        </p:nvSpPr>
+        <p:spPr/>
+        <p:txBody>
+          <a:bodyPr>
+            <a:normAutofit/>
+          </a:bodyPr>
+          <a:lstStyle/>
+          <a:p>
+            <a:r>
+              <a:rPr lang="en-US" sz="4000" dirty="0">
+                <a:latin typeface="Arial Rounded MT Bold" panose="020F0704030504030204" pitchFamily="34" charset="0"/>
+              </a:rPr>
+              <a:t>KNN classifier with Spatial Pooler generated SDRs</a:t>
+            </a:r>
+          </a:p>
+        </p:txBody>
+      </p:sp>
+      <p:sp>
+        <p:nvSpPr>
+          <p:cNvPr id="3" name="Content Placeholder 2">
+            <a:extLst>
+              <a:ext uri="{FF2B5EF4-FFF2-40B4-BE49-F238E27FC236}">
+                <a16:creationId xmlns:a16="http://schemas.microsoft.com/office/drawing/2014/main" id="{AACAF501-C9AB-4112-95A3-17215D629A78}"/>
+              </a:ext>
+            </a:extLst>
+          </p:cNvPr>
+          <p:cNvSpPr>
+            <a:spLocks noGrp="1"/>
+          </p:cNvSpPr>
+          <p:nvPr>
+            <p:ph idx="1"/>
+          </p:nvPr>
+        </p:nvSpPr>
+        <p:spPr>
+          <a:xfrm>
+            <a:off x="838200" y="1825625"/>
+            <a:ext cx="7259425" cy="4351338"/>
+          </a:xfrm>
+        </p:spPr>
+        <p:txBody>
+          <a:bodyPr>
+            <a:normAutofit/>
+          </a:bodyPr>
+          <a:lstStyle/>
+          <a:p>
+            <a:r>
+              <a:rPr lang="en-US" sz="2400" dirty="0"/>
+              <a:t>After obtaining the dataset from the Spatial Pattern Learning experiment, it's stored in a CSV file. The </a:t>
+            </a:r>
+            <a:r>
+              <a:rPr lang="en-US" sz="2400" dirty="0" err="1"/>
+              <a:t>LoadData</a:t>
+            </a:r>
+            <a:r>
+              <a:rPr lang="en-US" sz="2400" dirty="0"/>
+              <a:t>() method efficiently reads and parses this dataset, creating </a:t>
+            </a:r>
+            <a:r>
+              <a:rPr lang="en-US" sz="2400" dirty="0" err="1"/>
+              <a:t>DataPoint</a:t>
+            </a:r>
+            <a:r>
+              <a:rPr lang="en-US" sz="2400" dirty="0"/>
+              <a:t> objects for each entry. This dataset, representing SDRs, is then utilized by the KNN classifier to classify sequences based on their similarity to the training data, leveraging the nearest neighbors in the feature space for precise pattern recognition and classification decisions.</a:t>
+            </a:r>
+          </a:p>
+        </p:txBody>
+      </p:sp>
+      <p:sp>
+        <p:nvSpPr>
+          <p:cNvPr id="4" name="Date Placeholder 3">
+            <a:extLst>
+              <a:ext uri="{FF2B5EF4-FFF2-40B4-BE49-F238E27FC236}">
+                <a16:creationId xmlns:a16="http://schemas.microsoft.com/office/drawing/2014/main" id="{91BA7F2B-9057-4DCC-B328-F975C1CD3F09}"/>
+              </a:ext>
+            </a:extLst>
+          </p:cNvPr>
+          <p:cNvSpPr>
+            <a:spLocks noGrp="1"/>
+          </p:cNvSpPr>
+          <p:nvPr>
+            <p:ph type="dt" sz="half" idx="10"/>
+          </p:nvPr>
+        </p:nvSpPr>
+        <p:spPr/>
+        <p:txBody>
+          <a:bodyPr/>
+          <a:lstStyle/>
+          <a:p>
+            <a:fld id="{89E62C9B-B452-4322-936F-91A12848BB5E}" type="datetime1">
+              <a:rPr lang="de-DE" smtClean="0"/>
+              <a:t>25.03.2024</a:t>
+            </a:fld>
+            <a:endParaRPr lang="en-US"/>
+          </a:p>
+        </p:txBody>
+      </p:sp>
+      <p:sp>
+        <p:nvSpPr>
+          <p:cNvPr id="5" name="Slide Number Placeholder 4">
+            <a:extLst>
+              <a:ext uri="{FF2B5EF4-FFF2-40B4-BE49-F238E27FC236}">
+                <a16:creationId xmlns:a16="http://schemas.microsoft.com/office/drawing/2014/main" id="{A21ED598-8E7D-4CA4-BF06-C7514193CA20}"/>
+              </a:ext>
+            </a:extLst>
+          </p:cNvPr>
+          <p:cNvSpPr>
+            <a:spLocks noGrp="1"/>
+          </p:cNvSpPr>
+          <p:nvPr>
+            <p:ph type="sldNum" sz="quarter" idx="12"/>
+          </p:nvPr>
+        </p:nvSpPr>
+        <p:spPr/>
+        <p:txBody>
+          <a:bodyPr/>
+          <a:lstStyle/>
+          <a:p>
+            <a:fld id="{DDE4B26F-E58A-4C83-9619-68F81596DFD8}" type="slidenum">
+              <a:rPr lang="en-US" smtClean="0"/>
+              <a:t>8</a:t>
+            </a:fld>
+            <a:endParaRPr lang="en-US"/>
+          </a:p>
+        </p:txBody>
+      </p:sp>
+      <p:pic>
+        <p:nvPicPr>
+          <p:cNvPr id="7" name="Picture 6">
+            <a:extLst>
+              <a:ext uri="{FF2B5EF4-FFF2-40B4-BE49-F238E27FC236}">
+                <a16:creationId xmlns:a16="http://schemas.microsoft.com/office/drawing/2014/main" id="{00A773C1-ED6F-4C0B-A710-CB79FACA9DBF}"/>
+              </a:ext>
+            </a:extLst>
+          </p:cNvPr>
+          <p:cNvPicPr/>
+          <p:nvPr/>
+        </p:nvPicPr>
+        <p:blipFill rotWithShape="1">
+          <a:blip r:embed="rId2" cstate="print">
+            <a:extLst>
+              <a:ext uri="{28A0092B-C50C-407E-A947-70E740481C1C}">
+                <a14:useLocalDpi xmlns:a14="http://schemas.microsoft.com/office/drawing/2010/main" val="0"/>
+              </a:ext>
+            </a:extLst>
+          </a:blip>
+          <a:srcRect t="7731" b="12714"/>
+          <a:stretch/>
+        </p:blipFill>
+        <p:spPr bwMode="auto">
+          <a:xfrm>
+            <a:off x="8257880" y="1825625"/>
+            <a:ext cx="3516679" cy="4018994"/>
+          </a:xfrm>
+          <a:prstGeom prst="rect">
+            <a:avLst/>
+          </a:prstGeom>
+          <a:noFill/>
+          <a:ln>
+            <a:noFill/>
+          </a:ln>
+          <a:extLst>
+            <a:ext uri="{53640926-AAD7-44D8-BBD7-CCE9431645EC}">
+              <a14:shadowObscured xmlns:a14="http://schemas.microsoft.com/office/drawing/2010/main"/>
+            </a:ext>
+          </a:extLst>
+        </p:spPr>
+      </p:pic>
+    </p:spTree>
+    <p:extLst>
+      <p:ext uri="{BB962C8B-B14F-4D97-AF65-F5344CB8AC3E}">
+        <p14:creationId xmlns:p14="http://schemas.microsoft.com/office/powerpoint/2010/main" val="1714846600"/>
+      </p:ext>
+    </p:extLst>
+  </p:cSld>
+  <p:clrMapOvr>
+    <a:masterClrMapping/>
+  </p:clrMapOvr>
+</p:sld>
+</file>
+
+<file path=ppt/slides/slide9.xml><?xml version="1.0" encoding="utf-8"?>
+<p:sld xmlns:a="http://schemas.openxmlformats.org/drawingml/2006/main" xmlns:r="http://schemas.openxmlformats.org/officeDocument/2006/relationships" xmlns:p="http://schemas.openxmlformats.org/presentationml/2006/main">
+  <p:cSld>
+    <p:spTree>
+      <p:nvGrpSpPr>
+        <p:cNvPr id="1" name=""/>
+        <p:cNvGrpSpPr/>
+        <p:nvPr/>
+      </p:nvGrpSpPr>
+      <p:grpSpPr>
+        <a:xfrm>
+          <a:off x="0" y="0"/>
+          <a:ext cx="0" cy="0"/>
+          <a:chOff x="0" y="0"/>
+          <a:chExt cx="0" cy="0"/>
+        </a:xfrm>
+      </p:grpSpPr>
+      <p:sp>
+        <p:nvSpPr>
+          <p:cNvPr id="2" name="Title 1">
+            <a:extLst>
+              <a:ext uri="{FF2B5EF4-FFF2-40B4-BE49-F238E27FC236}">
+                <a16:creationId xmlns:a16="http://schemas.microsoft.com/office/drawing/2014/main" id="{A008A744-64EC-49B3-ADB5-4093C1EC28AD}"/>
+              </a:ext>
+            </a:extLst>
+          </p:cNvPr>
+          <p:cNvSpPr>
+            <a:spLocks noGrp="1"/>
+          </p:cNvSpPr>
+          <p:nvPr>
+            <p:ph type="title"/>
+          </p:nvPr>
+        </p:nvSpPr>
+        <p:spPr/>
+        <p:txBody>
+          <a:bodyPr>
+            <a:normAutofit/>
+          </a:bodyPr>
+          <a:lstStyle/>
+          <a:p>
+            <a:r>
+              <a:rPr lang="en-US" sz="4000" b="1" cap="small" dirty="0">
+                <a:effectLst>
+                  <a:outerShdw sx="0" sy="0">
+                    <a:srgbClr val="000000"/>
+                  </a:outerShdw>
+                </a:effectLst>
+                <a:latin typeface="Arial Rounded MT Bold" panose="020F0704030504030204" pitchFamily="34" charset="0"/>
+              </a:rPr>
+              <a:t>Conclusion</a:t>
+            </a:r>
+            <a:endParaRPr lang="en-US" sz="4000" dirty="0">
+              <a:latin typeface="Arial Rounded MT Bold" panose="020F0704030504030204" pitchFamily="34" charset="0"/>
+            </a:endParaRPr>
+          </a:p>
+        </p:txBody>
+      </p:sp>
+      <p:sp>
+        <p:nvSpPr>
+          <p:cNvPr id="3" name="Content Placeholder 2">
+            <a:extLst>
+              <a:ext uri="{FF2B5EF4-FFF2-40B4-BE49-F238E27FC236}">
+                <a16:creationId xmlns:a16="http://schemas.microsoft.com/office/drawing/2014/main" id="{8292C34E-43A5-49E5-B18B-9B918F8BFAEA}"/>
+              </a:ext>
+            </a:extLst>
+          </p:cNvPr>
+          <p:cNvSpPr>
+            <a:spLocks noGrp="1"/>
+          </p:cNvSpPr>
+          <p:nvPr>
+            <p:ph idx="1"/>
+          </p:nvPr>
+        </p:nvSpPr>
+        <p:spPr/>
+        <p:txBody>
+          <a:bodyPr>
+            <a:normAutofit/>
+          </a:bodyPr>
+          <a:lstStyle/>
+          <a:p>
+            <a:r>
+              <a:rPr lang="en-US" sz="2400" dirty="0"/>
+              <a:t>The research integrates K-Nearest Neighbors (KNN) classification with the Neocortex API, leveraging spatial pooling and hierarchical temporal memory (HTM) for enhanced sequential data classification. Rigorous testing showcases the model's robustness, achieving a notable 90% accuracy rate across diverse scenarios. These results highlight the promise of neuromorphic-inspired frameworks in advancing sequential data analysis, while future research aims to optimize performance and explore broader applications</a:t>
+            </a:r>
+          </a:p>
+        </p:txBody>
+      </p:sp>
+      <p:sp>
+        <p:nvSpPr>
+          <p:cNvPr id="4" name="Date Placeholder 3">
+            <a:extLst>
+              <a:ext uri="{FF2B5EF4-FFF2-40B4-BE49-F238E27FC236}">
+                <a16:creationId xmlns:a16="http://schemas.microsoft.com/office/drawing/2014/main" id="{A622BFFF-2760-4304-8053-30625AD6C442}"/>
+              </a:ext>
+            </a:extLst>
+          </p:cNvPr>
+          <p:cNvSpPr>
+            <a:spLocks noGrp="1"/>
+          </p:cNvSpPr>
+          <p:nvPr>
+            <p:ph type="dt" sz="half" idx="10"/>
+          </p:nvPr>
+        </p:nvSpPr>
+        <p:spPr/>
+        <p:txBody>
+          <a:bodyPr/>
+          <a:lstStyle/>
+          <a:p>
+            <a:fld id="{89E62C9B-B452-4322-936F-91A12848BB5E}" type="datetime1">
+              <a:rPr lang="de-DE" smtClean="0"/>
+              <a:t>25.03.2024</a:t>
+            </a:fld>
+            <a:endParaRPr lang="en-US"/>
+          </a:p>
+        </p:txBody>
+      </p:sp>
+      <p:sp>
+        <p:nvSpPr>
+          <p:cNvPr id="5" name="Slide Number Placeholder 4">
+            <a:extLst>
+              <a:ext uri="{FF2B5EF4-FFF2-40B4-BE49-F238E27FC236}">
+                <a16:creationId xmlns:a16="http://schemas.microsoft.com/office/drawing/2014/main" id="{46A415E1-85F6-40C5-BA96-DC2E070417F1}"/>
+              </a:ext>
+            </a:extLst>
+          </p:cNvPr>
+          <p:cNvSpPr>
+            <a:spLocks noGrp="1"/>
+          </p:cNvSpPr>
+          <p:nvPr>
+            <p:ph type="sldNum" sz="quarter" idx="12"/>
+          </p:nvPr>
+        </p:nvSpPr>
+        <p:spPr/>
+        <p:txBody>
+          <a:bodyPr/>
+          <a:lstStyle/>
+          <a:p>
+            <a:fld id="{DDE4B26F-E58A-4C83-9619-68F81596DFD8}" type="slidenum">
+              <a:rPr lang="en-US" smtClean="0"/>
+              <a:t>9</a:t>
+            </a:fld>
+            <a:endParaRPr lang="en-US"/>
+          </a:p>
+        </p:txBody>
+      </p:sp>
+    </p:spTree>
+    <p:extLst>
+      <p:ext uri="{BB962C8B-B14F-4D97-AF65-F5344CB8AC3E}">
+        <p14:creationId xmlns:p14="http://schemas.microsoft.com/office/powerpoint/2010/main" val="3997074592"/>
       </p:ext>
     </p:extLst>
   </p:cSld>

--- a/source/MySEProject/Documentation/Implement_the_KNN__Classifier_KNN_Quest.pptx
+++ b/source/MySEProject/Documentation/Implement_the_KNN__Classifier_KNN_Quest.pptx
@@ -2,7 +2,7 @@
 <file path=ppt/presentation.xml><?xml version="1.0" encoding="utf-8"?>
 <p:presentation xmlns:a="http://schemas.openxmlformats.org/drawingml/2006/main" xmlns:r="http://schemas.openxmlformats.org/officeDocument/2006/relationships" xmlns:p="http://schemas.openxmlformats.org/presentationml/2006/main" saveSubsetFonts="1">
   <p:sldMasterIdLst>
-    <p:sldMasterId id="2147483648" r:id="rId1"/>
+    <p:sldMasterId id="2147483677" r:id="rId1"/>
   </p:sldMasterIdLst>
   <p:notesMasterIdLst>
     <p:notesMasterId r:id="rId11"/>
@@ -24,7 +24,7 @@
     <a:defPPr>
       <a:defRPr lang="en-US"/>
     </a:defPPr>
-    <a:lvl1pPr marL="0" algn="l" defTabSz="914400" rtl="0" eaLnBrk="1" latinLnBrk="0" hangingPunct="1">
+    <a:lvl1pPr marL="0" algn="l" defTabSz="457200" rtl="0" eaLnBrk="1" latinLnBrk="0" hangingPunct="1">
       <a:defRPr sz="1800" kern="1200">
         <a:solidFill>
           <a:schemeClr val="tx1"/>
@@ -34,7 +34,7 @@
         <a:cs typeface="+mn-cs"/>
       </a:defRPr>
     </a:lvl1pPr>
-    <a:lvl2pPr marL="457200" algn="l" defTabSz="914400" rtl="0" eaLnBrk="1" latinLnBrk="0" hangingPunct="1">
+    <a:lvl2pPr marL="457200" algn="l" defTabSz="457200" rtl="0" eaLnBrk="1" latinLnBrk="0" hangingPunct="1">
       <a:defRPr sz="1800" kern="1200">
         <a:solidFill>
           <a:schemeClr val="tx1"/>
@@ -44,7 +44,7 @@
         <a:cs typeface="+mn-cs"/>
       </a:defRPr>
     </a:lvl2pPr>
-    <a:lvl3pPr marL="914400" algn="l" defTabSz="914400" rtl="0" eaLnBrk="1" latinLnBrk="0" hangingPunct="1">
+    <a:lvl3pPr marL="914400" algn="l" defTabSz="457200" rtl="0" eaLnBrk="1" latinLnBrk="0" hangingPunct="1">
       <a:defRPr sz="1800" kern="1200">
         <a:solidFill>
           <a:schemeClr val="tx1"/>
@@ -54,7 +54,7 @@
         <a:cs typeface="+mn-cs"/>
       </a:defRPr>
     </a:lvl3pPr>
-    <a:lvl4pPr marL="1371600" algn="l" defTabSz="914400" rtl="0" eaLnBrk="1" latinLnBrk="0" hangingPunct="1">
+    <a:lvl4pPr marL="1371600" algn="l" defTabSz="457200" rtl="0" eaLnBrk="1" latinLnBrk="0" hangingPunct="1">
       <a:defRPr sz="1800" kern="1200">
         <a:solidFill>
           <a:schemeClr val="tx1"/>
@@ -64,7 +64,7 @@
         <a:cs typeface="+mn-cs"/>
       </a:defRPr>
     </a:lvl4pPr>
-    <a:lvl5pPr marL="1828800" algn="l" defTabSz="914400" rtl="0" eaLnBrk="1" latinLnBrk="0" hangingPunct="1">
+    <a:lvl5pPr marL="1828800" algn="l" defTabSz="457200" rtl="0" eaLnBrk="1" latinLnBrk="0" hangingPunct="1">
       <a:defRPr sz="1800" kern="1200">
         <a:solidFill>
           <a:schemeClr val="tx1"/>
@@ -74,7 +74,7 @@
         <a:cs typeface="+mn-cs"/>
       </a:defRPr>
     </a:lvl5pPr>
-    <a:lvl6pPr marL="2286000" algn="l" defTabSz="914400" rtl="0" eaLnBrk="1" latinLnBrk="0" hangingPunct="1">
+    <a:lvl6pPr marL="2286000" algn="l" defTabSz="457200" rtl="0" eaLnBrk="1" latinLnBrk="0" hangingPunct="1">
       <a:defRPr sz="1800" kern="1200">
         <a:solidFill>
           <a:schemeClr val="tx1"/>
@@ -84,7 +84,7 @@
         <a:cs typeface="+mn-cs"/>
       </a:defRPr>
     </a:lvl6pPr>
-    <a:lvl7pPr marL="2743200" algn="l" defTabSz="914400" rtl="0" eaLnBrk="1" latinLnBrk="0" hangingPunct="1">
+    <a:lvl7pPr marL="2743200" algn="l" defTabSz="457200" rtl="0" eaLnBrk="1" latinLnBrk="0" hangingPunct="1">
       <a:defRPr sz="1800" kern="1200">
         <a:solidFill>
           <a:schemeClr val="tx1"/>
@@ -94,7 +94,7 @@
         <a:cs typeface="+mn-cs"/>
       </a:defRPr>
     </a:lvl7pPr>
-    <a:lvl8pPr marL="3200400" algn="l" defTabSz="914400" rtl="0" eaLnBrk="1" latinLnBrk="0" hangingPunct="1">
+    <a:lvl8pPr marL="3200400" algn="l" defTabSz="457200" rtl="0" eaLnBrk="1" latinLnBrk="0" hangingPunct="1">
       <a:defRPr sz="1800" kern="1200">
         <a:solidFill>
           <a:schemeClr val="tx1"/>
@@ -104,7 +104,7 @@
         <a:cs typeface="+mn-cs"/>
       </a:defRPr>
     </a:lvl8pPr>
-    <a:lvl9pPr marL="3657600" algn="l" defTabSz="914400" rtl="0" eaLnBrk="1" latinLnBrk="0" hangingPunct="1">
+    <a:lvl9pPr marL="3657600" algn="l" defTabSz="457200" rtl="0" eaLnBrk="1" latinLnBrk="0" hangingPunct="1">
       <a:defRPr sz="1800" kern="1200">
         <a:solidFill>
           <a:schemeClr val="tx1"/>
@@ -205,7 +205,7 @@
           <a:p>
             <a:fld id="{9046BB7E-E3D5-4B6D-BECE-0345D54B8A81}" type="datetimeFigureOut">
               <a:rPr lang="en-US" smtClean="0"/>
-              <a:t>3/25/2024</a:t>
+              <a:t>3/26/2024</a:t>
             </a:fld>
             <a:endParaRPr lang="en-US"/>
           </a:p>
@@ -473,7 +473,7 @@
 </file>
 
 <file path=ppt/slideLayouts/slideLayout1.xml><?xml version="1.0" encoding="utf-8"?>
-<p:sldLayout xmlns:a="http://schemas.openxmlformats.org/drawingml/2006/main" xmlns:r="http://schemas.openxmlformats.org/officeDocument/2006/relationships" xmlns:p="http://schemas.openxmlformats.org/presentationml/2006/main" type="title" preserve="1">
+<p:sldLayout xmlns:a="http://schemas.openxmlformats.org/drawingml/2006/main" xmlns:r="http://schemas.openxmlformats.org/officeDocument/2006/relationships" xmlns:p="http://schemas.openxmlformats.org/presentationml/2006/main" showMasterSp="0" type="title" preserve="1">
   <p:cSld name="Title Slide">
     <p:spTree>
       <p:nvGrpSpPr>
@@ -489,140 +489,293 @@
           <a:chExt cx="0" cy="0"/>
         </a:xfrm>
       </p:grpSpPr>
-      <p:sp>
-        <p:nvSpPr>
-          <p:cNvPr id="2" name="Title 1">
-            <a:extLst>
-              <a:ext uri="{FF2B5EF4-FFF2-40B4-BE49-F238E27FC236}">
-                <a16:creationId xmlns:a16="http://schemas.microsoft.com/office/drawing/2014/main" id="{9E8E99E1-BE2E-B0A9-7D59-8C4609BEB896}"/>
-              </a:ext>
-            </a:extLst>
-          </p:cNvPr>
-          <p:cNvSpPr>
-            <a:spLocks noGrp="1"/>
-          </p:cNvSpPr>
-          <p:nvPr>
-            <p:ph type="ctrTitle" hasCustomPrompt="1"/>
+      <p:grpSp>
+        <p:nvGrpSpPr>
+          <p:cNvPr id="7" name="Group 6"/>
+          <p:cNvGrpSpPr/>
+          <p:nvPr/>
+        </p:nvGrpSpPr>
+        <p:grpSpPr>
+          <a:xfrm>
+            <a:off x="-16934" y="0"/>
+            <a:ext cx="12231160" cy="6856214"/>
+            <a:chOff x="-16934" y="0"/>
+            <a:chExt cx="12231160" cy="6856214"/>
+          </a:xfrm>
+        </p:grpSpPr>
+        <p:pic>
+          <p:nvPicPr>
+            <p:cNvPr id="16" name="Picture 15" descr="HD-PanelTitleR1.png"/>
+            <p:cNvPicPr>
+              <a:picLocks noChangeAspect="1"/>
+            </p:cNvPicPr>
+            <p:nvPr/>
+          </p:nvPicPr>
+          <p:blipFill>
+            <a:blip r:embed="rId2">
+              <a:extLst>
+                <a:ext uri="{28A0092B-C50C-407E-A947-70E740481C1C}">
+                  <a14:useLocalDpi xmlns:a14="http://schemas.microsoft.com/office/drawing/2010/main" val="0"/>
+                </a:ext>
+              </a:extLst>
+            </a:blip>
+            <a:stretch>
+              <a:fillRect/>
+            </a:stretch>
+          </p:blipFill>
+          <p:spPr>
+            <a:xfrm>
+              <a:off x="0" y="0"/>
+              <a:ext cx="12188825" cy="6856214"/>
+            </a:xfrm>
+            <a:prstGeom prst="rect">
+              <a:avLst/>
+            </a:prstGeom>
+          </p:spPr>
+        </p:pic>
+        <p:sp>
+          <p:nvSpPr>
+            <p:cNvPr id="26" name="Rectangle 25"/>
+            <p:cNvSpPr/>
+            <p:nvPr/>
+          </p:nvSpPr>
+          <p:spPr>
+            <a:xfrm>
+              <a:off x="2328332" y="1540931"/>
+              <a:ext cx="7543802" cy="3835401"/>
+            </a:xfrm>
+            <a:prstGeom prst="rect">
+              <a:avLst/>
+            </a:prstGeom>
+            <a:noFill/>
+            <a:ln w="15875">
+              <a:miter lim="800000"/>
+            </a:ln>
+          </p:spPr>
+          <p:style>
+            <a:lnRef idx="1">
+              <a:schemeClr val="accent1"/>
+            </a:lnRef>
+            <a:fillRef idx="3">
+              <a:schemeClr val="accent1"/>
+            </a:fillRef>
+            <a:effectRef idx="2">
+              <a:schemeClr val="accent1"/>
+            </a:effectRef>
+            <a:fontRef idx="minor">
+              <a:schemeClr val="lt1"/>
+            </a:fontRef>
+          </p:style>
+        </p:sp>
+        <p:pic>
+          <p:nvPicPr>
+            <p:cNvPr id="17" name="Picture 16" descr="HDRibbonTitle-UniformTrim.png"/>
+            <p:cNvPicPr>
+              <a:picLocks noChangeAspect="1"/>
+            </p:cNvPicPr>
+            <p:nvPr/>
+          </p:nvPicPr>
+          <p:blipFill rotWithShape="1">
+            <a:blip r:embed="rId3">
+              <a:extLst>
+                <a:ext uri="{28A0092B-C50C-407E-A947-70E740481C1C}">
+                  <a14:useLocalDpi xmlns:a14="http://schemas.microsoft.com/office/drawing/2010/main" val="0"/>
+                </a:ext>
+              </a:extLst>
+            </a:blip>
+            <a:srcRect/>
+            <a:stretch/>
+          </p:blipFill>
+          <p:spPr>
+            <a:xfrm>
+              <a:off x="-16934" y="3147609"/>
+              <a:ext cx="2478024" cy="612648"/>
+            </a:xfrm>
+            <a:prstGeom prst="rect">
+              <a:avLst/>
+            </a:prstGeom>
+          </p:spPr>
+        </p:pic>
+        <p:pic>
+          <p:nvPicPr>
+            <p:cNvPr id="20" name="Picture 19" descr="HDRibbonTitle-UniformTrim.png"/>
+            <p:cNvPicPr>
+              <a:picLocks noChangeAspect="1"/>
+            </p:cNvPicPr>
+            <p:nvPr/>
+          </p:nvPicPr>
+          <p:blipFill rotWithShape="1">
+            <a:blip r:embed="rId3">
+              <a:extLst>
+                <a:ext uri="{28A0092B-C50C-407E-A947-70E740481C1C}">
+                  <a14:useLocalDpi xmlns:a14="http://schemas.microsoft.com/office/drawing/2010/main" val="0"/>
+                </a:ext>
+              </a:extLst>
+            </a:blip>
+            <a:srcRect/>
+            <a:stretch/>
+          </p:blipFill>
+          <p:spPr>
+            <a:xfrm>
+              <a:off x="9736202" y="3147609"/>
+              <a:ext cx="2478024" cy="612648"/>
+            </a:xfrm>
+            <a:prstGeom prst="rect">
+              <a:avLst/>
+            </a:prstGeom>
+          </p:spPr>
+        </p:pic>
+      </p:grpSp>
+      <p:sp>
+        <p:nvSpPr>
+          <p:cNvPr id="2" name="Title 1"/>
+          <p:cNvSpPr>
+            <a:spLocks noGrp="1"/>
+          </p:cNvSpPr>
+          <p:nvPr>
+            <p:ph type="ctrTitle"/>
           </p:nvPr>
         </p:nvSpPr>
         <p:spPr>
           <a:xfrm>
-            <a:off x="1524000" y="1122363"/>
-            <a:ext cx="9144000" cy="2387600"/>
+            <a:off x="2692398" y="1871131"/>
+            <a:ext cx="6815669" cy="1515533"/>
           </a:xfrm>
         </p:spPr>
         <p:txBody>
-          <a:bodyPr anchor="b"/>
+          <a:bodyPr anchor="b">
+            <a:noAutofit/>
+          </a:bodyPr>
           <a:lstStyle>
             <a:lvl1pPr algn="ctr">
-              <a:defRPr sz="6000">
-                <a:latin typeface="Arial" panose="020B0604020202020204" pitchFamily="34" charset="0"/>
-                <a:cs typeface="Arial" panose="020B0604020202020204" pitchFamily="34" charset="0"/>
+              <a:defRPr sz="5400">
+                <a:effectLst/>
               </a:defRPr>
             </a:lvl1pPr>
           </a:lstStyle>
           <a:p>
             <a:r>
-              <a:rPr lang="en-US" dirty="0"/>
-              <a:t>Implement the KNN Classifier</a:t>
-            </a:r>
-          </a:p>
-        </p:txBody>
-      </p:sp>
-      <p:sp>
-        <p:nvSpPr>
-          <p:cNvPr id="3" name="Subtitle 2">
-            <a:extLst>
-              <a:ext uri="{FF2B5EF4-FFF2-40B4-BE49-F238E27FC236}">
-                <a16:creationId xmlns:a16="http://schemas.microsoft.com/office/drawing/2014/main" id="{207BAD82-9AE8-AD12-B879-CBA345678364}"/>
-              </a:ext>
-            </a:extLst>
-          </p:cNvPr>
-          <p:cNvSpPr>
-            <a:spLocks noGrp="1"/>
-          </p:cNvSpPr>
-          <p:nvPr>
-            <p:ph type="subTitle" idx="1" hasCustomPrompt="1"/>
+              <a:rPr lang="en-US"/>
+              <a:t>Click to edit Master title style</a:t>
+            </a:r>
+            <a:endParaRPr lang="en-US" dirty="0"/>
+          </a:p>
+        </p:txBody>
+      </p:sp>
+      <p:sp>
+        <p:nvSpPr>
+          <p:cNvPr id="3" name="Subtitle 2"/>
+          <p:cNvSpPr>
+            <a:spLocks noGrp="1"/>
+          </p:cNvSpPr>
+          <p:nvPr>
+            <p:ph type="subTitle" idx="1"/>
           </p:nvPr>
         </p:nvSpPr>
         <p:spPr>
           <a:xfrm>
-            <a:off x="1524000" y="3602037"/>
-            <a:ext cx="9144000" cy="2387599"/>
+            <a:off x="2692398" y="3657597"/>
+            <a:ext cx="6815669" cy="1320802"/>
           </a:xfrm>
         </p:spPr>
         <p:txBody>
-          <a:bodyPr/>
+          <a:bodyPr anchor="t">
+            <a:normAutofit/>
+          </a:bodyPr>
           <a:lstStyle>
             <a:lvl1pPr marL="0" indent="0" algn="ctr">
               <a:buNone/>
-              <a:defRPr sz="2400"/>
+              <a:defRPr sz="2100">
+                <a:solidFill>
+                  <a:schemeClr val="tx1"/>
+                </a:solidFill>
+              </a:defRPr>
             </a:lvl1pPr>
             <a:lvl2pPr marL="457200" indent="0" algn="ctr">
               <a:buNone/>
-              <a:defRPr sz="2000"/>
+              <a:defRPr>
+                <a:solidFill>
+                  <a:schemeClr val="tx1">
+                    <a:tint val="75000"/>
+                  </a:schemeClr>
+                </a:solidFill>
+              </a:defRPr>
             </a:lvl2pPr>
             <a:lvl3pPr marL="914400" indent="0" algn="ctr">
               <a:buNone/>
-              <a:defRPr sz="1800"/>
+              <a:defRPr>
+                <a:solidFill>
+                  <a:schemeClr val="tx1">
+                    <a:tint val="75000"/>
+                  </a:schemeClr>
+                </a:solidFill>
+              </a:defRPr>
             </a:lvl3pPr>
             <a:lvl4pPr marL="1371600" indent="0" algn="ctr">
               <a:buNone/>
-              <a:defRPr sz="1600"/>
+              <a:defRPr>
+                <a:solidFill>
+                  <a:schemeClr val="tx1">
+                    <a:tint val="75000"/>
+                  </a:schemeClr>
+                </a:solidFill>
+              </a:defRPr>
             </a:lvl4pPr>
             <a:lvl5pPr marL="1828800" indent="0" algn="ctr">
               <a:buNone/>
-              <a:defRPr sz="1600"/>
+              <a:defRPr>
+                <a:solidFill>
+                  <a:schemeClr val="tx1">
+                    <a:tint val="75000"/>
+                  </a:schemeClr>
+                </a:solidFill>
+              </a:defRPr>
             </a:lvl5pPr>
             <a:lvl6pPr marL="2286000" indent="0" algn="ctr">
               <a:buNone/>
-              <a:defRPr sz="1600"/>
+              <a:defRPr>
+                <a:solidFill>
+                  <a:schemeClr val="tx1">
+                    <a:tint val="75000"/>
+                  </a:schemeClr>
+                </a:solidFill>
+              </a:defRPr>
             </a:lvl6pPr>
             <a:lvl7pPr marL="2743200" indent="0" algn="ctr">
               <a:buNone/>
-              <a:defRPr sz="1600"/>
+              <a:defRPr>
+                <a:solidFill>
+                  <a:schemeClr val="tx1">
+                    <a:tint val="75000"/>
+                  </a:schemeClr>
+                </a:solidFill>
+              </a:defRPr>
             </a:lvl7pPr>
             <a:lvl8pPr marL="3200400" indent="0" algn="ctr">
               <a:buNone/>
-              <a:defRPr sz="1600"/>
+              <a:defRPr>
+                <a:solidFill>
+                  <a:schemeClr val="tx1">
+                    <a:tint val="75000"/>
+                  </a:schemeClr>
+                </a:solidFill>
+              </a:defRPr>
             </a:lvl8pPr>
             <a:lvl9pPr marL="3657600" indent="0" algn="ctr">
               <a:buNone/>
-              <a:defRPr sz="1600"/>
+              <a:defRPr>
+                <a:solidFill>
+                  <a:schemeClr val="tx1">
+                    <a:tint val="75000"/>
+                  </a:schemeClr>
+                </a:solidFill>
+              </a:defRPr>
             </a:lvl9pPr>
           </a:lstStyle>
           <a:p>
             <a:r>
-              <a:rPr lang="en-US" dirty="0"/>
-              <a:t>Presented by KNN Quest</a:t>
-            </a:r>
-          </a:p>
-          <a:p>
-            <a:r>
-              <a:rPr lang="en-US" dirty="0"/>
-              <a:t>Kashif Hussain  - M#</a:t>
-            </a:r>
-          </a:p>
-          <a:p>
-            <a:r>
-              <a:rPr lang="en-US" dirty="0"/>
-              <a:t>Fahad Jabbar – M#</a:t>
-            </a:r>
-          </a:p>
-          <a:p>
-            <a:r>
-              <a:rPr lang="en-US" dirty="0"/>
-              <a:t>Naila Shaheen – M#</a:t>
-            </a:r>
-          </a:p>
-          <a:p>
-            <a:r>
-              <a:rPr lang="en-US" dirty="0"/>
-              <a:t>                                                                        Guided by Prof. Dr. Damir </a:t>
-            </a:r>
-            <a:r>
-              <a:rPr lang="en-US" dirty="0" err="1"/>
-              <a:t>Dobric</a:t>
+              <a:rPr lang="en-US"/>
+              <a:t>Click to edit Master subtitle style</a:t>
             </a:r>
             <a:endParaRPr lang="en-US" dirty="0"/>
           </a:p>
@@ -630,13 +783,7 @@
       </p:sp>
       <p:sp>
         <p:nvSpPr>
-          <p:cNvPr id="4" name="Date Placeholder 3">
-            <a:extLst>
-              <a:ext uri="{FF2B5EF4-FFF2-40B4-BE49-F238E27FC236}">
-                <a16:creationId xmlns:a16="http://schemas.microsoft.com/office/drawing/2014/main" id="{1127F5B9-D37C-FCF8-AFA0-3FA87683569F}"/>
-              </a:ext>
-            </a:extLst>
-          </p:cNvPr>
+          <p:cNvPr id="4" name="Date Placeholder 3"/>
           <p:cNvSpPr>
             <a:spLocks noGrp="1"/>
           </p:cNvSpPr>
@@ -644,18 +791,19 @@
             <p:ph type="dt" sz="half" idx="10"/>
           </p:nvPr>
         </p:nvSpPr>
-        <p:spPr/>
+        <p:spPr>
+          <a:xfrm>
+            <a:off x="7983232" y="5037663"/>
+            <a:ext cx="897467" cy="279400"/>
+          </a:xfrm>
+        </p:spPr>
         <p:txBody>
           <a:bodyPr/>
-          <a:lstStyle>
-            <a:lvl1pPr>
-              <a:defRPr/>
-            </a:lvl1pPr>
-          </a:lstStyle>
+          <a:lstStyle/>
           <a:p>
             <a:fld id="{A8EF2C91-D8EB-49E6-A745-680FC1324D43}" type="datetime1">
               <a:rPr lang="de-DE" smtClean="0"/>
-              <a:t>25.03.2024</a:t>
+              <a:t>26.03.2024</a:t>
             </a:fld>
             <a:endParaRPr lang="en-US" dirty="0"/>
           </a:p>
@@ -663,13 +811,7 @@
       </p:sp>
       <p:sp>
         <p:nvSpPr>
-          <p:cNvPr id="5" name="Footer Placeholder 4">
-            <a:extLst>
-              <a:ext uri="{FF2B5EF4-FFF2-40B4-BE49-F238E27FC236}">
-                <a16:creationId xmlns:a16="http://schemas.microsoft.com/office/drawing/2014/main" id="{B600CFD3-3164-88B6-A3EE-C4F71F0F921B}"/>
-              </a:ext>
-            </a:extLst>
-          </p:cNvPr>
+          <p:cNvPr id="5" name="Footer Placeholder 4"/>
           <p:cNvSpPr>
             <a:spLocks noGrp="1"/>
           </p:cNvSpPr>
@@ -677,7 +819,12 @@
             <p:ph type="ftr" sz="quarter" idx="11"/>
           </p:nvPr>
         </p:nvSpPr>
-        <p:spPr/>
+        <p:spPr>
+          <a:xfrm>
+            <a:off x="2692397" y="5037663"/>
+            <a:ext cx="5214635" cy="279400"/>
+          </a:xfrm>
+        </p:spPr>
         <p:txBody>
           <a:bodyPr/>
           <a:lstStyle/>
@@ -688,13 +835,7 @@
       </p:sp>
       <p:sp>
         <p:nvSpPr>
-          <p:cNvPr id="6" name="Slide Number Placeholder 5">
-            <a:extLst>
-              <a:ext uri="{FF2B5EF4-FFF2-40B4-BE49-F238E27FC236}">
-                <a16:creationId xmlns:a16="http://schemas.microsoft.com/office/drawing/2014/main" id="{2DB55E24-05D5-DA79-5898-9B9F4DDAFD25}"/>
-              </a:ext>
-            </a:extLst>
-          </p:cNvPr>
+          <p:cNvPr id="6" name="Slide Number Placeholder 5"/>
           <p:cNvSpPr>
             <a:spLocks noGrp="1"/>
           </p:cNvSpPr>
@@ -702,7 +843,12 @@
             <p:ph type="sldNum" sz="quarter" idx="12"/>
           </p:nvPr>
         </p:nvSpPr>
-        <p:spPr/>
+        <p:spPr>
+          <a:xfrm>
+            <a:off x="8956900" y="5037663"/>
+            <a:ext cx="551167" cy="279400"/>
+          </a:xfrm>
+        </p:spPr>
         <p:txBody>
           <a:bodyPr/>
           <a:lstStyle/>
@@ -715,12 +861,42 @@
           </a:p>
         </p:txBody>
       </p:sp>
+      <p:cxnSp>
+        <p:nvCxnSpPr>
+          <p:cNvPr id="15" name="Straight Connector 14"/>
+          <p:cNvCxnSpPr/>
+          <p:nvPr/>
+        </p:nvCxnSpPr>
+        <p:spPr>
+          <a:xfrm>
+            <a:off x="2692399" y="3522131"/>
+            <a:ext cx="6815668" cy="0"/>
+          </a:xfrm>
+          <a:prstGeom prst="line">
+            <a:avLst/>
+          </a:prstGeom>
+        </p:spPr>
+        <p:style>
+          <a:lnRef idx="2">
+            <a:schemeClr val="accent1"/>
+          </a:lnRef>
+          <a:fillRef idx="0">
+            <a:schemeClr val="accent1"/>
+          </a:fillRef>
+          <a:effectRef idx="1">
+            <a:schemeClr val="accent1"/>
+          </a:effectRef>
+          <a:fontRef idx="minor">
+            <a:schemeClr val="tx1"/>
+          </a:fontRef>
+        </p:style>
+      </p:cxnSp>
       <p:pic>
         <p:nvPicPr>
-          <p:cNvPr id="2050" name="Picture 2" descr="Frankfurt University of Applied Sciences (@FrankfurtUAS) / X">
+          <p:cNvPr id="13" name="Picture 2" descr="Frankfurt University of Applied Sciences (@FrankfurtUAS) / X">
             <a:extLst>
               <a:ext uri="{FF2B5EF4-FFF2-40B4-BE49-F238E27FC236}">
-                <a16:creationId xmlns:a16="http://schemas.microsoft.com/office/drawing/2014/main" id="{A48401DE-69F3-1A47-A90A-55CBBBA72C07}"/>
+                <a16:creationId xmlns:a16="http://schemas.microsoft.com/office/drawing/2014/main" id="{71884327-7B0C-4D27-B7DA-69E7777D1A90}"/>
               </a:ext>
             </a:extLst>
           </p:cNvPr>
@@ -730,7 +906,7 @@
           <p:nvPr userDrawn="1"/>
         </p:nvPicPr>
         <p:blipFill rotWithShape="1">
-          <a:blip r:embed="rId2">
+          <a:blip r:embed="rId4">
             <a:extLst>
               <a:ext uri="{28A0092B-C50C-407E-A947-70E740481C1C}">
                 <a14:useLocalDpi xmlns:a14="http://schemas.microsoft.com/office/drawing/2010/main" val="0"/>
@@ -763,7 +939,7 @@
     </p:spTree>
     <p:extLst>
       <p:ext uri="{BB962C8B-B14F-4D97-AF65-F5344CB8AC3E}">
-        <p14:creationId xmlns:p14="http://schemas.microsoft.com/office/powerpoint/2010/main" val="2882739974"/>
+        <p14:creationId xmlns:p14="http://schemas.microsoft.com/office/powerpoint/2010/main" val="3560695488"/>
       </p:ext>
     </p:extLst>
   </p:cSld>
@@ -774,6 +950,2310 @@
 </file>
 
 <file path=ppt/slideLayouts/slideLayout10.xml><?xml version="1.0" encoding="utf-8"?>
+<p:sldLayout xmlns:a="http://schemas.openxmlformats.org/drawingml/2006/main" xmlns:r="http://schemas.openxmlformats.org/officeDocument/2006/relationships" xmlns:p="http://schemas.openxmlformats.org/presentationml/2006/main" preserve="1">
+  <p:cSld name="Panoramic Picture with Caption">
+    <p:spTree>
+      <p:nvGrpSpPr>
+        <p:cNvPr id="1" name=""/>
+        <p:cNvGrpSpPr/>
+        <p:nvPr/>
+      </p:nvGrpSpPr>
+      <p:grpSpPr>
+        <a:xfrm>
+          <a:off x="0" y="0"/>
+          <a:ext cx="0" cy="0"/>
+          <a:chOff x="0" y="0"/>
+          <a:chExt cx="0" cy="0"/>
+        </a:xfrm>
+      </p:grpSpPr>
+      <p:sp>
+        <p:nvSpPr>
+          <p:cNvPr id="2" name="Title 1"/>
+          <p:cNvSpPr>
+            <a:spLocks noGrp="1"/>
+          </p:cNvSpPr>
+          <p:nvPr>
+            <p:ph type="title"/>
+          </p:nvPr>
+        </p:nvSpPr>
+        <p:spPr>
+          <a:xfrm>
+            <a:off x="1295401" y="4815415"/>
+            <a:ext cx="9609666" cy="566738"/>
+          </a:xfrm>
+        </p:spPr>
+        <p:txBody>
+          <a:bodyPr anchor="b">
+            <a:normAutofit/>
+          </a:bodyPr>
+          <a:lstStyle>
+            <a:lvl1pPr algn="ctr">
+              <a:defRPr sz="2400" b="0"/>
+            </a:lvl1pPr>
+          </a:lstStyle>
+          <a:p>
+            <a:r>
+              <a:rPr lang="en-US"/>
+              <a:t>Click to edit Master title style</a:t>
+            </a:r>
+            <a:endParaRPr lang="en-US" dirty="0"/>
+          </a:p>
+        </p:txBody>
+      </p:sp>
+      <p:sp>
+        <p:nvSpPr>
+          <p:cNvPr id="3" name="Picture Placeholder 2"/>
+          <p:cNvSpPr>
+            <a:spLocks noGrp="1" noChangeAspect="1"/>
+          </p:cNvSpPr>
+          <p:nvPr>
+            <p:ph type="pic" idx="1"/>
+          </p:nvPr>
+        </p:nvSpPr>
+        <p:spPr>
+          <a:xfrm>
+            <a:off x="1041427" y="1041399"/>
+            <a:ext cx="10105972" cy="3335869"/>
+          </a:xfrm>
+          <a:prstGeom prst="roundRect">
+            <a:avLst>
+              <a:gd name="adj" fmla="val 0"/>
+            </a:avLst>
+          </a:prstGeom>
+          <a:ln w="57150" cmpd="thickThin">
+            <a:solidFill>
+              <a:schemeClr val="tx1">
+                <a:lumMod val="50000"/>
+                <a:lumOff val="50000"/>
+              </a:schemeClr>
+            </a:solidFill>
+            <a:miter lim="800000"/>
+          </a:ln>
+          <a:effectLst>
+            <a:innerShdw blurRad="57150" dist="38100" dir="14460000">
+              <a:srgbClr val="000000">
+                <a:alpha val="70000"/>
+              </a:srgbClr>
+            </a:innerShdw>
+          </a:effectLst>
+        </p:spPr>
+        <p:txBody>
+          <a:bodyPr anchor="t">
+            <a:normAutofit/>
+          </a:bodyPr>
+          <a:lstStyle>
+            <a:lvl1pPr marL="0" indent="0" algn="ctr">
+              <a:buNone/>
+              <a:defRPr sz="1600"/>
+            </a:lvl1pPr>
+            <a:lvl2pPr marL="457200" indent="0">
+              <a:buNone/>
+              <a:defRPr sz="1600"/>
+            </a:lvl2pPr>
+            <a:lvl3pPr marL="914400" indent="0">
+              <a:buNone/>
+              <a:defRPr sz="1600"/>
+            </a:lvl3pPr>
+            <a:lvl4pPr marL="1371600" indent="0">
+              <a:buNone/>
+              <a:defRPr sz="1600"/>
+            </a:lvl4pPr>
+            <a:lvl5pPr marL="1828800" indent="0">
+              <a:buNone/>
+              <a:defRPr sz="1600"/>
+            </a:lvl5pPr>
+            <a:lvl6pPr marL="2286000" indent="0">
+              <a:buNone/>
+              <a:defRPr sz="1600"/>
+            </a:lvl6pPr>
+            <a:lvl7pPr marL="2743200" indent="0">
+              <a:buNone/>
+              <a:defRPr sz="1600"/>
+            </a:lvl7pPr>
+            <a:lvl8pPr marL="3200400" indent="0">
+              <a:buNone/>
+              <a:defRPr sz="1600"/>
+            </a:lvl8pPr>
+            <a:lvl9pPr marL="3657600" indent="0">
+              <a:buNone/>
+              <a:defRPr sz="1600"/>
+            </a:lvl9pPr>
+          </a:lstStyle>
+          <a:p>
+            <a:r>
+              <a:rPr lang="en-US"/>
+              <a:t>Click icon to add picture</a:t>
+            </a:r>
+            <a:endParaRPr lang="en-US" dirty="0"/>
+          </a:p>
+        </p:txBody>
+      </p:sp>
+      <p:sp>
+        <p:nvSpPr>
+          <p:cNvPr id="4" name="Text Placeholder 3"/>
+          <p:cNvSpPr>
+            <a:spLocks noGrp="1"/>
+          </p:cNvSpPr>
+          <p:nvPr>
+            <p:ph type="body" sz="half" idx="2"/>
+          </p:nvPr>
+        </p:nvSpPr>
+        <p:spPr>
+          <a:xfrm>
+            <a:off x="1295401" y="5382153"/>
+            <a:ext cx="9609666" cy="493712"/>
+          </a:xfrm>
+        </p:spPr>
+        <p:txBody>
+          <a:bodyPr>
+            <a:normAutofit/>
+          </a:bodyPr>
+          <a:lstStyle>
+            <a:lvl1pPr marL="0" indent="0" algn="ctr">
+              <a:buNone/>
+              <a:defRPr sz="1400"/>
+            </a:lvl1pPr>
+            <a:lvl2pPr marL="457200" indent="0">
+              <a:buNone/>
+              <a:defRPr sz="1200"/>
+            </a:lvl2pPr>
+            <a:lvl3pPr marL="914400" indent="0">
+              <a:buNone/>
+              <a:defRPr sz="1000"/>
+            </a:lvl3pPr>
+            <a:lvl4pPr marL="1371600" indent="0">
+              <a:buNone/>
+              <a:defRPr sz="900"/>
+            </a:lvl4pPr>
+            <a:lvl5pPr marL="1828800" indent="0">
+              <a:buNone/>
+              <a:defRPr sz="900"/>
+            </a:lvl5pPr>
+            <a:lvl6pPr marL="2286000" indent="0">
+              <a:buNone/>
+              <a:defRPr sz="900"/>
+            </a:lvl6pPr>
+            <a:lvl7pPr marL="2743200" indent="0">
+              <a:buNone/>
+              <a:defRPr sz="900"/>
+            </a:lvl7pPr>
+            <a:lvl8pPr marL="3200400" indent="0">
+              <a:buNone/>
+              <a:defRPr sz="900"/>
+            </a:lvl8pPr>
+            <a:lvl9pPr marL="3657600" indent="0">
+              <a:buNone/>
+              <a:defRPr sz="900"/>
+            </a:lvl9pPr>
+          </a:lstStyle>
+          <a:p>
+            <a:pPr lvl="0"/>
+            <a:r>
+              <a:rPr lang="en-US"/>
+              <a:t>Edit Master text styles</a:t>
+            </a:r>
+          </a:p>
+        </p:txBody>
+      </p:sp>
+      <p:sp>
+        <p:nvSpPr>
+          <p:cNvPr id="5" name="Date Placeholder 4"/>
+          <p:cNvSpPr>
+            <a:spLocks noGrp="1"/>
+          </p:cNvSpPr>
+          <p:nvPr>
+            <p:ph type="dt" sz="half" idx="10"/>
+          </p:nvPr>
+        </p:nvSpPr>
+        <p:spPr/>
+        <p:txBody>
+          <a:bodyPr/>
+          <a:lstStyle/>
+          <a:p>
+            <a:fld id="{17238E1B-53C2-4454-A9E1-2A21AAF129EB}" type="datetime1">
+              <a:rPr lang="de-DE" smtClean="0"/>
+              <a:t>26.03.2024</a:t>
+            </a:fld>
+            <a:endParaRPr lang="en-US"/>
+          </a:p>
+        </p:txBody>
+      </p:sp>
+      <p:sp>
+        <p:nvSpPr>
+          <p:cNvPr id="6" name="Footer Placeholder 5"/>
+          <p:cNvSpPr>
+            <a:spLocks noGrp="1"/>
+          </p:cNvSpPr>
+          <p:nvPr>
+            <p:ph type="ftr" sz="quarter" idx="11"/>
+          </p:nvPr>
+        </p:nvSpPr>
+        <p:spPr/>
+        <p:txBody>
+          <a:bodyPr/>
+          <a:lstStyle/>
+          <a:p>
+            <a:endParaRPr lang="en-US"/>
+          </a:p>
+        </p:txBody>
+      </p:sp>
+      <p:sp>
+        <p:nvSpPr>
+          <p:cNvPr id="7" name="Slide Number Placeholder 6"/>
+          <p:cNvSpPr>
+            <a:spLocks noGrp="1"/>
+          </p:cNvSpPr>
+          <p:nvPr>
+            <p:ph type="sldNum" sz="quarter" idx="12"/>
+          </p:nvPr>
+        </p:nvSpPr>
+        <p:spPr/>
+        <p:txBody>
+          <a:bodyPr/>
+          <a:lstStyle/>
+          <a:p>
+            <a:fld id="{DDE4B26F-E58A-4C83-9619-68F81596DFD8}" type="slidenum">
+              <a:rPr lang="en-US" smtClean="0"/>
+              <a:t>‹#›</a:t>
+            </a:fld>
+            <a:endParaRPr lang="en-US"/>
+          </a:p>
+        </p:txBody>
+      </p:sp>
+    </p:spTree>
+    <p:extLst>
+      <p:ext uri="{BB962C8B-B14F-4D97-AF65-F5344CB8AC3E}">
+        <p14:creationId xmlns:p14="http://schemas.microsoft.com/office/powerpoint/2010/main" val="3375862494"/>
+      </p:ext>
+    </p:extLst>
+  </p:cSld>
+  <p:clrMapOvr>
+    <a:masterClrMapping/>
+  </p:clrMapOvr>
+  <p:hf hdr="0" ftr="0"/>
+</p:sldLayout>
+</file>
+
+<file path=ppt/slideLayouts/slideLayout11.xml><?xml version="1.0" encoding="utf-8"?>
+<p:sldLayout xmlns:a="http://schemas.openxmlformats.org/drawingml/2006/main" xmlns:r="http://schemas.openxmlformats.org/officeDocument/2006/relationships" xmlns:p="http://schemas.openxmlformats.org/presentationml/2006/main" preserve="1">
+  <p:cSld name="Title and Caption">
+    <p:spTree>
+      <p:nvGrpSpPr>
+        <p:cNvPr id="1" name=""/>
+        <p:cNvGrpSpPr/>
+        <p:nvPr/>
+      </p:nvGrpSpPr>
+      <p:grpSpPr>
+        <a:xfrm>
+          <a:off x="0" y="0"/>
+          <a:ext cx="0" cy="0"/>
+          <a:chOff x="0" y="0"/>
+          <a:chExt cx="0" cy="0"/>
+        </a:xfrm>
+      </p:grpSpPr>
+      <p:sp>
+        <p:nvSpPr>
+          <p:cNvPr id="2" name="Title 1"/>
+          <p:cNvSpPr>
+            <a:spLocks noGrp="1"/>
+          </p:cNvSpPr>
+          <p:nvPr>
+            <p:ph type="title"/>
+          </p:nvPr>
+        </p:nvSpPr>
+        <p:spPr>
+          <a:xfrm>
+            <a:off x="1303868" y="982132"/>
+            <a:ext cx="9592732" cy="2954868"/>
+          </a:xfrm>
+        </p:spPr>
+        <p:txBody>
+          <a:bodyPr anchor="ctr">
+            <a:normAutofit/>
+          </a:bodyPr>
+          <a:lstStyle>
+            <a:lvl1pPr algn="ctr">
+              <a:defRPr sz="3200" b="0" cap="none"/>
+            </a:lvl1pPr>
+          </a:lstStyle>
+          <a:p>
+            <a:r>
+              <a:rPr lang="en-US"/>
+              <a:t>Click to edit Master title style</a:t>
+            </a:r>
+            <a:endParaRPr lang="en-US" dirty="0"/>
+          </a:p>
+        </p:txBody>
+      </p:sp>
+      <p:sp>
+        <p:nvSpPr>
+          <p:cNvPr id="3" name="Text Placeholder 2"/>
+          <p:cNvSpPr>
+            <a:spLocks noGrp="1"/>
+          </p:cNvSpPr>
+          <p:nvPr>
+            <p:ph type="body" idx="1"/>
+          </p:nvPr>
+        </p:nvSpPr>
+        <p:spPr>
+          <a:xfrm>
+            <a:off x="1303868" y="4343399"/>
+            <a:ext cx="9592732" cy="1532467"/>
+          </a:xfrm>
+        </p:spPr>
+        <p:txBody>
+          <a:bodyPr anchor="ctr">
+            <a:normAutofit/>
+          </a:bodyPr>
+          <a:lstStyle>
+            <a:lvl1pPr marL="0" indent="0" algn="ctr">
+              <a:buNone/>
+              <a:defRPr sz="2000">
+                <a:solidFill>
+                  <a:schemeClr val="tx1"/>
+                </a:solidFill>
+              </a:defRPr>
+            </a:lvl1pPr>
+            <a:lvl2pPr marL="457200" indent="0">
+              <a:buNone/>
+              <a:defRPr sz="1800">
+                <a:solidFill>
+                  <a:schemeClr val="tx1">
+                    <a:tint val="75000"/>
+                  </a:schemeClr>
+                </a:solidFill>
+              </a:defRPr>
+            </a:lvl2pPr>
+            <a:lvl3pPr marL="914400" indent="0">
+              <a:buNone/>
+              <a:defRPr sz="1600">
+                <a:solidFill>
+                  <a:schemeClr val="tx1">
+                    <a:tint val="75000"/>
+                  </a:schemeClr>
+                </a:solidFill>
+              </a:defRPr>
+            </a:lvl3pPr>
+            <a:lvl4pPr marL="1371600" indent="0">
+              <a:buNone/>
+              <a:defRPr sz="1400">
+                <a:solidFill>
+                  <a:schemeClr val="tx1">
+                    <a:tint val="75000"/>
+                  </a:schemeClr>
+                </a:solidFill>
+              </a:defRPr>
+            </a:lvl4pPr>
+            <a:lvl5pPr marL="1828800" indent="0">
+              <a:buNone/>
+              <a:defRPr sz="1400">
+                <a:solidFill>
+                  <a:schemeClr val="tx1">
+                    <a:tint val="75000"/>
+                  </a:schemeClr>
+                </a:solidFill>
+              </a:defRPr>
+            </a:lvl5pPr>
+            <a:lvl6pPr marL="2286000" indent="0">
+              <a:buNone/>
+              <a:defRPr sz="1400">
+                <a:solidFill>
+                  <a:schemeClr val="tx1">
+                    <a:tint val="75000"/>
+                  </a:schemeClr>
+                </a:solidFill>
+              </a:defRPr>
+            </a:lvl6pPr>
+            <a:lvl7pPr marL="2743200" indent="0">
+              <a:buNone/>
+              <a:defRPr sz="1400">
+                <a:solidFill>
+                  <a:schemeClr val="tx1">
+                    <a:tint val="75000"/>
+                  </a:schemeClr>
+                </a:solidFill>
+              </a:defRPr>
+            </a:lvl7pPr>
+            <a:lvl8pPr marL="3200400" indent="0">
+              <a:buNone/>
+              <a:defRPr sz="1400">
+                <a:solidFill>
+                  <a:schemeClr val="tx1">
+                    <a:tint val="75000"/>
+                  </a:schemeClr>
+                </a:solidFill>
+              </a:defRPr>
+            </a:lvl8pPr>
+            <a:lvl9pPr marL="3657600" indent="0">
+              <a:buNone/>
+              <a:defRPr sz="1400">
+                <a:solidFill>
+                  <a:schemeClr val="tx1">
+                    <a:tint val="75000"/>
+                  </a:schemeClr>
+                </a:solidFill>
+              </a:defRPr>
+            </a:lvl9pPr>
+          </a:lstStyle>
+          <a:p>
+            <a:pPr lvl="0"/>
+            <a:r>
+              <a:rPr lang="en-US"/>
+              <a:t>Edit Master text styles</a:t>
+            </a:r>
+          </a:p>
+        </p:txBody>
+      </p:sp>
+      <p:sp>
+        <p:nvSpPr>
+          <p:cNvPr id="4" name="Date Placeholder 3"/>
+          <p:cNvSpPr>
+            <a:spLocks noGrp="1"/>
+          </p:cNvSpPr>
+          <p:nvPr>
+            <p:ph type="dt" sz="half" idx="10"/>
+          </p:nvPr>
+        </p:nvSpPr>
+        <p:spPr/>
+        <p:txBody>
+          <a:bodyPr/>
+          <a:lstStyle/>
+          <a:p>
+            <a:fld id="{17238E1B-53C2-4454-A9E1-2A21AAF129EB}" type="datetime1">
+              <a:rPr lang="de-DE" smtClean="0"/>
+              <a:t>26.03.2024</a:t>
+            </a:fld>
+            <a:endParaRPr lang="en-US"/>
+          </a:p>
+        </p:txBody>
+      </p:sp>
+      <p:sp>
+        <p:nvSpPr>
+          <p:cNvPr id="5" name="Footer Placeholder 4"/>
+          <p:cNvSpPr>
+            <a:spLocks noGrp="1"/>
+          </p:cNvSpPr>
+          <p:nvPr>
+            <p:ph type="ftr" sz="quarter" idx="11"/>
+          </p:nvPr>
+        </p:nvSpPr>
+        <p:spPr/>
+        <p:txBody>
+          <a:bodyPr/>
+          <a:lstStyle/>
+          <a:p>
+            <a:endParaRPr lang="en-US"/>
+          </a:p>
+        </p:txBody>
+      </p:sp>
+      <p:sp>
+        <p:nvSpPr>
+          <p:cNvPr id="6" name="Slide Number Placeholder 5"/>
+          <p:cNvSpPr>
+            <a:spLocks noGrp="1"/>
+          </p:cNvSpPr>
+          <p:nvPr>
+            <p:ph type="sldNum" sz="quarter" idx="12"/>
+          </p:nvPr>
+        </p:nvSpPr>
+        <p:spPr/>
+        <p:txBody>
+          <a:bodyPr/>
+          <a:lstStyle/>
+          <a:p>
+            <a:fld id="{DDE4B26F-E58A-4C83-9619-68F81596DFD8}" type="slidenum">
+              <a:rPr lang="en-US" smtClean="0"/>
+              <a:t>‹#›</a:t>
+            </a:fld>
+            <a:endParaRPr lang="en-US"/>
+          </a:p>
+        </p:txBody>
+      </p:sp>
+      <p:cxnSp>
+        <p:nvCxnSpPr>
+          <p:cNvPr id="15" name="Straight Connector 14"/>
+          <p:cNvCxnSpPr/>
+          <p:nvPr/>
+        </p:nvCxnSpPr>
+        <p:spPr>
+          <a:xfrm>
+            <a:off x="1396169" y="4140199"/>
+            <a:ext cx="9407298" cy="0"/>
+          </a:xfrm>
+          <a:prstGeom prst="line">
+            <a:avLst/>
+          </a:prstGeom>
+          <a:ln w="15875"/>
+        </p:spPr>
+        <p:style>
+          <a:lnRef idx="2">
+            <a:schemeClr val="accent1"/>
+          </a:lnRef>
+          <a:fillRef idx="0">
+            <a:schemeClr val="accent1"/>
+          </a:fillRef>
+          <a:effectRef idx="1">
+            <a:schemeClr val="accent1"/>
+          </a:effectRef>
+          <a:fontRef idx="minor">
+            <a:schemeClr val="tx1"/>
+          </a:fontRef>
+        </p:style>
+      </p:cxnSp>
+    </p:spTree>
+    <p:extLst>
+      <p:ext uri="{BB962C8B-B14F-4D97-AF65-F5344CB8AC3E}">
+        <p14:creationId xmlns:p14="http://schemas.microsoft.com/office/powerpoint/2010/main" val="3342623303"/>
+      </p:ext>
+    </p:extLst>
+  </p:cSld>
+  <p:clrMapOvr>
+    <a:masterClrMapping/>
+  </p:clrMapOvr>
+  <p:hf hdr="0" ftr="0"/>
+</p:sldLayout>
+</file>
+
+<file path=ppt/slideLayouts/slideLayout12.xml><?xml version="1.0" encoding="utf-8"?>
+<p:sldLayout xmlns:a="http://schemas.openxmlformats.org/drawingml/2006/main" xmlns:r="http://schemas.openxmlformats.org/officeDocument/2006/relationships" xmlns:p="http://schemas.openxmlformats.org/presentationml/2006/main" preserve="1">
+  <p:cSld name="Quote with Caption">
+    <p:spTree>
+      <p:nvGrpSpPr>
+        <p:cNvPr id="1" name=""/>
+        <p:cNvGrpSpPr/>
+        <p:nvPr/>
+      </p:nvGrpSpPr>
+      <p:grpSpPr>
+        <a:xfrm>
+          <a:off x="0" y="0"/>
+          <a:ext cx="0" cy="0"/>
+          <a:chOff x="0" y="0"/>
+          <a:chExt cx="0" cy="0"/>
+        </a:xfrm>
+      </p:grpSpPr>
+      <p:sp>
+        <p:nvSpPr>
+          <p:cNvPr id="2" name="Title 1"/>
+          <p:cNvSpPr>
+            <a:spLocks noGrp="1"/>
+          </p:cNvSpPr>
+          <p:nvPr>
+            <p:ph type="title"/>
+          </p:nvPr>
+        </p:nvSpPr>
+        <p:spPr>
+          <a:xfrm>
+            <a:off x="1446213" y="982132"/>
+            <a:ext cx="9296398" cy="2370668"/>
+          </a:xfrm>
+        </p:spPr>
+        <p:txBody>
+          <a:bodyPr anchor="ctr">
+            <a:normAutofit/>
+          </a:bodyPr>
+          <a:lstStyle>
+            <a:lvl1pPr algn="ctr">
+              <a:defRPr sz="3200" b="0" cap="none">
+                <a:solidFill>
+                  <a:schemeClr val="tx1"/>
+                </a:solidFill>
+              </a:defRPr>
+            </a:lvl1pPr>
+          </a:lstStyle>
+          <a:p>
+            <a:r>
+              <a:rPr lang="en-US"/>
+              <a:t>Click to edit Master title style</a:t>
+            </a:r>
+            <a:endParaRPr lang="en-US" dirty="0"/>
+          </a:p>
+        </p:txBody>
+      </p:sp>
+      <p:sp>
+        <p:nvSpPr>
+          <p:cNvPr id="10" name="Text Placeholder 9"/>
+          <p:cNvSpPr>
+            <a:spLocks noGrp="1"/>
+          </p:cNvSpPr>
+          <p:nvPr>
+            <p:ph type="body" sz="quarter" idx="13"/>
+          </p:nvPr>
+        </p:nvSpPr>
+        <p:spPr>
+          <a:xfrm>
+            <a:off x="1674812" y="3352800"/>
+            <a:ext cx="8839202" cy="584200"/>
+          </a:xfrm>
+        </p:spPr>
+        <p:txBody>
+          <a:bodyPr anchor="ctr">
+            <a:normAutofit/>
+          </a:bodyPr>
+          <a:lstStyle>
+            <a:lvl1pPr marL="0" indent="0" algn="r">
+              <a:buFontTx/>
+              <a:buNone/>
+              <a:defRPr sz="2000"/>
+            </a:lvl1pPr>
+            <a:lvl2pPr marL="457200" indent="0">
+              <a:buFontTx/>
+              <a:buNone/>
+              <a:defRPr/>
+            </a:lvl2pPr>
+            <a:lvl3pPr marL="914400" indent="0">
+              <a:buFontTx/>
+              <a:buNone/>
+              <a:defRPr/>
+            </a:lvl3pPr>
+            <a:lvl4pPr marL="1371600" indent="0">
+              <a:buFontTx/>
+              <a:buNone/>
+              <a:defRPr/>
+            </a:lvl4pPr>
+            <a:lvl5pPr marL="1828800" indent="0">
+              <a:buFontTx/>
+              <a:buNone/>
+              <a:defRPr/>
+            </a:lvl5pPr>
+          </a:lstStyle>
+          <a:p>
+            <a:pPr lvl="0"/>
+            <a:r>
+              <a:rPr lang="en-US"/>
+              <a:t>Edit Master text styles</a:t>
+            </a:r>
+          </a:p>
+        </p:txBody>
+      </p:sp>
+      <p:sp>
+        <p:nvSpPr>
+          <p:cNvPr id="3" name="Text Placeholder 2"/>
+          <p:cNvSpPr>
+            <a:spLocks noGrp="1"/>
+          </p:cNvSpPr>
+          <p:nvPr>
+            <p:ph type="body" idx="1"/>
+          </p:nvPr>
+        </p:nvSpPr>
+        <p:spPr>
+          <a:xfrm>
+            <a:off x="1295401" y="4343399"/>
+            <a:ext cx="9609666" cy="1532467"/>
+          </a:xfrm>
+        </p:spPr>
+        <p:txBody>
+          <a:bodyPr anchor="ctr">
+            <a:normAutofit/>
+          </a:bodyPr>
+          <a:lstStyle>
+            <a:lvl1pPr marL="0" indent="0" algn="ctr">
+              <a:buNone/>
+              <a:defRPr sz="2000">
+                <a:solidFill>
+                  <a:schemeClr val="tx1"/>
+                </a:solidFill>
+              </a:defRPr>
+            </a:lvl1pPr>
+            <a:lvl2pPr marL="457200" indent="0">
+              <a:buNone/>
+              <a:defRPr sz="1800">
+                <a:solidFill>
+                  <a:schemeClr val="tx1">
+                    <a:tint val="75000"/>
+                  </a:schemeClr>
+                </a:solidFill>
+              </a:defRPr>
+            </a:lvl2pPr>
+            <a:lvl3pPr marL="914400" indent="0">
+              <a:buNone/>
+              <a:defRPr sz="1600">
+                <a:solidFill>
+                  <a:schemeClr val="tx1">
+                    <a:tint val="75000"/>
+                  </a:schemeClr>
+                </a:solidFill>
+              </a:defRPr>
+            </a:lvl3pPr>
+            <a:lvl4pPr marL="1371600" indent="0">
+              <a:buNone/>
+              <a:defRPr sz="1400">
+                <a:solidFill>
+                  <a:schemeClr val="tx1">
+                    <a:tint val="75000"/>
+                  </a:schemeClr>
+                </a:solidFill>
+              </a:defRPr>
+            </a:lvl4pPr>
+            <a:lvl5pPr marL="1828800" indent="0">
+              <a:buNone/>
+              <a:defRPr sz="1400">
+                <a:solidFill>
+                  <a:schemeClr val="tx1">
+                    <a:tint val="75000"/>
+                  </a:schemeClr>
+                </a:solidFill>
+              </a:defRPr>
+            </a:lvl5pPr>
+            <a:lvl6pPr marL="2286000" indent="0">
+              <a:buNone/>
+              <a:defRPr sz="1400">
+                <a:solidFill>
+                  <a:schemeClr val="tx1">
+                    <a:tint val="75000"/>
+                  </a:schemeClr>
+                </a:solidFill>
+              </a:defRPr>
+            </a:lvl6pPr>
+            <a:lvl7pPr marL="2743200" indent="0">
+              <a:buNone/>
+              <a:defRPr sz="1400">
+                <a:solidFill>
+                  <a:schemeClr val="tx1">
+                    <a:tint val="75000"/>
+                  </a:schemeClr>
+                </a:solidFill>
+              </a:defRPr>
+            </a:lvl7pPr>
+            <a:lvl8pPr marL="3200400" indent="0">
+              <a:buNone/>
+              <a:defRPr sz="1400">
+                <a:solidFill>
+                  <a:schemeClr val="tx1">
+                    <a:tint val="75000"/>
+                  </a:schemeClr>
+                </a:solidFill>
+              </a:defRPr>
+            </a:lvl8pPr>
+            <a:lvl9pPr marL="3657600" indent="0">
+              <a:buNone/>
+              <a:defRPr sz="1400">
+                <a:solidFill>
+                  <a:schemeClr val="tx1">
+                    <a:tint val="75000"/>
+                  </a:schemeClr>
+                </a:solidFill>
+              </a:defRPr>
+            </a:lvl9pPr>
+          </a:lstStyle>
+          <a:p>
+            <a:pPr lvl="0"/>
+            <a:r>
+              <a:rPr lang="en-US"/>
+              <a:t>Edit Master text styles</a:t>
+            </a:r>
+          </a:p>
+        </p:txBody>
+      </p:sp>
+      <p:sp>
+        <p:nvSpPr>
+          <p:cNvPr id="4" name="Date Placeholder 3"/>
+          <p:cNvSpPr>
+            <a:spLocks noGrp="1"/>
+          </p:cNvSpPr>
+          <p:nvPr>
+            <p:ph type="dt" sz="half" idx="10"/>
+          </p:nvPr>
+        </p:nvSpPr>
+        <p:spPr/>
+        <p:txBody>
+          <a:bodyPr/>
+          <a:lstStyle/>
+          <a:p>
+            <a:fld id="{17238E1B-53C2-4454-A9E1-2A21AAF129EB}" type="datetime1">
+              <a:rPr lang="de-DE" smtClean="0"/>
+              <a:t>26.03.2024</a:t>
+            </a:fld>
+            <a:endParaRPr lang="en-US"/>
+          </a:p>
+        </p:txBody>
+      </p:sp>
+      <p:sp>
+        <p:nvSpPr>
+          <p:cNvPr id="5" name="Footer Placeholder 4"/>
+          <p:cNvSpPr>
+            <a:spLocks noGrp="1"/>
+          </p:cNvSpPr>
+          <p:nvPr>
+            <p:ph type="ftr" sz="quarter" idx="11"/>
+          </p:nvPr>
+        </p:nvSpPr>
+        <p:spPr/>
+        <p:txBody>
+          <a:bodyPr/>
+          <a:lstStyle/>
+          <a:p>
+            <a:endParaRPr lang="en-US"/>
+          </a:p>
+        </p:txBody>
+      </p:sp>
+      <p:sp>
+        <p:nvSpPr>
+          <p:cNvPr id="6" name="Slide Number Placeholder 5"/>
+          <p:cNvSpPr>
+            <a:spLocks noGrp="1"/>
+          </p:cNvSpPr>
+          <p:nvPr>
+            <p:ph type="sldNum" sz="quarter" idx="12"/>
+          </p:nvPr>
+        </p:nvSpPr>
+        <p:spPr/>
+        <p:txBody>
+          <a:bodyPr/>
+          <a:lstStyle/>
+          <a:p>
+            <a:fld id="{DDE4B26F-E58A-4C83-9619-68F81596DFD8}" type="slidenum">
+              <a:rPr lang="en-US" smtClean="0"/>
+              <a:t>‹#›</a:t>
+            </a:fld>
+            <a:endParaRPr lang="en-US"/>
+          </a:p>
+        </p:txBody>
+      </p:sp>
+      <p:sp>
+        <p:nvSpPr>
+          <p:cNvPr id="14" name="TextBox 13"/>
+          <p:cNvSpPr txBox="1"/>
+          <p:nvPr/>
+        </p:nvSpPr>
+        <p:spPr>
+          <a:xfrm>
+            <a:off x="862013" y="879961"/>
+            <a:ext cx="609600" cy="584776"/>
+          </a:xfrm>
+          <a:prstGeom prst="rect">
+            <a:avLst/>
+          </a:prstGeom>
+        </p:spPr>
+        <p:txBody>
+          <a:bodyPr vert="horz" lIns="91440" tIns="45720" rIns="91440" bIns="45720" rtlCol="0" anchor="ctr">
+            <a:noAutofit/>
+          </a:bodyPr>
+          <a:lstStyle/>
+          <a:p>
+            <a:pPr lvl="0"/>
+            <a:r>
+              <a:rPr lang="en-US" sz="8000" dirty="0">
+                <a:solidFill>
+                  <a:schemeClr val="tx1"/>
+                </a:solidFill>
+                <a:effectLst/>
+              </a:rPr>
+              <a:t>“</a:t>
+            </a:r>
+          </a:p>
+        </p:txBody>
+      </p:sp>
+      <p:sp>
+        <p:nvSpPr>
+          <p:cNvPr id="15" name="TextBox 14"/>
+          <p:cNvSpPr txBox="1"/>
+          <p:nvPr/>
+        </p:nvSpPr>
+        <p:spPr>
+          <a:xfrm>
+            <a:off x="10600267" y="2827870"/>
+            <a:ext cx="609600" cy="584776"/>
+          </a:xfrm>
+          <a:prstGeom prst="rect">
+            <a:avLst/>
+          </a:prstGeom>
+        </p:spPr>
+        <p:txBody>
+          <a:bodyPr vert="horz" lIns="91440" tIns="45720" rIns="91440" bIns="45720" rtlCol="0" anchor="ctr">
+            <a:noAutofit/>
+          </a:bodyPr>
+          <a:lstStyle/>
+          <a:p>
+            <a:pPr lvl="0" algn="r"/>
+            <a:r>
+              <a:rPr lang="en-US" sz="8000" dirty="0">
+                <a:solidFill>
+                  <a:schemeClr val="tx1"/>
+                </a:solidFill>
+                <a:effectLst/>
+              </a:rPr>
+              <a:t>”</a:t>
+            </a:r>
+          </a:p>
+        </p:txBody>
+      </p:sp>
+      <p:cxnSp>
+        <p:nvCxnSpPr>
+          <p:cNvPr id="19" name="Straight Connector 18"/>
+          <p:cNvCxnSpPr/>
+          <p:nvPr/>
+        </p:nvCxnSpPr>
+        <p:spPr>
+          <a:xfrm>
+            <a:off x="1396169" y="4140199"/>
+            <a:ext cx="9407298" cy="0"/>
+          </a:xfrm>
+          <a:prstGeom prst="line">
+            <a:avLst/>
+          </a:prstGeom>
+          <a:ln w="15875"/>
+        </p:spPr>
+        <p:style>
+          <a:lnRef idx="2">
+            <a:schemeClr val="accent1"/>
+          </a:lnRef>
+          <a:fillRef idx="0">
+            <a:schemeClr val="accent1"/>
+          </a:fillRef>
+          <a:effectRef idx="1">
+            <a:schemeClr val="accent1"/>
+          </a:effectRef>
+          <a:fontRef idx="minor">
+            <a:schemeClr val="tx1"/>
+          </a:fontRef>
+        </p:style>
+      </p:cxnSp>
+    </p:spTree>
+    <p:extLst>
+      <p:ext uri="{BB962C8B-B14F-4D97-AF65-F5344CB8AC3E}">
+        <p14:creationId xmlns:p14="http://schemas.microsoft.com/office/powerpoint/2010/main" val="3759865872"/>
+      </p:ext>
+    </p:extLst>
+  </p:cSld>
+  <p:clrMapOvr>
+    <a:masterClrMapping/>
+  </p:clrMapOvr>
+  <p:hf hdr="0" ftr="0"/>
+</p:sldLayout>
+</file>
+
+<file path=ppt/slideLayouts/slideLayout13.xml><?xml version="1.0" encoding="utf-8"?>
+<p:sldLayout xmlns:a="http://schemas.openxmlformats.org/drawingml/2006/main" xmlns:r="http://schemas.openxmlformats.org/officeDocument/2006/relationships" xmlns:p="http://schemas.openxmlformats.org/presentationml/2006/main" preserve="1">
+  <p:cSld name="Name Card">
+    <p:spTree>
+      <p:nvGrpSpPr>
+        <p:cNvPr id="1" name=""/>
+        <p:cNvGrpSpPr/>
+        <p:nvPr/>
+      </p:nvGrpSpPr>
+      <p:grpSpPr>
+        <a:xfrm>
+          <a:off x="0" y="0"/>
+          <a:ext cx="0" cy="0"/>
+          <a:chOff x="0" y="0"/>
+          <a:chExt cx="0" cy="0"/>
+        </a:xfrm>
+      </p:grpSpPr>
+      <p:sp>
+        <p:nvSpPr>
+          <p:cNvPr id="2" name="Title 1"/>
+          <p:cNvSpPr>
+            <a:spLocks noGrp="1"/>
+          </p:cNvSpPr>
+          <p:nvPr>
+            <p:ph type="title"/>
+          </p:nvPr>
+        </p:nvSpPr>
+        <p:spPr>
+          <a:xfrm>
+            <a:off x="1295402" y="3308581"/>
+            <a:ext cx="9609668" cy="1468800"/>
+          </a:xfrm>
+        </p:spPr>
+        <p:txBody>
+          <a:bodyPr anchor="b">
+            <a:normAutofit/>
+          </a:bodyPr>
+          <a:lstStyle>
+            <a:lvl1pPr algn="l">
+              <a:defRPr sz="3200" b="0" cap="none"/>
+            </a:lvl1pPr>
+          </a:lstStyle>
+          <a:p>
+            <a:r>
+              <a:rPr lang="en-US"/>
+              <a:t>Click to edit Master title style</a:t>
+            </a:r>
+            <a:endParaRPr lang="en-US" dirty="0"/>
+          </a:p>
+        </p:txBody>
+      </p:sp>
+      <p:sp>
+        <p:nvSpPr>
+          <p:cNvPr id="3" name="Text Placeholder 2"/>
+          <p:cNvSpPr>
+            <a:spLocks noGrp="1"/>
+          </p:cNvSpPr>
+          <p:nvPr>
+            <p:ph type="body" idx="1"/>
+          </p:nvPr>
+        </p:nvSpPr>
+        <p:spPr>
+          <a:xfrm>
+            <a:off x="1295401" y="4777381"/>
+            <a:ext cx="9609668" cy="860400"/>
+          </a:xfrm>
+        </p:spPr>
+        <p:txBody>
+          <a:bodyPr anchor="t">
+            <a:normAutofit/>
+          </a:bodyPr>
+          <a:lstStyle>
+            <a:lvl1pPr marL="0" indent="0" algn="l">
+              <a:buNone/>
+              <a:defRPr sz="2000">
+                <a:solidFill>
+                  <a:schemeClr val="tx1"/>
+                </a:solidFill>
+              </a:defRPr>
+            </a:lvl1pPr>
+            <a:lvl2pPr marL="457200" indent="0">
+              <a:buNone/>
+              <a:defRPr sz="1800">
+                <a:solidFill>
+                  <a:schemeClr val="tx1">
+                    <a:tint val="75000"/>
+                  </a:schemeClr>
+                </a:solidFill>
+              </a:defRPr>
+            </a:lvl2pPr>
+            <a:lvl3pPr marL="914400" indent="0">
+              <a:buNone/>
+              <a:defRPr sz="1600">
+                <a:solidFill>
+                  <a:schemeClr val="tx1">
+                    <a:tint val="75000"/>
+                  </a:schemeClr>
+                </a:solidFill>
+              </a:defRPr>
+            </a:lvl3pPr>
+            <a:lvl4pPr marL="1371600" indent="0">
+              <a:buNone/>
+              <a:defRPr sz="1400">
+                <a:solidFill>
+                  <a:schemeClr val="tx1">
+                    <a:tint val="75000"/>
+                  </a:schemeClr>
+                </a:solidFill>
+              </a:defRPr>
+            </a:lvl4pPr>
+            <a:lvl5pPr marL="1828800" indent="0">
+              <a:buNone/>
+              <a:defRPr sz="1400">
+                <a:solidFill>
+                  <a:schemeClr val="tx1">
+                    <a:tint val="75000"/>
+                  </a:schemeClr>
+                </a:solidFill>
+              </a:defRPr>
+            </a:lvl5pPr>
+            <a:lvl6pPr marL="2286000" indent="0">
+              <a:buNone/>
+              <a:defRPr sz="1400">
+                <a:solidFill>
+                  <a:schemeClr val="tx1">
+                    <a:tint val="75000"/>
+                  </a:schemeClr>
+                </a:solidFill>
+              </a:defRPr>
+            </a:lvl6pPr>
+            <a:lvl7pPr marL="2743200" indent="0">
+              <a:buNone/>
+              <a:defRPr sz="1400">
+                <a:solidFill>
+                  <a:schemeClr val="tx1">
+                    <a:tint val="75000"/>
+                  </a:schemeClr>
+                </a:solidFill>
+              </a:defRPr>
+            </a:lvl7pPr>
+            <a:lvl8pPr marL="3200400" indent="0">
+              <a:buNone/>
+              <a:defRPr sz="1400">
+                <a:solidFill>
+                  <a:schemeClr val="tx1">
+                    <a:tint val="75000"/>
+                  </a:schemeClr>
+                </a:solidFill>
+              </a:defRPr>
+            </a:lvl8pPr>
+            <a:lvl9pPr marL="3657600" indent="0">
+              <a:buNone/>
+              <a:defRPr sz="1400">
+                <a:solidFill>
+                  <a:schemeClr val="tx1">
+                    <a:tint val="75000"/>
+                  </a:schemeClr>
+                </a:solidFill>
+              </a:defRPr>
+            </a:lvl9pPr>
+          </a:lstStyle>
+          <a:p>
+            <a:pPr lvl="0"/>
+            <a:r>
+              <a:rPr lang="en-US"/>
+              <a:t>Edit Master text styles</a:t>
+            </a:r>
+          </a:p>
+        </p:txBody>
+      </p:sp>
+      <p:sp>
+        <p:nvSpPr>
+          <p:cNvPr id="4" name="Date Placeholder 3"/>
+          <p:cNvSpPr>
+            <a:spLocks noGrp="1"/>
+          </p:cNvSpPr>
+          <p:nvPr>
+            <p:ph type="dt" sz="half" idx="10"/>
+          </p:nvPr>
+        </p:nvSpPr>
+        <p:spPr/>
+        <p:txBody>
+          <a:bodyPr/>
+          <a:lstStyle/>
+          <a:p>
+            <a:fld id="{17238E1B-53C2-4454-A9E1-2A21AAF129EB}" type="datetime1">
+              <a:rPr lang="de-DE" smtClean="0"/>
+              <a:t>26.03.2024</a:t>
+            </a:fld>
+            <a:endParaRPr lang="en-US"/>
+          </a:p>
+        </p:txBody>
+      </p:sp>
+      <p:sp>
+        <p:nvSpPr>
+          <p:cNvPr id="5" name="Footer Placeholder 4"/>
+          <p:cNvSpPr>
+            <a:spLocks noGrp="1"/>
+          </p:cNvSpPr>
+          <p:nvPr>
+            <p:ph type="ftr" sz="quarter" idx="11"/>
+          </p:nvPr>
+        </p:nvSpPr>
+        <p:spPr/>
+        <p:txBody>
+          <a:bodyPr/>
+          <a:lstStyle/>
+          <a:p>
+            <a:endParaRPr lang="en-US"/>
+          </a:p>
+        </p:txBody>
+      </p:sp>
+      <p:sp>
+        <p:nvSpPr>
+          <p:cNvPr id="6" name="Slide Number Placeholder 5"/>
+          <p:cNvSpPr>
+            <a:spLocks noGrp="1"/>
+          </p:cNvSpPr>
+          <p:nvPr>
+            <p:ph type="sldNum" sz="quarter" idx="12"/>
+          </p:nvPr>
+        </p:nvSpPr>
+        <p:spPr/>
+        <p:txBody>
+          <a:bodyPr/>
+          <a:lstStyle/>
+          <a:p>
+            <a:fld id="{DDE4B26F-E58A-4C83-9619-68F81596DFD8}" type="slidenum">
+              <a:rPr lang="en-US" smtClean="0"/>
+              <a:t>‹#›</a:t>
+            </a:fld>
+            <a:endParaRPr lang="en-US"/>
+          </a:p>
+        </p:txBody>
+      </p:sp>
+    </p:spTree>
+    <p:extLst>
+      <p:ext uri="{BB962C8B-B14F-4D97-AF65-F5344CB8AC3E}">
+        <p14:creationId xmlns:p14="http://schemas.microsoft.com/office/powerpoint/2010/main" val="2511761749"/>
+      </p:ext>
+    </p:extLst>
+  </p:cSld>
+  <p:clrMapOvr>
+    <a:masterClrMapping/>
+  </p:clrMapOvr>
+  <p:hf hdr="0" ftr="0"/>
+</p:sldLayout>
+</file>
+
+<file path=ppt/slideLayouts/slideLayout14.xml><?xml version="1.0" encoding="utf-8"?>
+<p:sldLayout xmlns:a="http://schemas.openxmlformats.org/drawingml/2006/main" xmlns:r="http://schemas.openxmlformats.org/officeDocument/2006/relationships" xmlns:p="http://schemas.openxmlformats.org/presentationml/2006/main" preserve="1">
+  <p:cSld name="Quote Name Card">
+    <p:spTree>
+      <p:nvGrpSpPr>
+        <p:cNvPr id="1" name=""/>
+        <p:cNvGrpSpPr/>
+        <p:nvPr/>
+      </p:nvGrpSpPr>
+      <p:grpSpPr>
+        <a:xfrm>
+          <a:off x="0" y="0"/>
+          <a:ext cx="0" cy="0"/>
+          <a:chOff x="0" y="0"/>
+          <a:chExt cx="0" cy="0"/>
+        </a:xfrm>
+      </p:grpSpPr>
+      <p:sp>
+        <p:nvSpPr>
+          <p:cNvPr id="2" name="Title 1"/>
+          <p:cNvSpPr>
+            <a:spLocks noGrp="1"/>
+          </p:cNvSpPr>
+          <p:nvPr>
+            <p:ph type="title"/>
+          </p:nvPr>
+        </p:nvSpPr>
+        <p:spPr>
+          <a:xfrm>
+            <a:off x="1446213" y="982132"/>
+            <a:ext cx="9296398" cy="2243668"/>
+          </a:xfrm>
+        </p:spPr>
+        <p:txBody>
+          <a:bodyPr anchor="ctr">
+            <a:normAutofit/>
+          </a:bodyPr>
+          <a:lstStyle>
+            <a:lvl1pPr algn="ctr">
+              <a:defRPr sz="3200" b="0" cap="none">
+                <a:solidFill>
+                  <a:schemeClr val="tx1"/>
+                </a:solidFill>
+              </a:defRPr>
+            </a:lvl1pPr>
+          </a:lstStyle>
+          <a:p>
+            <a:r>
+              <a:rPr lang="en-US"/>
+              <a:t>Click to edit Master title style</a:t>
+            </a:r>
+            <a:endParaRPr lang="en-US" dirty="0"/>
+          </a:p>
+        </p:txBody>
+      </p:sp>
+      <p:sp>
+        <p:nvSpPr>
+          <p:cNvPr id="23" name="Text Placeholder 2"/>
+          <p:cNvSpPr>
+            <a:spLocks noGrp="1"/>
+          </p:cNvSpPr>
+          <p:nvPr>
+            <p:ph type="body" idx="13"/>
+          </p:nvPr>
+        </p:nvSpPr>
+        <p:spPr>
+          <a:xfrm>
+            <a:off x="1295401" y="3639312"/>
+            <a:ext cx="9609668" cy="886968"/>
+          </a:xfrm>
+        </p:spPr>
+        <p:txBody>
+          <a:bodyPr anchor="b">
+            <a:normAutofit/>
+          </a:bodyPr>
+          <a:lstStyle>
+            <a:lvl1pPr marL="0" indent="0" algn="l">
+              <a:spcBef>
+                <a:spcPts val="0"/>
+              </a:spcBef>
+              <a:buNone/>
+              <a:defRPr sz="2400">
+                <a:solidFill>
+                  <a:schemeClr val="tx1"/>
+                </a:solidFill>
+              </a:defRPr>
+            </a:lvl1pPr>
+            <a:lvl2pPr marL="457200" indent="0">
+              <a:buNone/>
+              <a:defRPr sz="1800">
+                <a:solidFill>
+                  <a:schemeClr val="tx1">
+                    <a:tint val="75000"/>
+                  </a:schemeClr>
+                </a:solidFill>
+              </a:defRPr>
+            </a:lvl2pPr>
+            <a:lvl3pPr marL="914400" indent="0">
+              <a:buNone/>
+              <a:defRPr sz="1600">
+                <a:solidFill>
+                  <a:schemeClr val="tx1">
+                    <a:tint val="75000"/>
+                  </a:schemeClr>
+                </a:solidFill>
+              </a:defRPr>
+            </a:lvl3pPr>
+            <a:lvl4pPr marL="1371600" indent="0">
+              <a:buNone/>
+              <a:defRPr sz="1400">
+                <a:solidFill>
+                  <a:schemeClr val="tx1">
+                    <a:tint val="75000"/>
+                  </a:schemeClr>
+                </a:solidFill>
+              </a:defRPr>
+            </a:lvl4pPr>
+            <a:lvl5pPr marL="1828800" indent="0">
+              <a:buNone/>
+              <a:defRPr sz="1400">
+                <a:solidFill>
+                  <a:schemeClr val="tx1">
+                    <a:tint val="75000"/>
+                  </a:schemeClr>
+                </a:solidFill>
+              </a:defRPr>
+            </a:lvl5pPr>
+            <a:lvl6pPr marL="2286000" indent="0">
+              <a:buNone/>
+              <a:defRPr sz="1400">
+                <a:solidFill>
+                  <a:schemeClr val="tx1">
+                    <a:tint val="75000"/>
+                  </a:schemeClr>
+                </a:solidFill>
+              </a:defRPr>
+            </a:lvl6pPr>
+            <a:lvl7pPr marL="2743200" indent="0">
+              <a:buNone/>
+              <a:defRPr sz="1400">
+                <a:solidFill>
+                  <a:schemeClr val="tx1">
+                    <a:tint val="75000"/>
+                  </a:schemeClr>
+                </a:solidFill>
+              </a:defRPr>
+            </a:lvl7pPr>
+            <a:lvl8pPr marL="3200400" indent="0">
+              <a:buNone/>
+              <a:defRPr sz="1400">
+                <a:solidFill>
+                  <a:schemeClr val="tx1">
+                    <a:tint val="75000"/>
+                  </a:schemeClr>
+                </a:solidFill>
+              </a:defRPr>
+            </a:lvl8pPr>
+            <a:lvl9pPr marL="3657600" indent="0">
+              <a:buNone/>
+              <a:defRPr sz="1400">
+                <a:solidFill>
+                  <a:schemeClr val="tx1">
+                    <a:tint val="75000"/>
+                  </a:schemeClr>
+                </a:solidFill>
+              </a:defRPr>
+            </a:lvl9pPr>
+          </a:lstStyle>
+          <a:p>
+            <a:pPr lvl="0"/>
+            <a:r>
+              <a:rPr lang="en-US"/>
+              <a:t>Edit Master text styles</a:t>
+            </a:r>
+          </a:p>
+        </p:txBody>
+      </p:sp>
+      <p:sp>
+        <p:nvSpPr>
+          <p:cNvPr id="3" name="Text Placeholder 2"/>
+          <p:cNvSpPr>
+            <a:spLocks noGrp="1"/>
+          </p:cNvSpPr>
+          <p:nvPr>
+            <p:ph type="body" idx="1"/>
+          </p:nvPr>
+        </p:nvSpPr>
+        <p:spPr>
+          <a:xfrm>
+            <a:off x="1295401" y="4529667"/>
+            <a:ext cx="9609668" cy="1346200"/>
+          </a:xfrm>
+        </p:spPr>
+        <p:txBody>
+          <a:bodyPr anchor="t">
+            <a:normAutofit/>
+          </a:bodyPr>
+          <a:lstStyle>
+            <a:lvl1pPr marL="0" indent="0" algn="l">
+              <a:buNone/>
+              <a:defRPr sz="1800">
+                <a:solidFill>
+                  <a:schemeClr val="tx1"/>
+                </a:solidFill>
+              </a:defRPr>
+            </a:lvl1pPr>
+            <a:lvl2pPr marL="457200" indent="0">
+              <a:buNone/>
+              <a:defRPr sz="1800">
+                <a:solidFill>
+                  <a:schemeClr val="tx1">
+                    <a:tint val="75000"/>
+                  </a:schemeClr>
+                </a:solidFill>
+              </a:defRPr>
+            </a:lvl2pPr>
+            <a:lvl3pPr marL="914400" indent="0">
+              <a:buNone/>
+              <a:defRPr sz="1600">
+                <a:solidFill>
+                  <a:schemeClr val="tx1">
+                    <a:tint val="75000"/>
+                  </a:schemeClr>
+                </a:solidFill>
+              </a:defRPr>
+            </a:lvl3pPr>
+            <a:lvl4pPr marL="1371600" indent="0">
+              <a:buNone/>
+              <a:defRPr sz="1400">
+                <a:solidFill>
+                  <a:schemeClr val="tx1">
+                    <a:tint val="75000"/>
+                  </a:schemeClr>
+                </a:solidFill>
+              </a:defRPr>
+            </a:lvl4pPr>
+            <a:lvl5pPr marL="1828800" indent="0">
+              <a:buNone/>
+              <a:defRPr sz="1400">
+                <a:solidFill>
+                  <a:schemeClr val="tx1">
+                    <a:tint val="75000"/>
+                  </a:schemeClr>
+                </a:solidFill>
+              </a:defRPr>
+            </a:lvl5pPr>
+            <a:lvl6pPr marL="2286000" indent="0">
+              <a:buNone/>
+              <a:defRPr sz="1400">
+                <a:solidFill>
+                  <a:schemeClr val="tx1">
+                    <a:tint val="75000"/>
+                  </a:schemeClr>
+                </a:solidFill>
+              </a:defRPr>
+            </a:lvl6pPr>
+            <a:lvl7pPr marL="2743200" indent="0">
+              <a:buNone/>
+              <a:defRPr sz="1400">
+                <a:solidFill>
+                  <a:schemeClr val="tx1">
+                    <a:tint val="75000"/>
+                  </a:schemeClr>
+                </a:solidFill>
+              </a:defRPr>
+            </a:lvl7pPr>
+            <a:lvl8pPr marL="3200400" indent="0">
+              <a:buNone/>
+              <a:defRPr sz="1400">
+                <a:solidFill>
+                  <a:schemeClr val="tx1">
+                    <a:tint val="75000"/>
+                  </a:schemeClr>
+                </a:solidFill>
+              </a:defRPr>
+            </a:lvl8pPr>
+            <a:lvl9pPr marL="3657600" indent="0">
+              <a:buNone/>
+              <a:defRPr sz="1400">
+                <a:solidFill>
+                  <a:schemeClr val="tx1">
+                    <a:tint val="75000"/>
+                  </a:schemeClr>
+                </a:solidFill>
+              </a:defRPr>
+            </a:lvl9pPr>
+          </a:lstStyle>
+          <a:p>
+            <a:pPr lvl="0"/>
+            <a:r>
+              <a:rPr lang="en-US"/>
+              <a:t>Edit Master text styles</a:t>
+            </a:r>
+          </a:p>
+        </p:txBody>
+      </p:sp>
+      <p:sp>
+        <p:nvSpPr>
+          <p:cNvPr id="4" name="Date Placeholder 3"/>
+          <p:cNvSpPr>
+            <a:spLocks noGrp="1"/>
+          </p:cNvSpPr>
+          <p:nvPr>
+            <p:ph type="dt" sz="half" idx="10"/>
+          </p:nvPr>
+        </p:nvSpPr>
+        <p:spPr/>
+        <p:txBody>
+          <a:bodyPr/>
+          <a:lstStyle/>
+          <a:p>
+            <a:fld id="{17238E1B-53C2-4454-A9E1-2A21AAF129EB}" type="datetime1">
+              <a:rPr lang="de-DE" smtClean="0"/>
+              <a:t>26.03.2024</a:t>
+            </a:fld>
+            <a:endParaRPr lang="en-US"/>
+          </a:p>
+        </p:txBody>
+      </p:sp>
+      <p:sp>
+        <p:nvSpPr>
+          <p:cNvPr id="5" name="Footer Placeholder 4"/>
+          <p:cNvSpPr>
+            <a:spLocks noGrp="1"/>
+          </p:cNvSpPr>
+          <p:nvPr>
+            <p:ph type="ftr" sz="quarter" idx="11"/>
+          </p:nvPr>
+        </p:nvSpPr>
+        <p:spPr/>
+        <p:txBody>
+          <a:bodyPr/>
+          <a:lstStyle/>
+          <a:p>
+            <a:endParaRPr lang="en-US"/>
+          </a:p>
+        </p:txBody>
+      </p:sp>
+      <p:sp>
+        <p:nvSpPr>
+          <p:cNvPr id="6" name="Slide Number Placeholder 5"/>
+          <p:cNvSpPr>
+            <a:spLocks noGrp="1"/>
+          </p:cNvSpPr>
+          <p:nvPr>
+            <p:ph type="sldNum" sz="quarter" idx="12"/>
+          </p:nvPr>
+        </p:nvSpPr>
+        <p:spPr/>
+        <p:txBody>
+          <a:bodyPr/>
+          <a:lstStyle/>
+          <a:p>
+            <a:fld id="{DDE4B26F-E58A-4C83-9619-68F81596DFD8}" type="slidenum">
+              <a:rPr lang="en-US" smtClean="0"/>
+              <a:t>‹#›</a:t>
+            </a:fld>
+            <a:endParaRPr lang="en-US"/>
+          </a:p>
+        </p:txBody>
+      </p:sp>
+      <p:sp>
+        <p:nvSpPr>
+          <p:cNvPr id="12" name="TextBox 11"/>
+          <p:cNvSpPr txBox="1"/>
+          <p:nvPr/>
+        </p:nvSpPr>
+        <p:spPr>
+          <a:xfrm>
+            <a:off x="862013" y="879961"/>
+            <a:ext cx="609600" cy="584776"/>
+          </a:xfrm>
+          <a:prstGeom prst="rect">
+            <a:avLst/>
+          </a:prstGeom>
+        </p:spPr>
+        <p:txBody>
+          <a:bodyPr vert="horz" lIns="91440" tIns="45720" rIns="91440" bIns="45720" rtlCol="0" anchor="ctr">
+            <a:noAutofit/>
+          </a:bodyPr>
+          <a:lstStyle/>
+          <a:p>
+            <a:pPr lvl="0"/>
+            <a:r>
+              <a:rPr lang="en-US" sz="8000" dirty="0">
+                <a:solidFill>
+                  <a:schemeClr val="tx1"/>
+                </a:solidFill>
+                <a:effectLst/>
+              </a:rPr>
+              <a:t>“</a:t>
+            </a:r>
+          </a:p>
+        </p:txBody>
+      </p:sp>
+      <p:sp>
+        <p:nvSpPr>
+          <p:cNvPr id="13" name="TextBox 12"/>
+          <p:cNvSpPr txBox="1"/>
+          <p:nvPr/>
+        </p:nvSpPr>
+        <p:spPr>
+          <a:xfrm>
+            <a:off x="10600267" y="2599261"/>
+            <a:ext cx="609600" cy="584776"/>
+          </a:xfrm>
+          <a:prstGeom prst="rect">
+            <a:avLst/>
+          </a:prstGeom>
+        </p:spPr>
+        <p:txBody>
+          <a:bodyPr vert="horz" lIns="91440" tIns="45720" rIns="91440" bIns="45720" rtlCol="0" anchor="ctr">
+            <a:noAutofit/>
+          </a:bodyPr>
+          <a:lstStyle/>
+          <a:p>
+            <a:pPr lvl="0" algn="r"/>
+            <a:r>
+              <a:rPr lang="en-US" sz="8000" dirty="0">
+                <a:solidFill>
+                  <a:schemeClr val="tx1"/>
+                </a:solidFill>
+                <a:effectLst/>
+              </a:rPr>
+              <a:t>”</a:t>
+            </a:r>
+          </a:p>
+        </p:txBody>
+      </p:sp>
+      <p:cxnSp>
+        <p:nvCxnSpPr>
+          <p:cNvPr id="26" name="Straight Connector 25"/>
+          <p:cNvCxnSpPr/>
+          <p:nvPr/>
+        </p:nvCxnSpPr>
+        <p:spPr>
+          <a:xfrm>
+            <a:off x="1396169" y="3429000"/>
+            <a:ext cx="9407298" cy="0"/>
+          </a:xfrm>
+          <a:prstGeom prst="line">
+            <a:avLst/>
+          </a:prstGeom>
+          <a:ln w="15875"/>
+        </p:spPr>
+        <p:style>
+          <a:lnRef idx="2">
+            <a:schemeClr val="accent1"/>
+          </a:lnRef>
+          <a:fillRef idx="0">
+            <a:schemeClr val="accent1"/>
+          </a:fillRef>
+          <a:effectRef idx="1">
+            <a:schemeClr val="accent1"/>
+          </a:effectRef>
+          <a:fontRef idx="minor">
+            <a:schemeClr val="tx1"/>
+          </a:fontRef>
+        </p:style>
+      </p:cxnSp>
+    </p:spTree>
+    <p:extLst>
+      <p:ext uri="{BB962C8B-B14F-4D97-AF65-F5344CB8AC3E}">
+        <p14:creationId xmlns:p14="http://schemas.microsoft.com/office/powerpoint/2010/main" val="3071679535"/>
+      </p:ext>
+    </p:extLst>
+  </p:cSld>
+  <p:clrMapOvr>
+    <a:masterClrMapping/>
+  </p:clrMapOvr>
+  <p:hf hdr="0" ftr="0"/>
+</p:sldLayout>
+</file>
+
+<file path=ppt/slideLayouts/slideLayout15.xml><?xml version="1.0" encoding="utf-8"?>
+<p:sldLayout xmlns:a="http://schemas.openxmlformats.org/drawingml/2006/main" xmlns:r="http://schemas.openxmlformats.org/officeDocument/2006/relationships" xmlns:p="http://schemas.openxmlformats.org/presentationml/2006/main" preserve="1">
+  <p:cSld name="True or False">
+    <p:spTree>
+      <p:nvGrpSpPr>
+        <p:cNvPr id="1" name=""/>
+        <p:cNvGrpSpPr/>
+        <p:nvPr/>
+      </p:nvGrpSpPr>
+      <p:grpSpPr>
+        <a:xfrm>
+          <a:off x="0" y="0"/>
+          <a:ext cx="0" cy="0"/>
+          <a:chOff x="0" y="0"/>
+          <a:chExt cx="0" cy="0"/>
+        </a:xfrm>
+      </p:grpSpPr>
+      <p:sp>
+        <p:nvSpPr>
+          <p:cNvPr id="2" name="Title 1"/>
+          <p:cNvSpPr>
+            <a:spLocks noGrp="1"/>
+          </p:cNvSpPr>
+          <p:nvPr>
+            <p:ph type="title"/>
+          </p:nvPr>
+        </p:nvSpPr>
+        <p:spPr>
+          <a:xfrm>
+            <a:off x="1295401" y="982132"/>
+            <a:ext cx="9609666" cy="2243668"/>
+          </a:xfrm>
+        </p:spPr>
+        <p:txBody>
+          <a:bodyPr vert="horz" lIns="91440" tIns="45720" rIns="91440" bIns="45720" rtlCol="0" anchor="ctr">
+            <a:normAutofit/>
+          </a:bodyPr>
+          <a:lstStyle>
+            <a:lvl1pPr>
+              <a:defRPr lang="en-US" b="0" dirty="0"/>
+            </a:lvl1pPr>
+          </a:lstStyle>
+          <a:p>
+            <a:pPr marL="0" lvl="0"/>
+            <a:r>
+              <a:rPr lang="en-US"/>
+              <a:t>Click to edit Master title style</a:t>
+            </a:r>
+            <a:endParaRPr lang="en-US" dirty="0"/>
+          </a:p>
+        </p:txBody>
+      </p:sp>
+      <p:sp>
+        <p:nvSpPr>
+          <p:cNvPr id="20" name="Text Placeholder 2"/>
+          <p:cNvSpPr>
+            <a:spLocks noGrp="1"/>
+          </p:cNvSpPr>
+          <p:nvPr>
+            <p:ph type="body" idx="13"/>
+          </p:nvPr>
+        </p:nvSpPr>
+        <p:spPr>
+          <a:xfrm>
+            <a:off x="1295401" y="3630168"/>
+            <a:ext cx="9609668" cy="841248"/>
+          </a:xfrm>
+        </p:spPr>
+        <p:txBody>
+          <a:bodyPr anchor="b">
+            <a:normAutofit/>
+          </a:bodyPr>
+          <a:lstStyle>
+            <a:lvl1pPr marL="0" indent="0" algn="l">
+              <a:spcBef>
+                <a:spcPts val="0"/>
+              </a:spcBef>
+              <a:buNone/>
+              <a:defRPr sz="2800">
+                <a:solidFill>
+                  <a:schemeClr val="tx1"/>
+                </a:solidFill>
+              </a:defRPr>
+            </a:lvl1pPr>
+            <a:lvl2pPr marL="457200" indent="0">
+              <a:buNone/>
+              <a:defRPr sz="1800">
+                <a:solidFill>
+                  <a:schemeClr val="tx1">
+                    <a:tint val="75000"/>
+                  </a:schemeClr>
+                </a:solidFill>
+              </a:defRPr>
+            </a:lvl2pPr>
+            <a:lvl3pPr marL="914400" indent="0">
+              <a:buNone/>
+              <a:defRPr sz="1600">
+                <a:solidFill>
+                  <a:schemeClr val="tx1">
+                    <a:tint val="75000"/>
+                  </a:schemeClr>
+                </a:solidFill>
+              </a:defRPr>
+            </a:lvl3pPr>
+            <a:lvl4pPr marL="1371600" indent="0">
+              <a:buNone/>
+              <a:defRPr sz="1400">
+                <a:solidFill>
+                  <a:schemeClr val="tx1">
+                    <a:tint val="75000"/>
+                  </a:schemeClr>
+                </a:solidFill>
+              </a:defRPr>
+            </a:lvl4pPr>
+            <a:lvl5pPr marL="1828800" indent="0">
+              <a:buNone/>
+              <a:defRPr sz="1400">
+                <a:solidFill>
+                  <a:schemeClr val="tx1">
+                    <a:tint val="75000"/>
+                  </a:schemeClr>
+                </a:solidFill>
+              </a:defRPr>
+            </a:lvl5pPr>
+            <a:lvl6pPr marL="2286000" indent="0">
+              <a:buNone/>
+              <a:defRPr sz="1400">
+                <a:solidFill>
+                  <a:schemeClr val="tx1">
+                    <a:tint val="75000"/>
+                  </a:schemeClr>
+                </a:solidFill>
+              </a:defRPr>
+            </a:lvl6pPr>
+            <a:lvl7pPr marL="2743200" indent="0">
+              <a:buNone/>
+              <a:defRPr sz="1400">
+                <a:solidFill>
+                  <a:schemeClr val="tx1">
+                    <a:tint val="75000"/>
+                  </a:schemeClr>
+                </a:solidFill>
+              </a:defRPr>
+            </a:lvl7pPr>
+            <a:lvl8pPr marL="3200400" indent="0">
+              <a:buNone/>
+              <a:defRPr sz="1400">
+                <a:solidFill>
+                  <a:schemeClr val="tx1">
+                    <a:tint val="75000"/>
+                  </a:schemeClr>
+                </a:solidFill>
+              </a:defRPr>
+            </a:lvl8pPr>
+            <a:lvl9pPr marL="3657600" indent="0">
+              <a:buNone/>
+              <a:defRPr sz="1400">
+                <a:solidFill>
+                  <a:schemeClr val="tx1">
+                    <a:tint val="75000"/>
+                  </a:schemeClr>
+                </a:solidFill>
+              </a:defRPr>
+            </a:lvl9pPr>
+          </a:lstStyle>
+          <a:p>
+            <a:pPr lvl="0"/>
+            <a:r>
+              <a:rPr lang="en-US"/>
+              <a:t>Edit Master text styles</a:t>
+            </a:r>
+          </a:p>
+        </p:txBody>
+      </p:sp>
+      <p:sp>
+        <p:nvSpPr>
+          <p:cNvPr id="3" name="Text Placeholder 2"/>
+          <p:cNvSpPr>
+            <a:spLocks noGrp="1"/>
+          </p:cNvSpPr>
+          <p:nvPr>
+            <p:ph type="body" idx="1"/>
+          </p:nvPr>
+        </p:nvSpPr>
+        <p:spPr>
+          <a:xfrm>
+            <a:off x="1295400" y="4470399"/>
+            <a:ext cx="9609670" cy="1405467"/>
+          </a:xfrm>
+        </p:spPr>
+        <p:txBody>
+          <a:bodyPr anchor="t">
+            <a:normAutofit/>
+          </a:bodyPr>
+          <a:lstStyle>
+            <a:lvl1pPr marL="0" indent="0" algn="l">
+              <a:buNone/>
+              <a:defRPr sz="1800">
+                <a:solidFill>
+                  <a:schemeClr val="tx1"/>
+                </a:solidFill>
+              </a:defRPr>
+            </a:lvl1pPr>
+            <a:lvl2pPr marL="457200" indent="0">
+              <a:buNone/>
+              <a:defRPr sz="1800">
+                <a:solidFill>
+                  <a:schemeClr val="tx1">
+                    <a:tint val="75000"/>
+                  </a:schemeClr>
+                </a:solidFill>
+              </a:defRPr>
+            </a:lvl2pPr>
+            <a:lvl3pPr marL="914400" indent="0">
+              <a:buNone/>
+              <a:defRPr sz="1600">
+                <a:solidFill>
+                  <a:schemeClr val="tx1">
+                    <a:tint val="75000"/>
+                  </a:schemeClr>
+                </a:solidFill>
+              </a:defRPr>
+            </a:lvl3pPr>
+            <a:lvl4pPr marL="1371600" indent="0">
+              <a:buNone/>
+              <a:defRPr sz="1400">
+                <a:solidFill>
+                  <a:schemeClr val="tx1">
+                    <a:tint val="75000"/>
+                  </a:schemeClr>
+                </a:solidFill>
+              </a:defRPr>
+            </a:lvl4pPr>
+            <a:lvl5pPr marL="1828800" indent="0">
+              <a:buNone/>
+              <a:defRPr sz="1400">
+                <a:solidFill>
+                  <a:schemeClr val="tx1">
+                    <a:tint val="75000"/>
+                  </a:schemeClr>
+                </a:solidFill>
+              </a:defRPr>
+            </a:lvl5pPr>
+            <a:lvl6pPr marL="2286000" indent="0">
+              <a:buNone/>
+              <a:defRPr sz="1400">
+                <a:solidFill>
+                  <a:schemeClr val="tx1">
+                    <a:tint val="75000"/>
+                  </a:schemeClr>
+                </a:solidFill>
+              </a:defRPr>
+            </a:lvl6pPr>
+            <a:lvl7pPr marL="2743200" indent="0">
+              <a:buNone/>
+              <a:defRPr sz="1400">
+                <a:solidFill>
+                  <a:schemeClr val="tx1">
+                    <a:tint val="75000"/>
+                  </a:schemeClr>
+                </a:solidFill>
+              </a:defRPr>
+            </a:lvl7pPr>
+            <a:lvl8pPr marL="3200400" indent="0">
+              <a:buNone/>
+              <a:defRPr sz="1400">
+                <a:solidFill>
+                  <a:schemeClr val="tx1">
+                    <a:tint val="75000"/>
+                  </a:schemeClr>
+                </a:solidFill>
+              </a:defRPr>
+            </a:lvl8pPr>
+            <a:lvl9pPr marL="3657600" indent="0">
+              <a:buNone/>
+              <a:defRPr sz="1400">
+                <a:solidFill>
+                  <a:schemeClr val="tx1">
+                    <a:tint val="75000"/>
+                  </a:schemeClr>
+                </a:solidFill>
+              </a:defRPr>
+            </a:lvl9pPr>
+          </a:lstStyle>
+          <a:p>
+            <a:pPr lvl="0"/>
+            <a:r>
+              <a:rPr lang="en-US"/>
+              <a:t>Edit Master text styles</a:t>
+            </a:r>
+          </a:p>
+        </p:txBody>
+      </p:sp>
+      <p:sp>
+        <p:nvSpPr>
+          <p:cNvPr id="4" name="Date Placeholder 3"/>
+          <p:cNvSpPr>
+            <a:spLocks noGrp="1"/>
+          </p:cNvSpPr>
+          <p:nvPr>
+            <p:ph type="dt" sz="half" idx="10"/>
+          </p:nvPr>
+        </p:nvSpPr>
+        <p:spPr/>
+        <p:txBody>
+          <a:bodyPr/>
+          <a:lstStyle/>
+          <a:p>
+            <a:fld id="{17238E1B-53C2-4454-A9E1-2A21AAF129EB}" type="datetime1">
+              <a:rPr lang="de-DE" smtClean="0"/>
+              <a:t>26.03.2024</a:t>
+            </a:fld>
+            <a:endParaRPr lang="en-US"/>
+          </a:p>
+        </p:txBody>
+      </p:sp>
+      <p:sp>
+        <p:nvSpPr>
+          <p:cNvPr id="5" name="Footer Placeholder 4"/>
+          <p:cNvSpPr>
+            <a:spLocks noGrp="1"/>
+          </p:cNvSpPr>
+          <p:nvPr>
+            <p:ph type="ftr" sz="quarter" idx="11"/>
+          </p:nvPr>
+        </p:nvSpPr>
+        <p:spPr/>
+        <p:txBody>
+          <a:bodyPr/>
+          <a:lstStyle/>
+          <a:p>
+            <a:endParaRPr lang="en-US"/>
+          </a:p>
+        </p:txBody>
+      </p:sp>
+      <p:sp>
+        <p:nvSpPr>
+          <p:cNvPr id="6" name="Slide Number Placeholder 5"/>
+          <p:cNvSpPr>
+            <a:spLocks noGrp="1"/>
+          </p:cNvSpPr>
+          <p:nvPr>
+            <p:ph type="sldNum" sz="quarter" idx="12"/>
+          </p:nvPr>
+        </p:nvSpPr>
+        <p:spPr/>
+        <p:txBody>
+          <a:bodyPr/>
+          <a:lstStyle/>
+          <a:p>
+            <a:fld id="{DDE4B26F-E58A-4C83-9619-68F81596DFD8}" type="slidenum">
+              <a:rPr lang="en-US" smtClean="0"/>
+              <a:t>‹#›</a:t>
+            </a:fld>
+            <a:endParaRPr lang="en-US"/>
+          </a:p>
+        </p:txBody>
+      </p:sp>
+      <p:cxnSp>
+        <p:nvCxnSpPr>
+          <p:cNvPr id="15" name="Straight Connector 14"/>
+          <p:cNvCxnSpPr/>
+          <p:nvPr/>
+        </p:nvCxnSpPr>
+        <p:spPr>
+          <a:xfrm>
+            <a:off x="1396169" y="3429000"/>
+            <a:ext cx="9407298" cy="0"/>
+          </a:xfrm>
+          <a:prstGeom prst="line">
+            <a:avLst/>
+          </a:prstGeom>
+          <a:ln w="15875"/>
+        </p:spPr>
+        <p:style>
+          <a:lnRef idx="2">
+            <a:schemeClr val="accent1"/>
+          </a:lnRef>
+          <a:fillRef idx="0">
+            <a:schemeClr val="accent1"/>
+          </a:fillRef>
+          <a:effectRef idx="1">
+            <a:schemeClr val="accent1"/>
+          </a:effectRef>
+          <a:fontRef idx="minor">
+            <a:schemeClr val="tx1"/>
+          </a:fontRef>
+        </p:style>
+      </p:cxnSp>
+    </p:spTree>
+    <p:extLst>
+      <p:ext uri="{BB962C8B-B14F-4D97-AF65-F5344CB8AC3E}">
+        <p14:creationId xmlns:p14="http://schemas.microsoft.com/office/powerpoint/2010/main" val="4158972838"/>
+      </p:ext>
+    </p:extLst>
+  </p:cSld>
+  <p:clrMapOvr>
+    <a:masterClrMapping/>
+  </p:clrMapOvr>
+  <p:hf hdr="0" ftr="0"/>
+</p:sldLayout>
+</file>
+
+<file path=ppt/slideLayouts/slideLayout16.xml><?xml version="1.0" encoding="utf-8"?>
+<p:sldLayout xmlns:a="http://schemas.openxmlformats.org/drawingml/2006/main" xmlns:r="http://schemas.openxmlformats.org/officeDocument/2006/relationships" xmlns:p="http://schemas.openxmlformats.org/presentationml/2006/main" type="vertTx" preserve="1">
+  <p:cSld name="Title and Vertical Text">
+    <p:spTree>
+      <p:nvGrpSpPr>
+        <p:cNvPr id="1" name=""/>
+        <p:cNvGrpSpPr/>
+        <p:nvPr/>
+      </p:nvGrpSpPr>
+      <p:grpSpPr>
+        <a:xfrm>
+          <a:off x="0" y="0"/>
+          <a:ext cx="0" cy="0"/>
+          <a:chOff x="0" y="0"/>
+          <a:chExt cx="0" cy="0"/>
+        </a:xfrm>
+      </p:grpSpPr>
+      <p:sp>
+        <p:nvSpPr>
+          <p:cNvPr id="2" name="Title 1"/>
+          <p:cNvSpPr>
+            <a:spLocks noGrp="1"/>
+          </p:cNvSpPr>
+          <p:nvPr>
+            <p:ph type="title"/>
+          </p:nvPr>
+        </p:nvSpPr>
+        <p:spPr/>
+        <p:txBody>
+          <a:bodyPr/>
+          <a:lstStyle>
+            <a:lvl1pPr algn="ctr">
+              <a:defRPr/>
+            </a:lvl1pPr>
+          </a:lstStyle>
+          <a:p>
+            <a:r>
+              <a:rPr lang="en-US"/>
+              <a:t>Click to edit Master title style</a:t>
+            </a:r>
+            <a:endParaRPr lang="en-US" dirty="0"/>
+          </a:p>
+        </p:txBody>
+      </p:sp>
+      <p:sp>
+        <p:nvSpPr>
+          <p:cNvPr id="3" name="Vertical Text Placeholder 2"/>
+          <p:cNvSpPr>
+            <a:spLocks noGrp="1"/>
+          </p:cNvSpPr>
+          <p:nvPr>
+            <p:ph type="body" orient="vert" idx="1"/>
+          </p:nvPr>
+        </p:nvSpPr>
+        <p:spPr/>
+        <p:txBody>
+          <a:bodyPr vert="eaVert" anchor="t"/>
+          <a:lstStyle/>
+          <a:p>
+            <a:pPr lvl="0"/>
+            <a:r>
+              <a:rPr lang="en-US"/>
+              <a:t>Edit Master text styles</a:t>
+            </a:r>
+          </a:p>
+          <a:p>
+            <a:pPr lvl="1"/>
+            <a:r>
+              <a:rPr lang="en-US"/>
+              <a:t>Second level</a:t>
+            </a:r>
+          </a:p>
+          <a:p>
+            <a:pPr lvl="2"/>
+            <a:r>
+              <a:rPr lang="en-US"/>
+              <a:t>Third level</a:t>
+            </a:r>
+          </a:p>
+          <a:p>
+            <a:pPr lvl="3"/>
+            <a:r>
+              <a:rPr lang="en-US"/>
+              <a:t>Fourth level</a:t>
+            </a:r>
+          </a:p>
+          <a:p>
+            <a:pPr lvl="4"/>
+            <a:r>
+              <a:rPr lang="en-US"/>
+              <a:t>Fifth level</a:t>
+            </a:r>
+            <a:endParaRPr lang="en-US" dirty="0"/>
+          </a:p>
+        </p:txBody>
+      </p:sp>
+      <p:sp>
+        <p:nvSpPr>
+          <p:cNvPr id="4" name="Date Placeholder 3"/>
+          <p:cNvSpPr>
+            <a:spLocks noGrp="1"/>
+          </p:cNvSpPr>
+          <p:nvPr>
+            <p:ph type="dt" sz="half" idx="10"/>
+          </p:nvPr>
+        </p:nvSpPr>
+        <p:spPr/>
+        <p:txBody>
+          <a:bodyPr/>
+          <a:lstStyle/>
+          <a:p>
+            <a:fld id="{D6F43DCC-D1A6-4C4E-93A6-2648B6E26C6C}" type="datetime1">
+              <a:rPr lang="de-DE" smtClean="0"/>
+              <a:t>26.03.2024</a:t>
+            </a:fld>
+            <a:endParaRPr lang="en-US"/>
+          </a:p>
+        </p:txBody>
+      </p:sp>
+      <p:sp>
+        <p:nvSpPr>
+          <p:cNvPr id="5" name="Footer Placeholder 4"/>
+          <p:cNvSpPr>
+            <a:spLocks noGrp="1"/>
+          </p:cNvSpPr>
+          <p:nvPr>
+            <p:ph type="ftr" sz="quarter" idx="11"/>
+          </p:nvPr>
+        </p:nvSpPr>
+        <p:spPr/>
+        <p:txBody>
+          <a:bodyPr/>
+          <a:lstStyle/>
+          <a:p>
+            <a:endParaRPr lang="en-US"/>
+          </a:p>
+        </p:txBody>
+      </p:sp>
+      <p:sp>
+        <p:nvSpPr>
+          <p:cNvPr id="6" name="Slide Number Placeholder 5"/>
+          <p:cNvSpPr>
+            <a:spLocks noGrp="1"/>
+          </p:cNvSpPr>
+          <p:nvPr>
+            <p:ph type="sldNum" sz="quarter" idx="12"/>
+          </p:nvPr>
+        </p:nvSpPr>
+        <p:spPr/>
+        <p:txBody>
+          <a:bodyPr/>
+          <a:lstStyle/>
+          <a:p>
+            <a:fld id="{DDE4B26F-E58A-4C83-9619-68F81596DFD8}" type="slidenum">
+              <a:rPr lang="en-US" smtClean="0"/>
+              <a:t>‹#›</a:t>
+            </a:fld>
+            <a:endParaRPr lang="en-US"/>
+          </a:p>
+        </p:txBody>
+      </p:sp>
+      <p:cxnSp>
+        <p:nvCxnSpPr>
+          <p:cNvPr id="14" name="Straight Connector 13"/>
+          <p:cNvCxnSpPr/>
+          <p:nvPr/>
+        </p:nvCxnSpPr>
+        <p:spPr>
+          <a:xfrm>
+            <a:off x="1396169" y="2421466"/>
+            <a:ext cx="9407298" cy="0"/>
+          </a:xfrm>
+          <a:prstGeom prst="line">
+            <a:avLst/>
+          </a:prstGeom>
+          <a:ln w="15875"/>
+        </p:spPr>
+        <p:style>
+          <a:lnRef idx="2">
+            <a:schemeClr val="accent1"/>
+          </a:lnRef>
+          <a:fillRef idx="0">
+            <a:schemeClr val="accent1"/>
+          </a:fillRef>
+          <a:effectRef idx="1">
+            <a:schemeClr val="accent1"/>
+          </a:effectRef>
+          <a:fontRef idx="minor">
+            <a:schemeClr val="tx1"/>
+          </a:fontRef>
+        </p:style>
+      </p:cxnSp>
+    </p:spTree>
+    <p:extLst>
+      <p:ext uri="{BB962C8B-B14F-4D97-AF65-F5344CB8AC3E}">
+        <p14:creationId xmlns:p14="http://schemas.microsoft.com/office/powerpoint/2010/main" val="1320124895"/>
+      </p:ext>
+    </p:extLst>
+  </p:cSld>
+  <p:clrMapOvr>
+    <a:masterClrMapping/>
+  </p:clrMapOvr>
+</p:sldLayout>
+</file>
+
+<file path=ppt/slideLayouts/slideLayout17.xml><?xml version="1.0" encoding="utf-8"?>
 <p:sldLayout xmlns:a="http://schemas.openxmlformats.org/drawingml/2006/main" xmlns:r="http://schemas.openxmlformats.org/officeDocument/2006/relationships" xmlns:p="http://schemas.openxmlformats.org/presentationml/2006/main" type="vertTitleAndTx" preserve="1">
   <p:cSld name="Vertical Title and Text">
     <p:spTree>
@@ -792,13 +3272,7 @@
       </p:grpSpPr>
       <p:sp>
         <p:nvSpPr>
-          <p:cNvPr id="2" name="Vertical Title 1">
-            <a:extLst>
-              <a:ext uri="{FF2B5EF4-FFF2-40B4-BE49-F238E27FC236}">
-                <a16:creationId xmlns:a16="http://schemas.microsoft.com/office/drawing/2014/main" id="{8031C2D4-EBE2-0267-79FA-7594D699222C}"/>
-              </a:ext>
-            </a:extLst>
-          </p:cNvPr>
+          <p:cNvPr id="2" name="Vertical Title 1"/>
           <p:cNvSpPr>
             <a:spLocks noGrp="1"/>
           </p:cNvSpPr>
@@ -808,8 +3282,8 @@
         </p:nvSpPr>
         <p:spPr>
           <a:xfrm>
-            <a:off x="8724900" y="365125"/>
-            <a:ext cx="2628900" cy="5811838"/>
+            <a:off x="8999356" y="982131"/>
+            <a:ext cx="1890895" cy="4893735"/>
           </a:xfrm>
         </p:spPr>
         <p:txBody>
@@ -820,18 +3294,13 @@
               <a:rPr lang="en-US"/>
               <a:t>Click to edit Master title style</a:t>
             </a:r>
-          </a:p>
-        </p:txBody>
-      </p:sp>
-      <p:sp>
-        <p:nvSpPr>
-          <p:cNvPr id="3" name="Vertical Text Placeholder 2">
-            <a:extLst>
-              <a:ext uri="{FF2B5EF4-FFF2-40B4-BE49-F238E27FC236}">
-                <a16:creationId xmlns:a16="http://schemas.microsoft.com/office/drawing/2014/main" id="{9B40EABB-2B28-3194-A07C-422A77EB7AE0}"/>
-              </a:ext>
-            </a:extLst>
-          </p:cNvPr>
+            <a:endParaRPr lang="en-US" dirty="0"/>
+          </a:p>
+        </p:txBody>
+      </p:sp>
+      <p:sp>
+        <p:nvSpPr>
+          <p:cNvPr id="3" name="Vertical Text Placeholder 2"/>
           <p:cNvSpPr>
             <a:spLocks noGrp="1"/>
           </p:cNvSpPr>
@@ -841,18 +3310,18 @@
         </p:nvSpPr>
         <p:spPr>
           <a:xfrm>
-            <a:off x="838200" y="365125"/>
-            <a:ext cx="7734300" cy="5811838"/>
+            <a:off x="1295398" y="982132"/>
+            <a:ext cx="7433025" cy="4893734"/>
           </a:xfrm>
         </p:spPr>
         <p:txBody>
-          <a:bodyPr vert="eaVert"/>
+          <a:bodyPr vert="eaVert" anchor="t"/>
           <a:lstStyle/>
           <a:p>
             <a:pPr lvl="0"/>
             <a:r>
               <a:rPr lang="en-US"/>
-              <a:t>Click to edit Master text styles</a:t>
+              <a:t>Edit Master text styles</a:t>
             </a:r>
           </a:p>
           <a:p>
@@ -882,18 +3351,13 @@
               <a:rPr lang="en-US"/>
               <a:t>Fifth level</a:t>
             </a:r>
-          </a:p>
-        </p:txBody>
-      </p:sp>
-      <p:sp>
-        <p:nvSpPr>
-          <p:cNvPr id="4" name="Date Placeholder 3">
-            <a:extLst>
-              <a:ext uri="{FF2B5EF4-FFF2-40B4-BE49-F238E27FC236}">
-                <a16:creationId xmlns:a16="http://schemas.microsoft.com/office/drawing/2014/main" id="{5E9FB297-3395-E41C-F9E1-0B0F769094D4}"/>
-              </a:ext>
-            </a:extLst>
-          </p:cNvPr>
+            <a:endParaRPr lang="en-US" dirty="0"/>
+          </a:p>
+        </p:txBody>
+      </p:sp>
+      <p:sp>
+        <p:nvSpPr>
+          <p:cNvPr id="4" name="Date Placeholder 3"/>
           <p:cNvSpPr>
             <a:spLocks noGrp="1"/>
           </p:cNvSpPr>
@@ -908,7 +3372,7 @@
           <a:p>
             <a:fld id="{E8776AC1-21BA-4742-907D-CF3A5A7F771C}" type="datetime1">
               <a:rPr lang="de-DE" smtClean="0"/>
-              <a:t>25.03.2024</a:t>
+              <a:t>26.03.2024</a:t>
             </a:fld>
             <a:endParaRPr lang="en-US"/>
           </a:p>
@@ -916,13 +3380,7 @@
       </p:sp>
       <p:sp>
         <p:nvSpPr>
-          <p:cNvPr id="5" name="Footer Placeholder 4">
-            <a:extLst>
-              <a:ext uri="{FF2B5EF4-FFF2-40B4-BE49-F238E27FC236}">
-                <a16:creationId xmlns:a16="http://schemas.microsoft.com/office/drawing/2014/main" id="{D055C818-A754-71CB-5D66-652C67ED7966}"/>
-              </a:ext>
-            </a:extLst>
-          </p:cNvPr>
+          <p:cNvPr id="5" name="Footer Placeholder 4"/>
           <p:cNvSpPr>
             <a:spLocks noGrp="1"/>
           </p:cNvSpPr>
@@ -941,13 +3399,7 @@
       </p:sp>
       <p:sp>
         <p:nvSpPr>
-          <p:cNvPr id="6" name="Slide Number Placeholder 5">
-            <a:extLst>
-              <a:ext uri="{FF2B5EF4-FFF2-40B4-BE49-F238E27FC236}">
-                <a16:creationId xmlns:a16="http://schemas.microsoft.com/office/drawing/2014/main" id="{678FE4A3-44BB-61EB-763A-40039B66D8DD}"/>
-              </a:ext>
-            </a:extLst>
-          </p:cNvPr>
+          <p:cNvPr id="6" name="Slide Number Placeholder 5"/>
           <p:cNvSpPr>
             <a:spLocks noGrp="1"/>
           </p:cNvSpPr>
@@ -968,10 +3420,41 @@
           </a:p>
         </p:txBody>
       </p:sp>
+      <p:cxnSp>
+        <p:nvCxnSpPr>
+          <p:cNvPr id="14" name="Straight Connector 13"/>
+          <p:cNvCxnSpPr/>
+          <p:nvPr/>
+        </p:nvCxnSpPr>
+        <p:spPr>
+          <a:xfrm>
+            <a:off x="8863890" y="990600"/>
+            <a:ext cx="0" cy="4876800"/>
+          </a:xfrm>
+          <a:prstGeom prst="line">
+            <a:avLst/>
+          </a:prstGeom>
+          <a:ln w="15875"/>
+        </p:spPr>
+        <p:style>
+          <a:lnRef idx="2">
+            <a:schemeClr val="accent1"/>
+          </a:lnRef>
+          <a:fillRef idx="0">
+            <a:schemeClr val="accent1"/>
+          </a:fillRef>
+          <a:effectRef idx="1">
+            <a:schemeClr val="accent1"/>
+          </a:effectRef>
+          <a:fontRef idx="minor">
+            <a:schemeClr val="tx1"/>
+          </a:fontRef>
+        </p:style>
+      </p:cxnSp>
     </p:spTree>
     <p:extLst>
       <p:ext uri="{BB962C8B-B14F-4D97-AF65-F5344CB8AC3E}">
-        <p14:creationId xmlns:p14="http://schemas.microsoft.com/office/powerpoint/2010/main" val="3056564413"/>
+        <p14:creationId xmlns:p14="http://schemas.microsoft.com/office/powerpoint/2010/main" val="1054217025"/>
       </p:ext>
     </p:extLst>
   </p:cSld>
@@ -998,15 +3481,40 @@
           <a:chExt cx="0" cy="0"/>
         </a:xfrm>
       </p:grpSpPr>
-      <p:sp>
-        <p:nvSpPr>
-          <p:cNvPr id="2" name="Title 1">
-            <a:extLst>
-              <a:ext uri="{FF2B5EF4-FFF2-40B4-BE49-F238E27FC236}">
-                <a16:creationId xmlns:a16="http://schemas.microsoft.com/office/drawing/2014/main" id="{2E57BEA3-EB16-FEBB-0ADA-F864CE146AE8}"/>
-              </a:ext>
-            </a:extLst>
-          </p:cNvPr>
+      <p:cxnSp>
+        <p:nvCxnSpPr>
+          <p:cNvPr id="7" name="Straight Connector 6"/>
+          <p:cNvCxnSpPr/>
+          <p:nvPr/>
+        </p:nvCxnSpPr>
+        <p:spPr>
+          <a:xfrm>
+            <a:off x="1396169" y="2421466"/>
+            <a:ext cx="9407298" cy="0"/>
+          </a:xfrm>
+          <a:prstGeom prst="line">
+            <a:avLst/>
+          </a:prstGeom>
+          <a:ln w="15875"/>
+        </p:spPr>
+        <p:style>
+          <a:lnRef idx="2">
+            <a:schemeClr val="accent1"/>
+          </a:lnRef>
+          <a:fillRef idx="0">
+            <a:schemeClr val="accent1"/>
+          </a:fillRef>
+          <a:effectRef idx="1">
+            <a:schemeClr val="accent1"/>
+          </a:effectRef>
+          <a:fontRef idx="minor">
+            <a:schemeClr val="tx1"/>
+          </a:fontRef>
+        </p:style>
+      </p:cxnSp>
+      <p:sp>
+        <p:nvSpPr>
+          <p:cNvPr id="2" name="Title 1"/>
           <p:cNvSpPr>
             <a:spLocks noGrp="1"/>
           </p:cNvSpPr>
@@ -1023,18 +3531,13 @@
               <a:rPr lang="en-US"/>
               <a:t>Click to edit Master title style</a:t>
             </a:r>
-          </a:p>
-        </p:txBody>
-      </p:sp>
-      <p:sp>
-        <p:nvSpPr>
-          <p:cNvPr id="3" name="Content Placeholder 2">
-            <a:extLst>
-              <a:ext uri="{FF2B5EF4-FFF2-40B4-BE49-F238E27FC236}">
-                <a16:creationId xmlns:a16="http://schemas.microsoft.com/office/drawing/2014/main" id="{0AE7A4C8-8F4B-4993-7747-FAEB2D78CD8D}"/>
-              </a:ext>
-            </a:extLst>
-          </p:cNvPr>
+            <a:endParaRPr lang="en-US" dirty="0"/>
+          </a:p>
+        </p:txBody>
+      </p:sp>
+      <p:sp>
+        <p:nvSpPr>
+          <p:cNvPr id="3" name="Content Placeholder 2"/>
           <p:cNvSpPr>
             <a:spLocks noGrp="1"/>
           </p:cNvSpPr>
@@ -1050,7 +3553,7 @@
             <a:pPr lvl="0"/>
             <a:r>
               <a:rPr lang="en-US"/>
-              <a:t>Click to edit Master text styles</a:t>
+              <a:t>Edit Master text styles</a:t>
             </a:r>
           </a:p>
           <a:p>
@@ -1080,18 +3583,13 @@
               <a:rPr lang="en-US"/>
               <a:t>Fifth level</a:t>
             </a:r>
-          </a:p>
-        </p:txBody>
-      </p:sp>
-      <p:sp>
-        <p:nvSpPr>
-          <p:cNvPr id="4" name="Date Placeholder 3">
-            <a:extLst>
-              <a:ext uri="{FF2B5EF4-FFF2-40B4-BE49-F238E27FC236}">
-                <a16:creationId xmlns:a16="http://schemas.microsoft.com/office/drawing/2014/main" id="{83EAFD67-709B-EBB3-2189-D44BAB1E807F}"/>
-              </a:ext>
-            </a:extLst>
-          </p:cNvPr>
+            <a:endParaRPr lang="en-US" dirty="0"/>
+          </a:p>
+        </p:txBody>
+      </p:sp>
+      <p:sp>
+        <p:nvSpPr>
+          <p:cNvPr id="4" name="Date Placeholder 3"/>
           <p:cNvSpPr>
             <a:spLocks noGrp="1"/>
           </p:cNvSpPr>
@@ -1106,7 +3604,7 @@
           <a:p>
             <a:fld id="{89E62C9B-B452-4322-936F-91A12848BB5E}" type="datetime1">
               <a:rPr lang="de-DE" smtClean="0"/>
-              <a:t>25.03.2024</a:t>
+              <a:t>26.03.2024</a:t>
             </a:fld>
             <a:endParaRPr lang="en-US"/>
           </a:p>
@@ -1114,13 +3612,7 @@
       </p:sp>
       <p:sp>
         <p:nvSpPr>
-          <p:cNvPr id="5" name="Footer Placeholder 4">
-            <a:extLst>
-              <a:ext uri="{FF2B5EF4-FFF2-40B4-BE49-F238E27FC236}">
-                <a16:creationId xmlns:a16="http://schemas.microsoft.com/office/drawing/2014/main" id="{0CA369C4-D218-D992-E87B-547AA8C309D4}"/>
-              </a:ext>
-            </a:extLst>
-          </p:cNvPr>
+          <p:cNvPr id="5" name="Footer Placeholder 4"/>
           <p:cNvSpPr>
             <a:spLocks noGrp="1"/>
           </p:cNvSpPr>
@@ -1139,13 +3631,7 @@
       </p:sp>
       <p:sp>
         <p:nvSpPr>
-          <p:cNvPr id="6" name="Slide Number Placeholder 5">
-            <a:extLst>
-              <a:ext uri="{FF2B5EF4-FFF2-40B4-BE49-F238E27FC236}">
-                <a16:creationId xmlns:a16="http://schemas.microsoft.com/office/drawing/2014/main" id="{1DC9A1E6-E8A7-1872-37A5-63152AA26575}"/>
-              </a:ext>
-            </a:extLst>
-          </p:cNvPr>
+          <p:cNvPr id="6" name="Slide Number Placeholder 5"/>
           <p:cNvSpPr>
             <a:spLocks noGrp="1"/>
           </p:cNvSpPr>
@@ -1169,7 +3655,7 @@
     </p:spTree>
     <p:extLst>
       <p:ext uri="{BB962C8B-B14F-4D97-AF65-F5344CB8AC3E}">
-        <p14:creationId xmlns:p14="http://schemas.microsoft.com/office/powerpoint/2010/main" val="1184188672"/>
+        <p14:creationId xmlns:p14="http://schemas.microsoft.com/office/powerpoint/2010/main" val="174468114"/>
       </p:ext>
     </p:extLst>
   </p:cSld>
@@ -1198,13 +3684,7 @@
       </p:grpSpPr>
       <p:sp>
         <p:nvSpPr>
-          <p:cNvPr id="2" name="Title 1">
-            <a:extLst>
-              <a:ext uri="{FF2B5EF4-FFF2-40B4-BE49-F238E27FC236}">
-                <a16:creationId xmlns:a16="http://schemas.microsoft.com/office/drawing/2014/main" id="{35C06B60-2705-9651-2BF9-6F50DB61034F}"/>
-              </a:ext>
-            </a:extLst>
-          </p:cNvPr>
+          <p:cNvPr id="2" name="Title 1"/>
           <p:cNvSpPr>
             <a:spLocks noGrp="1"/>
           </p:cNvSpPr>
@@ -1214,15 +3694,17 @@
         </p:nvSpPr>
         <p:spPr>
           <a:xfrm>
-            <a:off x="831850" y="1709738"/>
-            <a:ext cx="10515600" cy="2852737"/>
+            <a:off x="2015069" y="1752606"/>
+            <a:ext cx="8158688" cy="1822514"/>
           </a:xfrm>
         </p:spPr>
         <p:txBody>
-          <a:bodyPr anchor="b"/>
+          <a:bodyPr anchor="b">
+            <a:normAutofit/>
+          </a:bodyPr>
           <a:lstStyle>
-            <a:lvl1pPr>
-              <a:defRPr sz="6000"/>
+            <a:lvl1pPr algn="ctr">
+              <a:defRPr sz="4400" b="0" cap="none"/>
             </a:lvl1pPr>
           </a:lstStyle>
           <a:p>
@@ -1230,18 +3712,13 @@
               <a:rPr lang="en-US"/>
               <a:t>Click to edit Master title style</a:t>
             </a:r>
-          </a:p>
-        </p:txBody>
-      </p:sp>
-      <p:sp>
-        <p:nvSpPr>
-          <p:cNvPr id="3" name="Text Placeholder 2">
-            <a:extLst>
-              <a:ext uri="{FF2B5EF4-FFF2-40B4-BE49-F238E27FC236}">
-                <a16:creationId xmlns:a16="http://schemas.microsoft.com/office/drawing/2014/main" id="{105A8B44-F467-2AC7-10EB-4B1572534AA9}"/>
-              </a:ext>
-            </a:extLst>
-          </p:cNvPr>
+            <a:endParaRPr lang="en-US" dirty="0"/>
+          </a:p>
+        </p:txBody>
+      </p:sp>
+      <p:sp>
+        <p:nvSpPr>
+          <p:cNvPr id="3" name="Text Placeholder 2"/>
           <p:cNvSpPr>
             <a:spLocks noGrp="1"/>
           </p:cNvSpPr>
@@ -1251,122 +3728,116 @@
         </p:nvSpPr>
         <p:spPr>
           <a:xfrm>
-            <a:off x="831850" y="4589463"/>
-            <a:ext cx="10515600" cy="1500187"/>
+            <a:off x="2015067" y="3846051"/>
+            <a:ext cx="8158690" cy="954547"/>
           </a:xfrm>
         </p:spPr>
         <p:txBody>
-          <a:bodyPr/>
+          <a:bodyPr anchor="t">
+            <a:normAutofit/>
+          </a:bodyPr>
           <a:lstStyle>
-            <a:lvl1pPr marL="0" indent="0">
+            <a:lvl1pPr marL="0" indent="0" algn="ctr">
               <a:buNone/>
               <a:defRPr sz="2400">
+                <a:solidFill>
+                  <a:schemeClr val="tx1"/>
+                </a:solidFill>
+              </a:defRPr>
+            </a:lvl1pPr>
+            <a:lvl2pPr marL="457200" indent="0">
+              <a:buNone/>
+              <a:defRPr sz="1800">
                 <a:solidFill>
                   <a:schemeClr val="tx1">
                     <a:tint val="75000"/>
                   </a:schemeClr>
                 </a:solidFill>
               </a:defRPr>
-            </a:lvl1pPr>
-            <a:lvl2pPr marL="457200" indent="0">
-              <a:buNone/>
-              <a:defRPr sz="2000">
+            </a:lvl2pPr>
+            <a:lvl3pPr marL="914400" indent="0">
+              <a:buNone/>
+              <a:defRPr sz="1600">
                 <a:solidFill>
                   <a:schemeClr val="tx1">
                     <a:tint val="75000"/>
                   </a:schemeClr>
                 </a:solidFill>
               </a:defRPr>
-            </a:lvl2pPr>
-            <a:lvl3pPr marL="914400" indent="0">
-              <a:buNone/>
-              <a:defRPr sz="1800">
+            </a:lvl3pPr>
+            <a:lvl4pPr marL="1371600" indent="0">
+              <a:buNone/>
+              <a:defRPr sz="1400">
                 <a:solidFill>
                   <a:schemeClr val="tx1">
                     <a:tint val="75000"/>
                   </a:schemeClr>
                 </a:solidFill>
               </a:defRPr>
-            </a:lvl3pPr>
-            <a:lvl4pPr marL="1371600" indent="0">
-              <a:buNone/>
-              <a:defRPr sz="1600">
+            </a:lvl4pPr>
+            <a:lvl5pPr marL="1828800" indent="0">
+              <a:buNone/>
+              <a:defRPr sz="1400">
                 <a:solidFill>
                   <a:schemeClr val="tx1">
                     <a:tint val="75000"/>
                   </a:schemeClr>
                 </a:solidFill>
               </a:defRPr>
-            </a:lvl4pPr>
-            <a:lvl5pPr marL="1828800" indent="0">
-              <a:buNone/>
-              <a:defRPr sz="1600">
+            </a:lvl5pPr>
+            <a:lvl6pPr marL="2286000" indent="0">
+              <a:buNone/>
+              <a:defRPr sz="1400">
                 <a:solidFill>
                   <a:schemeClr val="tx1">
                     <a:tint val="75000"/>
                   </a:schemeClr>
                 </a:solidFill>
               </a:defRPr>
-            </a:lvl5pPr>
-            <a:lvl6pPr marL="2286000" indent="0">
-              <a:buNone/>
-              <a:defRPr sz="1600">
+            </a:lvl6pPr>
+            <a:lvl7pPr marL="2743200" indent="0">
+              <a:buNone/>
+              <a:defRPr sz="1400">
                 <a:solidFill>
                   <a:schemeClr val="tx1">
                     <a:tint val="75000"/>
                   </a:schemeClr>
                 </a:solidFill>
               </a:defRPr>
-            </a:lvl6pPr>
-            <a:lvl7pPr marL="2743200" indent="0">
-              <a:buNone/>
-              <a:defRPr sz="1600">
+            </a:lvl7pPr>
+            <a:lvl8pPr marL="3200400" indent="0">
+              <a:buNone/>
+              <a:defRPr sz="1400">
                 <a:solidFill>
                   <a:schemeClr val="tx1">
                     <a:tint val="75000"/>
                   </a:schemeClr>
                 </a:solidFill>
               </a:defRPr>
-            </a:lvl7pPr>
-            <a:lvl8pPr marL="3200400" indent="0">
-              <a:buNone/>
-              <a:defRPr sz="1600">
+            </a:lvl8pPr>
+            <a:lvl9pPr marL="3657600" indent="0">
+              <a:buNone/>
+              <a:defRPr sz="1400">
                 <a:solidFill>
                   <a:schemeClr val="tx1">
                     <a:tint val="75000"/>
                   </a:schemeClr>
                 </a:solidFill>
               </a:defRPr>
-            </a:lvl8pPr>
-            <a:lvl9pPr marL="3657600" indent="0">
-              <a:buNone/>
-              <a:defRPr sz="1600">
-                <a:solidFill>
-                  <a:schemeClr val="tx1">
-                    <a:tint val="75000"/>
-                  </a:schemeClr>
-                </a:solidFill>
-              </a:defRPr>
             </a:lvl9pPr>
           </a:lstStyle>
           <a:p>
             <a:pPr lvl="0"/>
             <a:r>
               <a:rPr lang="en-US"/>
-              <a:t>Click to edit Master text styles</a:t>
-            </a:r>
-          </a:p>
-        </p:txBody>
-      </p:sp>
-      <p:sp>
-        <p:nvSpPr>
-          <p:cNvPr id="4" name="Date Placeholder 3">
-            <a:extLst>
-              <a:ext uri="{FF2B5EF4-FFF2-40B4-BE49-F238E27FC236}">
-                <a16:creationId xmlns:a16="http://schemas.microsoft.com/office/drawing/2014/main" id="{4BB126F1-CD5D-7013-0648-132EE86E3AD1}"/>
-              </a:ext>
-            </a:extLst>
-          </p:cNvPr>
+              <a:t>Edit Master text styles</a:t>
+            </a:r>
+          </a:p>
+        </p:txBody>
+      </p:sp>
+      <p:sp>
+        <p:nvSpPr>
+          <p:cNvPr id="4" name="Date Placeholder 3"/>
           <p:cNvSpPr>
             <a:spLocks noGrp="1"/>
           </p:cNvSpPr>
@@ -1381,7 +3852,7 @@
           <a:p>
             <a:fld id="{5961E691-AD5D-46F6-9361-588612D53B7A}" type="datetime1">
               <a:rPr lang="de-DE" smtClean="0"/>
-              <a:t>25.03.2024</a:t>
+              <a:t>26.03.2024</a:t>
             </a:fld>
             <a:endParaRPr lang="en-US"/>
           </a:p>
@@ -1389,13 +3860,7 @@
       </p:sp>
       <p:sp>
         <p:nvSpPr>
-          <p:cNvPr id="5" name="Footer Placeholder 4">
-            <a:extLst>
-              <a:ext uri="{FF2B5EF4-FFF2-40B4-BE49-F238E27FC236}">
-                <a16:creationId xmlns:a16="http://schemas.microsoft.com/office/drawing/2014/main" id="{3F9F7D00-A96A-348B-E948-4FB28E2F7BD2}"/>
-              </a:ext>
-            </a:extLst>
-          </p:cNvPr>
+          <p:cNvPr id="5" name="Footer Placeholder 4"/>
           <p:cNvSpPr>
             <a:spLocks noGrp="1"/>
           </p:cNvSpPr>
@@ -1414,13 +3879,7 @@
       </p:sp>
       <p:sp>
         <p:nvSpPr>
-          <p:cNvPr id="6" name="Slide Number Placeholder 5">
-            <a:extLst>
-              <a:ext uri="{FF2B5EF4-FFF2-40B4-BE49-F238E27FC236}">
-                <a16:creationId xmlns:a16="http://schemas.microsoft.com/office/drawing/2014/main" id="{FFF1BD5F-DB60-553D-A7BB-97F1CDB5D9AB}"/>
-              </a:ext>
-            </a:extLst>
-          </p:cNvPr>
+          <p:cNvPr id="6" name="Slide Number Placeholder 5"/>
           <p:cNvSpPr>
             <a:spLocks noGrp="1"/>
           </p:cNvSpPr>
@@ -1441,10 +3900,41 @@
           </a:p>
         </p:txBody>
       </p:sp>
+      <p:cxnSp>
+        <p:nvCxnSpPr>
+          <p:cNvPr id="16" name="Straight Connector 15"/>
+          <p:cNvCxnSpPr/>
+          <p:nvPr/>
+        </p:nvCxnSpPr>
+        <p:spPr>
+          <a:xfrm>
+            <a:off x="2012723" y="3710585"/>
+            <a:ext cx="8163380" cy="0"/>
+          </a:xfrm>
+          <a:prstGeom prst="line">
+            <a:avLst/>
+          </a:prstGeom>
+          <a:ln w="15875"/>
+        </p:spPr>
+        <p:style>
+          <a:lnRef idx="2">
+            <a:schemeClr val="accent1"/>
+          </a:lnRef>
+          <a:fillRef idx="0">
+            <a:schemeClr val="accent1"/>
+          </a:fillRef>
+          <a:effectRef idx="1">
+            <a:schemeClr val="accent1"/>
+          </a:effectRef>
+          <a:fontRef idx="minor">
+            <a:schemeClr val="tx1"/>
+          </a:fontRef>
+        </p:style>
+      </p:cxnSp>
     </p:spTree>
     <p:extLst>
       <p:ext uri="{BB962C8B-B14F-4D97-AF65-F5344CB8AC3E}">
-        <p14:creationId xmlns:p14="http://schemas.microsoft.com/office/powerpoint/2010/main" val="2101898505"/>
+        <p14:creationId xmlns:p14="http://schemas.microsoft.com/office/powerpoint/2010/main" val="2386051622"/>
       </p:ext>
     </p:extLst>
   </p:cSld>
@@ -1471,15 +3961,40 @@
           <a:chExt cx="0" cy="0"/>
         </a:xfrm>
       </p:grpSpPr>
-      <p:sp>
-        <p:nvSpPr>
-          <p:cNvPr id="2" name="Title 1">
-            <a:extLst>
-              <a:ext uri="{FF2B5EF4-FFF2-40B4-BE49-F238E27FC236}">
-                <a16:creationId xmlns:a16="http://schemas.microsoft.com/office/drawing/2014/main" id="{52A2DCF0-4EA5-172A-D961-AB30FABB917F}"/>
-              </a:ext>
-            </a:extLst>
-          </p:cNvPr>
+      <p:cxnSp>
+        <p:nvCxnSpPr>
+          <p:cNvPr id="8" name="Straight Connector 7"/>
+          <p:cNvCxnSpPr/>
+          <p:nvPr/>
+        </p:nvCxnSpPr>
+        <p:spPr>
+          <a:xfrm>
+            <a:off x="1396169" y="2421466"/>
+            <a:ext cx="9407298" cy="0"/>
+          </a:xfrm>
+          <a:prstGeom prst="line">
+            <a:avLst/>
+          </a:prstGeom>
+          <a:ln w="15875"/>
+        </p:spPr>
+        <p:style>
+          <a:lnRef idx="2">
+            <a:schemeClr val="accent1"/>
+          </a:lnRef>
+          <a:fillRef idx="0">
+            <a:schemeClr val="accent1"/>
+          </a:fillRef>
+          <a:effectRef idx="1">
+            <a:schemeClr val="accent1"/>
+          </a:effectRef>
+          <a:fontRef idx="minor">
+            <a:schemeClr val="tx1"/>
+          </a:fontRef>
+        </p:style>
+      </p:cxnSp>
+      <p:sp>
+        <p:nvSpPr>
+          <p:cNvPr id="2" name="Title 1"/>
           <p:cNvSpPr>
             <a:spLocks noGrp="1"/>
           </p:cNvSpPr>
@@ -1496,18 +4011,13 @@
               <a:rPr lang="en-US"/>
               <a:t>Click to edit Master title style</a:t>
             </a:r>
-          </a:p>
-        </p:txBody>
-      </p:sp>
-      <p:sp>
-        <p:nvSpPr>
-          <p:cNvPr id="3" name="Content Placeholder 2">
-            <a:extLst>
-              <a:ext uri="{FF2B5EF4-FFF2-40B4-BE49-F238E27FC236}">
-                <a16:creationId xmlns:a16="http://schemas.microsoft.com/office/drawing/2014/main" id="{789E1D0D-4102-BB76-FF8D-988B1B7F88D4}"/>
-              </a:ext>
-            </a:extLst>
-          </p:cNvPr>
+            <a:endParaRPr lang="en-US" dirty="0"/>
+          </a:p>
+        </p:txBody>
+      </p:sp>
+      <p:sp>
+        <p:nvSpPr>
+          <p:cNvPr id="3" name="Content Placeholder 2"/>
           <p:cNvSpPr>
             <a:spLocks noGrp="1"/>
           </p:cNvSpPr>
@@ -1517,18 +4027,20 @@
         </p:nvSpPr>
         <p:spPr>
           <a:xfrm>
-            <a:off x="838200" y="1825625"/>
-            <a:ext cx="5181600" cy="4351338"/>
+            <a:off x="1298448" y="2560320"/>
+            <a:ext cx="4718304" cy="3310128"/>
           </a:xfrm>
         </p:spPr>
         <p:txBody>
-          <a:bodyPr/>
+          <a:bodyPr>
+            <a:normAutofit/>
+          </a:bodyPr>
           <a:lstStyle/>
           <a:p>
             <a:pPr lvl="0"/>
             <a:r>
               <a:rPr lang="en-US"/>
-              <a:t>Click to edit Master text styles</a:t>
+              <a:t>Edit Master text styles</a:t>
             </a:r>
           </a:p>
           <a:p>
@@ -1558,18 +4070,13 @@
               <a:rPr lang="en-US"/>
               <a:t>Fifth level</a:t>
             </a:r>
-          </a:p>
-        </p:txBody>
-      </p:sp>
-      <p:sp>
-        <p:nvSpPr>
-          <p:cNvPr id="4" name="Content Placeholder 3">
-            <a:extLst>
-              <a:ext uri="{FF2B5EF4-FFF2-40B4-BE49-F238E27FC236}">
-                <a16:creationId xmlns:a16="http://schemas.microsoft.com/office/drawing/2014/main" id="{885D1DC9-BD1C-9944-C38B-D716FB315557}"/>
-              </a:ext>
-            </a:extLst>
-          </p:cNvPr>
+            <a:endParaRPr lang="en-US" dirty="0"/>
+          </a:p>
+        </p:txBody>
+      </p:sp>
+      <p:sp>
+        <p:nvSpPr>
+          <p:cNvPr id="4" name="Content Placeholder 3"/>
           <p:cNvSpPr>
             <a:spLocks noGrp="1"/>
           </p:cNvSpPr>
@@ -1579,18 +4086,20 @@
         </p:nvSpPr>
         <p:spPr>
           <a:xfrm>
-            <a:off x="6172200" y="1825625"/>
-            <a:ext cx="5181600" cy="4351338"/>
+            <a:off x="6181344" y="2560320"/>
+            <a:ext cx="4718304" cy="3310128"/>
           </a:xfrm>
         </p:spPr>
         <p:txBody>
-          <a:bodyPr/>
+          <a:bodyPr>
+            <a:normAutofit/>
+          </a:bodyPr>
           <a:lstStyle/>
           <a:p>
             <a:pPr lvl="0"/>
             <a:r>
               <a:rPr lang="en-US"/>
-              <a:t>Click to edit Master text styles</a:t>
+              <a:t>Edit Master text styles</a:t>
             </a:r>
           </a:p>
           <a:p>
@@ -1620,18 +4129,13 @@
               <a:rPr lang="en-US"/>
               <a:t>Fifth level</a:t>
             </a:r>
-          </a:p>
-        </p:txBody>
-      </p:sp>
-      <p:sp>
-        <p:nvSpPr>
-          <p:cNvPr id="5" name="Date Placeholder 4">
-            <a:extLst>
-              <a:ext uri="{FF2B5EF4-FFF2-40B4-BE49-F238E27FC236}">
-                <a16:creationId xmlns:a16="http://schemas.microsoft.com/office/drawing/2014/main" id="{BDCCAE76-492D-3434-2A62-490E36C81850}"/>
-              </a:ext>
-            </a:extLst>
-          </p:cNvPr>
+            <a:endParaRPr lang="en-US" dirty="0"/>
+          </a:p>
+        </p:txBody>
+      </p:sp>
+      <p:sp>
+        <p:nvSpPr>
+          <p:cNvPr id="5" name="Date Placeholder 4"/>
           <p:cNvSpPr>
             <a:spLocks noGrp="1"/>
           </p:cNvSpPr>
@@ -1646,7 +4150,7 @@
           <a:p>
             <a:fld id="{315BCC09-E684-4A9A-B87A-22B1BBC9075B}" type="datetime1">
               <a:rPr lang="de-DE" smtClean="0"/>
-              <a:t>25.03.2024</a:t>
+              <a:t>26.03.2024</a:t>
             </a:fld>
             <a:endParaRPr lang="en-US"/>
           </a:p>
@@ -1654,13 +4158,7 @@
       </p:sp>
       <p:sp>
         <p:nvSpPr>
-          <p:cNvPr id="6" name="Footer Placeholder 5">
-            <a:extLst>
-              <a:ext uri="{FF2B5EF4-FFF2-40B4-BE49-F238E27FC236}">
-                <a16:creationId xmlns:a16="http://schemas.microsoft.com/office/drawing/2014/main" id="{38376E34-CA54-2D4A-AA95-E4BF8406879A}"/>
-              </a:ext>
-            </a:extLst>
-          </p:cNvPr>
+          <p:cNvPr id="6" name="Footer Placeholder 5"/>
           <p:cNvSpPr>
             <a:spLocks noGrp="1"/>
           </p:cNvSpPr>
@@ -1679,13 +4177,7 @@
       </p:sp>
       <p:sp>
         <p:nvSpPr>
-          <p:cNvPr id="7" name="Slide Number Placeholder 6">
-            <a:extLst>
-              <a:ext uri="{FF2B5EF4-FFF2-40B4-BE49-F238E27FC236}">
-                <a16:creationId xmlns:a16="http://schemas.microsoft.com/office/drawing/2014/main" id="{DBCEAB41-092E-70A2-17B3-E9D80E3C4F29}"/>
-              </a:ext>
-            </a:extLst>
-          </p:cNvPr>
+          <p:cNvPr id="7" name="Slide Number Placeholder 6"/>
           <p:cNvSpPr>
             <a:spLocks noGrp="1"/>
           </p:cNvSpPr>
@@ -1709,7 +4201,7 @@
     </p:spTree>
     <p:extLst>
       <p:ext uri="{BB962C8B-B14F-4D97-AF65-F5344CB8AC3E}">
-        <p14:creationId xmlns:p14="http://schemas.microsoft.com/office/powerpoint/2010/main" val="1365071618"/>
+        <p14:creationId xmlns:p14="http://schemas.microsoft.com/office/powerpoint/2010/main" val="2783461968"/>
       </p:ext>
     </p:extLst>
   </p:cSld>
@@ -1720,6 +4212,432 @@
 </file>
 
 <file path=ppt/slideLayouts/slideLayout5.xml><?xml version="1.0" encoding="utf-8"?>
+<p:sldLayout xmlns:a="http://schemas.openxmlformats.org/drawingml/2006/main" xmlns:r="http://schemas.openxmlformats.org/officeDocument/2006/relationships" xmlns:p="http://schemas.openxmlformats.org/presentationml/2006/main" type="twoTxTwoObj" preserve="1">
+  <p:cSld name="Comparison">
+    <p:spTree>
+      <p:nvGrpSpPr>
+        <p:cNvPr id="1" name=""/>
+        <p:cNvGrpSpPr/>
+        <p:nvPr/>
+      </p:nvGrpSpPr>
+      <p:grpSpPr>
+        <a:xfrm>
+          <a:off x="0" y="0"/>
+          <a:ext cx="0" cy="0"/>
+          <a:chOff x="0" y="0"/>
+          <a:chExt cx="0" cy="0"/>
+        </a:xfrm>
+      </p:grpSpPr>
+      <p:sp>
+        <p:nvSpPr>
+          <p:cNvPr id="2" name="Title 1"/>
+          <p:cNvSpPr>
+            <a:spLocks noGrp="1"/>
+          </p:cNvSpPr>
+          <p:nvPr>
+            <p:ph type="title"/>
+          </p:nvPr>
+        </p:nvSpPr>
+        <p:spPr/>
+        <p:txBody>
+          <a:bodyPr/>
+          <a:lstStyle>
+            <a:lvl1pPr>
+              <a:defRPr/>
+            </a:lvl1pPr>
+          </a:lstStyle>
+          <a:p>
+            <a:r>
+              <a:rPr lang="en-US"/>
+              <a:t>Click to edit Master title style</a:t>
+            </a:r>
+            <a:endParaRPr lang="en-US" dirty="0"/>
+          </a:p>
+        </p:txBody>
+      </p:sp>
+      <p:sp>
+        <p:nvSpPr>
+          <p:cNvPr id="3" name="Text Placeholder 2"/>
+          <p:cNvSpPr>
+            <a:spLocks noGrp="1"/>
+          </p:cNvSpPr>
+          <p:nvPr>
+            <p:ph type="body" idx="1"/>
+          </p:nvPr>
+        </p:nvSpPr>
+        <p:spPr>
+          <a:xfrm>
+            <a:off x="1295400" y="2658533"/>
+            <a:ext cx="4718304" cy="576262"/>
+          </a:xfrm>
+        </p:spPr>
+        <p:txBody>
+          <a:bodyPr anchor="b">
+            <a:noAutofit/>
+          </a:bodyPr>
+          <a:lstStyle>
+            <a:lvl1pPr marL="0" indent="0">
+              <a:spcBef>
+                <a:spcPts val="672"/>
+              </a:spcBef>
+              <a:spcAft>
+                <a:spcPts val="600"/>
+              </a:spcAft>
+              <a:buNone/>
+              <a:defRPr sz="2800" b="0">
+                <a:solidFill>
+                  <a:schemeClr val="accent1"/>
+                </a:solidFill>
+              </a:defRPr>
+            </a:lvl1pPr>
+            <a:lvl2pPr marL="457200" indent="0">
+              <a:buNone/>
+              <a:defRPr sz="2000" b="1"/>
+            </a:lvl2pPr>
+            <a:lvl3pPr marL="914400" indent="0">
+              <a:buNone/>
+              <a:defRPr sz="1800" b="1"/>
+            </a:lvl3pPr>
+            <a:lvl4pPr marL="1371600" indent="0">
+              <a:buNone/>
+              <a:defRPr sz="1600" b="1"/>
+            </a:lvl4pPr>
+            <a:lvl5pPr marL="1828800" indent="0">
+              <a:buNone/>
+              <a:defRPr sz="1600" b="1"/>
+            </a:lvl5pPr>
+            <a:lvl6pPr marL="2286000" indent="0">
+              <a:buNone/>
+              <a:defRPr sz="1600" b="1"/>
+            </a:lvl6pPr>
+            <a:lvl7pPr marL="2743200" indent="0">
+              <a:buNone/>
+              <a:defRPr sz="1600" b="1"/>
+            </a:lvl7pPr>
+            <a:lvl8pPr marL="3200400" indent="0">
+              <a:buNone/>
+              <a:defRPr sz="1600" b="1"/>
+            </a:lvl8pPr>
+            <a:lvl9pPr marL="3657600" indent="0">
+              <a:buNone/>
+              <a:defRPr sz="1600" b="1"/>
+            </a:lvl9pPr>
+          </a:lstStyle>
+          <a:p>
+            <a:pPr lvl="0"/>
+            <a:r>
+              <a:rPr lang="en-US"/>
+              <a:t>Edit Master text styles</a:t>
+            </a:r>
+          </a:p>
+        </p:txBody>
+      </p:sp>
+      <p:sp>
+        <p:nvSpPr>
+          <p:cNvPr id="4" name="Content Placeholder 3"/>
+          <p:cNvSpPr>
+            <a:spLocks noGrp="1"/>
+          </p:cNvSpPr>
+          <p:nvPr>
+            <p:ph sz="half" idx="2"/>
+          </p:nvPr>
+        </p:nvSpPr>
+        <p:spPr>
+          <a:xfrm>
+            <a:off x="1295400" y="3243262"/>
+            <a:ext cx="4718304" cy="2632605"/>
+          </a:xfrm>
+        </p:spPr>
+        <p:txBody>
+          <a:bodyPr anchor="t">
+            <a:normAutofit/>
+          </a:bodyPr>
+          <a:lstStyle/>
+          <a:p>
+            <a:pPr lvl="0"/>
+            <a:r>
+              <a:rPr lang="en-US"/>
+              <a:t>Edit Master text styles</a:t>
+            </a:r>
+          </a:p>
+          <a:p>
+            <a:pPr lvl="1"/>
+            <a:r>
+              <a:rPr lang="en-US"/>
+              <a:t>Second level</a:t>
+            </a:r>
+          </a:p>
+          <a:p>
+            <a:pPr lvl="2"/>
+            <a:r>
+              <a:rPr lang="en-US"/>
+              <a:t>Third level</a:t>
+            </a:r>
+          </a:p>
+          <a:p>
+            <a:pPr lvl="3"/>
+            <a:r>
+              <a:rPr lang="en-US"/>
+              <a:t>Fourth level</a:t>
+            </a:r>
+          </a:p>
+          <a:p>
+            <a:pPr lvl="4"/>
+            <a:r>
+              <a:rPr lang="en-US"/>
+              <a:t>Fifth level</a:t>
+            </a:r>
+            <a:endParaRPr lang="en-US" dirty="0"/>
+          </a:p>
+        </p:txBody>
+      </p:sp>
+      <p:sp>
+        <p:nvSpPr>
+          <p:cNvPr id="5" name="Text Placeholder 4"/>
+          <p:cNvSpPr>
+            <a:spLocks noGrp="1"/>
+          </p:cNvSpPr>
+          <p:nvPr>
+            <p:ph type="body" sz="quarter" idx="3"/>
+          </p:nvPr>
+        </p:nvSpPr>
+        <p:spPr>
+          <a:xfrm>
+            <a:off x="6180670" y="2658533"/>
+            <a:ext cx="4718304" cy="576262"/>
+          </a:xfrm>
+        </p:spPr>
+        <p:txBody>
+          <a:bodyPr anchor="b">
+            <a:noAutofit/>
+          </a:bodyPr>
+          <a:lstStyle>
+            <a:lvl1pPr marL="0" indent="0">
+              <a:spcBef>
+                <a:spcPts val="672"/>
+              </a:spcBef>
+              <a:spcAft>
+                <a:spcPts val="600"/>
+              </a:spcAft>
+              <a:buNone/>
+              <a:defRPr sz="2800" b="0">
+                <a:solidFill>
+                  <a:schemeClr val="accent1"/>
+                </a:solidFill>
+              </a:defRPr>
+            </a:lvl1pPr>
+            <a:lvl2pPr marL="457200" indent="0">
+              <a:buNone/>
+              <a:defRPr sz="2000" b="1"/>
+            </a:lvl2pPr>
+            <a:lvl3pPr marL="914400" indent="0">
+              <a:buNone/>
+              <a:defRPr sz="1800" b="1"/>
+            </a:lvl3pPr>
+            <a:lvl4pPr marL="1371600" indent="0">
+              <a:buNone/>
+              <a:defRPr sz="1600" b="1"/>
+            </a:lvl4pPr>
+            <a:lvl5pPr marL="1828800" indent="0">
+              <a:buNone/>
+              <a:defRPr sz="1600" b="1"/>
+            </a:lvl5pPr>
+            <a:lvl6pPr marL="2286000" indent="0">
+              <a:buNone/>
+              <a:defRPr sz="1600" b="1"/>
+            </a:lvl6pPr>
+            <a:lvl7pPr marL="2743200" indent="0">
+              <a:buNone/>
+              <a:defRPr sz="1600" b="1"/>
+            </a:lvl7pPr>
+            <a:lvl8pPr marL="3200400" indent="0">
+              <a:buNone/>
+              <a:defRPr sz="1600" b="1"/>
+            </a:lvl8pPr>
+            <a:lvl9pPr marL="3657600" indent="0">
+              <a:buNone/>
+              <a:defRPr sz="1600" b="1"/>
+            </a:lvl9pPr>
+          </a:lstStyle>
+          <a:p>
+            <a:pPr lvl="0"/>
+            <a:r>
+              <a:rPr lang="en-US"/>
+              <a:t>Edit Master text styles</a:t>
+            </a:r>
+          </a:p>
+        </p:txBody>
+      </p:sp>
+      <p:sp>
+        <p:nvSpPr>
+          <p:cNvPr id="6" name="Content Placeholder 5"/>
+          <p:cNvSpPr>
+            <a:spLocks noGrp="1"/>
+          </p:cNvSpPr>
+          <p:nvPr>
+            <p:ph sz="quarter" idx="4"/>
+          </p:nvPr>
+        </p:nvSpPr>
+        <p:spPr>
+          <a:xfrm>
+            <a:off x="6180670" y="3243262"/>
+            <a:ext cx="4718304" cy="2632605"/>
+          </a:xfrm>
+        </p:spPr>
+        <p:txBody>
+          <a:bodyPr anchor="t">
+            <a:normAutofit/>
+          </a:bodyPr>
+          <a:lstStyle/>
+          <a:p>
+            <a:pPr lvl="0"/>
+            <a:r>
+              <a:rPr lang="en-US"/>
+              <a:t>Edit Master text styles</a:t>
+            </a:r>
+          </a:p>
+          <a:p>
+            <a:pPr lvl="1"/>
+            <a:r>
+              <a:rPr lang="en-US"/>
+              <a:t>Second level</a:t>
+            </a:r>
+          </a:p>
+          <a:p>
+            <a:pPr lvl="2"/>
+            <a:r>
+              <a:rPr lang="en-US"/>
+              <a:t>Third level</a:t>
+            </a:r>
+          </a:p>
+          <a:p>
+            <a:pPr lvl="3"/>
+            <a:r>
+              <a:rPr lang="en-US"/>
+              <a:t>Fourth level</a:t>
+            </a:r>
+          </a:p>
+          <a:p>
+            <a:pPr lvl="4"/>
+            <a:r>
+              <a:rPr lang="en-US"/>
+              <a:t>Fifth level</a:t>
+            </a:r>
+            <a:endParaRPr lang="en-US" dirty="0"/>
+          </a:p>
+        </p:txBody>
+      </p:sp>
+      <p:sp>
+        <p:nvSpPr>
+          <p:cNvPr id="7" name="Date Placeholder 6"/>
+          <p:cNvSpPr>
+            <a:spLocks noGrp="1"/>
+          </p:cNvSpPr>
+          <p:nvPr>
+            <p:ph type="dt" sz="half" idx="10"/>
+          </p:nvPr>
+        </p:nvSpPr>
+        <p:spPr/>
+        <p:txBody>
+          <a:bodyPr/>
+          <a:lstStyle/>
+          <a:p>
+            <a:fld id="{17238E1B-53C2-4454-A9E1-2A21AAF129EB}" type="datetime1">
+              <a:rPr lang="de-DE" smtClean="0"/>
+              <a:t>26.03.2024</a:t>
+            </a:fld>
+            <a:endParaRPr lang="en-US"/>
+          </a:p>
+        </p:txBody>
+      </p:sp>
+      <p:sp>
+        <p:nvSpPr>
+          <p:cNvPr id="8" name="Footer Placeholder 7"/>
+          <p:cNvSpPr>
+            <a:spLocks noGrp="1"/>
+          </p:cNvSpPr>
+          <p:nvPr>
+            <p:ph type="ftr" sz="quarter" idx="11"/>
+          </p:nvPr>
+        </p:nvSpPr>
+        <p:spPr/>
+        <p:txBody>
+          <a:bodyPr/>
+          <a:lstStyle/>
+          <a:p>
+            <a:endParaRPr lang="en-US"/>
+          </a:p>
+        </p:txBody>
+      </p:sp>
+      <p:sp>
+        <p:nvSpPr>
+          <p:cNvPr id="9" name="Slide Number Placeholder 8"/>
+          <p:cNvSpPr>
+            <a:spLocks noGrp="1"/>
+          </p:cNvSpPr>
+          <p:nvPr>
+            <p:ph type="sldNum" sz="quarter" idx="12"/>
+          </p:nvPr>
+        </p:nvSpPr>
+        <p:spPr/>
+        <p:txBody>
+          <a:bodyPr/>
+          <a:lstStyle/>
+          <a:p>
+            <a:fld id="{DDE4B26F-E58A-4C83-9619-68F81596DFD8}" type="slidenum">
+              <a:rPr lang="en-US" smtClean="0"/>
+              <a:t>‹#›</a:t>
+            </a:fld>
+            <a:endParaRPr lang="en-US"/>
+          </a:p>
+        </p:txBody>
+      </p:sp>
+      <p:cxnSp>
+        <p:nvCxnSpPr>
+          <p:cNvPr id="18" name="Straight Connector 17"/>
+          <p:cNvCxnSpPr/>
+          <p:nvPr/>
+        </p:nvCxnSpPr>
+        <p:spPr>
+          <a:xfrm>
+            <a:off x="1396169" y="2421466"/>
+            <a:ext cx="9407298" cy="0"/>
+          </a:xfrm>
+          <a:prstGeom prst="line">
+            <a:avLst/>
+          </a:prstGeom>
+          <a:ln w="15875"/>
+        </p:spPr>
+        <p:style>
+          <a:lnRef idx="2">
+            <a:schemeClr val="accent1"/>
+          </a:lnRef>
+          <a:fillRef idx="0">
+            <a:schemeClr val="accent1"/>
+          </a:fillRef>
+          <a:effectRef idx="1">
+            <a:schemeClr val="accent1"/>
+          </a:effectRef>
+          <a:fontRef idx="minor">
+            <a:schemeClr val="tx1"/>
+          </a:fontRef>
+        </p:style>
+      </p:cxnSp>
+    </p:spTree>
+    <p:extLst>
+      <p:ext uri="{BB962C8B-B14F-4D97-AF65-F5344CB8AC3E}">
+        <p14:creationId xmlns:p14="http://schemas.microsoft.com/office/powerpoint/2010/main" val="3666467509"/>
+      </p:ext>
+    </p:extLst>
+  </p:cSld>
+  <p:clrMapOvr>
+    <a:masterClrMapping/>
+  </p:clrMapOvr>
+  <p:hf hdr="0" ftr="0"/>
+</p:sldLayout>
+</file>
+
+<file path=ppt/slideLayouts/slideLayout6.xml><?xml version="1.0" encoding="utf-8"?>
 <p:sldLayout xmlns:a="http://schemas.openxmlformats.org/drawingml/2006/main" xmlns:r="http://schemas.openxmlformats.org/officeDocument/2006/relationships" xmlns:p="http://schemas.openxmlformats.org/presentationml/2006/main" type="titleOnly" preserve="1">
   <p:cSld name="Title Only">
     <p:spTree>
@@ -1738,13 +4656,7 @@
       </p:grpSpPr>
       <p:sp>
         <p:nvSpPr>
-          <p:cNvPr id="2" name="Title 1">
-            <a:extLst>
-              <a:ext uri="{FF2B5EF4-FFF2-40B4-BE49-F238E27FC236}">
-                <a16:creationId xmlns:a16="http://schemas.microsoft.com/office/drawing/2014/main" id="{492983D6-44B5-988D-11CD-C84BFFF444B3}"/>
-              </a:ext>
-            </a:extLst>
-          </p:cNvPr>
+          <p:cNvPr id="2" name="Title 1"/>
           <p:cNvSpPr>
             <a:spLocks noGrp="1"/>
           </p:cNvSpPr>
@@ -1761,18 +4673,13 @@
               <a:rPr lang="en-US"/>
               <a:t>Click to edit Master title style</a:t>
             </a:r>
-          </a:p>
-        </p:txBody>
-      </p:sp>
-      <p:sp>
-        <p:nvSpPr>
-          <p:cNvPr id="3" name="Date Placeholder 2">
-            <a:extLst>
-              <a:ext uri="{FF2B5EF4-FFF2-40B4-BE49-F238E27FC236}">
-                <a16:creationId xmlns:a16="http://schemas.microsoft.com/office/drawing/2014/main" id="{F6FF8343-86D3-D406-EAD3-70A003975133}"/>
-              </a:ext>
-            </a:extLst>
-          </p:cNvPr>
+            <a:endParaRPr lang="en-US" dirty="0"/>
+          </a:p>
+        </p:txBody>
+      </p:sp>
+      <p:sp>
+        <p:nvSpPr>
+          <p:cNvPr id="3" name="Date Placeholder 2"/>
           <p:cNvSpPr>
             <a:spLocks noGrp="1"/>
           </p:cNvSpPr>
@@ -1787,7 +4694,7 @@
           <a:p>
             <a:fld id="{275A2FA2-BCD0-4233-AECD-5E2831B6880F}" type="datetime1">
               <a:rPr lang="de-DE" smtClean="0"/>
-              <a:t>25.03.2024</a:t>
+              <a:t>26.03.2024</a:t>
             </a:fld>
             <a:endParaRPr lang="en-US"/>
           </a:p>
@@ -1795,13 +4702,7 @@
       </p:sp>
       <p:sp>
         <p:nvSpPr>
-          <p:cNvPr id="4" name="Footer Placeholder 3">
-            <a:extLst>
-              <a:ext uri="{FF2B5EF4-FFF2-40B4-BE49-F238E27FC236}">
-                <a16:creationId xmlns:a16="http://schemas.microsoft.com/office/drawing/2014/main" id="{E1B38ECE-8409-CD7A-8479-45FAE18FDD20}"/>
-              </a:ext>
-            </a:extLst>
-          </p:cNvPr>
+          <p:cNvPr id="4" name="Footer Placeholder 3"/>
           <p:cNvSpPr>
             <a:spLocks noGrp="1"/>
           </p:cNvSpPr>
@@ -1820,13 +4721,7 @@
       </p:sp>
       <p:sp>
         <p:nvSpPr>
-          <p:cNvPr id="5" name="Slide Number Placeholder 4">
-            <a:extLst>
-              <a:ext uri="{FF2B5EF4-FFF2-40B4-BE49-F238E27FC236}">
-                <a16:creationId xmlns:a16="http://schemas.microsoft.com/office/drawing/2014/main" id="{EE7B11E8-895C-C210-7C1D-72ED2FAF9C12}"/>
-              </a:ext>
-            </a:extLst>
-          </p:cNvPr>
+          <p:cNvPr id="5" name="Slide Number Placeholder 4"/>
           <p:cNvSpPr>
             <a:spLocks noGrp="1"/>
           </p:cNvSpPr>
@@ -1847,10 +4742,41 @@
           </a:p>
         </p:txBody>
       </p:sp>
+      <p:cxnSp>
+        <p:nvCxnSpPr>
+          <p:cNvPr id="14" name="Straight Connector 13"/>
+          <p:cNvCxnSpPr/>
+          <p:nvPr/>
+        </p:nvCxnSpPr>
+        <p:spPr>
+          <a:xfrm>
+            <a:off x="1396169" y="2421466"/>
+            <a:ext cx="9407298" cy="0"/>
+          </a:xfrm>
+          <a:prstGeom prst="line">
+            <a:avLst/>
+          </a:prstGeom>
+          <a:ln w="15875"/>
+        </p:spPr>
+        <p:style>
+          <a:lnRef idx="2">
+            <a:schemeClr val="accent1"/>
+          </a:lnRef>
+          <a:fillRef idx="0">
+            <a:schemeClr val="accent1"/>
+          </a:fillRef>
+          <a:effectRef idx="1">
+            <a:schemeClr val="accent1"/>
+          </a:effectRef>
+          <a:fontRef idx="minor">
+            <a:schemeClr val="tx1"/>
+          </a:fontRef>
+        </p:style>
+      </p:cxnSp>
     </p:spTree>
     <p:extLst>
       <p:ext uri="{BB962C8B-B14F-4D97-AF65-F5344CB8AC3E}">
-        <p14:creationId xmlns:p14="http://schemas.microsoft.com/office/powerpoint/2010/main" val="1837981473"/>
+        <p14:creationId xmlns:p14="http://schemas.microsoft.com/office/powerpoint/2010/main" val="1750525473"/>
       </p:ext>
     </p:extLst>
   </p:cSld>
@@ -1860,7 +4786,7 @@
 </p:sldLayout>
 </file>
 
-<file path=ppt/slideLayouts/slideLayout6.xml><?xml version="1.0" encoding="utf-8"?>
+<file path=ppt/slideLayouts/slideLayout7.xml><?xml version="1.0" encoding="utf-8"?>
 <p:sldLayout xmlns:a="http://schemas.openxmlformats.org/drawingml/2006/main" xmlns:r="http://schemas.openxmlformats.org/officeDocument/2006/relationships" xmlns:p="http://schemas.openxmlformats.org/presentationml/2006/main" type="blank" preserve="1">
   <p:cSld name="Blank">
     <p:spTree>
@@ -1879,13 +4805,7 @@
       </p:grpSpPr>
       <p:sp>
         <p:nvSpPr>
-          <p:cNvPr id="2" name="Date Placeholder 1">
-            <a:extLst>
-              <a:ext uri="{FF2B5EF4-FFF2-40B4-BE49-F238E27FC236}">
-                <a16:creationId xmlns:a16="http://schemas.microsoft.com/office/drawing/2014/main" id="{3C266E4A-678A-6190-E507-521F476C4F75}"/>
-              </a:ext>
-            </a:extLst>
-          </p:cNvPr>
+          <p:cNvPr id="2" name="Date Placeholder 1"/>
           <p:cNvSpPr>
             <a:spLocks noGrp="1"/>
           </p:cNvSpPr>
@@ -1900,7 +4820,7 @@
           <a:p>
             <a:fld id="{F8293967-2CBE-4645-A866-132B7771F90B}" type="datetime1">
               <a:rPr lang="de-DE" smtClean="0"/>
-              <a:t>25.03.2024</a:t>
+              <a:t>26.03.2024</a:t>
             </a:fld>
             <a:endParaRPr lang="en-US"/>
           </a:p>
@@ -1908,13 +4828,7 @@
       </p:sp>
       <p:sp>
         <p:nvSpPr>
-          <p:cNvPr id="3" name="Footer Placeholder 2">
-            <a:extLst>
-              <a:ext uri="{FF2B5EF4-FFF2-40B4-BE49-F238E27FC236}">
-                <a16:creationId xmlns:a16="http://schemas.microsoft.com/office/drawing/2014/main" id="{5DA78E8D-4D3F-51EB-C8EC-24962DCBA308}"/>
-              </a:ext>
-            </a:extLst>
-          </p:cNvPr>
+          <p:cNvPr id="3" name="Footer Placeholder 2"/>
           <p:cNvSpPr>
             <a:spLocks noGrp="1"/>
           </p:cNvSpPr>
@@ -1933,13 +4847,7 @@
       </p:sp>
       <p:sp>
         <p:nvSpPr>
-          <p:cNvPr id="4" name="Slide Number Placeholder 3">
-            <a:extLst>
-              <a:ext uri="{FF2B5EF4-FFF2-40B4-BE49-F238E27FC236}">
-                <a16:creationId xmlns:a16="http://schemas.microsoft.com/office/drawing/2014/main" id="{53979414-F403-8C8A-5E3E-07B2ED4EEE12}"/>
-              </a:ext>
-            </a:extLst>
-          </p:cNvPr>
+          <p:cNvPr id="4" name="Slide Number Placeholder 3"/>
           <p:cNvSpPr>
             <a:spLocks noGrp="1"/>
           </p:cNvSpPr>
@@ -1963,7 +4871,7 @@
     </p:spTree>
     <p:extLst>
       <p:ext uri="{BB962C8B-B14F-4D97-AF65-F5344CB8AC3E}">
-        <p14:creationId xmlns:p14="http://schemas.microsoft.com/office/powerpoint/2010/main" val="2611741841"/>
+        <p14:creationId xmlns:p14="http://schemas.microsoft.com/office/powerpoint/2010/main" val="3849838917"/>
       </p:ext>
     </p:extLst>
   </p:cSld>
@@ -1973,7 +4881,7 @@
 </p:sldLayout>
 </file>
 
-<file path=ppt/slideLayouts/slideLayout7.xml><?xml version="1.0" encoding="utf-8"?>
+<file path=ppt/slideLayouts/slideLayout8.xml><?xml version="1.0" encoding="utf-8"?>
 <p:sldLayout xmlns:a="http://schemas.openxmlformats.org/drawingml/2006/main" xmlns:r="http://schemas.openxmlformats.org/officeDocument/2006/relationships" xmlns:p="http://schemas.openxmlformats.org/presentationml/2006/main" type="objTx" preserve="1">
   <p:cSld name="Content with Caption">
     <p:spTree>
@@ -1992,13 +4900,7 @@
       </p:grpSpPr>
       <p:sp>
         <p:nvSpPr>
-          <p:cNvPr id="2" name="Title 1">
-            <a:extLst>
-              <a:ext uri="{FF2B5EF4-FFF2-40B4-BE49-F238E27FC236}">
-                <a16:creationId xmlns:a16="http://schemas.microsoft.com/office/drawing/2014/main" id="{23F12943-7E41-FD48-B387-5AA8EBF1C6C7}"/>
-              </a:ext>
-            </a:extLst>
-          </p:cNvPr>
+          <p:cNvPr id="2" name="Title 1"/>
           <p:cNvSpPr>
             <a:spLocks noGrp="1"/>
           </p:cNvSpPr>
@@ -2008,15 +4910,17 @@
         </p:nvSpPr>
         <p:spPr>
           <a:xfrm>
-            <a:off x="839788" y="457200"/>
-            <a:ext cx="3932237" cy="1600200"/>
+            <a:off x="1293811" y="1388534"/>
+            <a:ext cx="3718455" cy="1371600"/>
           </a:xfrm>
         </p:spPr>
         <p:txBody>
-          <a:bodyPr anchor="b"/>
+          <a:bodyPr anchor="b">
+            <a:normAutofit/>
+          </a:bodyPr>
           <a:lstStyle>
-            <a:lvl1pPr>
-              <a:defRPr sz="3200"/>
+            <a:lvl1pPr algn="ctr">
+              <a:defRPr sz="2400" b="0"/>
             </a:lvl1pPr>
           </a:lstStyle>
           <a:p>
@@ -2024,18 +4928,13 @@
               <a:rPr lang="en-US"/>
               <a:t>Click to edit Master title style</a:t>
             </a:r>
-          </a:p>
-        </p:txBody>
-      </p:sp>
-      <p:sp>
-        <p:nvSpPr>
-          <p:cNvPr id="3" name="Content Placeholder 2">
-            <a:extLst>
-              <a:ext uri="{FF2B5EF4-FFF2-40B4-BE49-F238E27FC236}">
-                <a16:creationId xmlns:a16="http://schemas.microsoft.com/office/drawing/2014/main" id="{8D27C67B-E60B-026B-5520-C6D7FE5C5897}"/>
-              </a:ext>
-            </a:extLst>
-          </p:cNvPr>
+            <a:endParaRPr lang="en-US" dirty="0"/>
+          </a:p>
+        </p:txBody>
+      </p:sp>
+      <p:sp>
+        <p:nvSpPr>
+          <p:cNvPr id="3" name="Content Placeholder 2"/>
           <p:cNvSpPr>
             <a:spLocks noGrp="1"/>
           </p:cNvSpPr>
@@ -2045,46 +4944,20 @@
         </p:nvSpPr>
         <p:spPr>
           <a:xfrm>
-            <a:off x="5183188" y="987425"/>
-            <a:ext cx="6172200" cy="4873625"/>
+            <a:off x="5418668" y="982131"/>
+            <a:ext cx="5469466" cy="4893735"/>
           </a:xfrm>
         </p:spPr>
         <p:txBody>
-          <a:bodyPr/>
-          <a:lstStyle>
-            <a:lvl1pPr>
-              <a:defRPr sz="3200"/>
-            </a:lvl1pPr>
-            <a:lvl2pPr>
-              <a:defRPr sz="2800"/>
-            </a:lvl2pPr>
-            <a:lvl3pPr>
-              <a:defRPr sz="2400"/>
-            </a:lvl3pPr>
-            <a:lvl4pPr>
-              <a:defRPr sz="2000"/>
-            </a:lvl4pPr>
-            <a:lvl5pPr>
-              <a:defRPr sz="2000"/>
-            </a:lvl5pPr>
-            <a:lvl6pPr>
-              <a:defRPr sz="2000"/>
-            </a:lvl6pPr>
-            <a:lvl7pPr>
-              <a:defRPr sz="2000"/>
-            </a:lvl7pPr>
-            <a:lvl8pPr>
-              <a:defRPr sz="2000"/>
-            </a:lvl8pPr>
-            <a:lvl9pPr>
-              <a:defRPr sz="2000"/>
-            </a:lvl9pPr>
-          </a:lstStyle>
+          <a:bodyPr anchor="ctr">
+            <a:normAutofit/>
+          </a:bodyPr>
+          <a:lstStyle/>
           <a:p>
             <a:pPr lvl="0"/>
             <a:r>
               <a:rPr lang="en-US"/>
-              <a:t>Click to edit Master text styles</a:t>
+              <a:t>Edit Master text styles</a:t>
             </a:r>
           </a:p>
           <a:p>
@@ -2114,18 +4987,13 @@
               <a:rPr lang="en-US"/>
               <a:t>Fifth level</a:t>
             </a:r>
-          </a:p>
-        </p:txBody>
-      </p:sp>
-      <p:sp>
-        <p:nvSpPr>
-          <p:cNvPr id="4" name="Text Placeholder 3">
-            <a:extLst>
-              <a:ext uri="{FF2B5EF4-FFF2-40B4-BE49-F238E27FC236}">
-                <a16:creationId xmlns:a16="http://schemas.microsoft.com/office/drawing/2014/main" id="{20A68D22-421E-27E2-61E9-9841304A2749}"/>
-              </a:ext>
-            </a:extLst>
-          </p:cNvPr>
+            <a:endParaRPr lang="en-US" dirty="0"/>
+          </a:p>
+        </p:txBody>
+      </p:sp>
+      <p:sp>
+        <p:nvSpPr>
+          <p:cNvPr id="4" name="Text Placeholder 3"/>
           <p:cNvSpPr>
             <a:spLocks noGrp="1"/>
           </p:cNvSpPr>
@@ -2135,68 +5003,64 @@
         </p:nvSpPr>
         <p:spPr>
           <a:xfrm>
-            <a:off x="839788" y="2057400"/>
-            <a:ext cx="3932237" cy="3811588"/>
+            <a:off x="1293811" y="3031065"/>
+            <a:ext cx="3718455" cy="2438404"/>
           </a:xfrm>
         </p:spPr>
         <p:txBody>
-          <a:bodyPr/>
+          <a:bodyPr anchor="t">
+            <a:normAutofit/>
+          </a:bodyPr>
           <a:lstStyle>
-            <a:lvl1pPr marL="0" indent="0">
+            <a:lvl1pPr marL="0" indent="0" algn="ctr">
               <a:buNone/>
               <a:defRPr sz="1600"/>
             </a:lvl1pPr>
             <a:lvl2pPr marL="457200" indent="0">
               <a:buNone/>
-              <a:defRPr sz="1400"/>
+              <a:defRPr sz="1200"/>
             </a:lvl2pPr>
             <a:lvl3pPr marL="914400" indent="0">
               <a:buNone/>
-              <a:defRPr sz="1200"/>
+              <a:defRPr sz="1000"/>
             </a:lvl3pPr>
             <a:lvl4pPr marL="1371600" indent="0">
               <a:buNone/>
-              <a:defRPr sz="1000"/>
+              <a:defRPr sz="900"/>
             </a:lvl4pPr>
             <a:lvl5pPr marL="1828800" indent="0">
               <a:buNone/>
-              <a:defRPr sz="1000"/>
+              <a:defRPr sz="900"/>
             </a:lvl5pPr>
             <a:lvl6pPr marL="2286000" indent="0">
               <a:buNone/>
-              <a:defRPr sz="1000"/>
+              <a:defRPr sz="900"/>
             </a:lvl6pPr>
             <a:lvl7pPr marL="2743200" indent="0">
               <a:buNone/>
-              <a:defRPr sz="1000"/>
+              <a:defRPr sz="900"/>
             </a:lvl7pPr>
             <a:lvl8pPr marL="3200400" indent="0">
               <a:buNone/>
-              <a:defRPr sz="1000"/>
+              <a:defRPr sz="900"/>
             </a:lvl8pPr>
             <a:lvl9pPr marL="3657600" indent="0">
               <a:buNone/>
-              <a:defRPr sz="1000"/>
+              <a:defRPr sz="900"/>
             </a:lvl9pPr>
           </a:lstStyle>
           <a:p>
             <a:pPr lvl="0"/>
             <a:r>
               <a:rPr lang="en-US"/>
-              <a:t>Click to edit Master text styles</a:t>
-            </a:r>
-          </a:p>
-        </p:txBody>
-      </p:sp>
-      <p:sp>
-        <p:nvSpPr>
-          <p:cNvPr id="5" name="Date Placeholder 4">
-            <a:extLst>
-              <a:ext uri="{FF2B5EF4-FFF2-40B4-BE49-F238E27FC236}">
-                <a16:creationId xmlns:a16="http://schemas.microsoft.com/office/drawing/2014/main" id="{B5E47C8E-2B0F-FF99-DBFA-CAD84F9FFBA2}"/>
-              </a:ext>
-            </a:extLst>
-          </p:cNvPr>
+              <a:t>Edit Master text styles</a:t>
+            </a:r>
+          </a:p>
+        </p:txBody>
+      </p:sp>
+      <p:sp>
+        <p:nvSpPr>
+          <p:cNvPr id="5" name="Date Placeholder 4"/>
           <p:cNvSpPr>
             <a:spLocks noGrp="1"/>
           </p:cNvSpPr>
@@ -2211,7 +5075,7 @@
           <a:p>
             <a:fld id="{77B23578-1DEB-473B-B0A3-161EEE3BB63C}" type="datetime1">
               <a:rPr lang="de-DE" smtClean="0"/>
-              <a:t>25.03.2024</a:t>
+              <a:t>26.03.2024</a:t>
             </a:fld>
             <a:endParaRPr lang="en-US"/>
           </a:p>
@@ -2219,13 +5083,7 @@
       </p:sp>
       <p:sp>
         <p:nvSpPr>
-          <p:cNvPr id="6" name="Footer Placeholder 5">
-            <a:extLst>
-              <a:ext uri="{FF2B5EF4-FFF2-40B4-BE49-F238E27FC236}">
-                <a16:creationId xmlns:a16="http://schemas.microsoft.com/office/drawing/2014/main" id="{5689F694-8600-C3DF-701A-80B918D971B5}"/>
-              </a:ext>
-            </a:extLst>
-          </p:cNvPr>
+          <p:cNvPr id="6" name="Footer Placeholder 5"/>
           <p:cNvSpPr>
             <a:spLocks noGrp="1"/>
           </p:cNvSpPr>
@@ -2244,13 +5102,7 @@
       </p:sp>
       <p:sp>
         <p:nvSpPr>
-          <p:cNvPr id="7" name="Slide Number Placeholder 6">
-            <a:extLst>
-              <a:ext uri="{FF2B5EF4-FFF2-40B4-BE49-F238E27FC236}">
-                <a16:creationId xmlns:a16="http://schemas.microsoft.com/office/drawing/2014/main" id="{323228CE-06A8-1A5E-7038-5991CCBD9536}"/>
-              </a:ext>
-            </a:extLst>
-          </p:cNvPr>
+          <p:cNvPr id="7" name="Slide Number Placeholder 6"/>
           <p:cNvSpPr>
             <a:spLocks noGrp="1"/>
           </p:cNvSpPr>
@@ -2271,10 +5123,41 @@
           </a:p>
         </p:txBody>
       </p:sp>
+      <p:cxnSp>
+        <p:nvCxnSpPr>
+          <p:cNvPr id="16" name="Straight Connector 15"/>
+          <p:cNvCxnSpPr/>
+          <p:nvPr/>
+        </p:nvCxnSpPr>
+        <p:spPr>
+          <a:xfrm>
+            <a:off x="1396169" y="2912533"/>
+            <a:ext cx="3514498" cy="0"/>
+          </a:xfrm>
+          <a:prstGeom prst="line">
+            <a:avLst/>
+          </a:prstGeom>
+          <a:ln w="15875"/>
+        </p:spPr>
+        <p:style>
+          <a:lnRef idx="2">
+            <a:schemeClr val="accent1"/>
+          </a:lnRef>
+          <a:fillRef idx="0">
+            <a:schemeClr val="accent1"/>
+          </a:fillRef>
+          <a:effectRef idx="1">
+            <a:schemeClr val="accent1"/>
+          </a:effectRef>
+          <a:fontRef idx="minor">
+            <a:schemeClr val="tx1"/>
+          </a:fontRef>
+        </p:style>
+      </p:cxnSp>
     </p:spTree>
     <p:extLst>
       <p:ext uri="{BB962C8B-B14F-4D97-AF65-F5344CB8AC3E}">
-        <p14:creationId xmlns:p14="http://schemas.microsoft.com/office/powerpoint/2010/main" val="3930806735"/>
+        <p14:creationId xmlns:p14="http://schemas.microsoft.com/office/powerpoint/2010/main" val="2719892678"/>
       </p:ext>
     </p:extLst>
   </p:cSld>
@@ -2284,7 +5167,7 @@
 </p:sldLayout>
 </file>
 
-<file path=ppt/slideLayouts/slideLayout8.xml><?xml version="1.0" encoding="utf-8"?>
+<file path=ppt/slideLayouts/slideLayout9.xml><?xml version="1.0" encoding="utf-8"?>
 <p:sldLayout xmlns:a="http://schemas.openxmlformats.org/drawingml/2006/main" xmlns:r="http://schemas.openxmlformats.org/officeDocument/2006/relationships" xmlns:p="http://schemas.openxmlformats.org/presentationml/2006/main" type="picTx" preserve="1">
   <p:cSld name="Picture with Caption">
     <p:spTree>
@@ -2303,13 +5186,7 @@
       </p:grpSpPr>
       <p:sp>
         <p:nvSpPr>
-          <p:cNvPr id="2" name="Title 1">
-            <a:extLst>
-              <a:ext uri="{FF2B5EF4-FFF2-40B4-BE49-F238E27FC236}">
-                <a16:creationId xmlns:a16="http://schemas.microsoft.com/office/drawing/2014/main" id="{08525571-D235-20E2-42D8-EC80F9536DCF}"/>
-              </a:ext>
-            </a:extLst>
-          </p:cNvPr>
+          <p:cNvPr id="2" name="Title 1"/>
           <p:cNvSpPr>
             <a:spLocks noGrp="1"/>
           </p:cNvSpPr>
@@ -2319,15 +5196,17 @@
         </p:nvSpPr>
         <p:spPr>
           <a:xfrm>
-            <a:off x="839788" y="457200"/>
-            <a:ext cx="3932237" cy="1600200"/>
+            <a:off x="1295399" y="1883832"/>
+            <a:ext cx="6241816" cy="1371600"/>
           </a:xfrm>
         </p:spPr>
         <p:txBody>
-          <a:bodyPr anchor="b"/>
+          <a:bodyPr anchor="b">
+            <a:normAutofit/>
+          </a:bodyPr>
           <a:lstStyle>
-            <a:lvl1pPr>
-              <a:defRPr sz="3200"/>
+            <a:lvl1pPr algn="ctr">
+              <a:defRPr sz="2800" b="0"/>
             </a:lvl1pPr>
           </a:lstStyle>
           <a:p>
@@ -2335,20 +5214,15 @@
               <a:rPr lang="en-US"/>
               <a:t>Click to edit Master title style</a:t>
             </a:r>
-          </a:p>
-        </p:txBody>
-      </p:sp>
-      <p:sp>
-        <p:nvSpPr>
-          <p:cNvPr id="3" name="Picture Placeholder 2">
-            <a:extLst>
-              <a:ext uri="{FF2B5EF4-FFF2-40B4-BE49-F238E27FC236}">
-                <a16:creationId xmlns:a16="http://schemas.microsoft.com/office/drawing/2014/main" id="{B5F2349B-6439-96EF-5882-0C74FAE78D57}"/>
-              </a:ext>
-            </a:extLst>
-          </p:cNvPr>
-          <p:cNvSpPr>
-            <a:spLocks noGrp="1"/>
+            <a:endParaRPr lang="en-US" dirty="0"/>
+          </a:p>
+        </p:txBody>
+      </p:sp>
+      <p:sp>
+        <p:nvSpPr>
+          <p:cNvPr id="17" name="Picture Placeholder 2"/>
+          <p:cNvSpPr>
+            <a:spLocks noGrp="1" noChangeAspect="1"/>
           </p:cNvSpPr>
           <p:nvPr>
             <p:ph type="pic" idx="1"/>
@@ -2356,135 +5230,152 @@
         </p:nvSpPr>
         <p:spPr>
           <a:xfrm>
-            <a:off x="5183188" y="987425"/>
-            <a:ext cx="6172200" cy="4873625"/>
+            <a:off x="8094831" y="1041400"/>
+            <a:ext cx="3063347" cy="4775200"/>
           </a:xfrm>
+          <a:prstGeom prst="roundRect">
+            <a:avLst>
+              <a:gd name="adj" fmla="val 0"/>
+            </a:avLst>
+          </a:prstGeom>
+          <a:ln w="57150" cmpd="thickThin">
+            <a:solidFill>
+              <a:schemeClr val="tx1">
+                <a:lumMod val="50000"/>
+                <a:lumOff val="50000"/>
+              </a:schemeClr>
+            </a:solidFill>
+            <a:miter lim="800000"/>
+          </a:ln>
+          <a:effectLst>
+            <a:innerShdw blurRad="57150" dist="38100" dir="14460000">
+              <a:srgbClr val="000000">
+                <a:alpha val="70000"/>
+              </a:srgbClr>
+            </a:innerShdw>
+          </a:effectLst>
         </p:spPr>
         <p:txBody>
-          <a:bodyPr/>
+          <a:bodyPr anchor="t">
+            <a:normAutofit/>
+          </a:bodyPr>
           <a:lstStyle>
-            <a:lvl1pPr marL="0" indent="0">
-              <a:buNone/>
-              <a:defRPr sz="3200"/>
-            </a:lvl1pPr>
-            <a:lvl2pPr marL="457200" indent="0">
-              <a:buNone/>
-              <a:defRPr sz="2800"/>
-            </a:lvl2pPr>
-            <a:lvl3pPr marL="914400" indent="0">
-              <a:buNone/>
-              <a:defRPr sz="2400"/>
-            </a:lvl3pPr>
-            <a:lvl4pPr marL="1371600" indent="0">
-              <a:buNone/>
-              <a:defRPr sz="2000"/>
-            </a:lvl4pPr>
-            <a:lvl5pPr marL="1828800" indent="0">
-              <a:buNone/>
-              <a:defRPr sz="2000"/>
-            </a:lvl5pPr>
-            <a:lvl6pPr marL="2286000" indent="0">
-              <a:buNone/>
-              <a:defRPr sz="2000"/>
-            </a:lvl6pPr>
-            <a:lvl7pPr marL="2743200" indent="0">
-              <a:buNone/>
-              <a:defRPr sz="2000"/>
-            </a:lvl7pPr>
-            <a:lvl8pPr marL="3200400" indent="0">
-              <a:buNone/>
-              <a:defRPr sz="2000"/>
-            </a:lvl8pPr>
-            <a:lvl9pPr marL="3657600" indent="0">
-              <a:buNone/>
-              <a:defRPr sz="2000"/>
-            </a:lvl9pPr>
-          </a:lstStyle>
-          <a:p>
-            <a:endParaRPr lang="en-US"/>
-          </a:p>
-        </p:txBody>
-      </p:sp>
-      <p:sp>
-        <p:nvSpPr>
-          <p:cNvPr id="4" name="Text Placeholder 3">
-            <a:extLst>
-              <a:ext uri="{FF2B5EF4-FFF2-40B4-BE49-F238E27FC236}">
-                <a16:creationId xmlns:a16="http://schemas.microsoft.com/office/drawing/2014/main" id="{5573E374-784C-0BC8-49AD-22CDCAFE6179}"/>
-              </a:ext>
-            </a:extLst>
-          </p:cNvPr>
-          <p:cNvSpPr>
-            <a:spLocks noGrp="1"/>
-          </p:cNvSpPr>
-          <p:nvPr>
-            <p:ph type="body" sz="half" idx="2"/>
-          </p:nvPr>
-        </p:nvSpPr>
-        <p:spPr>
-          <a:xfrm>
-            <a:off x="839788" y="2057400"/>
-            <a:ext cx="3932237" cy="3811588"/>
-          </a:xfrm>
-        </p:spPr>
-        <p:txBody>
-          <a:bodyPr/>
-          <a:lstStyle>
-            <a:lvl1pPr marL="0" indent="0">
+            <a:lvl1pPr marL="0" indent="0" algn="ctr">
               <a:buNone/>
               <a:defRPr sz="1600"/>
             </a:lvl1pPr>
             <a:lvl2pPr marL="457200" indent="0">
               <a:buNone/>
-              <a:defRPr sz="1400"/>
+              <a:defRPr sz="1600"/>
             </a:lvl2pPr>
             <a:lvl3pPr marL="914400" indent="0">
               <a:buNone/>
-              <a:defRPr sz="1200"/>
+              <a:defRPr sz="1600"/>
             </a:lvl3pPr>
             <a:lvl4pPr marL="1371600" indent="0">
               <a:buNone/>
-              <a:defRPr sz="1000"/>
+              <a:defRPr sz="1600"/>
             </a:lvl4pPr>
             <a:lvl5pPr marL="1828800" indent="0">
               <a:buNone/>
-              <a:defRPr sz="1000"/>
+              <a:defRPr sz="1600"/>
             </a:lvl5pPr>
             <a:lvl6pPr marL="2286000" indent="0">
               <a:buNone/>
-              <a:defRPr sz="1000"/>
+              <a:defRPr sz="1600"/>
             </a:lvl6pPr>
             <a:lvl7pPr marL="2743200" indent="0">
               <a:buNone/>
-              <a:defRPr sz="1000"/>
+              <a:defRPr sz="1600"/>
             </a:lvl7pPr>
             <a:lvl8pPr marL="3200400" indent="0">
               <a:buNone/>
-              <a:defRPr sz="1000"/>
+              <a:defRPr sz="1600"/>
             </a:lvl8pPr>
             <a:lvl9pPr marL="3657600" indent="0">
               <a:buNone/>
-              <a:defRPr sz="1000"/>
+              <a:defRPr sz="1600"/>
             </a:lvl9pPr>
           </a:lstStyle>
           <a:p>
+            <a:r>
+              <a:rPr lang="en-US"/>
+              <a:t>Click icon to add picture</a:t>
+            </a:r>
+            <a:endParaRPr lang="en-US" dirty="0"/>
+          </a:p>
+        </p:txBody>
+      </p:sp>
+      <p:sp>
+        <p:nvSpPr>
+          <p:cNvPr id="4" name="Text Placeholder 3"/>
+          <p:cNvSpPr>
+            <a:spLocks noGrp="1"/>
+          </p:cNvSpPr>
+          <p:nvPr>
+            <p:ph type="body" sz="half" idx="2"/>
+          </p:nvPr>
+        </p:nvSpPr>
+        <p:spPr>
+          <a:xfrm>
+            <a:off x="1295399" y="3255432"/>
+            <a:ext cx="6241816" cy="1828800"/>
+          </a:xfrm>
+        </p:spPr>
+        <p:txBody>
+          <a:bodyPr anchor="t">
+            <a:normAutofit/>
+          </a:bodyPr>
+          <a:lstStyle>
+            <a:lvl1pPr marL="0" indent="0" algn="ctr">
+              <a:buNone/>
+              <a:defRPr sz="1800"/>
+            </a:lvl1pPr>
+            <a:lvl2pPr marL="457200" indent="0">
+              <a:buNone/>
+              <a:defRPr sz="1200"/>
+            </a:lvl2pPr>
+            <a:lvl3pPr marL="914400" indent="0">
+              <a:buNone/>
+              <a:defRPr sz="1000"/>
+            </a:lvl3pPr>
+            <a:lvl4pPr marL="1371600" indent="0">
+              <a:buNone/>
+              <a:defRPr sz="900"/>
+            </a:lvl4pPr>
+            <a:lvl5pPr marL="1828800" indent="0">
+              <a:buNone/>
+              <a:defRPr sz="900"/>
+            </a:lvl5pPr>
+            <a:lvl6pPr marL="2286000" indent="0">
+              <a:buNone/>
+              <a:defRPr sz="900"/>
+            </a:lvl6pPr>
+            <a:lvl7pPr marL="2743200" indent="0">
+              <a:buNone/>
+              <a:defRPr sz="900"/>
+            </a:lvl7pPr>
+            <a:lvl8pPr marL="3200400" indent="0">
+              <a:buNone/>
+              <a:defRPr sz="900"/>
+            </a:lvl8pPr>
+            <a:lvl9pPr marL="3657600" indent="0">
+              <a:buNone/>
+              <a:defRPr sz="900"/>
+            </a:lvl9pPr>
+          </a:lstStyle>
+          <a:p>
             <a:pPr lvl="0"/>
             <a:r>
               <a:rPr lang="en-US"/>
-              <a:t>Click to edit Master text styles</a:t>
-            </a:r>
-          </a:p>
-        </p:txBody>
-      </p:sp>
-      <p:sp>
-        <p:nvSpPr>
-          <p:cNvPr id="5" name="Date Placeholder 4">
-            <a:extLst>
-              <a:ext uri="{FF2B5EF4-FFF2-40B4-BE49-F238E27FC236}">
-                <a16:creationId xmlns:a16="http://schemas.microsoft.com/office/drawing/2014/main" id="{8469E42A-40F8-897D-8C57-330340604F1E}"/>
-              </a:ext>
-            </a:extLst>
-          </p:cNvPr>
+              <a:t>Edit Master text styles</a:t>
+            </a:r>
+          </a:p>
+        </p:txBody>
+      </p:sp>
+      <p:sp>
+        <p:nvSpPr>
+          <p:cNvPr id="5" name="Date Placeholder 4"/>
           <p:cNvSpPr>
             <a:spLocks noGrp="1"/>
           </p:cNvSpPr>
@@ -2499,7 +5390,7 @@
           <a:p>
             <a:fld id="{89B1BDEE-E523-43B3-B9C9-FEB1E809D42E}" type="datetime1">
               <a:rPr lang="de-DE" smtClean="0"/>
-              <a:t>25.03.2024</a:t>
+              <a:t>26.03.2024</a:t>
             </a:fld>
             <a:endParaRPr lang="en-US"/>
           </a:p>
@@ -2507,13 +5398,7 @@
       </p:sp>
       <p:sp>
         <p:nvSpPr>
-          <p:cNvPr id="6" name="Footer Placeholder 5">
-            <a:extLst>
-              <a:ext uri="{FF2B5EF4-FFF2-40B4-BE49-F238E27FC236}">
-                <a16:creationId xmlns:a16="http://schemas.microsoft.com/office/drawing/2014/main" id="{92EDB636-05FD-BFA2-7DD4-E8280DCB940D}"/>
-              </a:ext>
-            </a:extLst>
-          </p:cNvPr>
+          <p:cNvPr id="6" name="Footer Placeholder 5"/>
           <p:cNvSpPr>
             <a:spLocks noGrp="1"/>
           </p:cNvSpPr>
@@ -2532,13 +5417,7 @@
       </p:sp>
       <p:sp>
         <p:nvSpPr>
-          <p:cNvPr id="7" name="Slide Number Placeholder 6">
-            <a:extLst>
-              <a:ext uri="{FF2B5EF4-FFF2-40B4-BE49-F238E27FC236}">
-                <a16:creationId xmlns:a16="http://schemas.microsoft.com/office/drawing/2014/main" id="{39528E51-5CC2-8125-26DB-3622ACD9F525}"/>
-              </a:ext>
-            </a:extLst>
-          </p:cNvPr>
+          <p:cNvPr id="7" name="Slide Number Placeholder 6"/>
           <p:cNvSpPr>
             <a:spLocks noGrp="1"/>
           </p:cNvSpPr>
@@ -2562,205 +5441,7 @@
     </p:spTree>
     <p:extLst>
       <p:ext uri="{BB962C8B-B14F-4D97-AF65-F5344CB8AC3E}">
-        <p14:creationId xmlns:p14="http://schemas.microsoft.com/office/powerpoint/2010/main" val="3121764343"/>
-      </p:ext>
-    </p:extLst>
-  </p:cSld>
-  <p:clrMapOvr>
-    <a:masterClrMapping/>
-  </p:clrMapOvr>
-</p:sldLayout>
-</file>
-
-<file path=ppt/slideLayouts/slideLayout9.xml><?xml version="1.0" encoding="utf-8"?>
-<p:sldLayout xmlns:a="http://schemas.openxmlformats.org/drawingml/2006/main" xmlns:r="http://schemas.openxmlformats.org/officeDocument/2006/relationships" xmlns:p="http://schemas.openxmlformats.org/presentationml/2006/main" type="vertTx" preserve="1">
-  <p:cSld name="Title and Vertical Text">
-    <p:spTree>
-      <p:nvGrpSpPr>
-        <p:cNvPr id="1" name=""/>
-        <p:cNvGrpSpPr/>
-        <p:nvPr/>
-      </p:nvGrpSpPr>
-      <p:grpSpPr>
-        <a:xfrm>
-          <a:off x="0" y="0"/>
-          <a:ext cx="0" cy="0"/>
-          <a:chOff x="0" y="0"/>
-          <a:chExt cx="0" cy="0"/>
-        </a:xfrm>
-      </p:grpSpPr>
-      <p:sp>
-        <p:nvSpPr>
-          <p:cNvPr id="2" name="Title 1">
-            <a:extLst>
-              <a:ext uri="{FF2B5EF4-FFF2-40B4-BE49-F238E27FC236}">
-                <a16:creationId xmlns:a16="http://schemas.microsoft.com/office/drawing/2014/main" id="{3DA5E5BC-2058-F485-9D41-ED91BECFA4ED}"/>
-              </a:ext>
-            </a:extLst>
-          </p:cNvPr>
-          <p:cNvSpPr>
-            <a:spLocks noGrp="1"/>
-          </p:cNvSpPr>
-          <p:nvPr>
-            <p:ph type="title"/>
-          </p:nvPr>
-        </p:nvSpPr>
-        <p:spPr/>
-        <p:txBody>
-          <a:bodyPr/>
-          <a:lstStyle/>
-          <a:p>
-            <a:r>
-              <a:rPr lang="en-US"/>
-              <a:t>Click to edit Master title style</a:t>
-            </a:r>
-          </a:p>
-        </p:txBody>
-      </p:sp>
-      <p:sp>
-        <p:nvSpPr>
-          <p:cNvPr id="3" name="Vertical Text Placeholder 2">
-            <a:extLst>
-              <a:ext uri="{FF2B5EF4-FFF2-40B4-BE49-F238E27FC236}">
-                <a16:creationId xmlns:a16="http://schemas.microsoft.com/office/drawing/2014/main" id="{1634B8C4-5FA2-D698-F368-4D8B4ADDFCDE}"/>
-              </a:ext>
-            </a:extLst>
-          </p:cNvPr>
-          <p:cNvSpPr>
-            <a:spLocks noGrp="1"/>
-          </p:cNvSpPr>
-          <p:nvPr>
-            <p:ph type="body" orient="vert" idx="1"/>
-          </p:nvPr>
-        </p:nvSpPr>
-        <p:spPr/>
-        <p:txBody>
-          <a:bodyPr vert="eaVert"/>
-          <a:lstStyle/>
-          <a:p>
-            <a:pPr lvl="0"/>
-            <a:r>
-              <a:rPr lang="en-US"/>
-              <a:t>Click to edit Master text styles</a:t>
-            </a:r>
-          </a:p>
-          <a:p>
-            <a:pPr lvl="1"/>
-            <a:r>
-              <a:rPr lang="en-US"/>
-              <a:t>Second level</a:t>
-            </a:r>
-          </a:p>
-          <a:p>
-            <a:pPr lvl="2"/>
-            <a:r>
-              <a:rPr lang="en-US"/>
-              <a:t>Third level</a:t>
-            </a:r>
-          </a:p>
-          <a:p>
-            <a:pPr lvl="3"/>
-            <a:r>
-              <a:rPr lang="en-US"/>
-              <a:t>Fourth level</a:t>
-            </a:r>
-          </a:p>
-          <a:p>
-            <a:pPr lvl="4"/>
-            <a:r>
-              <a:rPr lang="en-US"/>
-              <a:t>Fifth level</a:t>
-            </a:r>
-          </a:p>
-        </p:txBody>
-      </p:sp>
-      <p:sp>
-        <p:nvSpPr>
-          <p:cNvPr id="4" name="Date Placeholder 3">
-            <a:extLst>
-              <a:ext uri="{FF2B5EF4-FFF2-40B4-BE49-F238E27FC236}">
-                <a16:creationId xmlns:a16="http://schemas.microsoft.com/office/drawing/2014/main" id="{23A2A7CA-3FF6-C57C-976F-9F50E660C17C}"/>
-              </a:ext>
-            </a:extLst>
-          </p:cNvPr>
-          <p:cNvSpPr>
-            <a:spLocks noGrp="1"/>
-          </p:cNvSpPr>
-          <p:nvPr>
-            <p:ph type="dt" sz="half" idx="10"/>
-          </p:nvPr>
-        </p:nvSpPr>
-        <p:spPr/>
-        <p:txBody>
-          <a:bodyPr/>
-          <a:lstStyle/>
-          <a:p>
-            <a:fld id="{D6F43DCC-D1A6-4C4E-93A6-2648B6E26C6C}" type="datetime1">
-              <a:rPr lang="de-DE" smtClean="0"/>
-              <a:t>25.03.2024</a:t>
-            </a:fld>
-            <a:endParaRPr lang="en-US"/>
-          </a:p>
-        </p:txBody>
-      </p:sp>
-      <p:sp>
-        <p:nvSpPr>
-          <p:cNvPr id="5" name="Footer Placeholder 4">
-            <a:extLst>
-              <a:ext uri="{FF2B5EF4-FFF2-40B4-BE49-F238E27FC236}">
-                <a16:creationId xmlns:a16="http://schemas.microsoft.com/office/drawing/2014/main" id="{615CDE6D-A9E9-9445-D3D3-5F040A510AB2}"/>
-              </a:ext>
-            </a:extLst>
-          </p:cNvPr>
-          <p:cNvSpPr>
-            <a:spLocks noGrp="1"/>
-          </p:cNvSpPr>
-          <p:nvPr>
-            <p:ph type="ftr" sz="quarter" idx="11"/>
-          </p:nvPr>
-        </p:nvSpPr>
-        <p:spPr/>
-        <p:txBody>
-          <a:bodyPr/>
-          <a:lstStyle/>
-          <a:p>
-            <a:endParaRPr lang="en-US"/>
-          </a:p>
-        </p:txBody>
-      </p:sp>
-      <p:sp>
-        <p:nvSpPr>
-          <p:cNvPr id="6" name="Slide Number Placeholder 5">
-            <a:extLst>
-              <a:ext uri="{FF2B5EF4-FFF2-40B4-BE49-F238E27FC236}">
-                <a16:creationId xmlns:a16="http://schemas.microsoft.com/office/drawing/2014/main" id="{ACE73FED-9719-E623-BA4A-25861D13FED0}"/>
-              </a:ext>
-            </a:extLst>
-          </p:cNvPr>
-          <p:cNvSpPr>
-            <a:spLocks noGrp="1"/>
-          </p:cNvSpPr>
-          <p:nvPr>
-            <p:ph type="sldNum" sz="quarter" idx="12"/>
-          </p:nvPr>
-        </p:nvSpPr>
-        <p:spPr/>
-        <p:txBody>
-          <a:bodyPr/>
-          <a:lstStyle/>
-          <a:p>
-            <a:fld id="{DDE4B26F-E58A-4C83-9619-68F81596DFD8}" type="slidenum">
-              <a:rPr lang="en-US" smtClean="0"/>
-              <a:t>‹#›</a:t>
-            </a:fld>
-            <a:endParaRPr lang="en-US"/>
-          </a:p>
-        </p:txBody>
-      </p:sp>
-    </p:spTree>
-    <p:extLst>
-      <p:ext uri="{BB962C8B-B14F-4D97-AF65-F5344CB8AC3E}">
-        <p14:creationId xmlns:p14="http://schemas.microsoft.com/office/powerpoint/2010/main" val="1866038492"/>
+        <p14:creationId xmlns:p14="http://schemas.microsoft.com/office/powerpoint/2010/main" val="3088829730"/>
       </p:ext>
     </p:extLst>
   </p:cSld>
@@ -2774,7 +5455,7 @@
 <p:sldMaster xmlns:a="http://schemas.openxmlformats.org/drawingml/2006/main" xmlns:r="http://schemas.openxmlformats.org/officeDocument/2006/relationships" xmlns:p="http://schemas.openxmlformats.org/presentationml/2006/main">
   <p:cSld>
     <p:bg>
-      <p:bgRef idx="1001">
+      <p:bgRef idx="1003">
         <a:schemeClr val="bg1"/>
       </p:bgRef>
     </p:bg>
@@ -2792,15 +5473,146 @@
           <a:chExt cx="0" cy="0"/>
         </a:xfrm>
       </p:grpSpPr>
-      <p:sp>
-        <p:nvSpPr>
-          <p:cNvPr id="2" name="Title Placeholder 1">
-            <a:extLst>
-              <a:ext uri="{FF2B5EF4-FFF2-40B4-BE49-F238E27FC236}">
-                <a16:creationId xmlns:a16="http://schemas.microsoft.com/office/drawing/2014/main" id="{24122EF8-1C47-190E-EFFF-D5C0E0430005}"/>
-              </a:ext>
-            </a:extLst>
-          </p:cNvPr>
+      <p:grpSp>
+        <p:nvGrpSpPr>
+          <p:cNvPr id="7" name="Group 6"/>
+          <p:cNvGrpSpPr/>
+          <p:nvPr/>
+        </p:nvGrpSpPr>
+        <p:grpSpPr>
+          <a:xfrm>
+            <a:off x="-15736" y="0"/>
+            <a:ext cx="12229962" cy="6856214"/>
+            <a:chOff x="-15736" y="0"/>
+            <a:chExt cx="12229962" cy="6856214"/>
+          </a:xfrm>
+        </p:grpSpPr>
+        <p:pic>
+          <p:nvPicPr>
+            <p:cNvPr id="8" name="Picture 7" descr="HD-PanelContent.png"/>
+            <p:cNvPicPr>
+              <a:picLocks noChangeAspect="1"/>
+            </p:cNvPicPr>
+            <p:nvPr/>
+          </p:nvPicPr>
+          <p:blipFill>
+            <a:blip r:embed="rId19">
+              <a:extLst>
+                <a:ext uri="{28A0092B-C50C-407E-A947-70E740481C1C}">
+                  <a14:useLocalDpi xmlns:a14="http://schemas.microsoft.com/office/drawing/2010/main" val="0"/>
+                </a:ext>
+              </a:extLst>
+            </a:blip>
+            <a:stretch>
+              <a:fillRect/>
+            </a:stretch>
+          </p:blipFill>
+          <p:spPr>
+            <a:xfrm>
+              <a:off x="0" y="0"/>
+              <a:ext cx="12188825" cy="6856214"/>
+            </a:xfrm>
+            <a:prstGeom prst="rect">
+              <a:avLst/>
+            </a:prstGeom>
+          </p:spPr>
+        </p:pic>
+        <p:sp>
+          <p:nvSpPr>
+            <p:cNvPr id="9" name="Rectangle 8"/>
+            <p:cNvSpPr/>
+            <p:nvPr/>
+          </p:nvSpPr>
+          <p:spPr>
+            <a:xfrm>
+              <a:off x="608012" y="609600"/>
+              <a:ext cx="10972800" cy="5638800"/>
+            </a:xfrm>
+            <a:prstGeom prst="rect">
+              <a:avLst/>
+            </a:prstGeom>
+            <a:noFill/>
+            <a:ln w="15875" cap="flat">
+              <a:miter lim="800000"/>
+            </a:ln>
+          </p:spPr>
+          <p:style>
+            <a:lnRef idx="1">
+              <a:schemeClr val="accent1"/>
+            </a:lnRef>
+            <a:fillRef idx="3">
+              <a:schemeClr val="accent1"/>
+            </a:fillRef>
+            <a:effectRef idx="2">
+              <a:schemeClr val="accent1"/>
+            </a:effectRef>
+            <a:fontRef idx="minor">
+              <a:schemeClr val="lt1"/>
+            </a:fontRef>
+          </p:style>
+        </p:sp>
+        <p:pic>
+          <p:nvPicPr>
+            <p:cNvPr id="10" name="Picture 9" descr="HDRibbonContent-UniformTrim.png"/>
+            <p:cNvPicPr>
+              <a:picLocks noChangeAspect="1"/>
+            </p:cNvPicPr>
+            <p:nvPr/>
+          </p:nvPicPr>
+          <p:blipFill rotWithShape="1">
+            <a:blip r:embed="rId20">
+              <a:extLst>
+                <a:ext uri="{28A0092B-C50C-407E-A947-70E740481C1C}">
+                  <a14:useLocalDpi xmlns:a14="http://schemas.microsoft.com/office/drawing/2010/main" val="0"/>
+                </a:ext>
+              </a:extLst>
+            </a:blip>
+            <a:srcRect/>
+            <a:stretch/>
+          </p:blipFill>
+          <p:spPr>
+            <a:xfrm>
+              <a:off x="-15736" y="3153832"/>
+              <a:ext cx="777240" cy="606425"/>
+            </a:xfrm>
+            <a:prstGeom prst="rect">
+              <a:avLst/>
+            </a:prstGeom>
+          </p:spPr>
+        </p:pic>
+        <p:pic>
+          <p:nvPicPr>
+            <p:cNvPr id="11" name="Picture 10" descr="HDRibbonContent-UniformTrim.png"/>
+            <p:cNvPicPr>
+              <a:picLocks noChangeAspect="1"/>
+            </p:cNvPicPr>
+            <p:nvPr/>
+          </p:nvPicPr>
+          <p:blipFill rotWithShape="1">
+            <a:blip r:embed="rId20">
+              <a:extLst>
+                <a:ext uri="{28A0092B-C50C-407E-A947-70E740481C1C}">
+                  <a14:useLocalDpi xmlns:a14="http://schemas.microsoft.com/office/drawing/2010/main" val="0"/>
+                </a:ext>
+              </a:extLst>
+            </a:blip>
+            <a:srcRect/>
+            <a:stretch/>
+          </p:blipFill>
+          <p:spPr>
+            <a:xfrm>
+              <a:off x="11436986" y="3153832"/>
+              <a:ext cx="777240" cy="606425"/>
+            </a:xfrm>
+            <a:prstGeom prst="rect">
+              <a:avLst/>
+            </a:prstGeom>
+          </p:spPr>
+        </p:pic>
+      </p:grpSp>
+      <p:sp>
+        <p:nvSpPr>
+          <p:cNvPr id="2" name="Title Placeholder 1"/>
           <p:cNvSpPr>
             <a:spLocks noGrp="1"/>
           </p:cNvSpPr>
@@ -2810,113 +5622,145 @@
         </p:nvSpPr>
         <p:spPr>
           <a:xfrm>
-            <a:off x="838200" y="365125"/>
-            <a:ext cx="10515600" cy="1325563"/>
+            <a:off x="1295402" y="982132"/>
+            <a:ext cx="9601196" cy="1303867"/>
+          </a:xfrm>
+          <a:prstGeom prst="rect">
+            <a:avLst/>
+          </a:prstGeom>
+          <a:effectLst/>
+        </p:spPr>
+        <p:txBody>
+          <a:bodyPr vert="horz" lIns="91440" tIns="45720" rIns="91440" bIns="45720" rtlCol="0" anchor="ctr">
+            <a:normAutofit/>
+          </a:bodyPr>
+          <a:lstStyle/>
+          <a:p>
+            <a:r>
+              <a:rPr lang="en-US"/>
+              <a:t>Click to edit Master title style</a:t>
+            </a:r>
+            <a:endParaRPr lang="en-US" dirty="0"/>
+          </a:p>
+        </p:txBody>
+      </p:sp>
+      <p:sp>
+        <p:nvSpPr>
+          <p:cNvPr id="3" name="Text Placeholder 2"/>
+          <p:cNvSpPr>
+            <a:spLocks noGrp="1"/>
+          </p:cNvSpPr>
+          <p:nvPr>
+            <p:ph type="body" idx="1"/>
+          </p:nvPr>
+        </p:nvSpPr>
+        <p:spPr>
+          <a:xfrm>
+            <a:off x="1295401" y="2556932"/>
+            <a:ext cx="9601196" cy="3318936"/>
           </a:xfrm>
           <a:prstGeom prst="rect">
             <a:avLst/>
           </a:prstGeom>
         </p:spPr>
         <p:txBody>
-          <a:bodyPr vert="horz" lIns="91440" tIns="45720" rIns="91440" bIns="45720" rtlCol="0" anchor="ctr">
+          <a:bodyPr vert="horz" lIns="91440" tIns="45720" rIns="91440" bIns="45720" rtlCol="0" anchor="t">
             <a:normAutofit/>
           </a:bodyPr>
           <a:lstStyle/>
           <a:p>
+            <a:pPr lvl="0"/>
             <a:r>
               <a:rPr lang="en-US"/>
-              <a:t>Click to edit Master title style</a:t>
-            </a:r>
-          </a:p>
-        </p:txBody>
-      </p:sp>
-      <p:sp>
-        <p:nvSpPr>
-          <p:cNvPr id="3" name="Text Placeholder 2">
-            <a:extLst>
-              <a:ext uri="{FF2B5EF4-FFF2-40B4-BE49-F238E27FC236}">
-                <a16:creationId xmlns:a16="http://schemas.microsoft.com/office/drawing/2014/main" id="{3EA880C3-74BA-AD9B-C091-3C3CC6986ACB}"/>
-              </a:ext>
-            </a:extLst>
-          </p:cNvPr>
-          <p:cNvSpPr>
-            <a:spLocks noGrp="1"/>
-          </p:cNvSpPr>
-          <p:nvPr>
-            <p:ph type="body" idx="1"/>
+              <a:t>Edit Master text styles</a:t>
+            </a:r>
+          </a:p>
+          <a:p>
+            <a:pPr lvl="1"/>
+            <a:r>
+              <a:rPr lang="en-US"/>
+              <a:t>Second level</a:t>
+            </a:r>
+          </a:p>
+          <a:p>
+            <a:pPr lvl="2"/>
+            <a:r>
+              <a:rPr lang="en-US"/>
+              <a:t>Third level</a:t>
+            </a:r>
+          </a:p>
+          <a:p>
+            <a:pPr lvl="3"/>
+            <a:r>
+              <a:rPr lang="en-US"/>
+              <a:t>Fourth level</a:t>
+            </a:r>
+          </a:p>
+          <a:p>
+            <a:pPr lvl="4"/>
+            <a:r>
+              <a:rPr lang="en-US"/>
+              <a:t>Fifth level</a:t>
+            </a:r>
+            <a:endParaRPr lang="en-US" dirty="0"/>
+          </a:p>
+        </p:txBody>
+      </p:sp>
+      <p:sp>
+        <p:nvSpPr>
+          <p:cNvPr id="4" name="Date Placeholder 3"/>
+          <p:cNvSpPr>
+            <a:spLocks noGrp="1"/>
+          </p:cNvSpPr>
+          <p:nvPr>
+            <p:ph type="dt" sz="half" idx="2"/>
           </p:nvPr>
         </p:nvSpPr>
         <p:spPr>
           <a:xfrm>
-            <a:off x="838200" y="1825625"/>
-            <a:ext cx="10515600" cy="4351338"/>
+            <a:off x="8677501" y="5969000"/>
+            <a:ext cx="1600200" cy="279400"/>
           </a:xfrm>
           <a:prstGeom prst="rect">
             <a:avLst/>
           </a:prstGeom>
         </p:spPr>
         <p:txBody>
-          <a:bodyPr vert="horz" lIns="91440" tIns="45720" rIns="91440" bIns="45720" rtlCol="0">
-            <a:normAutofit/>
-          </a:bodyPr>
-          <a:lstStyle/>
-          <a:p>
-            <a:pPr lvl="0"/>
-            <a:r>
-              <a:rPr lang="en-US"/>
-              <a:t>Click to edit Master text styles</a:t>
-            </a:r>
-          </a:p>
-          <a:p>
-            <a:pPr lvl="1"/>
-            <a:r>
-              <a:rPr lang="en-US"/>
-              <a:t>Second level</a:t>
-            </a:r>
-          </a:p>
-          <a:p>
-            <a:pPr lvl="2"/>
-            <a:r>
-              <a:rPr lang="en-US"/>
-              <a:t>Third level</a:t>
-            </a:r>
-          </a:p>
-          <a:p>
-            <a:pPr lvl="3"/>
-            <a:r>
-              <a:rPr lang="en-US"/>
-              <a:t>Fourth level</a:t>
-            </a:r>
-          </a:p>
-          <a:p>
-            <a:pPr lvl="4"/>
-            <a:r>
-              <a:rPr lang="en-US"/>
-              <a:t>Fifth level</a:t>
-            </a:r>
-          </a:p>
-        </p:txBody>
-      </p:sp>
-      <p:sp>
-        <p:nvSpPr>
-          <p:cNvPr id="4" name="Date Placeholder 3">
-            <a:extLst>
-              <a:ext uri="{FF2B5EF4-FFF2-40B4-BE49-F238E27FC236}">
-                <a16:creationId xmlns:a16="http://schemas.microsoft.com/office/drawing/2014/main" id="{1DAE307B-DA2E-05D6-BBB7-BC5417ECBA13}"/>
-              </a:ext>
-            </a:extLst>
-          </p:cNvPr>
-          <p:cNvSpPr>
-            <a:spLocks noGrp="1"/>
-          </p:cNvSpPr>
-          <p:nvPr>
-            <p:ph type="dt" sz="half" idx="2"/>
+          <a:bodyPr vert="horz" lIns="91440" tIns="45720" rIns="91440" bIns="45720" rtlCol="0" anchor="ctr"/>
+          <a:lstStyle>
+            <a:lvl1pPr algn="r">
+              <a:defRPr sz="1000" b="0" i="0">
+                <a:solidFill>
+                  <a:schemeClr val="tx1"/>
+                </a:solidFill>
+                <a:effectLst/>
+                <a:latin typeface="+mn-lt"/>
+              </a:defRPr>
+            </a:lvl1pPr>
+          </a:lstStyle>
+          <a:p>
+            <a:fld id="{17238E1B-53C2-4454-A9E1-2A21AAF129EB}" type="datetime1">
+              <a:rPr lang="de-DE" smtClean="0"/>
+              <a:t>26.03.2024</a:t>
+            </a:fld>
+            <a:endParaRPr lang="en-US"/>
+          </a:p>
+        </p:txBody>
+      </p:sp>
+      <p:sp>
+        <p:nvSpPr>
+          <p:cNvPr id="5" name="Footer Placeholder 4"/>
+          <p:cNvSpPr>
+            <a:spLocks noGrp="1"/>
+          </p:cNvSpPr>
+          <p:nvPr>
+            <p:ph type="ftr" sz="quarter" idx="3"/>
           </p:nvPr>
         </p:nvSpPr>
         <p:spPr>
           <a:xfrm>
-            <a:off x="838200" y="6356350"/>
-            <a:ext cx="2743200" cy="365125"/>
+            <a:off x="1295401" y="5969000"/>
+            <a:ext cx="7305900" cy="279400"/>
           </a:xfrm>
           <a:prstGeom prst="rect">
             <a:avLst/>
@@ -2926,44 +5770,34 @@
           <a:bodyPr vert="horz" lIns="91440" tIns="45720" rIns="91440" bIns="45720" rtlCol="0" anchor="ctr"/>
           <a:lstStyle>
             <a:lvl1pPr algn="l">
-              <a:defRPr sz="1200">
-                <a:solidFill>
-                  <a:schemeClr val="tx1">
-                    <a:tint val="75000"/>
-                  </a:schemeClr>
-                </a:solidFill>
+              <a:defRPr sz="1000" b="0" i="0">
+                <a:solidFill>
+                  <a:schemeClr val="tx1"/>
+                </a:solidFill>
+                <a:effectLst/>
+                <a:latin typeface="+mn-lt"/>
               </a:defRPr>
             </a:lvl1pPr>
           </a:lstStyle>
           <a:p>
-            <a:fld id="{17238E1B-53C2-4454-A9E1-2A21AAF129EB}" type="datetime1">
-              <a:rPr lang="de-DE" smtClean="0"/>
-              <a:t>25.03.2024</a:t>
-            </a:fld>
             <a:endParaRPr lang="en-US"/>
           </a:p>
         </p:txBody>
       </p:sp>
       <p:sp>
         <p:nvSpPr>
-          <p:cNvPr id="5" name="Footer Placeholder 4">
-            <a:extLst>
-              <a:ext uri="{FF2B5EF4-FFF2-40B4-BE49-F238E27FC236}">
-                <a16:creationId xmlns:a16="http://schemas.microsoft.com/office/drawing/2014/main" id="{E2494CF5-2BE3-0F68-A343-E90B8D3F5184}"/>
-              </a:ext>
-            </a:extLst>
-          </p:cNvPr>
-          <p:cNvSpPr>
-            <a:spLocks noGrp="1"/>
-          </p:cNvSpPr>
-          <p:nvPr>
-            <p:ph type="ftr" sz="quarter" idx="3"/>
+          <p:cNvPr id="6" name="Slide Number Placeholder 5"/>
+          <p:cNvSpPr>
+            <a:spLocks noGrp="1"/>
+          </p:cNvSpPr>
+          <p:nvPr>
+            <p:ph type="sldNum" sz="quarter" idx="4"/>
           </p:nvPr>
         </p:nvSpPr>
         <p:spPr>
           <a:xfrm>
-            <a:off x="4038600" y="6356350"/>
-            <a:ext cx="4114800" cy="365125"/>
+            <a:off x="10353901" y="5969000"/>
+            <a:ext cx="542697" cy="279400"/>
           </a:xfrm>
           <a:prstGeom prst="rect">
             <a:avLst/>
@@ -2972,56 +5806,13 @@
         <p:txBody>
           <a:bodyPr vert="horz" lIns="91440" tIns="45720" rIns="91440" bIns="45720" rtlCol="0" anchor="ctr"/>
           <a:lstStyle>
-            <a:lvl1pPr algn="ctr">
-              <a:defRPr sz="1200">
-                <a:solidFill>
-                  <a:schemeClr val="tx1">
-                    <a:tint val="75000"/>
-                  </a:schemeClr>
-                </a:solidFill>
-              </a:defRPr>
-            </a:lvl1pPr>
-          </a:lstStyle>
-          <a:p>
-            <a:endParaRPr lang="en-US"/>
-          </a:p>
-        </p:txBody>
-      </p:sp>
-      <p:sp>
-        <p:nvSpPr>
-          <p:cNvPr id="6" name="Slide Number Placeholder 5">
-            <a:extLst>
-              <a:ext uri="{FF2B5EF4-FFF2-40B4-BE49-F238E27FC236}">
-                <a16:creationId xmlns:a16="http://schemas.microsoft.com/office/drawing/2014/main" id="{5DBAA4EC-9437-15EB-21A0-0ED605715D6F}"/>
-              </a:ext>
-            </a:extLst>
-          </p:cNvPr>
-          <p:cNvSpPr>
-            <a:spLocks noGrp="1"/>
-          </p:cNvSpPr>
-          <p:nvPr>
-            <p:ph type="sldNum" sz="quarter" idx="4"/>
-          </p:nvPr>
-        </p:nvSpPr>
-        <p:spPr>
-          <a:xfrm>
-            <a:off x="8610600" y="6356350"/>
-            <a:ext cx="2743200" cy="365125"/>
-          </a:xfrm>
-          <a:prstGeom prst="rect">
-            <a:avLst/>
-          </a:prstGeom>
-        </p:spPr>
-        <p:txBody>
-          <a:bodyPr vert="horz" lIns="91440" tIns="45720" rIns="91440" bIns="45720" rtlCol="0" anchor="ctr"/>
-          <a:lstStyle>
             <a:lvl1pPr algn="r">
-              <a:defRPr sz="1200">
-                <a:solidFill>
-                  <a:schemeClr val="tx1">
-                    <a:tint val="75000"/>
-                  </a:schemeClr>
-                </a:solidFill>
+              <a:defRPr sz="1000" b="0" i="0">
+                <a:solidFill>
+                  <a:schemeClr val="tx1"/>
+                </a:solidFill>
+                <a:effectLst/>
+                <a:latin typeface="+mn-lt"/>
               </a:defRPr>
             </a:lvl1pPr>
           </a:lstStyle>
@@ -3037,202 +5828,341 @@
     </p:spTree>
     <p:extLst>
       <p:ext uri="{BB962C8B-B14F-4D97-AF65-F5344CB8AC3E}">
-        <p14:creationId xmlns:p14="http://schemas.microsoft.com/office/powerpoint/2010/main" val="1858270161"/>
+        <p14:creationId xmlns:p14="http://schemas.microsoft.com/office/powerpoint/2010/main" val="2567021518"/>
       </p:ext>
     </p:extLst>
   </p:cSld>
   <p:clrMap bg1="lt1" tx1="dk1" bg2="lt2" tx2="dk2" accent1="accent1" accent2="accent2" accent3="accent3" accent4="accent4" accent5="accent5" accent6="accent6" hlink="hlink" folHlink="folHlink"/>
   <p:sldLayoutIdLst>
-    <p:sldLayoutId id="2147483649" r:id="rId1"/>
-    <p:sldLayoutId id="2147483650" r:id="rId2"/>
-    <p:sldLayoutId id="2147483651" r:id="rId3"/>
-    <p:sldLayoutId id="2147483652" r:id="rId4"/>
-    <p:sldLayoutId id="2147483654" r:id="rId5"/>
-    <p:sldLayoutId id="2147483655" r:id="rId6"/>
-    <p:sldLayoutId id="2147483656" r:id="rId7"/>
-    <p:sldLayoutId id="2147483657" r:id="rId8"/>
-    <p:sldLayoutId id="2147483658" r:id="rId9"/>
-    <p:sldLayoutId id="2147483659" r:id="rId10"/>
+    <p:sldLayoutId id="2147483678" r:id="rId1"/>
+    <p:sldLayoutId id="2147483679" r:id="rId2"/>
+    <p:sldLayoutId id="2147483680" r:id="rId3"/>
+    <p:sldLayoutId id="2147483681" r:id="rId4"/>
+    <p:sldLayoutId id="2147483682" r:id="rId5"/>
+    <p:sldLayoutId id="2147483683" r:id="rId6"/>
+    <p:sldLayoutId id="2147483684" r:id="rId7"/>
+    <p:sldLayoutId id="2147483685" r:id="rId8"/>
+    <p:sldLayoutId id="2147483686" r:id="rId9"/>
+    <p:sldLayoutId id="2147483687" r:id="rId10"/>
+    <p:sldLayoutId id="2147483688" r:id="rId11"/>
+    <p:sldLayoutId id="2147483689" r:id="rId12"/>
+    <p:sldLayoutId id="2147483690" r:id="rId13"/>
+    <p:sldLayoutId id="2147483691" r:id="rId14"/>
+    <p:sldLayoutId id="2147483692" r:id="rId15"/>
+    <p:sldLayoutId id="2147483693" r:id="rId16"/>
+    <p:sldLayoutId id="2147483694" r:id="rId17"/>
   </p:sldLayoutIdLst>
   <p:hf hdr="0" ftr="0"/>
   <p:txStyles>
     <p:titleStyle>
-      <a:lvl1pPr algn="l" defTabSz="914400" rtl="0" eaLnBrk="1" latinLnBrk="0" hangingPunct="1">
-        <a:lnSpc>
-          <a:spcPct val="90000"/>
-        </a:lnSpc>
+      <a:lvl1pPr algn="ctr" defTabSz="457200" rtl="0" eaLnBrk="1" latinLnBrk="0" hangingPunct="1">
         <a:spcBef>
           <a:spcPct val="0"/>
         </a:spcBef>
         <a:buNone/>
-        <a:defRPr sz="4400" kern="1200">
+        <a:defRPr sz="4400" kern="1200" cap="none">
+          <a:ln w="3175" cmpd="sng">
+            <a:noFill/>
+          </a:ln>
           <a:solidFill>
-            <a:schemeClr val="tx1"/>
+            <a:schemeClr val="tx1">
+              <a:lumMod val="85000"/>
+              <a:lumOff val="15000"/>
+            </a:schemeClr>
           </a:solidFill>
+          <a:effectLst/>
           <a:latin typeface="+mj-lt"/>
           <a:ea typeface="+mj-ea"/>
           <a:cs typeface="+mj-cs"/>
         </a:defRPr>
       </a:lvl1pPr>
+      <a:lvl2pPr eaLnBrk="1" hangingPunct="1">
+        <a:defRPr>
+          <a:solidFill>
+            <a:schemeClr val="tx2"/>
+          </a:solidFill>
+        </a:defRPr>
+      </a:lvl2pPr>
+      <a:lvl3pPr eaLnBrk="1" hangingPunct="1">
+        <a:defRPr>
+          <a:solidFill>
+            <a:schemeClr val="tx2"/>
+          </a:solidFill>
+        </a:defRPr>
+      </a:lvl3pPr>
+      <a:lvl4pPr eaLnBrk="1" hangingPunct="1">
+        <a:defRPr>
+          <a:solidFill>
+            <a:schemeClr val="tx2"/>
+          </a:solidFill>
+        </a:defRPr>
+      </a:lvl4pPr>
+      <a:lvl5pPr eaLnBrk="1" hangingPunct="1">
+        <a:defRPr>
+          <a:solidFill>
+            <a:schemeClr val="tx2"/>
+          </a:solidFill>
+        </a:defRPr>
+      </a:lvl5pPr>
+      <a:lvl6pPr eaLnBrk="1" hangingPunct="1">
+        <a:defRPr>
+          <a:solidFill>
+            <a:schemeClr val="tx2"/>
+          </a:solidFill>
+        </a:defRPr>
+      </a:lvl6pPr>
+      <a:lvl7pPr eaLnBrk="1" hangingPunct="1">
+        <a:defRPr>
+          <a:solidFill>
+            <a:schemeClr val="tx2"/>
+          </a:solidFill>
+        </a:defRPr>
+      </a:lvl7pPr>
+      <a:lvl8pPr eaLnBrk="1" hangingPunct="1">
+        <a:defRPr>
+          <a:solidFill>
+            <a:schemeClr val="tx2"/>
+          </a:solidFill>
+        </a:defRPr>
+      </a:lvl8pPr>
+      <a:lvl9pPr eaLnBrk="1" hangingPunct="1">
+        <a:defRPr>
+          <a:solidFill>
+            <a:schemeClr val="tx2"/>
+          </a:solidFill>
+        </a:defRPr>
+      </a:lvl9pPr>
     </p:titleStyle>
     <p:bodyStyle>
-      <a:lvl1pPr marL="228600" indent="-228600" algn="l" defTabSz="914400" rtl="0" eaLnBrk="1" latinLnBrk="0" hangingPunct="1">
-        <a:lnSpc>
-          <a:spcPct val="90000"/>
-        </a:lnSpc>
+      <a:lvl1pPr marL="285750" indent="-285750" algn="l" defTabSz="457200" rtl="0" eaLnBrk="1" latinLnBrk="0" hangingPunct="1">
         <a:spcBef>
-          <a:spcPts val="1000"/>
+          <a:spcPct val="20000"/>
         </a:spcBef>
-        <a:buFont typeface="Arial" panose="020B0604020202020204" pitchFamily="34" charset="0"/>
+        <a:spcAft>
+          <a:spcPts val="600"/>
+        </a:spcAft>
+        <a:buClr>
+          <a:schemeClr val="accent1"/>
+        </a:buClr>
+        <a:buSzPct val="115000"/>
+        <a:buFont typeface="Arial"/>
         <a:buChar char="•"/>
-        <a:defRPr sz="2800" kern="1200">
+        <a:defRPr sz="2400" kern="1200" cap="none">
           <a:solidFill>
-            <a:schemeClr val="tx1"/>
+            <a:schemeClr val="tx1">
+              <a:lumMod val="85000"/>
+              <a:lumOff val="15000"/>
+            </a:schemeClr>
           </a:solidFill>
+          <a:effectLst/>
           <a:latin typeface="+mn-lt"/>
           <a:ea typeface="+mn-ea"/>
           <a:cs typeface="+mn-cs"/>
         </a:defRPr>
       </a:lvl1pPr>
-      <a:lvl2pPr marL="685800" indent="-228600" algn="l" defTabSz="914400" rtl="0" eaLnBrk="1" latinLnBrk="0" hangingPunct="1">
-        <a:lnSpc>
-          <a:spcPct val="90000"/>
-        </a:lnSpc>
+      <a:lvl2pPr marL="742950" indent="-285750" algn="l" defTabSz="457200" rtl="0" eaLnBrk="1" latinLnBrk="0" hangingPunct="1">
         <a:spcBef>
-          <a:spcPts val="500"/>
+          <a:spcPct val="20000"/>
         </a:spcBef>
-        <a:buFont typeface="Arial" panose="020B0604020202020204" pitchFamily="34" charset="0"/>
+        <a:spcAft>
+          <a:spcPts val="600"/>
+        </a:spcAft>
+        <a:buClr>
+          <a:schemeClr val="accent1"/>
+        </a:buClr>
+        <a:buSzPct val="115000"/>
+        <a:buFont typeface="Arial"/>
         <a:buChar char="•"/>
-        <a:defRPr sz="2400" kern="1200">
+        <a:defRPr sz="2000" kern="1200" cap="none">
           <a:solidFill>
-            <a:schemeClr val="tx1"/>
+            <a:schemeClr val="tx1">
+              <a:lumMod val="85000"/>
+              <a:lumOff val="15000"/>
+            </a:schemeClr>
           </a:solidFill>
+          <a:effectLst/>
           <a:latin typeface="+mn-lt"/>
           <a:ea typeface="+mn-ea"/>
           <a:cs typeface="+mn-cs"/>
         </a:defRPr>
       </a:lvl2pPr>
-      <a:lvl3pPr marL="1143000" indent="-228600" algn="l" defTabSz="914400" rtl="0" eaLnBrk="1" latinLnBrk="0" hangingPunct="1">
-        <a:lnSpc>
-          <a:spcPct val="90000"/>
-        </a:lnSpc>
+      <a:lvl3pPr marL="1200150" indent="-285750" algn="l" defTabSz="457200" rtl="0" eaLnBrk="1" latinLnBrk="0" hangingPunct="1">
         <a:spcBef>
-          <a:spcPts val="500"/>
+          <a:spcPct val="20000"/>
         </a:spcBef>
-        <a:buFont typeface="Arial" panose="020B0604020202020204" pitchFamily="34" charset="0"/>
+        <a:spcAft>
+          <a:spcPts val="600"/>
+        </a:spcAft>
+        <a:buClr>
+          <a:schemeClr val="accent1"/>
+        </a:buClr>
+        <a:buSzPct val="115000"/>
+        <a:buFont typeface="Arial"/>
         <a:buChar char="•"/>
-        <a:defRPr sz="2000" kern="1200">
+        <a:defRPr sz="1800" kern="1200" cap="none">
           <a:solidFill>
-            <a:schemeClr val="tx1"/>
+            <a:schemeClr val="tx1">
+              <a:lumMod val="85000"/>
+              <a:lumOff val="15000"/>
+            </a:schemeClr>
           </a:solidFill>
+          <a:effectLst/>
           <a:latin typeface="+mn-lt"/>
           <a:ea typeface="+mn-ea"/>
           <a:cs typeface="+mn-cs"/>
         </a:defRPr>
       </a:lvl3pPr>
-      <a:lvl4pPr marL="1600200" indent="-228600" algn="l" defTabSz="914400" rtl="0" eaLnBrk="1" latinLnBrk="0" hangingPunct="1">
-        <a:lnSpc>
-          <a:spcPct val="90000"/>
-        </a:lnSpc>
+      <a:lvl4pPr marL="1543050" indent="-171450" algn="l" defTabSz="457200" rtl="0" eaLnBrk="1" latinLnBrk="0" hangingPunct="1">
         <a:spcBef>
-          <a:spcPts val="500"/>
+          <a:spcPct val="20000"/>
         </a:spcBef>
-        <a:buFont typeface="Arial" panose="020B0604020202020204" pitchFamily="34" charset="0"/>
+        <a:spcAft>
+          <a:spcPts val="600"/>
+        </a:spcAft>
+        <a:buClr>
+          <a:schemeClr val="accent1"/>
+        </a:buClr>
+        <a:buSzPct val="115000"/>
+        <a:buFont typeface="Arial"/>
         <a:buChar char="•"/>
-        <a:defRPr sz="1800" kern="1200">
+        <a:defRPr sz="1600" kern="1200" cap="none">
           <a:solidFill>
-            <a:schemeClr val="tx1"/>
+            <a:schemeClr val="tx1">
+              <a:lumMod val="85000"/>
+              <a:lumOff val="15000"/>
+            </a:schemeClr>
           </a:solidFill>
+          <a:effectLst/>
           <a:latin typeface="+mn-lt"/>
           <a:ea typeface="+mn-ea"/>
           <a:cs typeface="+mn-cs"/>
         </a:defRPr>
       </a:lvl4pPr>
-      <a:lvl5pPr marL="2057400" indent="-228600" algn="l" defTabSz="914400" rtl="0" eaLnBrk="1" latinLnBrk="0" hangingPunct="1">
-        <a:lnSpc>
-          <a:spcPct val="90000"/>
-        </a:lnSpc>
+      <a:lvl5pPr marL="2000250" indent="-171450" algn="l" defTabSz="457200" rtl="0" eaLnBrk="1" latinLnBrk="0" hangingPunct="1">
         <a:spcBef>
-          <a:spcPts val="500"/>
+          <a:spcPct val="20000"/>
         </a:spcBef>
-        <a:buFont typeface="Arial" panose="020B0604020202020204" pitchFamily="34" charset="0"/>
+        <a:spcAft>
+          <a:spcPts val="600"/>
+        </a:spcAft>
+        <a:buClr>
+          <a:schemeClr val="accent1"/>
+        </a:buClr>
+        <a:buSzPct val="115000"/>
+        <a:buFont typeface="Arial"/>
         <a:buChar char="•"/>
-        <a:defRPr sz="1800" kern="1200">
+        <a:defRPr sz="1400" kern="1200" cap="none">
           <a:solidFill>
-            <a:schemeClr val="tx1"/>
+            <a:schemeClr val="tx1">
+              <a:lumMod val="85000"/>
+              <a:lumOff val="15000"/>
+            </a:schemeClr>
           </a:solidFill>
+          <a:effectLst/>
           <a:latin typeface="+mn-lt"/>
           <a:ea typeface="+mn-ea"/>
           <a:cs typeface="+mn-cs"/>
         </a:defRPr>
       </a:lvl5pPr>
-      <a:lvl6pPr marL="2514600" indent="-228600" algn="l" defTabSz="914400" rtl="0" eaLnBrk="1" latinLnBrk="0" hangingPunct="1">
-        <a:lnSpc>
-          <a:spcPct val="90000"/>
-        </a:lnSpc>
+      <a:lvl6pPr marL="2514600" indent="-228600" algn="l" defTabSz="457200" rtl="0" eaLnBrk="1" latinLnBrk="0" hangingPunct="1">
         <a:spcBef>
-          <a:spcPts val="500"/>
+          <a:spcPct val="20000"/>
         </a:spcBef>
-        <a:buFont typeface="Arial" panose="020B0604020202020204" pitchFamily="34" charset="0"/>
+        <a:spcAft>
+          <a:spcPts val="600"/>
+        </a:spcAft>
+        <a:buClr>
+          <a:schemeClr val="accent1"/>
+        </a:buClr>
+        <a:buSzPct val="115000"/>
+        <a:buFont typeface="Arial"/>
         <a:buChar char="•"/>
-        <a:defRPr sz="1800" kern="1200">
+        <a:defRPr sz="1400" kern="1200" cap="none">
           <a:solidFill>
-            <a:schemeClr val="tx1"/>
+            <a:schemeClr val="tx1">
+              <a:lumMod val="85000"/>
+              <a:lumOff val="15000"/>
+            </a:schemeClr>
           </a:solidFill>
+          <a:effectLst/>
           <a:latin typeface="+mn-lt"/>
           <a:ea typeface="+mn-ea"/>
           <a:cs typeface="+mn-cs"/>
         </a:defRPr>
       </a:lvl6pPr>
-      <a:lvl7pPr marL="2971800" indent="-228600" algn="l" defTabSz="914400" rtl="0" eaLnBrk="1" latinLnBrk="0" hangingPunct="1">
-        <a:lnSpc>
-          <a:spcPct val="90000"/>
-        </a:lnSpc>
+      <a:lvl7pPr marL="2971800" indent="-228600" algn="l" defTabSz="457200" rtl="0" eaLnBrk="1" latinLnBrk="0" hangingPunct="1">
         <a:spcBef>
-          <a:spcPts val="500"/>
+          <a:spcPct val="20000"/>
         </a:spcBef>
-        <a:buFont typeface="Arial" panose="020B0604020202020204" pitchFamily="34" charset="0"/>
+        <a:spcAft>
+          <a:spcPts val="600"/>
+        </a:spcAft>
+        <a:buClr>
+          <a:schemeClr val="accent1"/>
+        </a:buClr>
+        <a:buSzPct val="115000"/>
+        <a:buFont typeface="Arial"/>
         <a:buChar char="•"/>
-        <a:defRPr sz="1800" kern="1200">
+        <a:defRPr sz="1400" kern="1200" cap="none">
           <a:solidFill>
-            <a:schemeClr val="tx1"/>
+            <a:schemeClr val="tx1">
+              <a:lumMod val="85000"/>
+              <a:lumOff val="15000"/>
+            </a:schemeClr>
           </a:solidFill>
+          <a:effectLst/>
           <a:latin typeface="+mn-lt"/>
           <a:ea typeface="+mn-ea"/>
           <a:cs typeface="+mn-cs"/>
         </a:defRPr>
       </a:lvl7pPr>
-      <a:lvl8pPr marL="3429000" indent="-228600" algn="l" defTabSz="914400" rtl="0" eaLnBrk="1" latinLnBrk="0" hangingPunct="1">
-        <a:lnSpc>
-          <a:spcPct val="90000"/>
-        </a:lnSpc>
+      <a:lvl8pPr marL="3429000" indent="-228600" algn="l" defTabSz="457200" rtl="0" eaLnBrk="1" latinLnBrk="0" hangingPunct="1">
         <a:spcBef>
-          <a:spcPts val="500"/>
+          <a:spcPct val="20000"/>
         </a:spcBef>
-        <a:buFont typeface="Arial" panose="020B0604020202020204" pitchFamily="34" charset="0"/>
+        <a:spcAft>
+          <a:spcPts val="600"/>
+        </a:spcAft>
+        <a:buClr>
+          <a:schemeClr val="accent1"/>
+        </a:buClr>
+        <a:buSzPct val="115000"/>
+        <a:buFont typeface="Arial"/>
         <a:buChar char="•"/>
-        <a:defRPr sz="1800" kern="1200">
+        <a:defRPr sz="1400" kern="1200" cap="none">
           <a:solidFill>
-            <a:schemeClr val="tx1"/>
+            <a:schemeClr val="tx1">
+              <a:lumMod val="85000"/>
+              <a:lumOff val="15000"/>
+            </a:schemeClr>
           </a:solidFill>
+          <a:effectLst/>
           <a:latin typeface="+mn-lt"/>
           <a:ea typeface="+mn-ea"/>
           <a:cs typeface="+mn-cs"/>
         </a:defRPr>
       </a:lvl8pPr>
-      <a:lvl9pPr marL="3886200" indent="-228600" algn="l" defTabSz="914400" rtl="0" eaLnBrk="1" latinLnBrk="0" hangingPunct="1">
-        <a:lnSpc>
-          <a:spcPct val="90000"/>
-        </a:lnSpc>
+      <a:lvl9pPr marL="3886200" indent="-228600" algn="l" defTabSz="457200" rtl="0" eaLnBrk="1" latinLnBrk="0" hangingPunct="1">
         <a:spcBef>
-          <a:spcPts val="500"/>
+          <a:spcPct val="20000"/>
         </a:spcBef>
-        <a:buFont typeface="Arial" panose="020B0604020202020204" pitchFamily="34" charset="0"/>
+        <a:spcAft>
+          <a:spcPts val="600"/>
+        </a:spcAft>
+        <a:buClr>
+          <a:schemeClr val="accent1"/>
+        </a:buClr>
+        <a:buSzPct val="115000"/>
+        <a:buFont typeface="Arial"/>
         <a:buChar char="•"/>
-        <a:defRPr sz="1800" kern="1200">
+        <a:defRPr sz="1400" kern="1200" cap="none">
           <a:solidFill>
-            <a:schemeClr val="tx1"/>
+            <a:schemeClr val="tx1">
+              <a:lumMod val="85000"/>
+              <a:lumOff val="15000"/>
+            </a:schemeClr>
           </a:solidFill>
+          <a:effectLst/>
           <a:latin typeface="+mn-lt"/>
           <a:ea typeface="+mn-ea"/>
           <a:cs typeface="+mn-cs"/>
@@ -3243,7 +6173,7 @@
       <a:defPPr>
         <a:defRPr lang="en-US"/>
       </a:defPPr>
-      <a:lvl1pPr marL="0" algn="l" defTabSz="914400" rtl="0" eaLnBrk="1" latinLnBrk="0" hangingPunct="1">
+      <a:lvl1pPr marL="0" algn="l" defTabSz="457200" rtl="0" eaLnBrk="1" latinLnBrk="0" hangingPunct="1">
         <a:defRPr sz="1800" kern="1200">
           <a:solidFill>
             <a:schemeClr val="tx1"/>
@@ -3253,7 +6183,7 @@
           <a:cs typeface="+mn-cs"/>
         </a:defRPr>
       </a:lvl1pPr>
-      <a:lvl2pPr marL="457200" algn="l" defTabSz="914400" rtl="0" eaLnBrk="1" latinLnBrk="0" hangingPunct="1">
+      <a:lvl2pPr marL="457200" algn="l" defTabSz="457200" rtl="0" eaLnBrk="1" latinLnBrk="0" hangingPunct="1">
         <a:defRPr sz="1800" kern="1200">
           <a:solidFill>
             <a:schemeClr val="tx1"/>
@@ -3263,7 +6193,7 @@
           <a:cs typeface="+mn-cs"/>
         </a:defRPr>
       </a:lvl2pPr>
-      <a:lvl3pPr marL="914400" algn="l" defTabSz="914400" rtl="0" eaLnBrk="1" latinLnBrk="0" hangingPunct="1">
+      <a:lvl3pPr marL="914400" algn="l" defTabSz="457200" rtl="0" eaLnBrk="1" latinLnBrk="0" hangingPunct="1">
         <a:defRPr sz="1800" kern="1200">
           <a:solidFill>
             <a:schemeClr val="tx1"/>
@@ -3273,7 +6203,7 @@
           <a:cs typeface="+mn-cs"/>
         </a:defRPr>
       </a:lvl3pPr>
-      <a:lvl4pPr marL="1371600" algn="l" defTabSz="914400" rtl="0" eaLnBrk="1" latinLnBrk="0" hangingPunct="1">
+      <a:lvl4pPr marL="1371600" algn="l" defTabSz="457200" rtl="0" eaLnBrk="1" latinLnBrk="0" hangingPunct="1">
         <a:defRPr sz="1800" kern="1200">
           <a:solidFill>
             <a:schemeClr val="tx1"/>
@@ -3283,7 +6213,7 @@
           <a:cs typeface="+mn-cs"/>
         </a:defRPr>
       </a:lvl4pPr>
-      <a:lvl5pPr marL="1828800" algn="l" defTabSz="914400" rtl="0" eaLnBrk="1" latinLnBrk="0" hangingPunct="1">
+      <a:lvl5pPr marL="1828800" algn="l" defTabSz="457200" rtl="0" eaLnBrk="1" latinLnBrk="0" hangingPunct="1">
         <a:defRPr sz="1800" kern="1200">
           <a:solidFill>
             <a:schemeClr val="tx1"/>
@@ -3293,7 +6223,7 @@
           <a:cs typeface="+mn-cs"/>
         </a:defRPr>
       </a:lvl5pPr>
-      <a:lvl6pPr marL="2286000" algn="l" defTabSz="914400" rtl="0" eaLnBrk="1" latinLnBrk="0" hangingPunct="1">
+      <a:lvl6pPr marL="2286000" algn="l" defTabSz="457200" rtl="0" eaLnBrk="1" latinLnBrk="0" hangingPunct="1">
         <a:defRPr sz="1800" kern="1200">
           <a:solidFill>
             <a:schemeClr val="tx1"/>
@@ -3303,7 +6233,7 @@
           <a:cs typeface="+mn-cs"/>
         </a:defRPr>
       </a:lvl6pPr>
-      <a:lvl7pPr marL="2743200" algn="l" defTabSz="914400" rtl="0" eaLnBrk="1" latinLnBrk="0" hangingPunct="1">
+      <a:lvl7pPr marL="2743200" algn="l" defTabSz="457200" rtl="0" eaLnBrk="1" latinLnBrk="0" hangingPunct="1">
         <a:defRPr sz="1800" kern="1200">
           <a:solidFill>
             <a:schemeClr val="tx1"/>
@@ -3313,7 +6243,7 @@
           <a:cs typeface="+mn-cs"/>
         </a:defRPr>
       </a:lvl7pPr>
-      <a:lvl8pPr marL="3200400" algn="l" defTabSz="914400" rtl="0" eaLnBrk="1" latinLnBrk="0" hangingPunct="1">
+      <a:lvl8pPr marL="3200400" algn="l" defTabSz="457200" rtl="0" eaLnBrk="1" latinLnBrk="0" hangingPunct="1">
         <a:defRPr sz="1800" kern="1200">
           <a:solidFill>
             <a:schemeClr val="tx1"/>
@@ -3323,7 +6253,7 @@
           <a:cs typeface="+mn-cs"/>
         </a:defRPr>
       </a:lvl8pPr>
-      <a:lvl9pPr marL="3657600" algn="l" defTabSz="914400" rtl="0" eaLnBrk="1" latinLnBrk="0" hangingPunct="1">
+      <a:lvl9pPr marL="3657600" algn="l" defTabSz="457200" rtl="0" eaLnBrk="1" latinLnBrk="0" hangingPunct="1">
         <a:defRPr sz="1800" kern="1200">
           <a:solidFill>
             <a:schemeClr val="tx1"/>
@@ -3373,8 +6303,8 @@
         </p:nvSpPr>
         <p:spPr>
           <a:xfrm>
-            <a:off x="723899" y="781659"/>
-            <a:ext cx="9705975" cy="2387600"/>
+            <a:off x="2486026" y="965199"/>
+            <a:ext cx="6837084" cy="2305902"/>
           </a:xfrm>
         </p:spPr>
         <p:txBody>
@@ -3395,17 +6325,180 @@
                 <a:latin typeface="Arial Rounded MT Bold" panose="020F0704030504030204" pitchFamily="34" charset="0"/>
               </a:rPr>
             </a:br>
-            <a:br>
-              <a:rPr lang="en-US" sz="4000" dirty="0">
-                <a:latin typeface="Arial Rounded MT Bold" panose="020F0704030504030204" pitchFamily="34" charset="0"/>
-              </a:rPr>
-            </a:br>
             <a:r>
               <a:rPr lang="en-US" sz="4000" dirty="0">
                 <a:latin typeface="Arial Rounded MT Bold" panose="020F0704030504030204" pitchFamily="34" charset="0"/>
               </a:rPr>
               <a:t>Project: Implement the KNN Classifier</a:t>
             </a:r>
+          </a:p>
+        </p:txBody>
+      </p:sp>
+      <p:sp>
+        <p:nvSpPr>
+          <p:cNvPr id="3" name="Subtitle 2">
+            <a:extLst>
+              <a:ext uri="{FF2B5EF4-FFF2-40B4-BE49-F238E27FC236}">
+                <a16:creationId xmlns:a16="http://schemas.microsoft.com/office/drawing/2014/main" id="{AD130F94-7D77-DB75-85C6-15CFFBD3921B}"/>
+              </a:ext>
+            </a:extLst>
+          </p:cNvPr>
+          <p:cNvSpPr>
+            <a:spLocks noGrp="1"/>
+          </p:cNvSpPr>
+          <p:nvPr>
+            <p:ph type="subTitle" idx="1"/>
+          </p:nvPr>
+        </p:nvSpPr>
+        <p:spPr>
+          <a:xfrm>
+            <a:off x="1192074" y="2968626"/>
+            <a:ext cx="9424987" cy="2924175"/>
+          </a:xfrm>
+        </p:spPr>
+        <p:txBody>
+          <a:bodyPr>
+            <a:noAutofit/>
+          </a:bodyPr>
+          <a:lstStyle/>
+          <a:p>
+            <a:endParaRPr lang="en-US" sz="1600" dirty="0">
+              <a:solidFill>
+                <a:srgbClr val="002060"/>
+              </a:solidFill>
+              <a:latin typeface="Arial Rounded MT Bold" panose="020F0704030504030204" pitchFamily="34" charset="0"/>
+            </a:endParaRPr>
+          </a:p>
+          <a:p>
+            <a:endParaRPr lang="en-US" sz="1600" dirty="0">
+              <a:solidFill>
+                <a:srgbClr val="002060"/>
+              </a:solidFill>
+              <a:latin typeface="Arial Rounded MT Bold" panose="020F0704030504030204" pitchFamily="34" charset="0"/>
+            </a:endParaRPr>
+          </a:p>
+          <a:p>
+            <a:r>
+              <a:rPr lang="en-US" sz="1600" dirty="0">
+                <a:solidFill>
+                  <a:srgbClr val="002060"/>
+                </a:solidFill>
+                <a:latin typeface="Arial Rounded MT Bold" panose="020F0704030504030204" pitchFamily="34" charset="0"/>
+              </a:rPr>
+              <a:t>Presented by KNN Quest:</a:t>
+            </a:r>
+          </a:p>
+          <a:p>
+            <a:br>
+              <a:rPr lang="en-US" sz="1600" dirty="0">
+                <a:latin typeface="Arial Rounded MT Bold" panose="020F0704030504030204" pitchFamily="34" charset="0"/>
+              </a:rPr>
+            </a:br>
+            <a:r>
+              <a:rPr lang="en-US" sz="1600" dirty="0">
+                <a:latin typeface="Arial Rounded MT Bold" panose="020F0704030504030204" pitchFamily="34" charset="0"/>
+              </a:rPr>
+              <a:t>Kashif Hussain – </a:t>
+            </a:r>
+          </a:p>
+          <a:p>
+            <a:r>
+              <a:rPr lang="en-US" sz="1600" dirty="0">
+                <a:latin typeface="Arial Rounded MT Bold" panose="020F0704030504030204" pitchFamily="34" charset="0"/>
+              </a:rPr>
+              <a:t>Fahad Jabbar – </a:t>
+            </a:r>
+          </a:p>
+          <a:p>
+            <a:r>
+              <a:rPr lang="en-US" sz="1600" dirty="0">
+                <a:latin typeface="Arial Rounded MT Bold" panose="020F0704030504030204" pitchFamily="34" charset="0"/>
+              </a:rPr>
+              <a:t>Naila Shaheen –</a:t>
+            </a:r>
+          </a:p>
+          <a:p>
+            <a:r>
+              <a:rPr lang="en-US" sz="1600" dirty="0">
+                <a:latin typeface="Arial Rounded MT Bold" panose="020F0704030504030204" pitchFamily="34" charset="0"/>
+              </a:rPr>
+              <a:t>                                                        </a:t>
+            </a:r>
+          </a:p>
+          <a:p>
+            <a:r>
+              <a:rPr lang="en-US" sz="1600" dirty="0">
+                <a:latin typeface="Arial Rounded MT Bold" panose="020F0704030504030204" pitchFamily="34" charset="0"/>
+              </a:rPr>
+              <a:t>Guided by: Prof. Dr. Damir </a:t>
+            </a:r>
+            <a:r>
+              <a:rPr lang="en-US" sz="1600" dirty="0" err="1">
+                <a:latin typeface="Arial Rounded MT Bold" panose="020F0704030504030204" pitchFamily="34" charset="0"/>
+              </a:rPr>
+              <a:t>Dobric</a:t>
+            </a:r>
+            <a:endParaRPr lang="en-US" sz="1600" dirty="0">
+              <a:latin typeface="Arial Rounded MT Bold" panose="020F0704030504030204" pitchFamily="34" charset="0"/>
+            </a:endParaRPr>
+          </a:p>
+        </p:txBody>
+      </p:sp>
+      <p:sp>
+        <p:nvSpPr>
+          <p:cNvPr id="4" name="Date Placeholder 3">
+            <a:extLst>
+              <a:ext uri="{FF2B5EF4-FFF2-40B4-BE49-F238E27FC236}">
+                <a16:creationId xmlns:a16="http://schemas.microsoft.com/office/drawing/2014/main" id="{B56A32D8-A099-9B57-49B0-1828DBA433D5}"/>
+              </a:ext>
+            </a:extLst>
+          </p:cNvPr>
+          <p:cNvSpPr>
+            <a:spLocks noGrp="1"/>
+          </p:cNvSpPr>
+          <p:nvPr>
+            <p:ph type="dt" sz="half" idx="10"/>
+          </p:nvPr>
+        </p:nvSpPr>
+        <p:spPr/>
+        <p:txBody>
+          <a:bodyPr/>
+          <a:lstStyle/>
+          <a:p>
+            <a:fld id="{417A8112-CFF2-4B2D-A30A-AD3542D64B74}" type="datetime1">
+              <a:rPr lang="de-DE" smtClean="0"/>
+              <a:t>26.03.2024</a:t>
+            </a:fld>
+            <a:endParaRPr lang="en-US" dirty="0"/>
+          </a:p>
+        </p:txBody>
+      </p:sp>
+      <p:sp>
+        <p:nvSpPr>
+          <p:cNvPr id="5" name="Slide Number Placeholder 4">
+            <a:extLst>
+              <a:ext uri="{FF2B5EF4-FFF2-40B4-BE49-F238E27FC236}">
+                <a16:creationId xmlns:a16="http://schemas.microsoft.com/office/drawing/2014/main" id="{638376B8-0865-F5E5-EF37-C7990AEF3DD7}"/>
+              </a:ext>
+            </a:extLst>
+          </p:cNvPr>
+          <p:cNvSpPr>
+            <a:spLocks noGrp="1"/>
+          </p:cNvSpPr>
+          <p:nvPr>
+            <p:ph type="sldNum" sz="quarter" idx="12"/>
+          </p:nvPr>
+        </p:nvSpPr>
+        <p:spPr/>
+        <p:txBody>
+          <a:bodyPr/>
+          <a:lstStyle/>
+          <a:p>
+            <a:fld id="{DDE4B26F-E58A-4C83-9619-68F81596DFD8}" type="slidenum">
+              <a:rPr lang="en-US" smtClean="0"/>
+              <a:t>1</a:t>
+            </a:fld>
+            <a:endParaRPr lang="en-US" dirty="0"/>
           </a:p>
         </p:txBody>
       </p:sp>
@@ -3463,174 +6556,6 @@
           </a:extLst>
         </p:spPr>
       </p:pic>
-      <p:sp>
-        <p:nvSpPr>
-          <p:cNvPr id="3" name="Subtitle 2">
-            <a:extLst>
-              <a:ext uri="{FF2B5EF4-FFF2-40B4-BE49-F238E27FC236}">
-                <a16:creationId xmlns:a16="http://schemas.microsoft.com/office/drawing/2014/main" id="{AD130F94-7D77-DB75-85C6-15CFFBD3921B}"/>
-              </a:ext>
-            </a:extLst>
-          </p:cNvPr>
-          <p:cNvSpPr>
-            <a:spLocks noGrp="1"/>
-          </p:cNvSpPr>
-          <p:nvPr>
-            <p:ph type="subTitle" idx="1"/>
-          </p:nvPr>
-        </p:nvSpPr>
-        <p:spPr>
-          <a:xfrm>
-            <a:off x="723899" y="3352799"/>
-            <a:ext cx="9424987" cy="2924175"/>
-          </a:xfrm>
-        </p:spPr>
-        <p:txBody>
-          <a:bodyPr>
-            <a:noAutofit/>
-          </a:bodyPr>
-          <a:lstStyle/>
-          <a:p>
-            <a:endParaRPr lang="en-US" sz="1600" dirty="0">
-              <a:solidFill>
-                <a:srgbClr val="002060"/>
-              </a:solidFill>
-              <a:latin typeface="Arial Rounded MT Bold" panose="020F0704030504030204" pitchFamily="34" charset="0"/>
-            </a:endParaRPr>
-          </a:p>
-          <a:p>
-            <a:endParaRPr lang="en-US" sz="1600" dirty="0">
-              <a:solidFill>
-                <a:srgbClr val="002060"/>
-              </a:solidFill>
-              <a:latin typeface="Arial Rounded MT Bold" panose="020F0704030504030204" pitchFamily="34" charset="0"/>
-            </a:endParaRPr>
-          </a:p>
-          <a:p>
-            <a:r>
-              <a:rPr lang="en-US" sz="1600" dirty="0">
-                <a:solidFill>
-                  <a:srgbClr val="002060"/>
-                </a:solidFill>
-                <a:latin typeface="Arial Rounded MT Bold" panose="020F0704030504030204" pitchFamily="34" charset="0"/>
-              </a:rPr>
-              <a:t>Presented by KNN Quest:</a:t>
-            </a:r>
-          </a:p>
-          <a:p>
-            <a:br>
-              <a:rPr lang="en-US" sz="1600" dirty="0">
-                <a:latin typeface="Arial Rounded MT Bold" panose="020F0704030504030204" pitchFamily="34" charset="0"/>
-              </a:rPr>
-            </a:br>
-            <a:r>
-              <a:rPr lang="en-US" sz="1600" dirty="0">
-                <a:latin typeface="Arial Rounded MT Bold" panose="020F0704030504030204" pitchFamily="34" charset="0"/>
-              </a:rPr>
-              <a:t>Kashif Hussain – </a:t>
-            </a:r>
-          </a:p>
-          <a:p>
-            <a:r>
-              <a:rPr lang="en-US" sz="1600" dirty="0">
-                <a:latin typeface="Arial Rounded MT Bold" panose="020F0704030504030204" pitchFamily="34" charset="0"/>
-              </a:rPr>
-              <a:t>Fahad Jabbar – </a:t>
-            </a:r>
-          </a:p>
-          <a:p>
-            <a:r>
-              <a:rPr lang="en-US" sz="1600" dirty="0">
-                <a:latin typeface="Arial Rounded MT Bold" panose="020F0704030504030204" pitchFamily="34" charset="0"/>
-              </a:rPr>
-              <a:t>Naila Shaheen –</a:t>
-            </a:r>
-          </a:p>
-          <a:p>
-            <a:r>
-              <a:rPr lang="en-US" sz="1600" dirty="0">
-                <a:latin typeface="Arial Rounded MT Bold" panose="020F0704030504030204" pitchFamily="34" charset="0"/>
-              </a:rPr>
-              <a:t>                                                        </a:t>
-            </a:r>
-          </a:p>
-          <a:p>
-            <a:r>
-              <a:rPr lang="en-US" sz="1600" dirty="0">
-                <a:latin typeface="Arial Rounded MT Bold" panose="020F0704030504030204" pitchFamily="34" charset="0"/>
-              </a:rPr>
-              <a:t>Guided by: Prof. Dr. Damir </a:t>
-            </a:r>
-            <a:r>
-              <a:rPr lang="en-US" sz="1600" dirty="0" err="1">
-                <a:latin typeface="Arial Rounded MT Bold" panose="020F0704030504030204" pitchFamily="34" charset="0"/>
-              </a:rPr>
-              <a:t>Dobric</a:t>
-            </a:r>
-            <a:endParaRPr lang="en-US" sz="1600" dirty="0">
-              <a:latin typeface="Arial Rounded MT Bold" panose="020F0704030504030204" pitchFamily="34" charset="0"/>
-            </a:endParaRPr>
-          </a:p>
-        </p:txBody>
-      </p:sp>
-      <p:sp>
-        <p:nvSpPr>
-          <p:cNvPr id="4" name="Date Placeholder 3">
-            <a:extLst>
-              <a:ext uri="{FF2B5EF4-FFF2-40B4-BE49-F238E27FC236}">
-                <a16:creationId xmlns:a16="http://schemas.microsoft.com/office/drawing/2014/main" id="{B56A32D8-A099-9B57-49B0-1828DBA433D5}"/>
-              </a:ext>
-            </a:extLst>
-          </p:cNvPr>
-          <p:cNvSpPr>
-            <a:spLocks noGrp="1"/>
-          </p:cNvSpPr>
-          <p:nvPr>
-            <p:ph type="dt" sz="half" idx="10"/>
-          </p:nvPr>
-        </p:nvSpPr>
-        <p:spPr/>
-        <p:txBody>
-          <a:bodyPr/>
-          <a:lstStyle/>
-          <a:p>
-            <a:fld id="{417A8112-CFF2-4B2D-A30A-AD3542D64B74}" type="datetime1">
-              <a:rPr lang="de-DE" smtClean="0"/>
-              <a:t>25.03.2024</a:t>
-            </a:fld>
-            <a:endParaRPr lang="en-US" dirty="0"/>
-          </a:p>
-        </p:txBody>
-      </p:sp>
-      <p:sp>
-        <p:nvSpPr>
-          <p:cNvPr id="5" name="Slide Number Placeholder 4">
-            <a:extLst>
-              <a:ext uri="{FF2B5EF4-FFF2-40B4-BE49-F238E27FC236}">
-                <a16:creationId xmlns:a16="http://schemas.microsoft.com/office/drawing/2014/main" id="{638376B8-0865-F5E5-EF37-C7990AEF3DD7}"/>
-              </a:ext>
-            </a:extLst>
-          </p:cNvPr>
-          <p:cNvSpPr>
-            <a:spLocks noGrp="1"/>
-          </p:cNvSpPr>
-          <p:nvPr>
-            <p:ph type="sldNum" sz="quarter" idx="12"/>
-          </p:nvPr>
-        </p:nvSpPr>
-        <p:spPr/>
-        <p:txBody>
-          <a:bodyPr/>
-          <a:lstStyle/>
-          <a:p>
-            <a:fld id="{DDE4B26F-E58A-4C83-9619-68F81596DFD8}" type="slidenum">
-              <a:rPr lang="en-US" smtClean="0"/>
-              <a:t>1</a:t>
-            </a:fld>
-            <a:endParaRPr lang="en-US" dirty="0"/>
-          </a:p>
-        </p:txBody>
-      </p:sp>
     </p:spTree>
     <p:extLst>
       <p:ext uri="{BB962C8B-B14F-4D97-AF65-F5344CB8AC3E}">
@@ -3817,7 +6742,7 @@
           <a:p>
             <a:fld id="{9B2A6F4F-9563-451F-A077-87C68364E6DB}" type="datetime1">
               <a:rPr lang="de-DE" smtClean="0"/>
-              <a:t>25.03.2024</a:t>
+              <a:t>26.03.2024</a:t>
             </a:fld>
             <a:endParaRPr lang="en-US" dirty="0"/>
           </a:p>
@@ -3962,7 +6887,7 @@
           <a:p>
             <a:fld id="{89E62C9B-B452-4322-936F-91A12848BB5E}" type="datetime1">
               <a:rPr lang="de-DE" smtClean="0"/>
-              <a:t>25.03.2024</a:t>
+              <a:t>26.03.2024</a:t>
             </a:fld>
             <a:endParaRPr lang="en-US"/>
           </a:p>
@@ -4046,7 +6971,7 @@
         <p:spPr/>
         <p:txBody>
           <a:bodyPr>
-            <a:normAutofit/>
+            <a:normAutofit fontScale="90000"/>
           </a:bodyPr>
           <a:lstStyle/>
           <a:p>
@@ -4081,7 +7006,7 @@
           <a:lstStyle/>
           <a:p>
             <a:r>
-              <a:rPr lang="en-US" sz="2000" dirty="0"/>
+              <a:rPr lang="en-US" sz="1800" dirty="0"/>
               <a:t>A native KNN classifier is designed based on the principle of similarity, where data points with similar characteristics tend to belong to the same class. During training, it stores labeled data points, each representing specific features and corresponding class labels. When predicting, it calculates distances between new and stored points, identifies the k nearest neighbors, and predicts the class label based on a majority vote among them.</a:t>
             </a:r>
           </a:p>
@@ -4113,7 +7038,7 @@
           <a:p>
             <a:fld id="{89E62C9B-B452-4322-936F-91A12848BB5E}" type="datetime1">
               <a:rPr lang="de-DE" smtClean="0"/>
-              <a:t>25.03.2024</a:t>
+              <a:t>26.03.2024</a:t>
             </a:fld>
             <a:endParaRPr lang="en-US"/>
           </a:p>
@@ -4173,7 +7098,7 @@
         </p:blipFill>
         <p:spPr bwMode="auto">
           <a:xfrm>
-            <a:off x="4125797" y="3560976"/>
+            <a:off x="4125796" y="3781621"/>
             <a:ext cx="3940405" cy="2327079"/>
           </a:xfrm>
           <a:prstGeom prst="rect">
@@ -4345,7 +7270,7 @@
           <a:p>
             <a:fld id="{89E62C9B-B452-4322-936F-91A12848BB5E}" type="datetime1">
               <a:rPr lang="de-DE" smtClean="0"/>
-              <a:t>25.03.2024</a:t>
+              <a:t>26.03.2024</a:t>
             </a:fld>
             <a:endParaRPr lang="en-US"/>
           </a:p>
@@ -4405,7 +7330,7 @@
         </p:blipFill>
         <p:spPr bwMode="auto">
           <a:xfrm>
-            <a:off x="6096000" y="2224872"/>
+            <a:off x="6390715" y="2915574"/>
             <a:ext cx="3886986" cy="2601652"/>
           </a:xfrm>
           <a:prstGeom prst="rect">
@@ -4470,7 +7395,7 @@
         <p:spPr/>
         <p:txBody>
           <a:bodyPr>
-            <a:normAutofit/>
+            <a:normAutofit fontScale="90000"/>
           </a:bodyPr>
           <a:lstStyle/>
           <a:p>
@@ -4507,7 +7432,7 @@
           <a:lstStyle/>
           <a:p>
             <a:r>
-              <a:rPr lang="en-US" sz="2400" dirty="0"/>
+              <a:rPr lang="en-US" sz="1800" dirty="0"/>
               <a:t>A sequence learning and classification framework integrates an encoder, Spatial Pooler, Temporal Memory, and K-nearest neighbor (KNN) classifier. The encoder preprocesses sequential data, while the Spatial Pooler identifies spatial patterns using Hebbian learning principles. These patterns are utilized by the KNN classifier for label prediction, while the Temporal Memory focuses on learning temporal sequences and enriching classification insights.</a:t>
             </a:r>
           </a:p>
@@ -4536,7 +7461,7 @@
           <a:p>
             <a:fld id="{89E62C9B-B452-4322-936F-91A12848BB5E}" type="datetime1">
               <a:rPr lang="de-DE" smtClean="0"/>
-              <a:t>25.03.2024</a:t>
+              <a:t>26.03.2024</a:t>
             </a:fld>
             <a:endParaRPr lang="en-US"/>
           </a:p>
@@ -4692,11 +7617,13 @@
         </p:nvSpPr>
         <p:spPr/>
         <p:txBody>
-          <a:bodyPr/>
-          <a:lstStyle/>
-          <a:p>
-            <a:r>
-              <a:rPr lang="en-US" dirty="0"/>
+          <a:bodyPr>
+            <a:normAutofit/>
+          </a:bodyPr>
+          <a:lstStyle/>
+          <a:p>
+            <a:r>
+              <a:rPr lang="en-US" sz="1800" dirty="0"/>
               <a:t>When presented with a new sequence, the KNN classifier utilizes both spatial patterns from the Spatial Pooler and temporal context from the Temporal Memory. This integrated approach, drawing on spatial and temporal learning mechanisms inspired by HTM principles, boosts classification accuracy and robustness when dealing with sequential data.</a:t>
             </a:r>
           </a:p>
@@ -4725,7 +7652,7 @@
           <a:p>
             <a:fld id="{89E62C9B-B452-4322-936F-91A12848BB5E}" type="datetime1">
               <a:rPr lang="de-DE" smtClean="0"/>
-              <a:t>25.03.2024</a:t>
+              <a:t>26.03.2024</a:t>
             </a:fld>
             <a:endParaRPr lang="en-US"/>
           </a:p>
@@ -4809,7 +7736,7 @@
         <p:spPr/>
         <p:txBody>
           <a:bodyPr>
-            <a:normAutofit/>
+            <a:normAutofit fontScale="90000"/>
           </a:bodyPr>
           <a:lstStyle/>
           <a:p>
@@ -4840,7 +7767,7 @@
         </p:nvSpPr>
         <p:spPr>
           <a:xfrm>
-            <a:off x="838200" y="1825625"/>
+            <a:off x="1146929" y="2692891"/>
             <a:ext cx="7259425" cy="4351338"/>
           </a:xfrm>
         </p:spPr>
@@ -4850,24 +7777,25 @@
           </a:bodyPr>
           <a:lstStyle/>
           <a:p>
-            <a:r>
-              <a:rPr lang="en-US" sz="2400" dirty="0"/>
+            <a:pPr algn="just"/>
+            <a:r>
+              <a:rPr lang="en-US" sz="1800" dirty="0"/>
               <a:t>After obtaining the dataset from the Spatial Pattern Learning experiment, it's stored in a CSV file. The </a:t>
             </a:r>
             <a:r>
-              <a:rPr lang="en-US" sz="2400" dirty="0" err="1"/>
+              <a:rPr lang="en-US" sz="1800" dirty="0" err="1"/>
               <a:t>LoadData</a:t>
             </a:r>
             <a:r>
-              <a:rPr lang="en-US" sz="2400" dirty="0"/>
+              <a:rPr lang="en-US" sz="1800" dirty="0"/>
               <a:t>() method efficiently reads and parses this dataset, creating </a:t>
             </a:r>
             <a:r>
-              <a:rPr lang="en-US" sz="2400" dirty="0" err="1"/>
+              <a:rPr lang="en-US" sz="1800" dirty="0" err="1"/>
               <a:t>DataPoint</a:t>
             </a:r>
             <a:r>
-              <a:rPr lang="en-US" sz="2400" dirty="0"/>
+              <a:rPr lang="en-US" sz="1800" dirty="0"/>
               <a:t> objects for each entry. This dataset, representing SDRs, is then utilized by the KNN classifier to classify sequences based on their similarity to the training data, leveraging the nearest neighbors in the feature space for precise pattern recognition and classification decisions.</a:t>
             </a:r>
           </a:p>
@@ -4896,7 +7824,7 @@
           <a:p>
             <a:fld id="{89E62C9B-B452-4322-936F-91A12848BB5E}" type="datetime1">
               <a:rPr lang="de-DE" smtClean="0"/>
-              <a:t>25.03.2024</a:t>
+              <a:t>26.03.2024</a:t>
             </a:fld>
             <a:endParaRPr lang="en-US"/>
           </a:p>
@@ -4956,8 +7884,8 @@
         </p:blipFill>
         <p:spPr bwMode="auto">
           <a:xfrm>
-            <a:off x="8257880" y="1825625"/>
-            <a:ext cx="3516679" cy="4018994"/>
+            <a:off x="8550111" y="2495075"/>
+            <a:ext cx="2941644" cy="3264849"/>
           </a:xfrm>
           <a:prstGeom prst="rect">
             <a:avLst/>
@@ -5067,7 +7995,7 @@
           <a:lstStyle/>
           <a:p>
             <a:r>
-              <a:rPr lang="en-US" sz="2400" dirty="0"/>
+              <a:rPr lang="en-US" sz="1800" dirty="0"/>
               <a:t>The research integrates K-Nearest Neighbors (KNN) classification with the Neocortex API, leveraging spatial pooling and hierarchical temporal memory (HTM) for enhanced sequential data classification. Rigorous testing showcases the model's robustness, achieving a notable 90% accuracy rate across diverse scenarios. These results highlight the promise of neuromorphic-inspired frameworks in advancing sequential data analysis, while future research aims to optimize performance and explore broader applications</a:t>
             </a:r>
           </a:p>
@@ -5096,7 +8024,7 @@
           <a:p>
             <a:fld id="{89E62C9B-B452-4322-936F-91A12848BB5E}" type="datetime1">
               <a:rPr lang="de-DE" smtClean="0"/>
-              <a:t>25.03.2024</a:t>
+              <a:t>26.03.2024</a:t>
             </a:fld>
             <a:endParaRPr lang="en-US"/>
           </a:p>
@@ -5145,9 +8073,9 @@
 </file>
 
 <file path=ppt/theme/theme1.xml><?xml version="1.0" encoding="utf-8"?>
-<a:theme xmlns:a="http://schemas.openxmlformats.org/drawingml/2006/main" name="Office Theme">
+<a:theme xmlns:a="http://schemas.openxmlformats.org/drawingml/2006/main" name="Organic">
   <a:themeElements>
-    <a:clrScheme name="Office">
+    <a:clrScheme name="Organic">
       <a:dk1>
         <a:sysClr val="windowText" lastClr="000000"/>
       </a:dk1>
@@ -5155,44 +8083,79 @@
         <a:sysClr val="window" lastClr="FFFFFF"/>
       </a:lt1>
       <a:dk2>
-        <a:srgbClr val="44546A"/>
+        <a:srgbClr val="212121"/>
       </a:dk2>
       <a:lt2>
-        <a:srgbClr val="E7E6E6"/>
+        <a:srgbClr val="DADADA"/>
       </a:lt2>
       <a:accent1>
-        <a:srgbClr val="4472C4"/>
+        <a:srgbClr val="83992A"/>
       </a:accent1>
       <a:accent2>
-        <a:srgbClr val="ED7D31"/>
+        <a:srgbClr val="3C9770"/>
       </a:accent2>
       <a:accent3>
-        <a:srgbClr val="A5A5A5"/>
+        <a:srgbClr val="44709D"/>
       </a:accent3>
       <a:accent4>
-        <a:srgbClr val="FFC000"/>
+        <a:srgbClr val="A23C33"/>
       </a:accent4>
       <a:accent5>
-        <a:srgbClr val="5B9BD5"/>
+        <a:srgbClr val="D97828"/>
       </a:accent5>
       <a:accent6>
-        <a:srgbClr val="70AD47"/>
+        <a:srgbClr val="DEB340"/>
       </a:accent6>
       <a:hlink>
-        <a:srgbClr val="0563C1"/>
+        <a:srgbClr val="A8BF4D"/>
       </a:hlink>
       <a:folHlink>
-        <a:srgbClr val="954F72"/>
+        <a:srgbClr val="B4CA80"/>
       </a:folHlink>
     </a:clrScheme>
-    <a:fontScheme name="Office">
+    <a:fontScheme name="Organic">
       <a:majorFont>
-        <a:latin typeface="Calibri Light" panose="020F0302020204030204"/>
+        <a:latin typeface="Garamond" panose="02020404030301010803"/>
         <a:ea typeface=""/>
         <a:cs typeface=""/>
-        <a:font script="Jpan" typeface="游ゴシック Light"/>
-        <a:font script="Hang" typeface="맑은 고딕"/>
-        <a:font script="Hans" typeface="等线 Light"/>
+        <a:font script="Jpan" typeface="ＭＳ Ｐゴシック"/>
+        <a:font script="Hang" typeface="돋움"/>
+        <a:font script="Hans" typeface="方正舒体"/>
+        <a:font script="Hant" typeface="微軟正黑體"/>
+        <a:font script="Arab" typeface="Arial"/>
+        <a:font script="Hebr" typeface="Arial"/>
+        <a:font script="Thai" typeface="Cordia New"/>
+        <a:font script="Ethi" typeface="Nyala"/>
+        <a:font script="Beng" typeface="Vrinda"/>
+        <a:font script="Gujr" typeface="Shruti"/>
+        <a:font script="Khmr" typeface="DaunPenh"/>
+        <a:font script="Knda" typeface="Tunga"/>
+        <a:font script="Guru" typeface="Raavi"/>
+        <a:font script="Cans" typeface="Euphemia"/>
+        <a:font script="Cher" typeface="Plantagenet Cherokee"/>
+        <a:font script="Yiii" typeface="Microsoft Yi Baiti"/>
+        <a:font script="Tibt" typeface="Microsoft Himalaya"/>
+        <a:font script="Thaa" typeface="MV Boli"/>
+        <a:font script="Deva" typeface="Mangal"/>
+        <a:font script="Telu" typeface="Gautami"/>
+        <a:font script="Taml" typeface="Latha"/>
+        <a:font script="Syrc" typeface="Estrangelo Edessa"/>
+        <a:font script="Orya" typeface="Kalinga"/>
+        <a:font script="Mlym" typeface="Kartika"/>
+        <a:font script="Laoo" typeface="DokChampa"/>
+        <a:font script="Sinh" typeface="Iskoola Pota"/>
+        <a:font script="Mong" typeface="Mongolian Baiti"/>
+        <a:font script="Viet" typeface="Arial"/>
+        <a:font script="Uigh" typeface="Microsoft Uighur"/>
+        <a:font script="Geor" typeface="Sylfaen"/>
+      </a:majorFont>
+      <a:minorFont>
+        <a:latin typeface="Garamond" panose="02020404030301010803"/>
+        <a:ea typeface=""/>
+        <a:cs typeface=""/>
+        <a:font script="Jpan" typeface="ＭＳ Ｐ明朝"/>
+        <a:font script="Hang" typeface="바탕"/>
+        <a:font script="Hans" typeface="方正舒体"/>
         <a:font script="Hant" typeface="新細明體"/>
         <a:font script="Arab" typeface="Times New Roman"/>
         <a:font script="Hebr" typeface="Times New Roman"/>
@@ -5220,78 +8183,9 @@
         <a:font script="Viet" typeface="Times New Roman"/>
         <a:font script="Uigh" typeface="Microsoft Uighur"/>
         <a:font script="Geor" typeface="Sylfaen"/>
-        <a:font script="Armn" typeface="Arial"/>
-        <a:font script="Bugi" typeface="Leelawadee UI"/>
-        <a:font script="Bopo" typeface="Microsoft JhengHei"/>
-        <a:font script="Java" typeface="Javanese Text"/>
-        <a:font script="Lisu" typeface="Segoe UI"/>
-        <a:font script="Mymr" typeface="Myanmar Text"/>
-        <a:font script="Nkoo" typeface="Ebrima"/>
-        <a:font script="Olck" typeface="Nirmala UI"/>
-        <a:font script="Osma" typeface="Ebrima"/>
-        <a:font script="Phag" typeface="Phagspa"/>
-        <a:font script="Syrn" typeface="Estrangelo Edessa"/>
-        <a:font script="Syrj" typeface="Estrangelo Edessa"/>
-        <a:font script="Syre" typeface="Estrangelo Edessa"/>
-        <a:font script="Sora" typeface="Nirmala UI"/>
-        <a:font script="Tale" typeface="Microsoft Tai Le"/>
-        <a:font script="Talu" typeface="Microsoft New Tai Lue"/>
-        <a:font script="Tfng" typeface="Ebrima"/>
-      </a:majorFont>
-      <a:minorFont>
-        <a:latin typeface="Calibri" panose="020F0502020204030204"/>
-        <a:ea typeface=""/>
-        <a:cs typeface=""/>
-        <a:font script="Jpan" typeface="游ゴシック"/>
-        <a:font script="Hang" typeface="맑은 고딕"/>
-        <a:font script="Hans" typeface="等线"/>
-        <a:font script="Hant" typeface="新細明體"/>
-        <a:font script="Arab" typeface="Arial"/>
-        <a:font script="Hebr" typeface="Arial"/>
-        <a:font script="Thai" typeface="Cordia New"/>
-        <a:font script="Ethi" typeface="Nyala"/>
-        <a:font script="Beng" typeface="Vrinda"/>
-        <a:font script="Gujr" typeface="Shruti"/>
-        <a:font script="Khmr" typeface="DaunPenh"/>
-        <a:font script="Knda" typeface="Tunga"/>
-        <a:font script="Guru" typeface="Raavi"/>
-        <a:font script="Cans" typeface="Euphemia"/>
-        <a:font script="Cher" typeface="Plantagenet Cherokee"/>
-        <a:font script="Yiii" typeface="Microsoft Yi Baiti"/>
-        <a:font script="Tibt" typeface="Microsoft Himalaya"/>
-        <a:font script="Thaa" typeface="MV Boli"/>
-        <a:font script="Deva" typeface="Mangal"/>
-        <a:font script="Telu" typeface="Gautami"/>
-        <a:font script="Taml" typeface="Latha"/>
-        <a:font script="Syrc" typeface="Estrangelo Edessa"/>
-        <a:font script="Orya" typeface="Kalinga"/>
-        <a:font script="Mlym" typeface="Kartika"/>
-        <a:font script="Laoo" typeface="DokChampa"/>
-        <a:font script="Sinh" typeface="Iskoola Pota"/>
-        <a:font script="Mong" typeface="Mongolian Baiti"/>
-        <a:font script="Viet" typeface="Arial"/>
-        <a:font script="Uigh" typeface="Microsoft Uighur"/>
-        <a:font script="Geor" typeface="Sylfaen"/>
-        <a:font script="Armn" typeface="Arial"/>
-        <a:font script="Bugi" typeface="Leelawadee UI"/>
-        <a:font script="Bopo" typeface="Microsoft JhengHei"/>
-        <a:font script="Java" typeface="Javanese Text"/>
-        <a:font script="Lisu" typeface="Segoe UI"/>
-        <a:font script="Mymr" typeface="Myanmar Text"/>
-        <a:font script="Nkoo" typeface="Ebrima"/>
-        <a:font script="Olck" typeface="Nirmala UI"/>
-        <a:font script="Osma" typeface="Ebrima"/>
-        <a:font script="Phag" typeface="Phagspa"/>
-        <a:font script="Syrn" typeface="Estrangelo Edessa"/>
-        <a:font script="Syrj" typeface="Estrangelo Edessa"/>
-        <a:font script="Syre" typeface="Estrangelo Edessa"/>
-        <a:font script="Sora" typeface="Nirmala UI"/>
-        <a:font script="Tale" typeface="Microsoft Tai Le"/>
-        <a:font script="Talu" typeface="Microsoft New Tai Lue"/>
-        <a:font script="Tfng" typeface="Ebrima"/>
       </a:minorFont>
     </a:fontScheme>
-    <a:fmtScheme name="Office">
+    <a:fmtScheme name="Organic">
       <a:fillStyleLst>
         <a:solidFill>
           <a:schemeClr val="phClr"/>
@@ -5300,76 +8194,54 @@
           <a:gsLst>
             <a:gs pos="0">
               <a:schemeClr val="phClr">
+                <a:tint val="60000"/>
                 <a:lumMod val="110000"/>
-                <a:satMod val="105000"/>
-                <a:tint val="67000"/>
-              </a:schemeClr>
-            </a:gs>
-            <a:gs pos="50000">
-              <a:schemeClr val="phClr">
-                <a:lumMod val="105000"/>
-                <a:satMod val="103000"/>
-                <a:tint val="73000"/>
               </a:schemeClr>
             </a:gs>
             <a:gs pos="100000">
               <a:schemeClr val="phClr">
-                <a:lumMod val="105000"/>
-                <a:satMod val="109000"/>
-                <a:tint val="81000"/>
+                <a:tint val="82000"/>
               </a:schemeClr>
             </a:gs>
           </a:gsLst>
           <a:lin ang="5400000" scaled="0"/>
         </a:gradFill>
-        <a:gradFill rotWithShape="1">
-          <a:gsLst>
-            <a:gs pos="0">
+        <a:blipFill>
+          <a:blip xmlns:r="http://schemas.openxmlformats.org/officeDocument/2006/relationships" r:embed="rId1">
+            <a:duotone>
               <a:schemeClr val="phClr">
-                <a:satMod val="103000"/>
-                <a:lumMod val="102000"/>
+                <a:shade val="74000"/>
+                <a:satMod val="130000"/>
+                <a:lumMod val="90000"/>
+              </a:schemeClr>
+              <a:schemeClr val="phClr">
                 <a:tint val="94000"/>
+                <a:satMod val="120000"/>
+                <a:lumMod val="104000"/>
               </a:schemeClr>
-            </a:gs>
-            <a:gs pos="50000">
-              <a:schemeClr val="phClr">
-                <a:satMod val="110000"/>
-                <a:lumMod val="100000"/>
-                <a:shade val="100000"/>
-              </a:schemeClr>
-            </a:gs>
-            <a:gs pos="100000">
-              <a:schemeClr val="phClr">
-                <a:lumMod val="99000"/>
-                <a:satMod val="120000"/>
-                <a:shade val="78000"/>
-              </a:schemeClr>
-            </a:gs>
-          </a:gsLst>
-          <a:lin ang="5400000" scaled="0"/>
-        </a:gradFill>
+            </a:duotone>
+          </a:blip>
+          <a:tile tx="0" ty="0" sx="100000" sy="100000" flip="none" algn="tl"/>
+        </a:blipFill>
       </a:fillStyleLst>
       <a:lnStyleLst>
-        <a:ln w="6350" cap="flat" cmpd="sng" algn="ctr">
+        <a:ln w="9525" cap="flat" cmpd="sng" algn="ctr">
           <a:solidFill>
             <a:schemeClr val="phClr"/>
           </a:solidFill>
           <a:prstDash val="solid"/>
-          <a:miter lim="800000"/>
         </a:ln>
-        <a:ln w="12700" cap="flat" cmpd="sng" algn="ctr">
+        <a:ln w="15875" cap="flat" cmpd="sng" algn="ctr">
           <a:solidFill>
             <a:schemeClr val="phClr"/>
           </a:solidFill>
           <a:prstDash val="solid"/>
-          <a:miter lim="800000"/>
         </a:ln>
-        <a:ln w="19050" cap="flat" cmpd="sng" algn="ctr">
+        <a:ln w="25400" cap="flat" cmpd="sng" algn="ctr">
           <a:solidFill>
             <a:schemeClr val="phClr"/>
           </a:solidFill>
           <a:prstDash val="solid"/>
-          <a:miter lim="800000"/>
         </a:ln>
       </a:lnStyleLst>
       <a:effectStyleLst>
@@ -5377,13 +8249,19 @@
           <a:effectLst/>
         </a:effectStyle>
         <a:effectStyle>
-          <a:effectLst/>
+          <a:effectLst>
+            <a:innerShdw blurRad="25400" dist="12700" dir="13500000">
+              <a:srgbClr val="000000">
+                <a:alpha val="45000"/>
+              </a:srgbClr>
+            </a:innerShdw>
+          </a:effectLst>
         </a:effectStyle>
         <a:effectStyle>
           <a:effectLst>
-            <a:outerShdw blurRad="57150" dist="19050" dir="5400000" algn="ctr" rotWithShape="0">
+            <a:outerShdw blurRad="38100" dist="25400" dir="5400000" rotWithShape="0">
               <a:srgbClr val="000000">
-                <a:alpha val="63000"/>
+                <a:alpha val="60000"/>
               </a:srgbClr>
             </a:outerShdw>
           </a:effectLst>
@@ -5393,39 +8271,27 @@
         <a:solidFill>
           <a:schemeClr val="phClr"/>
         </a:solidFill>
-        <a:solidFill>
-          <a:schemeClr val="phClr">
-            <a:tint val="95000"/>
-            <a:satMod val="170000"/>
-          </a:schemeClr>
-        </a:solidFill>
         <a:gradFill rotWithShape="1">
           <a:gsLst>
             <a:gs pos="0">
               <a:schemeClr val="phClr">
-                <a:tint val="93000"/>
-                <a:satMod val="150000"/>
-                <a:shade val="98000"/>
-                <a:lumMod val="102000"/>
-              </a:schemeClr>
-            </a:gs>
-            <a:gs pos="50000">
-              <a:schemeClr val="phClr">
-                <a:tint val="98000"/>
-                <a:satMod val="130000"/>
-                <a:shade val="90000"/>
-                <a:lumMod val="103000"/>
+                <a:tint val="90000"/>
+                <a:lumMod val="110000"/>
               </a:schemeClr>
             </a:gs>
             <a:gs pos="100000">
               <a:schemeClr val="phClr">
-                <a:shade val="63000"/>
-                <a:satMod val="120000"/>
+                <a:shade val="88000"/>
+                <a:lumMod val="98000"/>
               </a:schemeClr>
             </a:gs>
           </a:gsLst>
           <a:lin ang="5400000" scaled="0"/>
         </a:gradFill>
+        <a:blipFill>
+          <a:blip xmlns:r="http://schemas.openxmlformats.org/officeDocument/2006/relationships" r:embed="rId2"/>
+          <a:stretch/>
+        </a:blipFill>
       </a:bgFillStyleLst>
     </a:fmtScheme>
   </a:themeElements>
@@ -5433,7 +8299,7 @@
   <a:extraClrSchemeLst/>
   <a:extLst>
     <a:ext uri="{05A4C25C-085E-4340-85A3-A5531E510DB2}">
-      <thm15:themeFamily xmlns:thm15="http://schemas.microsoft.com/office/thememl/2012/main" name="Office Theme" id="{62F939B6-93AF-4DB8-9C6B-D6C7DFDC589F}" vid="{4A3C46E8-61CC-4603-A589-7422A47A8E4A}"/>
+      <thm15:themeFamily xmlns:thm15="http://schemas.microsoft.com/office/thememl/2012/main" name="Organic" id="{28CDC826-8792-45C0-861B-85EB3ADEDA33}" vid="{7DAC20F1-423D-49E2-BD0B-50532748BAD0}"/>
     </a:ext>
   </a:extLst>
 </a:theme>

--- a/source/MySEProject/Documentation/Implement_the_KNN__Classifier_KNN_Quest.pptx
+++ b/source/MySEProject/Documentation/Implement_the_KNN__Classifier_KNN_Quest.pptx
@@ -6636,7 +6636,7 @@
         </p:nvSpPr>
         <p:spPr>
           <a:xfrm>
-            <a:off x="838200" y="1825625"/>
+            <a:off x="1130431" y="2598623"/>
             <a:ext cx="10515600" cy="4451350"/>
           </a:xfrm>
         </p:spPr>
@@ -6647,7 +6647,7 @@
           <a:lstStyle/>
           <a:p>
             <a:r>
-              <a:rPr lang="en-US" sz="2000" dirty="0">
+              <a:rPr lang="en-US" sz="1600" dirty="0">
                 <a:latin typeface="Arial Rounded MT Bold" panose="020F0704030504030204" pitchFamily="34" charset="0"/>
               </a:rPr>
               <a:t>Problem statement</a:t>
@@ -6655,7 +6655,7 @@
           </a:p>
           <a:p>
             <a:r>
-              <a:rPr lang="en-US" sz="2000" dirty="0">
+              <a:rPr lang="en-US" sz="1600" dirty="0">
                 <a:latin typeface="Arial Rounded MT Bold" panose="020F0704030504030204" pitchFamily="34" charset="0"/>
               </a:rPr>
               <a:t>Introduction to KNN classifier </a:t>
@@ -6663,7 +6663,7 @@
           </a:p>
           <a:p>
             <a:r>
-              <a:rPr lang="en-US" sz="2000" dirty="0">
+              <a:rPr lang="en-US" sz="1600" dirty="0">
                 <a:latin typeface="Arial Rounded MT Bold" panose="020F0704030504030204" pitchFamily="34" charset="0"/>
               </a:rPr>
               <a:t>Implementation of Native KNN classifier </a:t>
@@ -6671,7 +6671,7 @@
           </a:p>
           <a:p>
             <a:r>
-              <a:rPr lang="en-US" sz="2000" dirty="0">
+              <a:rPr lang="en-US" sz="1600" dirty="0">
                 <a:latin typeface="Arial Rounded MT Bold" panose="020F0704030504030204" pitchFamily="34" charset="0"/>
               </a:rPr>
               <a:t>Integration of KNN classifier with Neocortex API</a:t>
@@ -6679,7 +6679,7 @@
           </a:p>
           <a:p>
             <a:r>
-              <a:rPr lang="en-US" sz="2000" dirty="0">
+              <a:rPr lang="en-US" sz="1600" dirty="0">
                 <a:latin typeface="Arial Rounded MT Bold" panose="020F0704030504030204" pitchFamily="34" charset="0"/>
               </a:rPr>
               <a:t>Implementation of KNN Classifier with Spatial Pooler generated SDRs</a:t>
@@ -6687,7 +6687,7 @@
           </a:p>
           <a:p>
             <a:r>
-              <a:rPr lang="en-US" sz="2000" dirty="0">
+              <a:rPr lang="en-US" sz="1600" dirty="0">
                 <a:latin typeface="Arial Rounded MT Bold" panose="020F0704030504030204" pitchFamily="34" charset="0"/>
               </a:rPr>
               <a:t>Unit testing</a:t>
@@ -6695,7 +6695,7 @@
           </a:p>
           <a:p>
             <a:r>
-              <a:rPr lang="en-US" sz="2000" dirty="0">
+              <a:rPr lang="en-US" sz="1600" dirty="0">
                 <a:latin typeface="Arial Rounded MT Bold" panose="020F0704030504030204" pitchFamily="34" charset="0"/>
               </a:rPr>
               <a:t>Discussion </a:t>
@@ -6703,7 +6703,7 @@
           </a:p>
           <a:p>
             <a:r>
-              <a:rPr lang="en-US" sz="2000" dirty="0">
+              <a:rPr lang="en-US" sz="1600" dirty="0">
                 <a:latin typeface="Arial Rounded MT Bold" panose="020F0704030504030204" pitchFamily="34" charset="0"/>
               </a:rPr>
               <a:t>Conclusion</a:t>
@@ -6711,7 +6711,7 @@
           </a:p>
           <a:p>
             <a:r>
-              <a:rPr lang="en-US" sz="2000" dirty="0">
+              <a:rPr lang="en-US" sz="1600" dirty="0">
                 <a:latin typeface="Arial Rounded MT Bold" panose="020F0704030504030204" pitchFamily="34" charset="0"/>
               </a:rPr>
               <a:t>References</a:t>
@@ -6857,10 +6857,67 @@
         </p:nvSpPr>
         <p:spPr/>
         <p:txBody>
-          <a:bodyPr/>
-          <a:lstStyle/>
-          <a:p>
-            <a:endParaRPr lang="en-US" dirty="0"/>
+          <a:bodyPr>
+            <a:normAutofit/>
+          </a:bodyPr>
+          <a:lstStyle/>
+          <a:p>
+            <a:r>
+              <a:rPr lang="en-US" sz="1800" b="1" dirty="0"/>
+              <a:t>KNN Challenges: High Dimensions &amp; Imbalanced Data</a:t>
+            </a:r>
+          </a:p>
+          <a:p>
+            <a:r>
+              <a:rPr lang="en-US" sz="1800" b="1" dirty="0"/>
+              <a:t>KNN:</a:t>
+            </a:r>
+            <a:r>
+              <a:rPr lang="en-US" sz="1800" dirty="0"/>
+              <a:t> Simple and effective classifier.</a:t>
+            </a:r>
+          </a:p>
+          <a:p>
+            <a:r>
+              <a:rPr lang="en-US" sz="1800" b="1" dirty="0"/>
+              <a:t>Limitations:</a:t>
+            </a:r>
+            <a:endParaRPr lang="en-US" sz="1800" dirty="0"/>
+          </a:p>
+          <a:p>
+            <a:pPr lvl="1"/>
+            <a:r>
+              <a:rPr lang="en-US" sz="1800" b="1" dirty="0"/>
+              <a:t>High Dimensions:</a:t>
+            </a:r>
+            <a:r>
+              <a:rPr lang="en-US" sz="1800" dirty="0"/>
+              <a:t> Distances become unreliable, leading to inaccurate classification.</a:t>
+            </a:r>
+          </a:p>
+          <a:p>
+            <a:pPr lvl="1"/>
+            <a:r>
+              <a:rPr lang="en-US" sz="1800" b="1" dirty="0"/>
+              <a:t>Imbalanced Classes:</a:t>
+            </a:r>
+            <a:r>
+              <a:rPr lang="en-US" sz="1800" dirty="0"/>
+              <a:t> Biased towards majority class, neglecting minority.</a:t>
+            </a:r>
+          </a:p>
+          <a:p>
+            <a:r>
+              <a:rPr lang="en-US" sz="1800" b="1" dirty="0"/>
+              <a:t>Goal:</a:t>
+            </a:r>
+            <a:r>
+              <a:rPr lang="en-US" sz="1800" dirty="0"/>
+              <a:t> Improve KNN for these scenarios.</a:t>
+            </a:r>
+          </a:p>
+          <a:p>
+            <a:endParaRPr lang="en-US" sz="1800" dirty="0"/>
           </a:p>
         </p:txBody>
       </p:sp>
